--- a/2/figs/figs.pptx
+++ b/2/figs/figs.pptx
@@ -6,19 +6,21 @@
     <p:sldMasterId id="2147484090" r:id="rId2"/>
   </p:sldMasterIdLst>
   <p:notesMasterIdLst>
-    <p:notesMasterId r:id="rId10"/>
+    <p:notesMasterId r:id="rId12"/>
   </p:notesMasterIdLst>
   <p:handoutMasterIdLst>
-    <p:handoutMasterId r:id="rId11"/>
+    <p:handoutMasterId r:id="rId13"/>
   </p:handoutMasterIdLst>
   <p:sldIdLst>
     <p:sldId id="394" r:id="rId3"/>
     <p:sldId id="395" r:id="rId4"/>
     <p:sldId id="396" r:id="rId5"/>
     <p:sldId id="397" r:id="rId6"/>
-    <p:sldId id="398" r:id="rId7"/>
-    <p:sldId id="399" r:id="rId8"/>
-    <p:sldId id="400" r:id="rId9"/>
+    <p:sldId id="401" r:id="rId7"/>
+    <p:sldId id="402" r:id="rId8"/>
+    <p:sldId id="398" r:id="rId9"/>
+    <p:sldId id="399" r:id="rId10"/>
+    <p:sldId id="400" r:id="rId11"/>
   </p:sldIdLst>
   <p:sldSz cx="9144000" cy="6858000" type="screen4x3"/>
   <p:notesSz cx="6858000" cy="9144000"/>
@@ -15108,6 +15110,2622 @@
 </file>
 
 <file path=ppt/slides/slide5.xml><?xml version="1.0" encoding="utf-8"?>
+<p:sld xmlns:a="http://schemas.openxmlformats.org/drawingml/2006/main" xmlns:r="http://schemas.openxmlformats.org/officeDocument/2006/relationships" xmlns:p="http://schemas.openxmlformats.org/presentationml/2006/main">
+  <p:cSld>
+    <p:spTree>
+      <p:nvGrpSpPr>
+        <p:cNvPr id="1" name=""/>
+        <p:cNvGrpSpPr/>
+        <p:nvPr/>
+      </p:nvGrpSpPr>
+      <p:grpSpPr>
+        <a:xfrm>
+          <a:off x="0" y="0"/>
+          <a:ext cx="0" cy="0"/>
+          <a:chOff x="0" y="0"/>
+          <a:chExt cx="0" cy="0"/>
+        </a:xfrm>
+      </p:grpSpPr>
+      <p:grpSp>
+        <p:nvGrpSpPr>
+          <p:cNvPr id="3" name="Group 2">
+            <a:extLst>
+              <a:ext uri="{FF2B5EF4-FFF2-40B4-BE49-F238E27FC236}">
+                <a16:creationId xmlns:a16="http://schemas.microsoft.com/office/drawing/2014/main" id="{637D8108-8C28-844D-AA13-6712561A3FFD}"/>
+              </a:ext>
+            </a:extLst>
+          </p:cNvPr>
+          <p:cNvGrpSpPr/>
+          <p:nvPr/>
+        </p:nvGrpSpPr>
+        <p:grpSpPr>
+          <a:xfrm>
+            <a:off x="1453620" y="659231"/>
+            <a:ext cx="5100514" cy="4076613"/>
+            <a:chOff x="1453620" y="659231"/>
+            <a:chExt cx="5100514" cy="4076613"/>
+          </a:xfrm>
+        </p:grpSpPr>
+        <p:grpSp>
+          <p:nvGrpSpPr>
+            <p:cNvPr id="2" name="Group 1">
+              <a:extLst>
+                <a:ext uri="{FF2B5EF4-FFF2-40B4-BE49-F238E27FC236}">
+                  <a16:creationId xmlns:a16="http://schemas.microsoft.com/office/drawing/2014/main" id="{5193CE95-5179-104E-877B-DF76A03B1292}"/>
+                </a:ext>
+              </a:extLst>
+            </p:cNvPr>
+            <p:cNvGrpSpPr/>
+            <p:nvPr/>
+          </p:nvGrpSpPr>
+          <p:grpSpPr>
+            <a:xfrm>
+              <a:off x="1453620" y="1090118"/>
+              <a:ext cx="5100514" cy="3645726"/>
+              <a:chOff x="1453620" y="1090118"/>
+              <a:chExt cx="5100514" cy="3645726"/>
+            </a:xfrm>
+          </p:grpSpPr>
+          <p:pic>
+            <p:nvPicPr>
+              <p:cNvPr id="14" name="Picture 13">
+                <a:extLst>
+                  <a:ext uri="{FF2B5EF4-FFF2-40B4-BE49-F238E27FC236}">
+                    <a16:creationId xmlns:a16="http://schemas.microsoft.com/office/drawing/2014/main" id="{6E52EDBF-67BB-F04D-B807-23EA15374C9D}"/>
+                  </a:ext>
+                </a:extLst>
+              </p:cNvPr>
+              <p:cNvPicPr>
+                <a:picLocks noChangeAspect="1"/>
+              </p:cNvPicPr>
+              <p:nvPr/>
+            </p:nvPicPr>
+            <p:blipFill>
+              <a:blip r:embed="rId2"/>
+              <a:stretch>
+                <a:fillRect/>
+              </a:stretch>
+            </p:blipFill>
+            <p:spPr>
+              <a:xfrm>
+                <a:off x="1453620" y="1177316"/>
+                <a:ext cx="2163271" cy="1622453"/>
+              </a:xfrm>
+              <a:prstGeom prst="rect">
+                <a:avLst/>
+              </a:prstGeom>
+            </p:spPr>
+          </p:pic>
+          <p:pic>
+            <p:nvPicPr>
+              <p:cNvPr id="16" name="Picture 15">
+                <a:extLst>
+                  <a:ext uri="{FF2B5EF4-FFF2-40B4-BE49-F238E27FC236}">
+                    <a16:creationId xmlns:a16="http://schemas.microsoft.com/office/drawing/2014/main" id="{416A593C-9634-AB4F-A5A2-217EC447A1F8}"/>
+                  </a:ext>
+                </a:extLst>
+              </p:cNvPr>
+              <p:cNvPicPr>
+                <a:picLocks noChangeAspect="1"/>
+              </p:cNvPicPr>
+              <p:nvPr/>
+            </p:nvPicPr>
+            <p:blipFill>
+              <a:blip r:embed="rId3"/>
+              <a:stretch>
+                <a:fillRect/>
+              </a:stretch>
+            </p:blipFill>
+            <p:spPr>
+              <a:xfrm>
+                <a:off x="2942451" y="3013880"/>
+                <a:ext cx="2163271" cy="1721964"/>
+              </a:xfrm>
+              <a:prstGeom prst="rect">
+                <a:avLst/>
+              </a:prstGeom>
+            </p:spPr>
+          </p:pic>
+          <p:pic>
+            <p:nvPicPr>
+              <p:cNvPr id="18" name="Picture 17">
+                <a:extLst>
+                  <a:ext uri="{FF2B5EF4-FFF2-40B4-BE49-F238E27FC236}">
+                    <a16:creationId xmlns:a16="http://schemas.microsoft.com/office/drawing/2014/main" id="{E6E94BEF-9A56-4E41-81B7-8727BBB974CB}"/>
+                  </a:ext>
+                </a:extLst>
+              </p:cNvPr>
+              <p:cNvPicPr>
+                <a:picLocks noChangeAspect="1"/>
+              </p:cNvPicPr>
+              <p:nvPr/>
+            </p:nvPicPr>
+            <p:blipFill>
+              <a:blip r:embed="rId4"/>
+              <a:stretch>
+                <a:fillRect/>
+              </a:stretch>
+            </p:blipFill>
+            <p:spPr>
+              <a:xfrm>
+                <a:off x="4401360" y="1090118"/>
+                <a:ext cx="2152774" cy="1796849"/>
+              </a:xfrm>
+              <a:prstGeom prst="rect">
+                <a:avLst/>
+              </a:prstGeom>
+            </p:spPr>
+          </p:pic>
+        </p:grpSp>
+        <mc:AlternateContent xmlns:mc="http://schemas.openxmlformats.org/markup-compatibility/2006">
+          <mc:Choice xmlns:a14="http://schemas.microsoft.com/office/drawing/2010/main" Requires="a14">
+            <p:sp>
+              <p:nvSpPr>
+                <p:cNvPr id="19" name="TextBox 18">
+                  <a:extLst>
+                    <a:ext uri="{FF2B5EF4-FFF2-40B4-BE49-F238E27FC236}">
+                      <a16:creationId xmlns:a16="http://schemas.microsoft.com/office/drawing/2014/main" id="{1FD7F19E-4BF6-9643-8888-C4185E9E78FF}"/>
+                    </a:ext>
+                  </a:extLst>
+                </p:cNvPr>
+                <p:cNvSpPr txBox="1"/>
+                <p:nvPr/>
+              </p:nvSpPr>
+              <p:spPr>
+                <a:xfrm>
+                  <a:off x="3784651" y="659231"/>
+                  <a:ext cx="438453" cy="430887"/>
+                </a:xfrm>
+                <a:prstGeom prst="rect">
+                  <a:avLst/>
+                </a:prstGeom>
+                <a:noFill/>
+              </p:spPr>
+              <p:txBody>
+                <a:bodyPr wrap="none" rtlCol="0">
+                  <a:spAutoFit/>
+                </a:bodyPr>
+                <a:lstStyle/>
+                <a:p>
+                  <a14:m>
+                    <m:oMathPara xmlns:m="http://schemas.openxmlformats.org/officeDocument/2006/math">
+                      <m:oMathParaPr>
+                        <m:jc m:val="centerGroup"/>
+                      </m:oMathParaPr>
+                      <m:oMath xmlns:m="http://schemas.openxmlformats.org/officeDocument/2006/math">
+                        <m:r>
+                          <a:rPr lang="en-US" b="0" i="1" smtClean="0">
+                            <a:solidFill>
+                              <a:schemeClr val="tx1"/>
+                            </a:solidFill>
+                            <a:latin typeface="Cambria Math" panose="02040503050406030204" pitchFamily="18" charset="0"/>
+                            <a:ea typeface="Hiragino Kaku Gothic Pro W3" charset="-128"/>
+                            <a:cs typeface="Hiragino Kaku Gothic Pro W3" charset="-128"/>
+                          </a:rPr>
+                          <m:t>𝑥</m:t>
+                        </m:r>
+                      </m:oMath>
+                    </m:oMathPara>
+                  </a14:m>
+                  <a:endParaRPr lang="en-US" dirty="0">
+                    <a:solidFill>
+                      <a:schemeClr val="tx1"/>
+                    </a:solidFill>
+                    <a:latin typeface="Hiragino Kaku Gothic Pro W3" charset="-128"/>
+                    <a:ea typeface="Hiragino Kaku Gothic Pro W3" charset="-128"/>
+                    <a:cs typeface="Hiragino Kaku Gothic Pro W3" charset="-128"/>
+                  </a:endParaRPr>
+                </a:p>
+              </p:txBody>
+            </p:sp>
+          </mc:Choice>
+          <mc:Fallback>
+            <p:sp>
+              <p:nvSpPr>
+                <p:cNvPr id="19" name="TextBox 18">
+                  <a:extLst>
+                    <a:ext uri="{FF2B5EF4-FFF2-40B4-BE49-F238E27FC236}">
+                      <a16:creationId xmlns:a16="http://schemas.microsoft.com/office/drawing/2014/main" id="{1FD7F19E-4BF6-9643-8888-C4185E9E78FF}"/>
+                    </a:ext>
+                  </a:extLst>
+                </p:cNvPr>
+                <p:cNvSpPr txBox="1">
+                  <a:spLocks noRot="1" noChangeAspect="1" noMove="1" noResize="1" noEditPoints="1" noAdjustHandles="1" noChangeArrowheads="1" noChangeShapeType="1" noTextEdit="1"/>
+                </p:cNvSpPr>
+                <p:nvPr/>
+              </p:nvSpPr>
+              <p:spPr>
+                <a:xfrm>
+                  <a:off x="3784651" y="659231"/>
+                  <a:ext cx="438453" cy="430887"/>
+                </a:xfrm>
+                <a:prstGeom prst="rect">
+                  <a:avLst/>
+                </a:prstGeom>
+                <a:blipFill>
+                  <a:blip r:embed="rId5"/>
+                  <a:stretch>
+                    <a:fillRect/>
+                  </a:stretch>
+                </a:blipFill>
+              </p:spPr>
+              <p:txBody>
+                <a:bodyPr/>
+                <a:lstStyle/>
+                <a:p>
+                  <a:r>
+                    <a:rPr lang="en-US">
+                      <a:noFill/>
+                    </a:rPr>
+                    <a:t> </a:t>
+                  </a:r>
+                </a:p>
+              </p:txBody>
+            </p:sp>
+          </mc:Fallback>
+        </mc:AlternateContent>
+      </p:grpSp>
+    </p:spTree>
+    <p:extLst>
+      <p:ext uri="{BB962C8B-B14F-4D97-AF65-F5344CB8AC3E}">
+        <p14:creationId xmlns:p14="http://schemas.microsoft.com/office/powerpoint/2010/main" val="2399496926"/>
+      </p:ext>
+    </p:extLst>
+  </p:cSld>
+  <p:clrMapOvr>
+    <a:masterClrMapping/>
+  </p:clrMapOvr>
+</p:sld>
+</file>
+
+<file path=ppt/slides/slide6.xml><?xml version="1.0" encoding="utf-8"?>
+<p:sld xmlns:a="http://schemas.openxmlformats.org/drawingml/2006/main" xmlns:r="http://schemas.openxmlformats.org/officeDocument/2006/relationships" xmlns:p="http://schemas.openxmlformats.org/presentationml/2006/main">
+  <p:cSld>
+    <p:spTree>
+      <p:nvGrpSpPr>
+        <p:cNvPr id="1" name=""/>
+        <p:cNvGrpSpPr/>
+        <p:nvPr/>
+      </p:nvGrpSpPr>
+      <p:grpSpPr>
+        <a:xfrm>
+          <a:off x="0" y="0"/>
+          <a:ext cx="0" cy="0"/>
+          <a:chOff x="0" y="0"/>
+          <a:chExt cx="0" cy="0"/>
+        </a:xfrm>
+      </p:grpSpPr>
+      <p:grpSp>
+        <p:nvGrpSpPr>
+          <p:cNvPr id="3" name="Group 2">
+            <a:extLst>
+              <a:ext uri="{FF2B5EF4-FFF2-40B4-BE49-F238E27FC236}">
+                <a16:creationId xmlns:a16="http://schemas.microsoft.com/office/drawing/2014/main" id="{637D8108-8C28-844D-AA13-6712561A3FFD}"/>
+              </a:ext>
+            </a:extLst>
+          </p:cNvPr>
+          <p:cNvGrpSpPr/>
+          <p:nvPr/>
+        </p:nvGrpSpPr>
+        <p:grpSpPr>
+          <a:xfrm>
+            <a:off x="1453620" y="659231"/>
+            <a:ext cx="5100514" cy="4076613"/>
+            <a:chOff x="1453620" y="659231"/>
+            <a:chExt cx="5100514" cy="4076613"/>
+          </a:xfrm>
+        </p:grpSpPr>
+        <p:grpSp>
+          <p:nvGrpSpPr>
+            <p:cNvPr id="2" name="Group 1">
+              <a:extLst>
+                <a:ext uri="{FF2B5EF4-FFF2-40B4-BE49-F238E27FC236}">
+                  <a16:creationId xmlns:a16="http://schemas.microsoft.com/office/drawing/2014/main" id="{5193CE95-5179-104E-877B-DF76A03B1292}"/>
+                </a:ext>
+              </a:extLst>
+            </p:cNvPr>
+            <p:cNvGrpSpPr/>
+            <p:nvPr/>
+          </p:nvGrpSpPr>
+          <p:grpSpPr>
+            <a:xfrm>
+              <a:off x="1453620" y="1090118"/>
+              <a:ext cx="5100514" cy="3645726"/>
+              <a:chOff x="1453620" y="1090118"/>
+              <a:chExt cx="5100514" cy="3645726"/>
+            </a:xfrm>
+          </p:grpSpPr>
+          <p:pic>
+            <p:nvPicPr>
+              <p:cNvPr id="14" name="Picture 13">
+                <a:extLst>
+                  <a:ext uri="{FF2B5EF4-FFF2-40B4-BE49-F238E27FC236}">
+                    <a16:creationId xmlns:a16="http://schemas.microsoft.com/office/drawing/2014/main" id="{6E52EDBF-67BB-F04D-B807-23EA15374C9D}"/>
+                  </a:ext>
+                </a:extLst>
+              </p:cNvPr>
+              <p:cNvPicPr>
+                <a:picLocks noChangeAspect="1"/>
+              </p:cNvPicPr>
+              <p:nvPr/>
+            </p:nvPicPr>
+            <p:blipFill>
+              <a:blip r:embed="rId2"/>
+              <a:stretch>
+                <a:fillRect/>
+              </a:stretch>
+            </p:blipFill>
+            <p:spPr>
+              <a:xfrm>
+                <a:off x="1453620" y="1177316"/>
+                <a:ext cx="2163271" cy="1622453"/>
+              </a:xfrm>
+              <a:prstGeom prst="rect">
+                <a:avLst/>
+              </a:prstGeom>
+            </p:spPr>
+          </p:pic>
+          <p:pic>
+            <p:nvPicPr>
+              <p:cNvPr id="16" name="Picture 15">
+                <a:extLst>
+                  <a:ext uri="{FF2B5EF4-FFF2-40B4-BE49-F238E27FC236}">
+                    <a16:creationId xmlns:a16="http://schemas.microsoft.com/office/drawing/2014/main" id="{416A593C-9634-AB4F-A5A2-217EC447A1F8}"/>
+                  </a:ext>
+                </a:extLst>
+              </p:cNvPr>
+              <p:cNvPicPr>
+                <a:picLocks noChangeAspect="1"/>
+              </p:cNvPicPr>
+              <p:nvPr/>
+            </p:nvPicPr>
+            <p:blipFill>
+              <a:blip r:embed="rId3"/>
+              <a:stretch>
+                <a:fillRect/>
+              </a:stretch>
+            </p:blipFill>
+            <p:spPr>
+              <a:xfrm>
+                <a:off x="2942451" y="3013880"/>
+                <a:ext cx="2163271" cy="1721964"/>
+              </a:xfrm>
+              <a:prstGeom prst="rect">
+                <a:avLst/>
+              </a:prstGeom>
+            </p:spPr>
+          </p:pic>
+          <p:pic>
+            <p:nvPicPr>
+              <p:cNvPr id="18" name="Picture 17">
+                <a:extLst>
+                  <a:ext uri="{FF2B5EF4-FFF2-40B4-BE49-F238E27FC236}">
+                    <a16:creationId xmlns:a16="http://schemas.microsoft.com/office/drawing/2014/main" id="{E6E94BEF-9A56-4E41-81B7-8727BBB974CB}"/>
+                  </a:ext>
+                </a:extLst>
+              </p:cNvPr>
+              <p:cNvPicPr>
+                <a:picLocks noChangeAspect="1"/>
+              </p:cNvPicPr>
+              <p:nvPr/>
+            </p:nvPicPr>
+            <p:blipFill>
+              <a:blip r:embed="rId4"/>
+              <a:stretch>
+                <a:fillRect/>
+              </a:stretch>
+            </p:blipFill>
+            <p:spPr>
+              <a:xfrm>
+                <a:off x="4401360" y="1090118"/>
+                <a:ext cx="2152774" cy="1796849"/>
+              </a:xfrm>
+              <a:prstGeom prst="rect">
+                <a:avLst/>
+              </a:prstGeom>
+            </p:spPr>
+          </p:pic>
+        </p:grpSp>
+        <mc:AlternateContent xmlns:mc="http://schemas.openxmlformats.org/markup-compatibility/2006">
+          <mc:Choice xmlns:a14="http://schemas.microsoft.com/office/drawing/2010/main" Requires="a14">
+            <p:sp>
+              <p:nvSpPr>
+                <p:cNvPr id="19" name="TextBox 18">
+                  <a:extLst>
+                    <a:ext uri="{FF2B5EF4-FFF2-40B4-BE49-F238E27FC236}">
+                      <a16:creationId xmlns:a16="http://schemas.microsoft.com/office/drawing/2014/main" id="{1FD7F19E-4BF6-9643-8888-C4185E9E78FF}"/>
+                    </a:ext>
+                  </a:extLst>
+                </p:cNvPr>
+                <p:cNvSpPr txBox="1"/>
+                <p:nvPr/>
+              </p:nvSpPr>
+              <p:spPr>
+                <a:xfrm>
+                  <a:off x="3784651" y="659231"/>
+                  <a:ext cx="438453" cy="430887"/>
+                </a:xfrm>
+                <a:prstGeom prst="rect">
+                  <a:avLst/>
+                </a:prstGeom>
+                <a:noFill/>
+              </p:spPr>
+              <p:txBody>
+                <a:bodyPr wrap="none" rtlCol="0">
+                  <a:spAutoFit/>
+                </a:bodyPr>
+                <a:lstStyle/>
+                <a:p>
+                  <a14:m>
+                    <m:oMathPara xmlns:m="http://schemas.openxmlformats.org/officeDocument/2006/math">
+                      <m:oMathParaPr>
+                        <m:jc m:val="centerGroup"/>
+                      </m:oMathParaPr>
+                      <m:oMath xmlns:m="http://schemas.openxmlformats.org/officeDocument/2006/math">
+                        <m:r>
+                          <a:rPr lang="en-US" b="0" i="1" smtClean="0">
+                            <a:solidFill>
+                              <a:schemeClr val="tx1"/>
+                            </a:solidFill>
+                            <a:latin typeface="Cambria Math" panose="02040503050406030204" pitchFamily="18" charset="0"/>
+                            <a:ea typeface="Hiragino Kaku Gothic Pro W3" charset="-128"/>
+                            <a:cs typeface="Hiragino Kaku Gothic Pro W3" charset="-128"/>
+                          </a:rPr>
+                          <m:t>𝑥</m:t>
+                        </m:r>
+                      </m:oMath>
+                    </m:oMathPara>
+                  </a14:m>
+                  <a:endParaRPr lang="en-US" dirty="0">
+                    <a:solidFill>
+                      <a:schemeClr val="tx1"/>
+                    </a:solidFill>
+                    <a:latin typeface="Hiragino Kaku Gothic Pro W3" charset="-128"/>
+                    <a:ea typeface="Hiragino Kaku Gothic Pro W3" charset="-128"/>
+                    <a:cs typeface="Hiragino Kaku Gothic Pro W3" charset="-128"/>
+                  </a:endParaRPr>
+                </a:p>
+              </p:txBody>
+            </p:sp>
+          </mc:Choice>
+          <mc:Fallback>
+            <p:sp>
+              <p:nvSpPr>
+                <p:cNvPr id="19" name="TextBox 18">
+                  <a:extLst>
+                    <a:ext uri="{FF2B5EF4-FFF2-40B4-BE49-F238E27FC236}">
+                      <a16:creationId xmlns:a16="http://schemas.microsoft.com/office/drawing/2014/main" id="{1FD7F19E-4BF6-9643-8888-C4185E9E78FF}"/>
+                    </a:ext>
+                  </a:extLst>
+                </p:cNvPr>
+                <p:cNvSpPr txBox="1">
+                  <a:spLocks noRot="1" noChangeAspect="1" noMove="1" noResize="1" noEditPoints="1" noAdjustHandles="1" noChangeArrowheads="1" noChangeShapeType="1" noTextEdit="1"/>
+                </p:cNvSpPr>
+                <p:nvPr/>
+              </p:nvSpPr>
+              <p:spPr>
+                <a:xfrm>
+                  <a:off x="3784651" y="659231"/>
+                  <a:ext cx="438453" cy="430887"/>
+                </a:xfrm>
+                <a:prstGeom prst="rect">
+                  <a:avLst/>
+                </a:prstGeom>
+                <a:blipFill>
+                  <a:blip r:embed="rId5"/>
+                  <a:stretch>
+                    <a:fillRect/>
+                  </a:stretch>
+                </a:blipFill>
+              </p:spPr>
+              <p:txBody>
+                <a:bodyPr/>
+                <a:lstStyle/>
+                <a:p>
+                  <a:r>
+                    <a:rPr lang="en-US">
+                      <a:noFill/>
+                    </a:rPr>
+                    <a:t> </a:t>
+                  </a:r>
+                </a:p>
+              </p:txBody>
+            </p:sp>
+          </mc:Fallback>
+        </mc:AlternateContent>
+      </p:grpSp>
+      <p:sp>
+        <p:nvSpPr>
+          <p:cNvPr id="4" name="Freeform 3">
+            <a:extLst>
+              <a:ext uri="{FF2B5EF4-FFF2-40B4-BE49-F238E27FC236}">
+                <a16:creationId xmlns:a16="http://schemas.microsoft.com/office/drawing/2014/main" id="{0C0081E4-2476-3446-9C5C-56815994B90E}"/>
+              </a:ext>
+            </a:extLst>
+          </p:cNvPr>
+          <p:cNvSpPr/>
+          <p:nvPr/>
+        </p:nvSpPr>
+        <p:spPr bwMode="auto">
+          <a:xfrm>
+            <a:off x="1113692" y="902677"/>
+            <a:ext cx="4384473" cy="4161692"/>
+          </a:xfrm>
+          <a:custGeom>
+            <a:avLst/>
+            <a:gdLst>
+              <a:gd name="connsiteX0" fmla="*/ 2965939 w 4384473"/>
+              <a:gd name="connsiteY0" fmla="*/ 422031 h 4161692"/>
+              <a:gd name="connsiteX1" fmla="*/ 2883877 w 4384473"/>
+              <a:gd name="connsiteY1" fmla="*/ 386861 h 4161692"/>
+              <a:gd name="connsiteX2" fmla="*/ 2790093 w 4384473"/>
+              <a:gd name="connsiteY2" fmla="*/ 351692 h 4161692"/>
+              <a:gd name="connsiteX3" fmla="*/ 2766646 w 4384473"/>
+              <a:gd name="connsiteY3" fmla="*/ 328246 h 4161692"/>
+              <a:gd name="connsiteX4" fmla="*/ 2708031 w 4384473"/>
+              <a:gd name="connsiteY4" fmla="*/ 304800 h 4161692"/>
+              <a:gd name="connsiteX5" fmla="*/ 2625970 w 4384473"/>
+              <a:gd name="connsiteY5" fmla="*/ 269631 h 4161692"/>
+              <a:gd name="connsiteX6" fmla="*/ 2485293 w 4384473"/>
+              <a:gd name="connsiteY6" fmla="*/ 199292 h 4161692"/>
+              <a:gd name="connsiteX7" fmla="*/ 2426677 w 4384473"/>
+              <a:gd name="connsiteY7" fmla="*/ 175846 h 4161692"/>
+              <a:gd name="connsiteX8" fmla="*/ 2391508 w 4384473"/>
+              <a:gd name="connsiteY8" fmla="*/ 164123 h 4161692"/>
+              <a:gd name="connsiteX9" fmla="*/ 2344616 w 4384473"/>
+              <a:gd name="connsiteY9" fmla="*/ 140677 h 4161692"/>
+              <a:gd name="connsiteX10" fmla="*/ 2309446 w 4384473"/>
+              <a:gd name="connsiteY10" fmla="*/ 128954 h 4161692"/>
+              <a:gd name="connsiteX11" fmla="*/ 2262554 w 4384473"/>
+              <a:gd name="connsiteY11" fmla="*/ 105508 h 4161692"/>
+              <a:gd name="connsiteX12" fmla="*/ 2192216 w 4384473"/>
+              <a:gd name="connsiteY12" fmla="*/ 93785 h 4161692"/>
+              <a:gd name="connsiteX13" fmla="*/ 2145323 w 4384473"/>
+              <a:gd name="connsiteY13" fmla="*/ 70338 h 4161692"/>
+              <a:gd name="connsiteX14" fmla="*/ 2051539 w 4384473"/>
+              <a:gd name="connsiteY14" fmla="*/ 46892 h 4161692"/>
+              <a:gd name="connsiteX15" fmla="*/ 2016370 w 4384473"/>
+              <a:gd name="connsiteY15" fmla="*/ 35169 h 4161692"/>
+              <a:gd name="connsiteX16" fmla="*/ 1957754 w 4384473"/>
+              <a:gd name="connsiteY16" fmla="*/ 23446 h 4161692"/>
+              <a:gd name="connsiteX17" fmla="*/ 1887416 w 4384473"/>
+              <a:gd name="connsiteY17" fmla="*/ 0 h 4161692"/>
+              <a:gd name="connsiteX18" fmla="*/ 1277816 w 4384473"/>
+              <a:gd name="connsiteY18" fmla="*/ 23446 h 4161692"/>
+              <a:gd name="connsiteX19" fmla="*/ 1219200 w 4384473"/>
+              <a:gd name="connsiteY19" fmla="*/ 35169 h 4161692"/>
+              <a:gd name="connsiteX20" fmla="*/ 1031631 w 4384473"/>
+              <a:gd name="connsiteY20" fmla="*/ 46892 h 4161692"/>
+              <a:gd name="connsiteX21" fmla="*/ 785446 w 4384473"/>
+              <a:gd name="connsiteY21" fmla="*/ 70338 h 4161692"/>
+              <a:gd name="connsiteX22" fmla="*/ 609600 w 4384473"/>
+              <a:gd name="connsiteY22" fmla="*/ 93785 h 4161692"/>
+              <a:gd name="connsiteX23" fmla="*/ 574431 w 4384473"/>
+              <a:gd name="connsiteY23" fmla="*/ 105508 h 4161692"/>
+              <a:gd name="connsiteX24" fmla="*/ 445477 w 4384473"/>
+              <a:gd name="connsiteY24" fmla="*/ 128954 h 4161692"/>
+              <a:gd name="connsiteX25" fmla="*/ 410308 w 4384473"/>
+              <a:gd name="connsiteY25" fmla="*/ 140677 h 4161692"/>
+              <a:gd name="connsiteX26" fmla="*/ 351693 w 4384473"/>
+              <a:gd name="connsiteY26" fmla="*/ 199292 h 4161692"/>
+              <a:gd name="connsiteX27" fmla="*/ 304800 w 4384473"/>
+              <a:gd name="connsiteY27" fmla="*/ 246185 h 4161692"/>
+              <a:gd name="connsiteX28" fmla="*/ 222739 w 4384473"/>
+              <a:gd name="connsiteY28" fmla="*/ 293077 h 4161692"/>
+              <a:gd name="connsiteX29" fmla="*/ 199293 w 4384473"/>
+              <a:gd name="connsiteY29" fmla="*/ 328246 h 4161692"/>
+              <a:gd name="connsiteX30" fmla="*/ 175846 w 4384473"/>
+              <a:gd name="connsiteY30" fmla="*/ 351692 h 4161692"/>
+              <a:gd name="connsiteX31" fmla="*/ 128954 w 4384473"/>
+              <a:gd name="connsiteY31" fmla="*/ 468923 h 4161692"/>
+              <a:gd name="connsiteX32" fmla="*/ 105508 w 4384473"/>
+              <a:gd name="connsiteY32" fmla="*/ 515815 h 4161692"/>
+              <a:gd name="connsiteX33" fmla="*/ 82062 w 4384473"/>
+              <a:gd name="connsiteY33" fmla="*/ 715108 h 4161692"/>
+              <a:gd name="connsiteX34" fmla="*/ 70339 w 4384473"/>
+              <a:gd name="connsiteY34" fmla="*/ 797169 h 4161692"/>
+              <a:gd name="connsiteX35" fmla="*/ 46893 w 4384473"/>
+              <a:gd name="connsiteY35" fmla="*/ 996461 h 4161692"/>
+              <a:gd name="connsiteX36" fmla="*/ 23446 w 4384473"/>
+              <a:gd name="connsiteY36" fmla="*/ 1289538 h 4161692"/>
+              <a:gd name="connsiteX37" fmla="*/ 0 w 4384473"/>
+              <a:gd name="connsiteY37" fmla="*/ 1535723 h 4161692"/>
+              <a:gd name="connsiteX38" fmla="*/ 11723 w 4384473"/>
+              <a:gd name="connsiteY38" fmla="*/ 1723292 h 4161692"/>
+              <a:gd name="connsiteX39" fmla="*/ 23446 w 4384473"/>
+              <a:gd name="connsiteY39" fmla="*/ 1770185 h 4161692"/>
+              <a:gd name="connsiteX40" fmla="*/ 35170 w 4384473"/>
+              <a:gd name="connsiteY40" fmla="*/ 1828800 h 4161692"/>
+              <a:gd name="connsiteX41" fmla="*/ 58616 w 4384473"/>
+              <a:gd name="connsiteY41" fmla="*/ 1910861 h 4161692"/>
+              <a:gd name="connsiteX42" fmla="*/ 105508 w 4384473"/>
+              <a:gd name="connsiteY42" fmla="*/ 1981200 h 4161692"/>
+              <a:gd name="connsiteX43" fmla="*/ 164123 w 4384473"/>
+              <a:gd name="connsiteY43" fmla="*/ 2051538 h 4161692"/>
+              <a:gd name="connsiteX44" fmla="*/ 234462 w 4384473"/>
+              <a:gd name="connsiteY44" fmla="*/ 2098431 h 4161692"/>
+              <a:gd name="connsiteX45" fmla="*/ 316523 w 4384473"/>
+              <a:gd name="connsiteY45" fmla="*/ 2133600 h 4161692"/>
+              <a:gd name="connsiteX46" fmla="*/ 398585 w 4384473"/>
+              <a:gd name="connsiteY46" fmla="*/ 2192215 h 4161692"/>
+              <a:gd name="connsiteX47" fmla="*/ 504093 w 4384473"/>
+              <a:gd name="connsiteY47" fmla="*/ 2250831 h 4161692"/>
+              <a:gd name="connsiteX48" fmla="*/ 609600 w 4384473"/>
+              <a:gd name="connsiteY48" fmla="*/ 2309446 h 4161692"/>
+              <a:gd name="connsiteX49" fmla="*/ 656493 w 4384473"/>
+              <a:gd name="connsiteY49" fmla="*/ 2344615 h 4161692"/>
+              <a:gd name="connsiteX50" fmla="*/ 726831 w 4384473"/>
+              <a:gd name="connsiteY50" fmla="*/ 2368061 h 4161692"/>
+              <a:gd name="connsiteX51" fmla="*/ 797170 w 4384473"/>
+              <a:gd name="connsiteY51" fmla="*/ 2391508 h 4161692"/>
+              <a:gd name="connsiteX52" fmla="*/ 914400 w 4384473"/>
+              <a:gd name="connsiteY52" fmla="*/ 2426677 h 4161692"/>
+              <a:gd name="connsiteX53" fmla="*/ 961293 w 4384473"/>
+              <a:gd name="connsiteY53" fmla="*/ 2438400 h 4161692"/>
+              <a:gd name="connsiteX54" fmla="*/ 996462 w 4384473"/>
+              <a:gd name="connsiteY54" fmla="*/ 2450123 h 4161692"/>
+              <a:gd name="connsiteX55" fmla="*/ 1043354 w 4384473"/>
+              <a:gd name="connsiteY55" fmla="*/ 2461846 h 4161692"/>
+              <a:gd name="connsiteX56" fmla="*/ 1078523 w 4384473"/>
+              <a:gd name="connsiteY56" fmla="*/ 2473569 h 4161692"/>
+              <a:gd name="connsiteX57" fmla="*/ 1160585 w 4384473"/>
+              <a:gd name="connsiteY57" fmla="*/ 2497015 h 4161692"/>
+              <a:gd name="connsiteX58" fmla="*/ 1266093 w 4384473"/>
+              <a:gd name="connsiteY58" fmla="*/ 2543908 h 4161692"/>
+              <a:gd name="connsiteX59" fmla="*/ 1289539 w 4384473"/>
+              <a:gd name="connsiteY59" fmla="*/ 2579077 h 4161692"/>
+              <a:gd name="connsiteX60" fmla="*/ 1301262 w 4384473"/>
+              <a:gd name="connsiteY60" fmla="*/ 2625969 h 4161692"/>
+              <a:gd name="connsiteX61" fmla="*/ 1324708 w 4384473"/>
+              <a:gd name="connsiteY61" fmla="*/ 2801815 h 4161692"/>
+              <a:gd name="connsiteX62" fmla="*/ 1336431 w 4384473"/>
+              <a:gd name="connsiteY62" fmla="*/ 2860431 h 4161692"/>
+              <a:gd name="connsiteX63" fmla="*/ 1348154 w 4384473"/>
+              <a:gd name="connsiteY63" fmla="*/ 2930769 h 4161692"/>
+              <a:gd name="connsiteX64" fmla="*/ 1371600 w 4384473"/>
+              <a:gd name="connsiteY64" fmla="*/ 3024554 h 4161692"/>
+              <a:gd name="connsiteX65" fmla="*/ 1383323 w 4384473"/>
+              <a:gd name="connsiteY65" fmla="*/ 3071446 h 4161692"/>
+              <a:gd name="connsiteX66" fmla="*/ 1441939 w 4384473"/>
+              <a:gd name="connsiteY66" fmla="*/ 3188677 h 4161692"/>
+              <a:gd name="connsiteX67" fmla="*/ 1465385 w 4384473"/>
+              <a:gd name="connsiteY67" fmla="*/ 3259015 h 4161692"/>
+              <a:gd name="connsiteX68" fmla="*/ 1500554 w 4384473"/>
+              <a:gd name="connsiteY68" fmla="*/ 3352800 h 4161692"/>
+              <a:gd name="connsiteX69" fmla="*/ 1512277 w 4384473"/>
+              <a:gd name="connsiteY69" fmla="*/ 3411415 h 4161692"/>
+              <a:gd name="connsiteX70" fmla="*/ 1535723 w 4384473"/>
+              <a:gd name="connsiteY70" fmla="*/ 3516923 h 4161692"/>
+              <a:gd name="connsiteX71" fmla="*/ 1559170 w 4384473"/>
+              <a:gd name="connsiteY71" fmla="*/ 3681046 h 4161692"/>
+              <a:gd name="connsiteX72" fmla="*/ 1570893 w 4384473"/>
+              <a:gd name="connsiteY72" fmla="*/ 3716215 h 4161692"/>
+              <a:gd name="connsiteX73" fmla="*/ 1582616 w 4384473"/>
+              <a:gd name="connsiteY73" fmla="*/ 3763108 h 4161692"/>
+              <a:gd name="connsiteX74" fmla="*/ 1606062 w 4384473"/>
+              <a:gd name="connsiteY74" fmla="*/ 3798277 h 4161692"/>
+              <a:gd name="connsiteX75" fmla="*/ 1641231 w 4384473"/>
+              <a:gd name="connsiteY75" fmla="*/ 3915508 h 4161692"/>
+              <a:gd name="connsiteX76" fmla="*/ 1652954 w 4384473"/>
+              <a:gd name="connsiteY76" fmla="*/ 3950677 h 4161692"/>
+              <a:gd name="connsiteX77" fmla="*/ 1699846 w 4384473"/>
+              <a:gd name="connsiteY77" fmla="*/ 4032738 h 4161692"/>
+              <a:gd name="connsiteX78" fmla="*/ 1758462 w 4384473"/>
+              <a:gd name="connsiteY78" fmla="*/ 4091354 h 4161692"/>
+              <a:gd name="connsiteX79" fmla="*/ 1805354 w 4384473"/>
+              <a:gd name="connsiteY79" fmla="*/ 4103077 h 4161692"/>
+              <a:gd name="connsiteX80" fmla="*/ 2872154 w 4384473"/>
+              <a:gd name="connsiteY80" fmla="*/ 4149969 h 4161692"/>
+              <a:gd name="connsiteX81" fmla="*/ 3106616 w 4384473"/>
+              <a:gd name="connsiteY81" fmla="*/ 4161692 h 4161692"/>
+              <a:gd name="connsiteX82" fmla="*/ 3610708 w 4384473"/>
+              <a:gd name="connsiteY82" fmla="*/ 4138246 h 4161692"/>
+              <a:gd name="connsiteX83" fmla="*/ 3833446 w 4384473"/>
+              <a:gd name="connsiteY83" fmla="*/ 4126523 h 4161692"/>
+              <a:gd name="connsiteX84" fmla="*/ 4138246 w 4384473"/>
+              <a:gd name="connsiteY84" fmla="*/ 4103077 h 4161692"/>
+              <a:gd name="connsiteX85" fmla="*/ 4196862 w 4384473"/>
+              <a:gd name="connsiteY85" fmla="*/ 4091354 h 4161692"/>
+              <a:gd name="connsiteX86" fmla="*/ 4255477 w 4384473"/>
+              <a:gd name="connsiteY86" fmla="*/ 4021015 h 4161692"/>
+              <a:gd name="connsiteX87" fmla="*/ 4267200 w 4384473"/>
+              <a:gd name="connsiteY87" fmla="*/ 3985846 h 4161692"/>
+              <a:gd name="connsiteX88" fmla="*/ 4290646 w 4384473"/>
+              <a:gd name="connsiteY88" fmla="*/ 3938954 h 4161692"/>
+              <a:gd name="connsiteX89" fmla="*/ 4325816 w 4384473"/>
+              <a:gd name="connsiteY89" fmla="*/ 3845169 h 4161692"/>
+              <a:gd name="connsiteX90" fmla="*/ 4349262 w 4384473"/>
+              <a:gd name="connsiteY90" fmla="*/ 3716215 h 4161692"/>
+              <a:gd name="connsiteX91" fmla="*/ 4372708 w 4384473"/>
+              <a:gd name="connsiteY91" fmla="*/ 3481754 h 4161692"/>
+              <a:gd name="connsiteX92" fmla="*/ 4384431 w 4384473"/>
+              <a:gd name="connsiteY92" fmla="*/ 3341077 h 4161692"/>
+              <a:gd name="connsiteX93" fmla="*/ 4360985 w 4384473"/>
+              <a:gd name="connsiteY93" fmla="*/ 2708031 h 4161692"/>
+              <a:gd name="connsiteX94" fmla="*/ 4349262 w 4384473"/>
+              <a:gd name="connsiteY94" fmla="*/ 2661138 h 4161692"/>
+              <a:gd name="connsiteX95" fmla="*/ 4337539 w 4384473"/>
+              <a:gd name="connsiteY95" fmla="*/ 2602523 h 4161692"/>
+              <a:gd name="connsiteX96" fmla="*/ 4325816 w 4384473"/>
+              <a:gd name="connsiteY96" fmla="*/ 2555631 h 4161692"/>
+              <a:gd name="connsiteX97" fmla="*/ 4314093 w 4384473"/>
+              <a:gd name="connsiteY97" fmla="*/ 2485292 h 4161692"/>
+              <a:gd name="connsiteX98" fmla="*/ 4290646 w 4384473"/>
+              <a:gd name="connsiteY98" fmla="*/ 2368061 h 4161692"/>
+              <a:gd name="connsiteX99" fmla="*/ 4255477 w 4384473"/>
+              <a:gd name="connsiteY99" fmla="*/ 2203938 h 4161692"/>
+              <a:gd name="connsiteX100" fmla="*/ 4220308 w 4384473"/>
+              <a:gd name="connsiteY100" fmla="*/ 2133600 h 4161692"/>
+              <a:gd name="connsiteX101" fmla="*/ 4185139 w 4384473"/>
+              <a:gd name="connsiteY101" fmla="*/ 2110154 h 4161692"/>
+              <a:gd name="connsiteX102" fmla="*/ 4032739 w 4384473"/>
+              <a:gd name="connsiteY102" fmla="*/ 2086708 h 4161692"/>
+              <a:gd name="connsiteX103" fmla="*/ 3927231 w 4384473"/>
+              <a:gd name="connsiteY103" fmla="*/ 2074985 h 4161692"/>
+              <a:gd name="connsiteX104" fmla="*/ 3856893 w 4384473"/>
+              <a:gd name="connsiteY104" fmla="*/ 2063261 h 4161692"/>
+              <a:gd name="connsiteX105" fmla="*/ 3387970 w 4384473"/>
+              <a:gd name="connsiteY105" fmla="*/ 2051538 h 4161692"/>
+              <a:gd name="connsiteX106" fmla="*/ 3282462 w 4384473"/>
+              <a:gd name="connsiteY106" fmla="*/ 2039815 h 4161692"/>
+              <a:gd name="connsiteX107" fmla="*/ 3235570 w 4384473"/>
+              <a:gd name="connsiteY107" fmla="*/ 2028092 h 4161692"/>
+              <a:gd name="connsiteX108" fmla="*/ 3165231 w 4384473"/>
+              <a:gd name="connsiteY108" fmla="*/ 2016369 h 4161692"/>
+              <a:gd name="connsiteX109" fmla="*/ 3094893 w 4384473"/>
+              <a:gd name="connsiteY109" fmla="*/ 1981200 h 4161692"/>
+              <a:gd name="connsiteX110" fmla="*/ 3059723 w 4384473"/>
+              <a:gd name="connsiteY110" fmla="*/ 1969477 h 4161692"/>
+              <a:gd name="connsiteX111" fmla="*/ 2965939 w 4384473"/>
+              <a:gd name="connsiteY111" fmla="*/ 1899138 h 4161692"/>
+              <a:gd name="connsiteX112" fmla="*/ 2942493 w 4384473"/>
+              <a:gd name="connsiteY112" fmla="*/ 1817077 h 4161692"/>
+              <a:gd name="connsiteX113" fmla="*/ 2930770 w 4384473"/>
+              <a:gd name="connsiteY113" fmla="*/ 1781908 h 4161692"/>
+              <a:gd name="connsiteX114" fmla="*/ 2919046 w 4384473"/>
+              <a:gd name="connsiteY114" fmla="*/ 1723292 h 4161692"/>
+              <a:gd name="connsiteX115" fmla="*/ 2907323 w 4384473"/>
+              <a:gd name="connsiteY115" fmla="*/ 1688123 h 4161692"/>
+              <a:gd name="connsiteX116" fmla="*/ 2860431 w 4384473"/>
+              <a:gd name="connsiteY116" fmla="*/ 1453661 h 4161692"/>
+              <a:gd name="connsiteX117" fmla="*/ 2848708 w 4384473"/>
+              <a:gd name="connsiteY117" fmla="*/ 1371600 h 4161692"/>
+              <a:gd name="connsiteX118" fmla="*/ 2825262 w 4384473"/>
+              <a:gd name="connsiteY118" fmla="*/ 1230923 h 4161692"/>
+              <a:gd name="connsiteX119" fmla="*/ 2836985 w 4384473"/>
+              <a:gd name="connsiteY119" fmla="*/ 937846 h 4161692"/>
+              <a:gd name="connsiteX120" fmla="*/ 2860431 w 4384473"/>
+              <a:gd name="connsiteY120" fmla="*/ 750277 h 4161692"/>
+              <a:gd name="connsiteX121" fmla="*/ 2883877 w 4384473"/>
+              <a:gd name="connsiteY121" fmla="*/ 527538 h 4161692"/>
+              <a:gd name="connsiteX122" fmla="*/ 2872154 w 4384473"/>
+              <a:gd name="connsiteY122" fmla="*/ 457200 h 4161692"/>
+              <a:gd name="connsiteX123" fmla="*/ 2860431 w 4384473"/>
+              <a:gd name="connsiteY123" fmla="*/ 398585 h 4161692"/>
+            </a:gdLst>
+            <a:ahLst/>
+            <a:cxnLst>
+              <a:cxn ang="0">
+                <a:pos x="connsiteX0" y="connsiteY0"/>
+              </a:cxn>
+              <a:cxn ang="0">
+                <a:pos x="connsiteX1" y="connsiteY1"/>
+              </a:cxn>
+              <a:cxn ang="0">
+                <a:pos x="connsiteX2" y="connsiteY2"/>
+              </a:cxn>
+              <a:cxn ang="0">
+                <a:pos x="connsiteX3" y="connsiteY3"/>
+              </a:cxn>
+              <a:cxn ang="0">
+                <a:pos x="connsiteX4" y="connsiteY4"/>
+              </a:cxn>
+              <a:cxn ang="0">
+                <a:pos x="connsiteX5" y="connsiteY5"/>
+              </a:cxn>
+              <a:cxn ang="0">
+                <a:pos x="connsiteX6" y="connsiteY6"/>
+              </a:cxn>
+              <a:cxn ang="0">
+                <a:pos x="connsiteX7" y="connsiteY7"/>
+              </a:cxn>
+              <a:cxn ang="0">
+                <a:pos x="connsiteX8" y="connsiteY8"/>
+              </a:cxn>
+              <a:cxn ang="0">
+                <a:pos x="connsiteX9" y="connsiteY9"/>
+              </a:cxn>
+              <a:cxn ang="0">
+                <a:pos x="connsiteX10" y="connsiteY10"/>
+              </a:cxn>
+              <a:cxn ang="0">
+                <a:pos x="connsiteX11" y="connsiteY11"/>
+              </a:cxn>
+              <a:cxn ang="0">
+                <a:pos x="connsiteX12" y="connsiteY12"/>
+              </a:cxn>
+              <a:cxn ang="0">
+                <a:pos x="connsiteX13" y="connsiteY13"/>
+              </a:cxn>
+              <a:cxn ang="0">
+                <a:pos x="connsiteX14" y="connsiteY14"/>
+              </a:cxn>
+              <a:cxn ang="0">
+                <a:pos x="connsiteX15" y="connsiteY15"/>
+              </a:cxn>
+              <a:cxn ang="0">
+                <a:pos x="connsiteX16" y="connsiteY16"/>
+              </a:cxn>
+              <a:cxn ang="0">
+                <a:pos x="connsiteX17" y="connsiteY17"/>
+              </a:cxn>
+              <a:cxn ang="0">
+                <a:pos x="connsiteX18" y="connsiteY18"/>
+              </a:cxn>
+              <a:cxn ang="0">
+                <a:pos x="connsiteX19" y="connsiteY19"/>
+              </a:cxn>
+              <a:cxn ang="0">
+                <a:pos x="connsiteX20" y="connsiteY20"/>
+              </a:cxn>
+              <a:cxn ang="0">
+                <a:pos x="connsiteX21" y="connsiteY21"/>
+              </a:cxn>
+              <a:cxn ang="0">
+                <a:pos x="connsiteX22" y="connsiteY22"/>
+              </a:cxn>
+              <a:cxn ang="0">
+                <a:pos x="connsiteX23" y="connsiteY23"/>
+              </a:cxn>
+              <a:cxn ang="0">
+                <a:pos x="connsiteX24" y="connsiteY24"/>
+              </a:cxn>
+              <a:cxn ang="0">
+                <a:pos x="connsiteX25" y="connsiteY25"/>
+              </a:cxn>
+              <a:cxn ang="0">
+                <a:pos x="connsiteX26" y="connsiteY26"/>
+              </a:cxn>
+              <a:cxn ang="0">
+                <a:pos x="connsiteX27" y="connsiteY27"/>
+              </a:cxn>
+              <a:cxn ang="0">
+                <a:pos x="connsiteX28" y="connsiteY28"/>
+              </a:cxn>
+              <a:cxn ang="0">
+                <a:pos x="connsiteX29" y="connsiteY29"/>
+              </a:cxn>
+              <a:cxn ang="0">
+                <a:pos x="connsiteX30" y="connsiteY30"/>
+              </a:cxn>
+              <a:cxn ang="0">
+                <a:pos x="connsiteX31" y="connsiteY31"/>
+              </a:cxn>
+              <a:cxn ang="0">
+                <a:pos x="connsiteX32" y="connsiteY32"/>
+              </a:cxn>
+              <a:cxn ang="0">
+                <a:pos x="connsiteX33" y="connsiteY33"/>
+              </a:cxn>
+              <a:cxn ang="0">
+                <a:pos x="connsiteX34" y="connsiteY34"/>
+              </a:cxn>
+              <a:cxn ang="0">
+                <a:pos x="connsiteX35" y="connsiteY35"/>
+              </a:cxn>
+              <a:cxn ang="0">
+                <a:pos x="connsiteX36" y="connsiteY36"/>
+              </a:cxn>
+              <a:cxn ang="0">
+                <a:pos x="connsiteX37" y="connsiteY37"/>
+              </a:cxn>
+              <a:cxn ang="0">
+                <a:pos x="connsiteX38" y="connsiteY38"/>
+              </a:cxn>
+              <a:cxn ang="0">
+                <a:pos x="connsiteX39" y="connsiteY39"/>
+              </a:cxn>
+              <a:cxn ang="0">
+                <a:pos x="connsiteX40" y="connsiteY40"/>
+              </a:cxn>
+              <a:cxn ang="0">
+                <a:pos x="connsiteX41" y="connsiteY41"/>
+              </a:cxn>
+              <a:cxn ang="0">
+                <a:pos x="connsiteX42" y="connsiteY42"/>
+              </a:cxn>
+              <a:cxn ang="0">
+                <a:pos x="connsiteX43" y="connsiteY43"/>
+              </a:cxn>
+              <a:cxn ang="0">
+                <a:pos x="connsiteX44" y="connsiteY44"/>
+              </a:cxn>
+              <a:cxn ang="0">
+                <a:pos x="connsiteX45" y="connsiteY45"/>
+              </a:cxn>
+              <a:cxn ang="0">
+                <a:pos x="connsiteX46" y="connsiteY46"/>
+              </a:cxn>
+              <a:cxn ang="0">
+                <a:pos x="connsiteX47" y="connsiteY47"/>
+              </a:cxn>
+              <a:cxn ang="0">
+                <a:pos x="connsiteX48" y="connsiteY48"/>
+              </a:cxn>
+              <a:cxn ang="0">
+                <a:pos x="connsiteX49" y="connsiteY49"/>
+              </a:cxn>
+              <a:cxn ang="0">
+                <a:pos x="connsiteX50" y="connsiteY50"/>
+              </a:cxn>
+              <a:cxn ang="0">
+                <a:pos x="connsiteX51" y="connsiteY51"/>
+              </a:cxn>
+              <a:cxn ang="0">
+                <a:pos x="connsiteX52" y="connsiteY52"/>
+              </a:cxn>
+              <a:cxn ang="0">
+                <a:pos x="connsiteX53" y="connsiteY53"/>
+              </a:cxn>
+              <a:cxn ang="0">
+                <a:pos x="connsiteX54" y="connsiteY54"/>
+              </a:cxn>
+              <a:cxn ang="0">
+                <a:pos x="connsiteX55" y="connsiteY55"/>
+              </a:cxn>
+              <a:cxn ang="0">
+                <a:pos x="connsiteX56" y="connsiteY56"/>
+              </a:cxn>
+              <a:cxn ang="0">
+                <a:pos x="connsiteX57" y="connsiteY57"/>
+              </a:cxn>
+              <a:cxn ang="0">
+                <a:pos x="connsiteX58" y="connsiteY58"/>
+              </a:cxn>
+              <a:cxn ang="0">
+                <a:pos x="connsiteX59" y="connsiteY59"/>
+              </a:cxn>
+              <a:cxn ang="0">
+                <a:pos x="connsiteX60" y="connsiteY60"/>
+              </a:cxn>
+              <a:cxn ang="0">
+                <a:pos x="connsiteX61" y="connsiteY61"/>
+              </a:cxn>
+              <a:cxn ang="0">
+                <a:pos x="connsiteX62" y="connsiteY62"/>
+              </a:cxn>
+              <a:cxn ang="0">
+                <a:pos x="connsiteX63" y="connsiteY63"/>
+              </a:cxn>
+              <a:cxn ang="0">
+                <a:pos x="connsiteX64" y="connsiteY64"/>
+              </a:cxn>
+              <a:cxn ang="0">
+                <a:pos x="connsiteX65" y="connsiteY65"/>
+              </a:cxn>
+              <a:cxn ang="0">
+                <a:pos x="connsiteX66" y="connsiteY66"/>
+              </a:cxn>
+              <a:cxn ang="0">
+                <a:pos x="connsiteX67" y="connsiteY67"/>
+              </a:cxn>
+              <a:cxn ang="0">
+                <a:pos x="connsiteX68" y="connsiteY68"/>
+              </a:cxn>
+              <a:cxn ang="0">
+                <a:pos x="connsiteX69" y="connsiteY69"/>
+              </a:cxn>
+              <a:cxn ang="0">
+                <a:pos x="connsiteX70" y="connsiteY70"/>
+              </a:cxn>
+              <a:cxn ang="0">
+                <a:pos x="connsiteX71" y="connsiteY71"/>
+              </a:cxn>
+              <a:cxn ang="0">
+                <a:pos x="connsiteX72" y="connsiteY72"/>
+              </a:cxn>
+              <a:cxn ang="0">
+                <a:pos x="connsiteX73" y="connsiteY73"/>
+              </a:cxn>
+              <a:cxn ang="0">
+                <a:pos x="connsiteX74" y="connsiteY74"/>
+              </a:cxn>
+              <a:cxn ang="0">
+                <a:pos x="connsiteX75" y="connsiteY75"/>
+              </a:cxn>
+              <a:cxn ang="0">
+                <a:pos x="connsiteX76" y="connsiteY76"/>
+              </a:cxn>
+              <a:cxn ang="0">
+                <a:pos x="connsiteX77" y="connsiteY77"/>
+              </a:cxn>
+              <a:cxn ang="0">
+                <a:pos x="connsiteX78" y="connsiteY78"/>
+              </a:cxn>
+              <a:cxn ang="0">
+                <a:pos x="connsiteX79" y="connsiteY79"/>
+              </a:cxn>
+              <a:cxn ang="0">
+                <a:pos x="connsiteX80" y="connsiteY80"/>
+              </a:cxn>
+              <a:cxn ang="0">
+                <a:pos x="connsiteX81" y="connsiteY81"/>
+              </a:cxn>
+              <a:cxn ang="0">
+                <a:pos x="connsiteX82" y="connsiteY82"/>
+              </a:cxn>
+              <a:cxn ang="0">
+                <a:pos x="connsiteX83" y="connsiteY83"/>
+              </a:cxn>
+              <a:cxn ang="0">
+                <a:pos x="connsiteX84" y="connsiteY84"/>
+              </a:cxn>
+              <a:cxn ang="0">
+                <a:pos x="connsiteX85" y="connsiteY85"/>
+              </a:cxn>
+              <a:cxn ang="0">
+                <a:pos x="connsiteX86" y="connsiteY86"/>
+              </a:cxn>
+              <a:cxn ang="0">
+                <a:pos x="connsiteX87" y="connsiteY87"/>
+              </a:cxn>
+              <a:cxn ang="0">
+                <a:pos x="connsiteX88" y="connsiteY88"/>
+              </a:cxn>
+              <a:cxn ang="0">
+                <a:pos x="connsiteX89" y="connsiteY89"/>
+              </a:cxn>
+              <a:cxn ang="0">
+                <a:pos x="connsiteX90" y="connsiteY90"/>
+              </a:cxn>
+              <a:cxn ang="0">
+                <a:pos x="connsiteX91" y="connsiteY91"/>
+              </a:cxn>
+              <a:cxn ang="0">
+                <a:pos x="connsiteX92" y="connsiteY92"/>
+              </a:cxn>
+              <a:cxn ang="0">
+                <a:pos x="connsiteX93" y="connsiteY93"/>
+              </a:cxn>
+              <a:cxn ang="0">
+                <a:pos x="connsiteX94" y="connsiteY94"/>
+              </a:cxn>
+              <a:cxn ang="0">
+                <a:pos x="connsiteX95" y="connsiteY95"/>
+              </a:cxn>
+              <a:cxn ang="0">
+                <a:pos x="connsiteX96" y="connsiteY96"/>
+              </a:cxn>
+              <a:cxn ang="0">
+                <a:pos x="connsiteX97" y="connsiteY97"/>
+              </a:cxn>
+              <a:cxn ang="0">
+                <a:pos x="connsiteX98" y="connsiteY98"/>
+              </a:cxn>
+              <a:cxn ang="0">
+                <a:pos x="connsiteX99" y="connsiteY99"/>
+              </a:cxn>
+              <a:cxn ang="0">
+                <a:pos x="connsiteX100" y="connsiteY100"/>
+              </a:cxn>
+              <a:cxn ang="0">
+                <a:pos x="connsiteX101" y="connsiteY101"/>
+              </a:cxn>
+              <a:cxn ang="0">
+                <a:pos x="connsiteX102" y="connsiteY102"/>
+              </a:cxn>
+              <a:cxn ang="0">
+                <a:pos x="connsiteX103" y="connsiteY103"/>
+              </a:cxn>
+              <a:cxn ang="0">
+                <a:pos x="connsiteX104" y="connsiteY104"/>
+              </a:cxn>
+              <a:cxn ang="0">
+                <a:pos x="connsiteX105" y="connsiteY105"/>
+              </a:cxn>
+              <a:cxn ang="0">
+                <a:pos x="connsiteX106" y="connsiteY106"/>
+              </a:cxn>
+              <a:cxn ang="0">
+                <a:pos x="connsiteX107" y="connsiteY107"/>
+              </a:cxn>
+              <a:cxn ang="0">
+                <a:pos x="connsiteX108" y="connsiteY108"/>
+              </a:cxn>
+              <a:cxn ang="0">
+                <a:pos x="connsiteX109" y="connsiteY109"/>
+              </a:cxn>
+              <a:cxn ang="0">
+                <a:pos x="connsiteX110" y="connsiteY110"/>
+              </a:cxn>
+              <a:cxn ang="0">
+                <a:pos x="connsiteX111" y="connsiteY111"/>
+              </a:cxn>
+              <a:cxn ang="0">
+                <a:pos x="connsiteX112" y="connsiteY112"/>
+              </a:cxn>
+              <a:cxn ang="0">
+                <a:pos x="connsiteX113" y="connsiteY113"/>
+              </a:cxn>
+              <a:cxn ang="0">
+                <a:pos x="connsiteX114" y="connsiteY114"/>
+              </a:cxn>
+              <a:cxn ang="0">
+                <a:pos x="connsiteX115" y="connsiteY115"/>
+              </a:cxn>
+              <a:cxn ang="0">
+                <a:pos x="connsiteX116" y="connsiteY116"/>
+              </a:cxn>
+              <a:cxn ang="0">
+                <a:pos x="connsiteX117" y="connsiteY117"/>
+              </a:cxn>
+              <a:cxn ang="0">
+                <a:pos x="connsiteX118" y="connsiteY118"/>
+              </a:cxn>
+              <a:cxn ang="0">
+                <a:pos x="connsiteX119" y="connsiteY119"/>
+              </a:cxn>
+              <a:cxn ang="0">
+                <a:pos x="connsiteX120" y="connsiteY120"/>
+              </a:cxn>
+              <a:cxn ang="0">
+                <a:pos x="connsiteX121" y="connsiteY121"/>
+              </a:cxn>
+              <a:cxn ang="0">
+                <a:pos x="connsiteX122" y="connsiteY122"/>
+              </a:cxn>
+              <a:cxn ang="0">
+                <a:pos x="connsiteX123" y="connsiteY123"/>
+              </a:cxn>
+            </a:cxnLst>
+            <a:rect l="l" t="t" r="r" b="b"/>
+            <a:pathLst>
+              <a:path w="4384473" h="4161692">
+                <a:moveTo>
+                  <a:pt x="2965939" y="422031"/>
+                </a:moveTo>
+                <a:cubicBezTo>
+                  <a:pt x="2938585" y="410308"/>
+                  <a:pt x="2911846" y="397032"/>
+                  <a:pt x="2883877" y="386861"/>
+                </a:cubicBezTo>
+                <a:cubicBezTo>
+                  <a:pt x="2827172" y="366241"/>
+                  <a:pt x="2843651" y="387397"/>
+                  <a:pt x="2790093" y="351692"/>
+                </a:cubicBezTo>
+                <a:cubicBezTo>
+                  <a:pt x="2780896" y="345561"/>
+                  <a:pt x="2776243" y="333730"/>
+                  <a:pt x="2766646" y="328246"/>
+                </a:cubicBezTo>
+                <a:cubicBezTo>
+                  <a:pt x="2748375" y="317806"/>
+                  <a:pt x="2726853" y="314211"/>
+                  <a:pt x="2708031" y="304800"/>
+                </a:cubicBezTo>
+                <a:cubicBezTo>
+                  <a:pt x="2627073" y="264321"/>
+                  <a:pt x="2723562" y="294029"/>
+                  <a:pt x="2625970" y="269631"/>
+                </a:cubicBezTo>
+                <a:cubicBezTo>
+                  <a:pt x="2579078" y="246185"/>
+                  <a:pt x="2533971" y="218763"/>
+                  <a:pt x="2485293" y="199292"/>
+                </a:cubicBezTo>
+                <a:cubicBezTo>
+                  <a:pt x="2465754" y="191477"/>
+                  <a:pt x="2446381" y="183235"/>
+                  <a:pt x="2426677" y="175846"/>
+                </a:cubicBezTo>
+                <a:cubicBezTo>
+                  <a:pt x="2415107" y="171507"/>
+                  <a:pt x="2402866" y="168991"/>
+                  <a:pt x="2391508" y="164123"/>
+                </a:cubicBezTo>
+                <a:cubicBezTo>
+                  <a:pt x="2375445" y="157239"/>
+                  <a:pt x="2360679" y="147561"/>
+                  <a:pt x="2344616" y="140677"/>
+                </a:cubicBezTo>
+                <a:cubicBezTo>
+                  <a:pt x="2333258" y="135809"/>
+                  <a:pt x="2320804" y="133822"/>
+                  <a:pt x="2309446" y="128954"/>
+                </a:cubicBezTo>
+                <a:cubicBezTo>
+                  <a:pt x="2293383" y="122070"/>
+                  <a:pt x="2279293" y="110530"/>
+                  <a:pt x="2262554" y="105508"/>
+                </a:cubicBezTo>
+                <a:cubicBezTo>
+                  <a:pt x="2239787" y="98678"/>
+                  <a:pt x="2215662" y="97693"/>
+                  <a:pt x="2192216" y="93785"/>
+                </a:cubicBezTo>
+                <a:cubicBezTo>
+                  <a:pt x="2176585" y="85969"/>
+                  <a:pt x="2161902" y="75864"/>
+                  <a:pt x="2145323" y="70338"/>
+                </a:cubicBezTo>
+                <a:cubicBezTo>
+                  <a:pt x="2114753" y="60148"/>
+                  <a:pt x="2082109" y="57082"/>
+                  <a:pt x="2051539" y="46892"/>
+                </a:cubicBezTo>
+                <a:cubicBezTo>
+                  <a:pt x="2039816" y="42984"/>
+                  <a:pt x="2028358" y="38166"/>
+                  <a:pt x="2016370" y="35169"/>
+                </a:cubicBezTo>
+                <a:cubicBezTo>
+                  <a:pt x="1997039" y="30336"/>
+                  <a:pt x="1976978" y="28689"/>
+                  <a:pt x="1957754" y="23446"/>
+                </a:cubicBezTo>
+                <a:cubicBezTo>
+                  <a:pt x="1933911" y="16943"/>
+                  <a:pt x="1887416" y="0"/>
+                  <a:pt x="1887416" y="0"/>
+                </a:cubicBezTo>
+                <a:cubicBezTo>
+                  <a:pt x="1760379" y="3529"/>
+                  <a:pt x="1446654" y="7366"/>
+                  <a:pt x="1277816" y="23446"/>
+                </a:cubicBezTo>
+                <a:cubicBezTo>
+                  <a:pt x="1257980" y="25335"/>
+                  <a:pt x="1239036" y="33280"/>
+                  <a:pt x="1219200" y="35169"/>
+                </a:cubicBezTo>
+                <a:cubicBezTo>
+                  <a:pt x="1156837" y="41108"/>
+                  <a:pt x="1094071" y="41829"/>
+                  <a:pt x="1031631" y="46892"/>
+                </a:cubicBezTo>
+                <a:cubicBezTo>
+                  <a:pt x="949468" y="53554"/>
+                  <a:pt x="867050" y="58680"/>
+                  <a:pt x="785446" y="70338"/>
+                </a:cubicBezTo>
+                <a:cubicBezTo>
+                  <a:pt x="672197" y="86516"/>
+                  <a:pt x="730803" y="78633"/>
+                  <a:pt x="609600" y="93785"/>
+                </a:cubicBezTo>
+                <a:cubicBezTo>
+                  <a:pt x="597877" y="97693"/>
+                  <a:pt x="586494" y="102827"/>
+                  <a:pt x="574431" y="105508"/>
+                </a:cubicBezTo>
+                <a:cubicBezTo>
+                  <a:pt x="480366" y="126411"/>
+                  <a:pt x="530815" y="107620"/>
+                  <a:pt x="445477" y="128954"/>
+                </a:cubicBezTo>
+                <a:cubicBezTo>
+                  <a:pt x="433489" y="131951"/>
+                  <a:pt x="422031" y="136769"/>
+                  <a:pt x="410308" y="140677"/>
+                </a:cubicBezTo>
+                <a:cubicBezTo>
+                  <a:pt x="365153" y="208410"/>
+                  <a:pt x="412479" y="147190"/>
+                  <a:pt x="351693" y="199292"/>
+                </a:cubicBezTo>
+                <a:cubicBezTo>
+                  <a:pt x="334909" y="213678"/>
+                  <a:pt x="323193" y="233923"/>
+                  <a:pt x="304800" y="246185"/>
+                </a:cubicBezTo>
+                <a:cubicBezTo>
+                  <a:pt x="255090" y="279325"/>
+                  <a:pt x="282233" y="263330"/>
+                  <a:pt x="222739" y="293077"/>
+                </a:cubicBezTo>
+                <a:cubicBezTo>
+                  <a:pt x="214924" y="304800"/>
+                  <a:pt x="208095" y="317244"/>
+                  <a:pt x="199293" y="328246"/>
+                </a:cubicBezTo>
+                <a:cubicBezTo>
+                  <a:pt x="192388" y="336877"/>
+                  <a:pt x="181977" y="342496"/>
+                  <a:pt x="175846" y="351692"/>
+                </a:cubicBezTo>
+                <a:cubicBezTo>
+                  <a:pt x="148355" y="392928"/>
+                  <a:pt x="148016" y="421267"/>
+                  <a:pt x="128954" y="468923"/>
+                </a:cubicBezTo>
+                <a:cubicBezTo>
+                  <a:pt x="122464" y="485149"/>
+                  <a:pt x="113323" y="500184"/>
+                  <a:pt x="105508" y="515815"/>
+                </a:cubicBezTo>
+                <a:cubicBezTo>
+                  <a:pt x="79379" y="620333"/>
+                  <a:pt x="101500" y="520725"/>
+                  <a:pt x="82062" y="715108"/>
+                </a:cubicBezTo>
+                <a:cubicBezTo>
+                  <a:pt x="79313" y="742602"/>
+                  <a:pt x="73232" y="769689"/>
+                  <a:pt x="70339" y="797169"/>
+                </a:cubicBezTo>
+                <a:cubicBezTo>
+                  <a:pt x="49529" y="994863"/>
+                  <a:pt x="70991" y="875969"/>
+                  <a:pt x="46893" y="996461"/>
+                </a:cubicBezTo>
+                <a:cubicBezTo>
+                  <a:pt x="39077" y="1094153"/>
+                  <a:pt x="31159" y="1191838"/>
+                  <a:pt x="23446" y="1289538"/>
+                </a:cubicBezTo>
+                <a:cubicBezTo>
+                  <a:pt x="8296" y="1481439"/>
+                  <a:pt x="18668" y="1386380"/>
+                  <a:pt x="0" y="1535723"/>
+                </a:cubicBezTo>
+                <a:cubicBezTo>
+                  <a:pt x="3908" y="1598246"/>
+                  <a:pt x="5490" y="1660958"/>
+                  <a:pt x="11723" y="1723292"/>
+                </a:cubicBezTo>
+                <a:cubicBezTo>
+                  <a:pt x="13326" y="1739324"/>
+                  <a:pt x="19951" y="1754457"/>
+                  <a:pt x="23446" y="1770185"/>
+                </a:cubicBezTo>
+                <a:cubicBezTo>
+                  <a:pt x="27769" y="1789636"/>
+                  <a:pt x="30847" y="1809349"/>
+                  <a:pt x="35170" y="1828800"/>
+                </a:cubicBezTo>
+                <a:cubicBezTo>
+                  <a:pt x="37419" y="1838918"/>
+                  <a:pt x="51363" y="1897806"/>
+                  <a:pt x="58616" y="1910861"/>
+                </a:cubicBezTo>
+                <a:cubicBezTo>
+                  <a:pt x="72301" y="1935494"/>
+                  <a:pt x="89877" y="1957754"/>
+                  <a:pt x="105508" y="1981200"/>
+                </a:cubicBezTo>
+                <a:cubicBezTo>
+                  <a:pt x="126349" y="2012461"/>
+                  <a:pt x="132878" y="2027237"/>
+                  <a:pt x="164123" y="2051538"/>
+                </a:cubicBezTo>
+                <a:cubicBezTo>
+                  <a:pt x="186366" y="2068838"/>
+                  <a:pt x="207729" y="2089520"/>
+                  <a:pt x="234462" y="2098431"/>
+                </a:cubicBezTo>
+                <a:cubicBezTo>
+                  <a:pt x="268651" y="2109827"/>
+                  <a:pt x="283411" y="2112905"/>
+                  <a:pt x="316523" y="2133600"/>
+                </a:cubicBezTo>
+                <a:cubicBezTo>
+                  <a:pt x="383611" y="2175530"/>
+                  <a:pt x="340724" y="2159151"/>
+                  <a:pt x="398585" y="2192215"/>
+                </a:cubicBezTo>
+                <a:cubicBezTo>
+                  <a:pt x="508247" y="2254879"/>
+                  <a:pt x="375221" y="2168821"/>
+                  <a:pt x="504093" y="2250831"/>
+                </a:cubicBezTo>
+                <a:cubicBezTo>
+                  <a:pt x="592774" y="2307265"/>
+                  <a:pt x="544163" y="2287634"/>
+                  <a:pt x="609600" y="2309446"/>
+                </a:cubicBezTo>
+                <a:cubicBezTo>
+                  <a:pt x="625231" y="2321169"/>
+                  <a:pt x="639017" y="2335877"/>
+                  <a:pt x="656493" y="2344615"/>
+                </a:cubicBezTo>
+                <a:cubicBezTo>
+                  <a:pt x="678598" y="2355667"/>
+                  <a:pt x="703385" y="2360245"/>
+                  <a:pt x="726831" y="2368061"/>
+                </a:cubicBezTo>
+                <a:lnTo>
+                  <a:pt x="797170" y="2391508"/>
+                </a:lnTo>
+                <a:cubicBezTo>
+                  <a:pt x="836163" y="2403506"/>
+                  <a:pt x="874821" y="2416782"/>
+                  <a:pt x="914400" y="2426677"/>
+                </a:cubicBezTo>
+                <a:cubicBezTo>
+                  <a:pt x="930031" y="2430585"/>
+                  <a:pt x="945801" y="2433974"/>
+                  <a:pt x="961293" y="2438400"/>
+                </a:cubicBezTo>
+                <a:cubicBezTo>
+                  <a:pt x="973175" y="2441795"/>
+                  <a:pt x="984580" y="2446728"/>
+                  <a:pt x="996462" y="2450123"/>
+                </a:cubicBezTo>
+                <a:cubicBezTo>
+                  <a:pt x="1011954" y="2454549"/>
+                  <a:pt x="1027862" y="2457420"/>
+                  <a:pt x="1043354" y="2461846"/>
+                </a:cubicBezTo>
+                <a:cubicBezTo>
+                  <a:pt x="1055236" y="2465241"/>
+                  <a:pt x="1066641" y="2470174"/>
+                  <a:pt x="1078523" y="2473569"/>
+                </a:cubicBezTo>
+                <a:cubicBezTo>
+                  <a:pt x="1130258" y="2488350"/>
+                  <a:pt x="1115611" y="2480150"/>
+                  <a:pt x="1160585" y="2497015"/>
+                </a:cubicBezTo>
+                <a:cubicBezTo>
+                  <a:pt x="1220459" y="2519468"/>
+                  <a:pt x="1212808" y="2517265"/>
+                  <a:pt x="1266093" y="2543908"/>
+                </a:cubicBezTo>
+                <a:cubicBezTo>
+                  <a:pt x="1273908" y="2555631"/>
+                  <a:pt x="1283989" y="2566127"/>
+                  <a:pt x="1289539" y="2579077"/>
+                </a:cubicBezTo>
+                <a:cubicBezTo>
+                  <a:pt x="1295886" y="2593886"/>
+                  <a:pt x="1297767" y="2610241"/>
+                  <a:pt x="1301262" y="2625969"/>
+                </a:cubicBezTo>
+                <a:cubicBezTo>
+                  <a:pt x="1323244" y="2724888"/>
+                  <a:pt x="1305962" y="2661222"/>
+                  <a:pt x="1324708" y="2801815"/>
+                </a:cubicBezTo>
+                <a:cubicBezTo>
+                  <a:pt x="1327341" y="2821566"/>
+                  <a:pt x="1332867" y="2840827"/>
+                  <a:pt x="1336431" y="2860431"/>
+                </a:cubicBezTo>
+                <a:cubicBezTo>
+                  <a:pt x="1340683" y="2883817"/>
+                  <a:pt x="1343902" y="2907383"/>
+                  <a:pt x="1348154" y="2930769"/>
+                </a:cubicBezTo>
+                <a:cubicBezTo>
+                  <a:pt x="1366030" y="3029087"/>
+                  <a:pt x="1351263" y="2953375"/>
+                  <a:pt x="1371600" y="3024554"/>
+                </a:cubicBezTo>
+                <a:cubicBezTo>
+                  <a:pt x="1376026" y="3040046"/>
+                  <a:pt x="1376976" y="3056637"/>
+                  <a:pt x="1383323" y="3071446"/>
+                </a:cubicBezTo>
+                <a:cubicBezTo>
+                  <a:pt x="1400533" y="3111603"/>
+                  <a:pt x="1428123" y="3147230"/>
+                  <a:pt x="1441939" y="3188677"/>
+                </a:cubicBezTo>
+                <a:cubicBezTo>
+                  <a:pt x="1449754" y="3212123"/>
+                  <a:pt x="1456206" y="3236068"/>
+                  <a:pt x="1465385" y="3259015"/>
+                </a:cubicBezTo>
+                <a:cubicBezTo>
+                  <a:pt x="1472555" y="3276941"/>
+                  <a:pt x="1494428" y="3328298"/>
+                  <a:pt x="1500554" y="3352800"/>
+                </a:cubicBezTo>
+                <a:cubicBezTo>
+                  <a:pt x="1505387" y="3372130"/>
+                  <a:pt x="1507955" y="3391964"/>
+                  <a:pt x="1512277" y="3411415"/>
+                </a:cubicBezTo>
+                <a:cubicBezTo>
+                  <a:pt x="1523945" y="3463921"/>
+                  <a:pt x="1526885" y="3459473"/>
+                  <a:pt x="1535723" y="3516923"/>
+                </a:cubicBezTo>
+                <a:cubicBezTo>
+                  <a:pt x="1544598" y="3574614"/>
+                  <a:pt x="1546639" y="3624658"/>
+                  <a:pt x="1559170" y="3681046"/>
+                </a:cubicBezTo>
+                <a:cubicBezTo>
+                  <a:pt x="1561851" y="3693109"/>
+                  <a:pt x="1567498" y="3704333"/>
+                  <a:pt x="1570893" y="3716215"/>
+                </a:cubicBezTo>
+                <a:cubicBezTo>
+                  <a:pt x="1575319" y="3731707"/>
+                  <a:pt x="1576269" y="3748299"/>
+                  <a:pt x="1582616" y="3763108"/>
+                </a:cubicBezTo>
+                <a:cubicBezTo>
+                  <a:pt x="1588166" y="3776058"/>
+                  <a:pt x="1598247" y="3786554"/>
+                  <a:pt x="1606062" y="3798277"/>
+                </a:cubicBezTo>
+                <a:cubicBezTo>
+                  <a:pt x="1624871" y="3911133"/>
+                  <a:pt x="1604057" y="3828769"/>
+                  <a:pt x="1641231" y="3915508"/>
+                </a:cubicBezTo>
+                <a:cubicBezTo>
+                  <a:pt x="1646099" y="3926866"/>
+                  <a:pt x="1648086" y="3939319"/>
+                  <a:pt x="1652954" y="3950677"/>
+                </a:cubicBezTo>
+                <a:cubicBezTo>
+                  <a:pt x="1662040" y="3971878"/>
+                  <a:pt x="1683363" y="4013901"/>
+                  <a:pt x="1699846" y="4032738"/>
+                </a:cubicBezTo>
+                <a:cubicBezTo>
+                  <a:pt x="1718042" y="4053533"/>
+                  <a:pt x="1731655" y="4084652"/>
+                  <a:pt x="1758462" y="4091354"/>
+                </a:cubicBezTo>
+                <a:cubicBezTo>
+                  <a:pt x="1774093" y="4095262"/>
+                  <a:pt x="1789588" y="4099758"/>
+                  <a:pt x="1805354" y="4103077"/>
+                </a:cubicBezTo>
+                <a:cubicBezTo>
+                  <a:pt x="2247531" y="4196166"/>
+                  <a:pt x="2045209" y="4139088"/>
+                  <a:pt x="2872154" y="4149969"/>
+                </a:cubicBezTo>
+                <a:cubicBezTo>
+                  <a:pt x="2950308" y="4153877"/>
+                  <a:pt x="3028364" y="4161692"/>
+                  <a:pt x="3106616" y="4161692"/>
+                </a:cubicBezTo>
+                <a:cubicBezTo>
+                  <a:pt x="3329477" y="4161692"/>
+                  <a:pt x="3413665" y="4149837"/>
+                  <a:pt x="3610708" y="4138246"/>
+                </a:cubicBezTo>
+                <a:lnTo>
+                  <a:pt x="3833446" y="4126523"/>
+                </a:lnTo>
+                <a:cubicBezTo>
+                  <a:pt x="3944006" y="4119822"/>
+                  <a:pt x="4029131" y="4112170"/>
+                  <a:pt x="4138246" y="4103077"/>
+                </a:cubicBezTo>
+                <a:cubicBezTo>
+                  <a:pt x="4157785" y="4099169"/>
+                  <a:pt x="4179040" y="4100265"/>
+                  <a:pt x="4196862" y="4091354"/>
+                </a:cubicBezTo>
+                <a:cubicBezTo>
+                  <a:pt x="4214148" y="4082711"/>
+                  <a:pt x="4246500" y="4038969"/>
+                  <a:pt x="4255477" y="4021015"/>
+                </a:cubicBezTo>
+                <a:cubicBezTo>
+                  <a:pt x="4261003" y="4009962"/>
+                  <a:pt x="4262332" y="3997204"/>
+                  <a:pt x="4267200" y="3985846"/>
+                </a:cubicBezTo>
+                <a:cubicBezTo>
+                  <a:pt x="4274084" y="3969783"/>
+                  <a:pt x="4284510" y="3955317"/>
+                  <a:pt x="4290646" y="3938954"/>
+                </a:cubicBezTo>
+                <a:cubicBezTo>
+                  <a:pt x="4338531" y="3811262"/>
+                  <a:pt x="4260540" y="3975720"/>
+                  <a:pt x="4325816" y="3845169"/>
+                </a:cubicBezTo>
+                <a:cubicBezTo>
+                  <a:pt x="4332143" y="3813536"/>
+                  <a:pt x="4346262" y="3746215"/>
+                  <a:pt x="4349262" y="3716215"/>
+                </a:cubicBezTo>
+                <a:cubicBezTo>
+                  <a:pt x="4376095" y="3447886"/>
+                  <a:pt x="4346154" y="3641078"/>
+                  <a:pt x="4372708" y="3481754"/>
+                </a:cubicBezTo>
+                <a:cubicBezTo>
+                  <a:pt x="4376616" y="3434862"/>
+                  <a:pt x="4385144" y="3388126"/>
+                  <a:pt x="4384431" y="3341077"/>
+                </a:cubicBezTo>
+                <a:cubicBezTo>
+                  <a:pt x="4381232" y="3129941"/>
+                  <a:pt x="4371892" y="2918909"/>
+                  <a:pt x="4360985" y="2708031"/>
+                </a:cubicBezTo>
+                <a:cubicBezTo>
+                  <a:pt x="4360153" y="2691940"/>
+                  <a:pt x="4352757" y="2676866"/>
+                  <a:pt x="4349262" y="2661138"/>
+                </a:cubicBezTo>
+                <a:cubicBezTo>
+                  <a:pt x="4344940" y="2641687"/>
+                  <a:pt x="4341861" y="2621974"/>
+                  <a:pt x="4337539" y="2602523"/>
+                </a:cubicBezTo>
+                <a:cubicBezTo>
+                  <a:pt x="4334044" y="2586795"/>
+                  <a:pt x="4328976" y="2571430"/>
+                  <a:pt x="4325816" y="2555631"/>
+                </a:cubicBezTo>
+                <a:cubicBezTo>
+                  <a:pt x="4321154" y="2532323"/>
+                  <a:pt x="4318474" y="2508655"/>
+                  <a:pt x="4314093" y="2485292"/>
+                </a:cubicBezTo>
+                <a:cubicBezTo>
+                  <a:pt x="4306749" y="2446124"/>
+                  <a:pt x="4295589" y="2407604"/>
+                  <a:pt x="4290646" y="2368061"/>
+                </a:cubicBezTo>
+                <a:cubicBezTo>
+                  <a:pt x="4275858" y="2249754"/>
+                  <a:pt x="4288885" y="2304164"/>
+                  <a:pt x="4255477" y="2203938"/>
+                </a:cubicBezTo>
+                <a:cubicBezTo>
+                  <a:pt x="4245943" y="2175334"/>
+                  <a:pt x="4243033" y="2156325"/>
+                  <a:pt x="4220308" y="2133600"/>
+                </a:cubicBezTo>
+                <a:cubicBezTo>
+                  <a:pt x="4210345" y="2123637"/>
+                  <a:pt x="4197741" y="2116455"/>
+                  <a:pt x="4185139" y="2110154"/>
+                </a:cubicBezTo>
+                <a:cubicBezTo>
+                  <a:pt x="4142750" y="2088959"/>
+                  <a:pt x="4066808" y="2090294"/>
+                  <a:pt x="4032739" y="2086708"/>
+                </a:cubicBezTo>
+                <a:cubicBezTo>
+                  <a:pt x="3997548" y="2083004"/>
+                  <a:pt x="3962306" y="2079662"/>
+                  <a:pt x="3927231" y="2074985"/>
+                </a:cubicBezTo>
+                <a:cubicBezTo>
+                  <a:pt x="3903670" y="2071843"/>
+                  <a:pt x="3880640" y="2064294"/>
+                  <a:pt x="3856893" y="2063261"/>
+                </a:cubicBezTo>
+                <a:cubicBezTo>
+                  <a:pt x="3700684" y="2056469"/>
+                  <a:pt x="3544278" y="2055446"/>
+                  <a:pt x="3387970" y="2051538"/>
+                </a:cubicBezTo>
+                <a:cubicBezTo>
+                  <a:pt x="3352801" y="2047630"/>
+                  <a:pt x="3317436" y="2045196"/>
+                  <a:pt x="3282462" y="2039815"/>
+                </a:cubicBezTo>
+                <a:cubicBezTo>
+                  <a:pt x="3266538" y="2037365"/>
+                  <a:pt x="3251369" y="2031252"/>
+                  <a:pt x="3235570" y="2028092"/>
+                </a:cubicBezTo>
+                <a:cubicBezTo>
+                  <a:pt x="3212262" y="2023430"/>
+                  <a:pt x="3188677" y="2020277"/>
+                  <a:pt x="3165231" y="2016369"/>
+                </a:cubicBezTo>
+                <a:cubicBezTo>
+                  <a:pt x="3076829" y="1986902"/>
+                  <a:pt x="3185798" y="2026652"/>
+                  <a:pt x="3094893" y="1981200"/>
+                </a:cubicBezTo>
+                <a:cubicBezTo>
+                  <a:pt x="3083840" y="1975674"/>
+                  <a:pt x="3071446" y="1973385"/>
+                  <a:pt x="3059723" y="1969477"/>
+                </a:cubicBezTo>
+                <a:cubicBezTo>
+                  <a:pt x="2980189" y="1916454"/>
+                  <a:pt x="3009310" y="1942511"/>
+                  <a:pt x="2965939" y="1899138"/>
+                </a:cubicBezTo>
+                <a:cubicBezTo>
+                  <a:pt x="2937831" y="1814815"/>
+                  <a:pt x="2971933" y="1920117"/>
+                  <a:pt x="2942493" y="1817077"/>
+                </a:cubicBezTo>
+                <a:cubicBezTo>
+                  <a:pt x="2939098" y="1805195"/>
+                  <a:pt x="2933767" y="1793896"/>
+                  <a:pt x="2930770" y="1781908"/>
+                </a:cubicBezTo>
+                <a:cubicBezTo>
+                  <a:pt x="2925937" y="1762577"/>
+                  <a:pt x="2923879" y="1742623"/>
+                  <a:pt x="2919046" y="1723292"/>
+                </a:cubicBezTo>
+                <a:cubicBezTo>
+                  <a:pt x="2916049" y="1711304"/>
+                  <a:pt x="2909746" y="1700240"/>
+                  <a:pt x="2907323" y="1688123"/>
+                </a:cubicBezTo>
+                <a:cubicBezTo>
+                  <a:pt x="2857567" y="1439342"/>
+                  <a:pt x="2895764" y="1559663"/>
+                  <a:pt x="2860431" y="1453661"/>
+                </a:cubicBezTo>
+                <a:cubicBezTo>
+                  <a:pt x="2856523" y="1426307"/>
+                  <a:pt x="2853017" y="1398893"/>
+                  <a:pt x="2848708" y="1371600"/>
+                </a:cubicBezTo>
+                <a:cubicBezTo>
+                  <a:pt x="2841294" y="1324643"/>
+                  <a:pt x="2825262" y="1230923"/>
+                  <a:pt x="2825262" y="1230923"/>
+                </a:cubicBezTo>
+                <a:cubicBezTo>
+                  <a:pt x="2829170" y="1133231"/>
+                  <a:pt x="2831407" y="1035457"/>
+                  <a:pt x="2836985" y="937846"/>
+                </a:cubicBezTo>
+                <a:cubicBezTo>
+                  <a:pt x="2845013" y="797363"/>
+                  <a:pt x="2845920" y="859111"/>
+                  <a:pt x="2860431" y="750277"/>
+                </a:cubicBezTo>
+                <a:cubicBezTo>
+                  <a:pt x="2866855" y="702098"/>
+                  <a:pt x="2879327" y="573036"/>
+                  <a:pt x="2883877" y="527538"/>
+                </a:cubicBezTo>
+                <a:cubicBezTo>
+                  <a:pt x="2879969" y="504092"/>
+                  <a:pt x="2877310" y="480403"/>
+                  <a:pt x="2872154" y="457200"/>
+                </a:cubicBezTo>
+                <a:cubicBezTo>
+                  <a:pt x="2857960" y="393325"/>
+                  <a:pt x="2860431" y="447854"/>
+                  <a:pt x="2860431" y="398585"/>
+                </a:cubicBezTo>
+              </a:path>
+            </a:pathLst>
+          </a:custGeom>
+          <a:noFill/>
+          <a:ln w="25400">
+            <a:solidFill>
+              <a:schemeClr val="tx1"/>
+            </a:solidFill>
+          </a:ln>
+          <a:effectLst/>
+          <a:extLst>
+            <a:ext uri="{909E8E84-426E-40dd-AFC4-6F175D3DCCD1}">
+              <a14:hiddenFill xmlns="" xmlns:a14="http://schemas.microsoft.com/office/drawing/2010/main">
+                <a:solidFill>
+                  <a:schemeClr val="accent1"/>
+                </a:solidFill>
+              </a14:hiddenFill>
+            </a:ext>
+            <a:ext uri="{91240B29-F687-4f45-9708-019B960494DF}">
+              <a14:hiddenLine xmlns="" xmlns:a14="http://schemas.microsoft.com/office/drawing/2010/main" w="9525" cap="flat" cmpd="sng" algn="ctr">
+                <a:solidFill>
+                  <a:schemeClr val="tx1"/>
+                </a:solidFill>
+                <a:prstDash val="solid"/>
+                <a:round/>
+                <a:headEnd type="none" w="med" len="med"/>
+                <a:tailEnd type="none" w="med" len="med"/>
+              </a14:hiddenLine>
+            </a:ext>
+            <a:ext uri="{AF507438-7753-43e0-B8FC-AC1667EBCBE1}">
+              <a14:hiddenEffects xmlns="" xmlns:a14="http://schemas.microsoft.com/office/drawing/2010/main">
+                <a:effectLst>
+                  <a:outerShdw blurRad="63500" dist="35921" dir="2700000" algn="ctr" rotWithShape="0">
+                    <a:schemeClr val="bg2"/>
+                  </a:outerShdw>
+                </a:effectLst>
+              </a14:hiddenEffects>
+            </a:ext>
+          </a:extLst>
+        </p:spPr>
+        <p:txBody>
+          <a:bodyPr rtlCol="0" anchor="ctr"/>
+          <a:lstStyle/>
+          <a:p>
+            <a:pPr algn="ctr"/>
+            <a:endParaRPr lang="en-US"/>
+          </a:p>
+        </p:txBody>
+      </p:sp>
+      <p:sp>
+        <p:nvSpPr>
+          <p:cNvPr id="5" name="Freeform 4">
+            <a:extLst>
+              <a:ext uri="{FF2B5EF4-FFF2-40B4-BE49-F238E27FC236}">
+                <a16:creationId xmlns:a16="http://schemas.microsoft.com/office/drawing/2014/main" id="{D24BB05E-15C8-BC4D-900F-3A8086B2978D}"/>
+              </a:ext>
+            </a:extLst>
+          </p:cNvPr>
+          <p:cNvSpPr/>
+          <p:nvPr/>
+        </p:nvSpPr>
+        <p:spPr bwMode="auto">
+          <a:xfrm>
+            <a:off x="4103077" y="762000"/>
+            <a:ext cx="2743200" cy="2368062"/>
+          </a:xfrm>
+          <a:custGeom>
+            <a:avLst/>
+            <a:gdLst>
+              <a:gd name="connsiteX0" fmla="*/ 58615 w 2743200"/>
+              <a:gd name="connsiteY0" fmla="*/ 1219200 h 2368062"/>
+              <a:gd name="connsiteX1" fmla="*/ 82061 w 2743200"/>
+              <a:gd name="connsiteY1" fmla="*/ 515815 h 2368062"/>
+              <a:gd name="connsiteX2" fmla="*/ 105508 w 2743200"/>
+              <a:gd name="connsiteY2" fmla="*/ 410308 h 2368062"/>
+              <a:gd name="connsiteX3" fmla="*/ 117231 w 2743200"/>
+              <a:gd name="connsiteY3" fmla="*/ 351692 h 2368062"/>
+              <a:gd name="connsiteX4" fmla="*/ 140677 w 2743200"/>
+              <a:gd name="connsiteY4" fmla="*/ 304800 h 2368062"/>
+              <a:gd name="connsiteX5" fmla="*/ 164123 w 2743200"/>
+              <a:gd name="connsiteY5" fmla="*/ 234462 h 2368062"/>
+              <a:gd name="connsiteX6" fmla="*/ 187569 w 2743200"/>
+              <a:gd name="connsiteY6" fmla="*/ 187569 h 2368062"/>
+              <a:gd name="connsiteX7" fmla="*/ 316523 w 2743200"/>
+              <a:gd name="connsiteY7" fmla="*/ 58615 h 2368062"/>
+              <a:gd name="connsiteX8" fmla="*/ 363415 w 2743200"/>
+              <a:gd name="connsiteY8" fmla="*/ 46892 h 2368062"/>
+              <a:gd name="connsiteX9" fmla="*/ 398585 w 2743200"/>
+              <a:gd name="connsiteY9" fmla="*/ 35169 h 2368062"/>
+              <a:gd name="connsiteX10" fmla="*/ 445477 w 2743200"/>
+              <a:gd name="connsiteY10" fmla="*/ 11723 h 2368062"/>
+              <a:gd name="connsiteX11" fmla="*/ 609600 w 2743200"/>
+              <a:gd name="connsiteY11" fmla="*/ 0 h 2368062"/>
+              <a:gd name="connsiteX12" fmla="*/ 762000 w 2743200"/>
+              <a:gd name="connsiteY12" fmla="*/ 11723 h 2368062"/>
+              <a:gd name="connsiteX13" fmla="*/ 867508 w 2743200"/>
+              <a:gd name="connsiteY13" fmla="*/ 23446 h 2368062"/>
+              <a:gd name="connsiteX14" fmla="*/ 1547446 w 2743200"/>
+              <a:gd name="connsiteY14" fmla="*/ 58615 h 2368062"/>
+              <a:gd name="connsiteX15" fmla="*/ 1641231 w 2743200"/>
+              <a:gd name="connsiteY15" fmla="*/ 70338 h 2368062"/>
+              <a:gd name="connsiteX16" fmla="*/ 1981200 w 2743200"/>
+              <a:gd name="connsiteY16" fmla="*/ 105508 h 2368062"/>
+              <a:gd name="connsiteX17" fmla="*/ 2063261 w 2743200"/>
+              <a:gd name="connsiteY17" fmla="*/ 117231 h 2368062"/>
+              <a:gd name="connsiteX18" fmla="*/ 2250831 w 2743200"/>
+              <a:gd name="connsiteY18" fmla="*/ 140677 h 2368062"/>
+              <a:gd name="connsiteX19" fmla="*/ 2332892 w 2743200"/>
+              <a:gd name="connsiteY19" fmla="*/ 164123 h 2368062"/>
+              <a:gd name="connsiteX20" fmla="*/ 2391508 w 2743200"/>
+              <a:gd name="connsiteY20" fmla="*/ 187569 h 2368062"/>
+              <a:gd name="connsiteX21" fmla="*/ 2508738 w 2743200"/>
+              <a:gd name="connsiteY21" fmla="*/ 234462 h 2368062"/>
+              <a:gd name="connsiteX22" fmla="*/ 2579077 w 2743200"/>
+              <a:gd name="connsiteY22" fmla="*/ 281354 h 2368062"/>
+              <a:gd name="connsiteX23" fmla="*/ 2614246 w 2743200"/>
+              <a:gd name="connsiteY23" fmla="*/ 304800 h 2368062"/>
+              <a:gd name="connsiteX24" fmla="*/ 2661138 w 2743200"/>
+              <a:gd name="connsiteY24" fmla="*/ 398585 h 2368062"/>
+              <a:gd name="connsiteX25" fmla="*/ 2672861 w 2743200"/>
+              <a:gd name="connsiteY25" fmla="*/ 480646 h 2368062"/>
+              <a:gd name="connsiteX26" fmla="*/ 2684585 w 2743200"/>
+              <a:gd name="connsiteY26" fmla="*/ 550985 h 2368062"/>
+              <a:gd name="connsiteX27" fmla="*/ 2696308 w 2743200"/>
+              <a:gd name="connsiteY27" fmla="*/ 656492 h 2368062"/>
+              <a:gd name="connsiteX28" fmla="*/ 2708031 w 2743200"/>
+              <a:gd name="connsiteY28" fmla="*/ 738554 h 2368062"/>
+              <a:gd name="connsiteX29" fmla="*/ 2719754 w 2743200"/>
+              <a:gd name="connsiteY29" fmla="*/ 867508 h 2368062"/>
+              <a:gd name="connsiteX30" fmla="*/ 2743200 w 2743200"/>
+              <a:gd name="connsiteY30" fmla="*/ 1055077 h 2368062"/>
+              <a:gd name="connsiteX31" fmla="*/ 2731477 w 2743200"/>
+              <a:gd name="connsiteY31" fmla="*/ 1524000 h 2368062"/>
+              <a:gd name="connsiteX32" fmla="*/ 2719754 w 2743200"/>
+              <a:gd name="connsiteY32" fmla="*/ 1559169 h 2368062"/>
+              <a:gd name="connsiteX33" fmla="*/ 2696308 w 2743200"/>
+              <a:gd name="connsiteY33" fmla="*/ 1805354 h 2368062"/>
+              <a:gd name="connsiteX34" fmla="*/ 2684585 w 2743200"/>
+              <a:gd name="connsiteY34" fmla="*/ 1852246 h 2368062"/>
+              <a:gd name="connsiteX35" fmla="*/ 2614246 w 2743200"/>
+              <a:gd name="connsiteY35" fmla="*/ 2004646 h 2368062"/>
+              <a:gd name="connsiteX36" fmla="*/ 2590800 w 2743200"/>
+              <a:gd name="connsiteY36" fmla="*/ 2039815 h 2368062"/>
+              <a:gd name="connsiteX37" fmla="*/ 2485292 w 2743200"/>
+              <a:gd name="connsiteY37" fmla="*/ 2133600 h 2368062"/>
+              <a:gd name="connsiteX38" fmla="*/ 2438400 w 2743200"/>
+              <a:gd name="connsiteY38" fmla="*/ 2168769 h 2368062"/>
+              <a:gd name="connsiteX39" fmla="*/ 2391508 w 2743200"/>
+              <a:gd name="connsiteY39" fmla="*/ 2192215 h 2368062"/>
+              <a:gd name="connsiteX40" fmla="*/ 2356338 w 2743200"/>
+              <a:gd name="connsiteY40" fmla="*/ 2215662 h 2368062"/>
+              <a:gd name="connsiteX41" fmla="*/ 2286000 w 2743200"/>
+              <a:gd name="connsiteY41" fmla="*/ 2239108 h 2368062"/>
+              <a:gd name="connsiteX42" fmla="*/ 2250831 w 2743200"/>
+              <a:gd name="connsiteY42" fmla="*/ 2250831 h 2368062"/>
+              <a:gd name="connsiteX43" fmla="*/ 2180492 w 2743200"/>
+              <a:gd name="connsiteY43" fmla="*/ 2274277 h 2368062"/>
+              <a:gd name="connsiteX44" fmla="*/ 2098431 w 2743200"/>
+              <a:gd name="connsiteY44" fmla="*/ 2297723 h 2368062"/>
+              <a:gd name="connsiteX45" fmla="*/ 2016369 w 2743200"/>
+              <a:gd name="connsiteY45" fmla="*/ 2309446 h 2368062"/>
+              <a:gd name="connsiteX46" fmla="*/ 1981200 w 2743200"/>
+              <a:gd name="connsiteY46" fmla="*/ 2321169 h 2368062"/>
+              <a:gd name="connsiteX47" fmla="*/ 1828800 w 2743200"/>
+              <a:gd name="connsiteY47" fmla="*/ 2344615 h 2368062"/>
+              <a:gd name="connsiteX48" fmla="*/ 1524000 w 2743200"/>
+              <a:gd name="connsiteY48" fmla="*/ 2368062 h 2368062"/>
+              <a:gd name="connsiteX49" fmla="*/ 1043354 w 2743200"/>
+              <a:gd name="connsiteY49" fmla="*/ 2356338 h 2368062"/>
+              <a:gd name="connsiteX50" fmla="*/ 902677 w 2743200"/>
+              <a:gd name="connsiteY50" fmla="*/ 2344615 h 2368062"/>
+              <a:gd name="connsiteX51" fmla="*/ 762000 w 2743200"/>
+              <a:gd name="connsiteY51" fmla="*/ 2321169 h 2368062"/>
+              <a:gd name="connsiteX52" fmla="*/ 644769 w 2743200"/>
+              <a:gd name="connsiteY52" fmla="*/ 2286000 h 2368062"/>
+              <a:gd name="connsiteX53" fmla="*/ 586154 w 2743200"/>
+              <a:gd name="connsiteY53" fmla="*/ 2250831 h 2368062"/>
+              <a:gd name="connsiteX54" fmla="*/ 550985 w 2743200"/>
+              <a:gd name="connsiteY54" fmla="*/ 2227385 h 2368062"/>
+              <a:gd name="connsiteX55" fmla="*/ 527538 w 2743200"/>
+              <a:gd name="connsiteY55" fmla="*/ 2203938 h 2368062"/>
+              <a:gd name="connsiteX56" fmla="*/ 457200 w 2743200"/>
+              <a:gd name="connsiteY56" fmla="*/ 2157046 h 2368062"/>
+              <a:gd name="connsiteX57" fmla="*/ 422031 w 2743200"/>
+              <a:gd name="connsiteY57" fmla="*/ 2133600 h 2368062"/>
+              <a:gd name="connsiteX58" fmla="*/ 339969 w 2743200"/>
+              <a:gd name="connsiteY58" fmla="*/ 2016369 h 2368062"/>
+              <a:gd name="connsiteX59" fmla="*/ 269631 w 2743200"/>
+              <a:gd name="connsiteY59" fmla="*/ 1957754 h 2368062"/>
+              <a:gd name="connsiteX60" fmla="*/ 222738 w 2743200"/>
+              <a:gd name="connsiteY60" fmla="*/ 1899138 h 2368062"/>
+              <a:gd name="connsiteX61" fmla="*/ 187569 w 2743200"/>
+              <a:gd name="connsiteY61" fmla="*/ 1828800 h 2368062"/>
+              <a:gd name="connsiteX62" fmla="*/ 152400 w 2743200"/>
+              <a:gd name="connsiteY62" fmla="*/ 1758462 h 2368062"/>
+              <a:gd name="connsiteX63" fmla="*/ 140677 w 2743200"/>
+              <a:gd name="connsiteY63" fmla="*/ 1723292 h 2368062"/>
+              <a:gd name="connsiteX64" fmla="*/ 93785 w 2743200"/>
+              <a:gd name="connsiteY64" fmla="*/ 1652954 h 2368062"/>
+              <a:gd name="connsiteX65" fmla="*/ 58615 w 2743200"/>
+              <a:gd name="connsiteY65" fmla="*/ 1524000 h 2368062"/>
+              <a:gd name="connsiteX66" fmla="*/ 46892 w 2743200"/>
+              <a:gd name="connsiteY66" fmla="*/ 1488831 h 2368062"/>
+              <a:gd name="connsiteX67" fmla="*/ 35169 w 2743200"/>
+              <a:gd name="connsiteY67" fmla="*/ 1441938 h 2368062"/>
+              <a:gd name="connsiteX68" fmla="*/ 11723 w 2743200"/>
+              <a:gd name="connsiteY68" fmla="*/ 1371600 h 2368062"/>
+              <a:gd name="connsiteX69" fmla="*/ 0 w 2743200"/>
+              <a:gd name="connsiteY69" fmla="*/ 1312985 h 2368062"/>
+              <a:gd name="connsiteX70" fmla="*/ 23446 w 2743200"/>
+              <a:gd name="connsiteY70" fmla="*/ 1266092 h 2368062"/>
+            </a:gdLst>
+            <a:ahLst/>
+            <a:cxnLst>
+              <a:cxn ang="0">
+                <a:pos x="connsiteX0" y="connsiteY0"/>
+              </a:cxn>
+              <a:cxn ang="0">
+                <a:pos x="connsiteX1" y="connsiteY1"/>
+              </a:cxn>
+              <a:cxn ang="0">
+                <a:pos x="connsiteX2" y="connsiteY2"/>
+              </a:cxn>
+              <a:cxn ang="0">
+                <a:pos x="connsiteX3" y="connsiteY3"/>
+              </a:cxn>
+              <a:cxn ang="0">
+                <a:pos x="connsiteX4" y="connsiteY4"/>
+              </a:cxn>
+              <a:cxn ang="0">
+                <a:pos x="connsiteX5" y="connsiteY5"/>
+              </a:cxn>
+              <a:cxn ang="0">
+                <a:pos x="connsiteX6" y="connsiteY6"/>
+              </a:cxn>
+              <a:cxn ang="0">
+                <a:pos x="connsiteX7" y="connsiteY7"/>
+              </a:cxn>
+              <a:cxn ang="0">
+                <a:pos x="connsiteX8" y="connsiteY8"/>
+              </a:cxn>
+              <a:cxn ang="0">
+                <a:pos x="connsiteX9" y="connsiteY9"/>
+              </a:cxn>
+              <a:cxn ang="0">
+                <a:pos x="connsiteX10" y="connsiteY10"/>
+              </a:cxn>
+              <a:cxn ang="0">
+                <a:pos x="connsiteX11" y="connsiteY11"/>
+              </a:cxn>
+              <a:cxn ang="0">
+                <a:pos x="connsiteX12" y="connsiteY12"/>
+              </a:cxn>
+              <a:cxn ang="0">
+                <a:pos x="connsiteX13" y="connsiteY13"/>
+              </a:cxn>
+              <a:cxn ang="0">
+                <a:pos x="connsiteX14" y="connsiteY14"/>
+              </a:cxn>
+              <a:cxn ang="0">
+                <a:pos x="connsiteX15" y="connsiteY15"/>
+              </a:cxn>
+              <a:cxn ang="0">
+                <a:pos x="connsiteX16" y="connsiteY16"/>
+              </a:cxn>
+              <a:cxn ang="0">
+                <a:pos x="connsiteX17" y="connsiteY17"/>
+              </a:cxn>
+              <a:cxn ang="0">
+                <a:pos x="connsiteX18" y="connsiteY18"/>
+              </a:cxn>
+              <a:cxn ang="0">
+                <a:pos x="connsiteX19" y="connsiteY19"/>
+              </a:cxn>
+              <a:cxn ang="0">
+                <a:pos x="connsiteX20" y="connsiteY20"/>
+              </a:cxn>
+              <a:cxn ang="0">
+                <a:pos x="connsiteX21" y="connsiteY21"/>
+              </a:cxn>
+              <a:cxn ang="0">
+                <a:pos x="connsiteX22" y="connsiteY22"/>
+              </a:cxn>
+              <a:cxn ang="0">
+                <a:pos x="connsiteX23" y="connsiteY23"/>
+              </a:cxn>
+              <a:cxn ang="0">
+                <a:pos x="connsiteX24" y="connsiteY24"/>
+              </a:cxn>
+              <a:cxn ang="0">
+                <a:pos x="connsiteX25" y="connsiteY25"/>
+              </a:cxn>
+              <a:cxn ang="0">
+                <a:pos x="connsiteX26" y="connsiteY26"/>
+              </a:cxn>
+              <a:cxn ang="0">
+                <a:pos x="connsiteX27" y="connsiteY27"/>
+              </a:cxn>
+              <a:cxn ang="0">
+                <a:pos x="connsiteX28" y="connsiteY28"/>
+              </a:cxn>
+              <a:cxn ang="0">
+                <a:pos x="connsiteX29" y="connsiteY29"/>
+              </a:cxn>
+              <a:cxn ang="0">
+                <a:pos x="connsiteX30" y="connsiteY30"/>
+              </a:cxn>
+              <a:cxn ang="0">
+                <a:pos x="connsiteX31" y="connsiteY31"/>
+              </a:cxn>
+              <a:cxn ang="0">
+                <a:pos x="connsiteX32" y="connsiteY32"/>
+              </a:cxn>
+              <a:cxn ang="0">
+                <a:pos x="connsiteX33" y="connsiteY33"/>
+              </a:cxn>
+              <a:cxn ang="0">
+                <a:pos x="connsiteX34" y="connsiteY34"/>
+              </a:cxn>
+              <a:cxn ang="0">
+                <a:pos x="connsiteX35" y="connsiteY35"/>
+              </a:cxn>
+              <a:cxn ang="0">
+                <a:pos x="connsiteX36" y="connsiteY36"/>
+              </a:cxn>
+              <a:cxn ang="0">
+                <a:pos x="connsiteX37" y="connsiteY37"/>
+              </a:cxn>
+              <a:cxn ang="0">
+                <a:pos x="connsiteX38" y="connsiteY38"/>
+              </a:cxn>
+              <a:cxn ang="0">
+                <a:pos x="connsiteX39" y="connsiteY39"/>
+              </a:cxn>
+              <a:cxn ang="0">
+                <a:pos x="connsiteX40" y="connsiteY40"/>
+              </a:cxn>
+              <a:cxn ang="0">
+                <a:pos x="connsiteX41" y="connsiteY41"/>
+              </a:cxn>
+              <a:cxn ang="0">
+                <a:pos x="connsiteX42" y="connsiteY42"/>
+              </a:cxn>
+              <a:cxn ang="0">
+                <a:pos x="connsiteX43" y="connsiteY43"/>
+              </a:cxn>
+              <a:cxn ang="0">
+                <a:pos x="connsiteX44" y="connsiteY44"/>
+              </a:cxn>
+              <a:cxn ang="0">
+                <a:pos x="connsiteX45" y="connsiteY45"/>
+              </a:cxn>
+              <a:cxn ang="0">
+                <a:pos x="connsiteX46" y="connsiteY46"/>
+              </a:cxn>
+              <a:cxn ang="0">
+                <a:pos x="connsiteX47" y="connsiteY47"/>
+              </a:cxn>
+              <a:cxn ang="0">
+                <a:pos x="connsiteX48" y="connsiteY48"/>
+              </a:cxn>
+              <a:cxn ang="0">
+                <a:pos x="connsiteX49" y="connsiteY49"/>
+              </a:cxn>
+              <a:cxn ang="0">
+                <a:pos x="connsiteX50" y="connsiteY50"/>
+              </a:cxn>
+              <a:cxn ang="0">
+                <a:pos x="connsiteX51" y="connsiteY51"/>
+              </a:cxn>
+              <a:cxn ang="0">
+                <a:pos x="connsiteX52" y="connsiteY52"/>
+              </a:cxn>
+              <a:cxn ang="0">
+                <a:pos x="connsiteX53" y="connsiteY53"/>
+              </a:cxn>
+              <a:cxn ang="0">
+                <a:pos x="connsiteX54" y="connsiteY54"/>
+              </a:cxn>
+              <a:cxn ang="0">
+                <a:pos x="connsiteX55" y="connsiteY55"/>
+              </a:cxn>
+              <a:cxn ang="0">
+                <a:pos x="connsiteX56" y="connsiteY56"/>
+              </a:cxn>
+              <a:cxn ang="0">
+                <a:pos x="connsiteX57" y="connsiteY57"/>
+              </a:cxn>
+              <a:cxn ang="0">
+                <a:pos x="connsiteX58" y="connsiteY58"/>
+              </a:cxn>
+              <a:cxn ang="0">
+                <a:pos x="connsiteX59" y="connsiteY59"/>
+              </a:cxn>
+              <a:cxn ang="0">
+                <a:pos x="connsiteX60" y="connsiteY60"/>
+              </a:cxn>
+              <a:cxn ang="0">
+                <a:pos x="connsiteX61" y="connsiteY61"/>
+              </a:cxn>
+              <a:cxn ang="0">
+                <a:pos x="connsiteX62" y="connsiteY62"/>
+              </a:cxn>
+              <a:cxn ang="0">
+                <a:pos x="connsiteX63" y="connsiteY63"/>
+              </a:cxn>
+              <a:cxn ang="0">
+                <a:pos x="connsiteX64" y="connsiteY64"/>
+              </a:cxn>
+              <a:cxn ang="0">
+                <a:pos x="connsiteX65" y="connsiteY65"/>
+              </a:cxn>
+              <a:cxn ang="0">
+                <a:pos x="connsiteX66" y="connsiteY66"/>
+              </a:cxn>
+              <a:cxn ang="0">
+                <a:pos x="connsiteX67" y="connsiteY67"/>
+              </a:cxn>
+              <a:cxn ang="0">
+                <a:pos x="connsiteX68" y="connsiteY68"/>
+              </a:cxn>
+              <a:cxn ang="0">
+                <a:pos x="connsiteX69" y="connsiteY69"/>
+              </a:cxn>
+              <a:cxn ang="0">
+                <a:pos x="connsiteX70" y="connsiteY70"/>
+              </a:cxn>
+            </a:cxnLst>
+            <a:rect l="l" t="t" r="r" b="b"/>
+            <a:pathLst>
+              <a:path w="2743200" h="2368062">
+                <a:moveTo>
+                  <a:pt x="58615" y="1219200"/>
+                </a:moveTo>
+                <a:cubicBezTo>
+                  <a:pt x="66430" y="984738"/>
+                  <a:pt x="71245" y="750157"/>
+                  <a:pt x="82061" y="515815"/>
+                </a:cubicBezTo>
+                <a:cubicBezTo>
+                  <a:pt x="83091" y="493509"/>
+                  <a:pt x="100155" y="434396"/>
+                  <a:pt x="105508" y="410308"/>
+                </a:cubicBezTo>
+                <a:cubicBezTo>
+                  <a:pt x="109830" y="390857"/>
+                  <a:pt x="110930" y="370595"/>
+                  <a:pt x="117231" y="351692"/>
+                </a:cubicBezTo>
+                <a:cubicBezTo>
+                  <a:pt x="122757" y="335113"/>
+                  <a:pt x="134187" y="321026"/>
+                  <a:pt x="140677" y="304800"/>
+                </a:cubicBezTo>
+                <a:cubicBezTo>
+                  <a:pt x="149856" y="281853"/>
+                  <a:pt x="154944" y="257409"/>
+                  <a:pt x="164123" y="234462"/>
+                </a:cubicBezTo>
+                <a:cubicBezTo>
+                  <a:pt x="170613" y="218236"/>
+                  <a:pt x="178578" y="202555"/>
+                  <a:pt x="187569" y="187569"/>
+                </a:cubicBezTo>
+                <a:cubicBezTo>
+                  <a:pt x="230112" y="116663"/>
+                  <a:pt x="238963" y="100921"/>
+                  <a:pt x="316523" y="58615"/>
+                </a:cubicBezTo>
+                <a:cubicBezTo>
+                  <a:pt x="330667" y="50900"/>
+                  <a:pt x="347923" y="51318"/>
+                  <a:pt x="363415" y="46892"/>
+                </a:cubicBezTo>
+                <a:cubicBezTo>
+                  <a:pt x="375297" y="43497"/>
+                  <a:pt x="387227" y="40037"/>
+                  <a:pt x="398585" y="35169"/>
+                </a:cubicBezTo>
+                <a:cubicBezTo>
+                  <a:pt x="414648" y="28285"/>
+                  <a:pt x="428239" y="14596"/>
+                  <a:pt x="445477" y="11723"/>
+                </a:cubicBezTo>
+                <a:cubicBezTo>
+                  <a:pt x="499578" y="2706"/>
+                  <a:pt x="554892" y="3908"/>
+                  <a:pt x="609600" y="0"/>
+                </a:cubicBezTo>
+                <a:lnTo>
+                  <a:pt x="762000" y="11723"/>
+                </a:lnTo>
+                <a:cubicBezTo>
+                  <a:pt x="797240" y="14927"/>
+                  <a:pt x="832179" y="21446"/>
+                  <a:pt x="867508" y="23446"/>
+                </a:cubicBezTo>
+                <a:cubicBezTo>
+                  <a:pt x="1025166" y="32370"/>
+                  <a:pt x="1343236" y="40051"/>
+                  <a:pt x="1547446" y="58615"/>
+                </a:cubicBezTo>
+                <a:cubicBezTo>
+                  <a:pt x="1578822" y="61467"/>
+                  <a:pt x="1609899" y="67040"/>
+                  <a:pt x="1641231" y="70338"/>
+                </a:cubicBezTo>
+                <a:cubicBezTo>
+                  <a:pt x="1941493" y="101946"/>
+                  <a:pt x="1561964" y="55200"/>
+                  <a:pt x="1981200" y="105508"/>
+                </a:cubicBezTo>
+                <a:cubicBezTo>
+                  <a:pt x="2008635" y="108800"/>
+                  <a:pt x="2035862" y="113657"/>
+                  <a:pt x="2063261" y="117231"/>
+                </a:cubicBezTo>
+                <a:lnTo>
+                  <a:pt x="2250831" y="140677"/>
+                </a:lnTo>
+                <a:cubicBezTo>
+                  <a:pt x="2287785" y="149915"/>
+                  <a:pt x="2299255" y="151509"/>
+                  <a:pt x="2332892" y="164123"/>
+                </a:cubicBezTo>
+                <a:cubicBezTo>
+                  <a:pt x="2352596" y="171512"/>
+                  <a:pt x="2371731" y="180377"/>
+                  <a:pt x="2391508" y="187569"/>
+                </a:cubicBezTo>
+                <a:cubicBezTo>
+                  <a:pt x="2448293" y="208218"/>
+                  <a:pt x="2461048" y="205848"/>
+                  <a:pt x="2508738" y="234462"/>
+                </a:cubicBezTo>
+                <a:cubicBezTo>
+                  <a:pt x="2532901" y="248960"/>
+                  <a:pt x="2555631" y="265723"/>
+                  <a:pt x="2579077" y="281354"/>
+                </a:cubicBezTo>
+                <a:lnTo>
+                  <a:pt x="2614246" y="304800"/>
+                </a:lnTo>
+                <a:cubicBezTo>
+                  <a:pt x="2629877" y="336062"/>
+                  <a:pt x="2656195" y="363985"/>
+                  <a:pt x="2661138" y="398585"/>
+                </a:cubicBezTo>
+                <a:cubicBezTo>
+                  <a:pt x="2665046" y="425939"/>
+                  <a:pt x="2668659" y="453336"/>
+                  <a:pt x="2672861" y="480646"/>
+                </a:cubicBezTo>
+                <a:cubicBezTo>
+                  <a:pt x="2676475" y="504139"/>
+                  <a:pt x="2681443" y="527424"/>
+                  <a:pt x="2684585" y="550985"/>
+                </a:cubicBezTo>
+                <a:cubicBezTo>
+                  <a:pt x="2689262" y="586060"/>
+                  <a:pt x="2691919" y="621380"/>
+                  <a:pt x="2696308" y="656492"/>
+                </a:cubicBezTo>
+                <a:cubicBezTo>
+                  <a:pt x="2699735" y="683910"/>
+                  <a:pt x="2704980" y="711091"/>
+                  <a:pt x="2708031" y="738554"/>
+                </a:cubicBezTo>
+                <a:cubicBezTo>
+                  <a:pt x="2712797" y="781452"/>
+                  <a:pt x="2714988" y="824610"/>
+                  <a:pt x="2719754" y="867508"/>
+                </a:cubicBezTo>
+                <a:cubicBezTo>
+                  <a:pt x="2726712" y="930132"/>
+                  <a:pt x="2743200" y="1055077"/>
+                  <a:pt x="2743200" y="1055077"/>
+                </a:cubicBezTo>
+                <a:cubicBezTo>
+                  <a:pt x="2739292" y="1211385"/>
+                  <a:pt x="2738741" y="1367812"/>
+                  <a:pt x="2731477" y="1524000"/>
+                </a:cubicBezTo>
+                <a:cubicBezTo>
+                  <a:pt x="2730903" y="1536344"/>
+                  <a:pt x="2721287" y="1546907"/>
+                  <a:pt x="2719754" y="1559169"/>
+                </a:cubicBezTo>
+                <a:cubicBezTo>
+                  <a:pt x="2699445" y="1721640"/>
+                  <a:pt x="2718165" y="1674209"/>
+                  <a:pt x="2696308" y="1805354"/>
+                </a:cubicBezTo>
+                <a:cubicBezTo>
+                  <a:pt x="2693659" y="1821247"/>
+                  <a:pt x="2689011" y="1836754"/>
+                  <a:pt x="2684585" y="1852246"/>
+                </a:cubicBezTo>
+                <a:cubicBezTo>
+                  <a:pt x="2669967" y="1903406"/>
+                  <a:pt x="2639769" y="1966362"/>
+                  <a:pt x="2614246" y="2004646"/>
+                </a:cubicBezTo>
+                <a:cubicBezTo>
+                  <a:pt x="2606431" y="2016369"/>
+                  <a:pt x="2600160" y="2029285"/>
+                  <a:pt x="2590800" y="2039815"/>
+                </a:cubicBezTo>
+                <a:cubicBezTo>
+                  <a:pt x="2517813" y="2121925"/>
+                  <a:pt x="2544942" y="2090993"/>
+                  <a:pt x="2485292" y="2133600"/>
+                </a:cubicBezTo>
+                <a:cubicBezTo>
+                  <a:pt x="2469393" y="2144956"/>
+                  <a:pt x="2454968" y="2158414"/>
+                  <a:pt x="2438400" y="2168769"/>
+                </a:cubicBezTo>
+                <a:cubicBezTo>
+                  <a:pt x="2423581" y="2178031"/>
+                  <a:pt x="2406681" y="2183545"/>
+                  <a:pt x="2391508" y="2192215"/>
+                </a:cubicBezTo>
+                <a:cubicBezTo>
+                  <a:pt x="2379275" y="2199206"/>
+                  <a:pt x="2369213" y="2209940"/>
+                  <a:pt x="2356338" y="2215662"/>
+                </a:cubicBezTo>
+                <a:cubicBezTo>
+                  <a:pt x="2333754" y="2225700"/>
+                  <a:pt x="2309446" y="2231293"/>
+                  <a:pt x="2286000" y="2239108"/>
+                </a:cubicBezTo>
+                <a:lnTo>
+                  <a:pt x="2250831" y="2250831"/>
+                </a:lnTo>
+                <a:lnTo>
+                  <a:pt x="2180492" y="2274277"/>
+                </a:lnTo>
+                <a:cubicBezTo>
+                  <a:pt x="2150360" y="2284321"/>
+                  <a:pt x="2130815" y="2291835"/>
+                  <a:pt x="2098431" y="2297723"/>
+                </a:cubicBezTo>
+                <a:cubicBezTo>
+                  <a:pt x="2071245" y="2302666"/>
+                  <a:pt x="2043723" y="2305538"/>
+                  <a:pt x="2016369" y="2309446"/>
+                </a:cubicBezTo>
+                <a:cubicBezTo>
+                  <a:pt x="2004646" y="2313354"/>
+                  <a:pt x="1993263" y="2318488"/>
+                  <a:pt x="1981200" y="2321169"/>
+                </a:cubicBezTo>
+                <a:cubicBezTo>
+                  <a:pt x="1958357" y="2326245"/>
+                  <a:pt x="1847496" y="2342538"/>
+                  <a:pt x="1828800" y="2344615"/>
+                </a:cubicBezTo>
+                <a:cubicBezTo>
+                  <a:pt x="1726562" y="2355975"/>
+                  <a:pt x="1626923" y="2361200"/>
+                  <a:pt x="1524000" y="2368062"/>
+                </a:cubicBezTo>
+                <a:lnTo>
+                  <a:pt x="1043354" y="2356338"/>
+                </a:lnTo>
+                <a:cubicBezTo>
+                  <a:pt x="996333" y="2354564"/>
+                  <a:pt x="949473" y="2349541"/>
+                  <a:pt x="902677" y="2344615"/>
+                </a:cubicBezTo>
+                <a:cubicBezTo>
+                  <a:pt x="856189" y="2339722"/>
+                  <a:pt x="807834" y="2331354"/>
+                  <a:pt x="762000" y="2321169"/>
+                </a:cubicBezTo>
+                <a:cubicBezTo>
+                  <a:pt x="735745" y="2315335"/>
+                  <a:pt x="661958" y="2296313"/>
+                  <a:pt x="644769" y="2286000"/>
+                </a:cubicBezTo>
+                <a:cubicBezTo>
+                  <a:pt x="625231" y="2274277"/>
+                  <a:pt x="605476" y="2262907"/>
+                  <a:pt x="586154" y="2250831"/>
+                </a:cubicBezTo>
+                <a:cubicBezTo>
+                  <a:pt x="574206" y="2243364"/>
+                  <a:pt x="561987" y="2236187"/>
+                  <a:pt x="550985" y="2227385"/>
+                </a:cubicBezTo>
+                <a:cubicBezTo>
+                  <a:pt x="542354" y="2220480"/>
+                  <a:pt x="536380" y="2210570"/>
+                  <a:pt x="527538" y="2203938"/>
+                </a:cubicBezTo>
+                <a:cubicBezTo>
+                  <a:pt x="504995" y="2187031"/>
+                  <a:pt x="480646" y="2172677"/>
+                  <a:pt x="457200" y="2157046"/>
+                </a:cubicBezTo>
+                <a:lnTo>
+                  <a:pt x="422031" y="2133600"/>
+                </a:lnTo>
+                <a:cubicBezTo>
+                  <a:pt x="414376" y="2122118"/>
+                  <a:pt x="357323" y="2033723"/>
+                  <a:pt x="339969" y="2016369"/>
+                </a:cubicBezTo>
+                <a:cubicBezTo>
+                  <a:pt x="247748" y="1924147"/>
+                  <a:pt x="365664" y="2072993"/>
+                  <a:pt x="269631" y="1957754"/>
+                </a:cubicBezTo>
+                <a:cubicBezTo>
+                  <a:pt x="195688" y="1869023"/>
+                  <a:pt x="290952" y="1967352"/>
+                  <a:pt x="222738" y="1899138"/>
+                </a:cubicBezTo>
+                <a:cubicBezTo>
+                  <a:pt x="193272" y="1810740"/>
+                  <a:pt x="233020" y="1919702"/>
+                  <a:pt x="187569" y="1828800"/>
+                </a:cubicBezTo>
+                <a:cubicBezTo>
+                  <a:pt x="139034" y="1731729"/>
+                  <a:pt x="219593" y="1859251"/>
+                  <a:pt x="152400" y="1758462"/>
+                </a:cubicBezTo>
+                <a:cubicBezTo>
+                  <a:pt x="148492" y="1746739"/>
+                  <a:pt x="146678" y="1734094"/>
+                  <a:pt x="140677" y="1723292"/>
+                </a:cubicBezTo>
+                <a:cubicBezTo>
+                  <a:pt x="126992" y="1698659"/>
+                  <a:pt x="102696" y="1679686"/>
+                  <a:pt x="93785" y="1652954"/>
+                </a:cubicBezTo>
+                <a:cubicBezTo>
+                  <a:pt x="43486" y="1502061"/>
+                  <a:pt x="91753" y="1656554"/>
+                  <a:pt x="58615" y="1524000"/>
+                </a:cubicBezTo>
+                <a:cubicBezTo>
+                  <a:pt x="55618" y="1512012"/>
+                  <a:pt x="50287" y="1500713"/>
+                  <a:pt x="46892" y="1488831"/>
+                </a:cubicBezTo>
+                <a:cubicBezTo>
+                  <a:pt x="42466" y="1473339"/>
+                  <a:pt x="39799" y="1457371"/>
+                  <a:pt x="35169" y="1441938"/>
+                </a:cubicBezTo>
+                <a:cubicBezTo>
+                  <a:pt x="28067" y="1418266"/>
+                  <a:pt x="16570" y="1395834"/>
+                  <a:pt x="11723" y="1371600"/>
+                </a:cubicBezTo>
+                <a:lnTo>
+                  <a:pt x="0" y="1312985"/>
+                </a:lnTo>
+                <a:cubicBezTo>
+                  <a:pt x="13471" y="1272572"/>
+                  <a:pt x="2985" y="1286553"/>
+                  <a:pt x="23446" y="1266092"/>
+                </a:cubicBezTo>
+              </a:path>
+            </a:pathLst>
+          </a:custGeom>
+          <a:noFill/>
+          <a:ln w="25400">
+            <a:solidFill>
+              <a:schemeClr val="tx2"/>
+            </a:solidFill>
+          </a:ln>
+          <a:effectLst/>
+          <a:extLst>
+            <a:ext uri="{909E8E84-426E-40dd-AFC4-6F175D3DCCD1}">
+              <a14:hiddenFill xmlns="" xmlns:a14="http://schemas.microsoft.com/office/drawing/2010/main">
+                <a:solidFill>
+                  <a:schemeClr val="accent1"/>
+                </a:solidFill>
+              </a14:hiddenFill>
+            </a:ext>
+            <a:ext uri="{91240B29-F687-4f45-9708-019B960494DF}">
+              <a14:hiddenLine xmlns="" xmlns:a14="http://schemas.microsoft.com/office/drawing/2010/main" w="9525" cap="flat" cmpd="sng" algn="ctr">
+                <a:solidFill>
+                  <a:schemeClr val="tx1"/>
+                </a:solidFill>
+                <a:prstDash val="solid"/>
+                <a:round/>
+                <a:headEnd type="none" w="med" len="med"/>
+                <a:tailEnd type="none" w="med" len="med"/>
+              </a14:hiddenLine>
+            </a:ext>
+            <a:ext uri="{AF507438-7753-43e0-B8FC-AC1667EBCBE1}">
+              <a14:hiddenEffects xmlns="" xmlns:a14="http://schemas.microsoft.com/office/drawing/2010/main">
+                <a:effectLst>
+                  <a:outerShdw blurRad="63500" dist="35921" dir="2700000" algn="ctr" rotWithShape="0">
+                    <a:schemeClr val="bg2"/>
+                  </a:outerShdw>
+                </a:effectLst>
+              </a14:hiddenEffects>
+            </a:ext>
+          </a:extLst>
+        </p:spPr>
+        <p:txBody>
+          <a:bodyPr rtlCol="0" anchor="ctr"/>
+          <a:lstStyle/>
+          <a:p>
+            <a:pPr algn="ctr"/>
+            <a:endParaRPr lang="en-US"/>
+          </a:p>
+        </p:txBody>
+      </p:sp>
+    </p:spTree>
+    <p:extLst>
+      <p:ext uri="{BB962C8B-B14F-4D97-AF65-F5344CB8AC3E}">
+        <p14:creationId xmlns:p14="http://schemas.microsoft.com/office/powerpoint/2010/main" val="3442953491"/>
+      </p:ext>
+    </p:extLst>
+  </p:cSld>
+  <p:clrMapOvr>
+    <a:masterClrMapping/>
+  </p:clrMapOvr>
+</p:sld>
+</file>
+
+<file path=ppt/slides/slide7.xml><?xml version="1.0" encoding="utf-8"?>
 <p:sld xmlns:a="http://schemas.openxmlformats.org/drawingml/2006/main" xmlns:r="http://schemas.openxmlformats.org/officeDocument/2006/relationships" xmlns:p="http://schemas.openxmlformats.org/presentationml/2006/main">
   <p:cSld>
     <p:spTree>
@@ -17104,7 +19722,7 @@
 </p:sld>
 </file>
 
-<file path=ppt/slides/slide6.xml><?xml version="1.0" encoding="utf-8"?>
+<file path=ppt/slides/slide8.xml><?xml version="1.0" encoding="utf-8"?>
 <p:sld xmlns:a="http://schemas.openxmlformats.org/drawingml/2006/main" xmlns:r="http://schemas.openxmlformats.org/officeDocument/2006/relationships" xmlns:p="http://schemas.openxmlformats.org/presentationml/2006/main">
   <p:cSld>
     <p:spTree>
@@ -17121,1023 +19739,1044 @@
           <a:chExt cx="0" cy="0"/>
         </a:xfrm>
       </p:grpSpPr>
-      <p:cxnSp>
-        <p:nvCxnSpPr>
-          <p:cNvPr id="3" name="Straight Arrow Connector 2">
+      <p:grpSp>
+        <p:nvGrpSpPr>
+          <p:cNvPr id="8" name="Group 7">
             <a:extLst>
               <a:ext uri="{FF2B5EF4-FFF2-40B4-BE49-F238E27FC236}">
-                <a16:creationId xmlns:a16="http://schemas.microsoft.com/office/drawing/2014/main" id="{6A90841F-CD50-1943-8BFE-5E5F0F2A7C73}"/>
+                <a16:creationId xmlns:a16="http://schemas.microsoft.com/office/drawing/2014/main" id="{19207F8E-4617-1C44-A0ED-0750D4AC2F71}"/>
               </a:ext>
             </a:extLst>
           </p:cNvPr>
-          <p:cNvCxnSpPr/>
+          <p:cNvGrpSpPr/>
           <p:nvPr/>
-        </p:nvCxnSpPr>
-        <p:spPr bwMode="auto">
+        </p:nvGrpSpPr>
+        <p:grpSpPr>
           <a:xfrm>
-            <a:off x="1934308" y="5040923"/>
-            <a:ext cx="4572000" cy="0"/>
+            <a:off x="1910862" y="2549856"/>
+            <a:ext cx="4783209" cy="2491067"/>
+            <a:chOff x="1910862" y="2549856"/>
+            <a:chExt cx="4783209" cy="2491067"/>
           </a:xfrm>
-          <a:prstGeom prst="straightConnector1">
-            <a:avLst/>
-          </a:prstGeom>
-          <a:noFill/>
-          <a:ln>
-            <a:solidFill>
-              <a:schemeClr val="accent4"/>
-            </a:solidFill>
-            <a:tailEnd type="triangle"/>
-          </a:ln>
-          <a:effectLst/>
-          <a:extLst>
-            <a:ext uri="{909E8E84-426E-40dd-AFC4-6F175D3DCCD1}">
-              <a14:hiddenFill xmlns="" xmlns:a14="http://schemas.microsoft.com/office/drawing/2010/main">
-                <a:solidFill>
-                  <a:schemeClr val="accent1"/>
-                </a:solidFill>
-              </a14:hiddenFill>
-            </a:ext>
-            <a:ext uri="{91240B29-F687-4f45-9708-019B960494DF}">
-              <a14:hiddenLine xmlns="" xmlns:a14="http://schemas.microsoft.com/office/drawing/2010/main" w="9525" cap="flat" cmpd="sng" algn="ctr">
-                <a:solidFill>
-                  <a:schemeClr val="tx1"/>
-                </a:solidFill>
-                <a:prstDash val="solid"/>
-                <a:round/>
-                <a:headEnd type="none" w="med" len="med"/>
-                <a:tailEnd type="none" w="med" len="med"/>
-              </a14:hiddenLine>
-            </a:ext>
-            <a:ext uri="{AF507438-7753-43e0-B8FC-AC1667EBCBE1}">
-              <a14:hiddenEffects xmlns="" xmlns:a14="http://schemas.microsoft.com/office/drawing/2010/main">
-                <a:effectLst>
-                  <a:outerShdw blurRad="63500" dist="35921" dir="2700000" algn="ctr" rotWithShape="0">
-                    <a:schemeClr val="bg2"/>
-                  </a:outerShdw>
-                </a:effectLst>
-              </a14:hiddenEffects>
-            </a:ext>
-          </a:extLst>
-        </p:spPr>
-      </p:cxnSp>
-      <p:sp>
-        <p:nvSpPr>
-          <p:cNvPr id="4" name="Freeform 3">
+        </p:grpSpPr>
+        <p:cxnSp>
+          <p:nvCxnSpPr>
+            <p:cNvPr id="3" name="Straight Arrow Connector 2">
+              <a:extLst>
+                <a:ext uri="{FF2B5EF4-FFF2-40B4-BE49-F238E27FC236}">
+                  <a16:creationId xmlns:a16="http://schemas.microsoft.com/office/drawing/2014/main" id="{6A90841F-CD50-1943-8BFE-5E5F0F2A7C73}"/>
+                </a:ext>
+              </a:extLst>
+            </p:cNvPr>
+            <p:cNvCxnSpPr/>
+            <p:nvPr/>
+          </p:nvCxnSpPr>
+          <p:spPr bwMode="auto">
+            <a:xfrm>
+              <a:off x="1934308" y="5040923"/>
+              <a:ext cx="4572000" cy="0"/>
+            </a:xfrm>
+            <a:prstGeom prst="straightConnector1">
+              <a:avLst/>
+            </a:prstGeom>
+            <a:noFill/>
+            <a:ln>
+              <a:solidFill>
+                <a:schemeClr val="accent4"/>
+              </a:solidFill>
+              <a:tailEnd type="triangle"/>
+            </a:ln>
+            <a:effectLst/>
             <a:extLst>
-              <a:ext uri="{FF2B5EF4-FFF2-40B4-BE49-F238E27FC236}">
-                <a16:creationId xmlns:a16="http://schemas.microsoft.com/office/drawing/2014/main" id="{C7CFD042-3F5F-7C4F-B367-83BF91CEED36}"/>
+              <a:ext uri="{909E8E84-426E-40dd-AFC4-6F175D3DCCD1}">
+                <a14:hiddenFill xmlns="" xmlns:a14="http://schemas.microsoft.com/office/drawing/2010/main">
+                  <a:solidFill>
+                    <a:schemeClr val="accent1"/>
+                  </a:solidFill>
+                </a14:hiddenFill>
+              </a:ext>
+              <a:ext uri="{91240B29-F687-4f45-9708-019B960494DF}">
+                <a14:hiddenLine xmlns="" xmlns:a14="http://schemas.microsoft.com/office/drawing/2010/main" w="9525" cap="flat" cmpd="sng" algn="ctr">
+                  <a:solidFill>
+                    <a:schemeClr val="tx1"/>
+                  </a:solidFill>
+                  <a:prstDash val="solid"/>
+                  <a:round/>
+                  <a:headEnd type="none" w="med" len="med"/>
+                  <a:tailEnd type="none" w="med" len="med"/>
+                </a14:hiddenLine>
+              </a:ext>
+              <a:ext uri="{AF507438-7753-43e0-B8FC-AC1667EBCBE1}">
+                <a14:hiddenEffects xmlns="" xmlns:a14="http://schemas.microsoft.com/office/drawing/2010/main">
+                  <a:effectLst>
+                    <a:outerShdw blurRad="63500" dist="35921" dir="2700000" algn="ctr" rotWithShape="0">
+                      <a:schemeClr val="bg2"/>
+                    </a:outerShdw>
+                  </a:effectLst>
+                </a14:hiddenEffects>
               </a:ext>
             </a:extLst>
-          </p:cNvPr>
-          <p:cNvSpPr/>
-          <p:nvPr/>
-        </p:nvSpPr>
-        <p:spPr bwMode="auto">
-          <a:xfrm>
-            <a:off x="2121877" y="3299809"/>
-            <a:ext cx="3270738" cy="1623883"/>
-          </a:xfrm>
-          <a:custGeom>
-            <a:avLst/>
-            <a:gdLst>
-              <a:gd name="connsiteX0" fmla="*/ 0 w 3270738"/>
-              <a:gd name="connsiteY0" fmla="*/ 1588714 h 1623883"/>
-              <a:gd name="connsiteX1" fmla="*/ 715108 w 3270738"/>
-              <a:gd name="connsiteY1" fmla="*/ 1494929 h 1623883"/>
-              <a:gd name="connsiteX2" fmla="*/ 832338 w 3270738"/>
-              <a:gd name="connsiteY2" fmla="*/ 1389422 h 1623883"/>
-              <a:gd name="connsiteX3" fmla="*/ 1043354 w 3270738"/>
-              <a:gd name="connsiteY3" fmla="*/ 1166683 h 1623883"/>
-              <a:gd name="connsiteX4" fmla="*/ 1172308 w 3270738"/>
-              <a:gd name="connsiteY4" fmla="*/ 908776 h 1623883"/>
-              <a:gd name="connsiteX5" fmla="*/ 1254369 w 3270738"/>
-              <a:gd name="connsiteY5" fmla="*/ 650868 h 1623883"/>
-              <a:gd name="connsiteX6" fmla="*/ 1383323 w 3270738"/>
-              <a:gd name="connsiteY6" fmla="*/ 299176 h 1623883"/>
-              <a:gd name="connsiteX7" fmla="*/ 1512277 w 3270738"/>
-              <a:gd name="connsiteY7" fmla="*/ 88160 h 1623883"/>
-              <a:gd name="connsiteX8" fmla="*/ 1641231 w 3270738"/>
-              <a:gd name="connsiteY8" fmla="*/ 6099 h 1623883"/>
-              <a:gd name="connsiteX9" fmla="*/ 1828800 w 3270738"/>
-              <a:gd name="connsiteY9" fmla="*/ 17822 h 1623883"/>
-              <a:gd name="connsiteX10" fmla="*/ 1946031 w 3270738"/>
-              <a:gd name="connsiteY10" fmla="*/ 111606 h 1623883"/>
-              <a:gd name="connsiteX11" fmla="*/ 2121877 w 3270738"/>
-              <a:gd name="connsiteY11" fmla="*/ 463299 h 1623883"/>
-              <a:gd name="connsiteX12" fmla="*/ 2157046 w 3270738"/>
-              <a:gd name="connsiteY12" fmla="*/ 674314 h 1623883"/>
-              <a:gd name="connsiteX13" fmla="*/ 2227385 w 3270738"/>
-              <a:gd name="connsiteY13" fmla="*/ 1002560 h 1623883"/>
-              <a:gd name="connsiteX14" fmla="*/ 2274277 w 3270738"/>
-              <a:gd name="connsiteY14" fmla="*/ 1154960 h 1623883"/>
-              <a:gd name="connsiteX15" fmla="*/ 2356338 w 3270738"/>
-              <a:gd name="connsiteY15" fmla="*/ 1295637 h 1623883"/>
-              <a:gd name="connsiteX16" fmla="*/ 2485292 w 3270738"/>
-              <a:gd name="connsiteY16" fmla="*/ 1401145 h 1623883"/>
-              <a:gd name="connsiteX17" fmla="*/ 2661138 w 3270738"/>
-              <a:gd name="connsiteY17" fmla="*/ 1506653 h 1623883"/>
-              <a:gd name="connsiteX18" fmla="*/ 2813538 w 3270738"/>
-              <a:gd name="connsiteY18" fmla="*/ 1565268 h 1623883"/>
-              <a:gd name="connsiteX19" fmla="*/ 2977661 w 3270738"/>
-              <a:gd name="connsiteY19" fmla="*/ 1600437 h 1623883"/>
-              <a:gd name="connsiteX20" fmla="*/ 3165231 w 3270738"/>
-              <a:gd name="connsiteY20" fmla="*/ 1600437 h 1623883"/>
-              <a:gd name="connsiteX21" fmla="*/ 3247292 w 3270738"/>
-              <a:gd name="connsiteY21" fmla="*/ 1612160 h 1623883"/>
-              <a:gd name="connsiteX22" fmla="*/ 3270738 w 3270738"/>
-              <a:gd name="connsiteY22" fmla="*/ 1623883 h 1623883"/>
-            </a:gdLst>
-            <a:ahLst/>
-            <a:cxnLst>
-              <a:cxn ang="0">
-                <a:pos x="connsiteX0" y="connsiteY0"/>
-              </a:cxn>
-              <a:cxn ang="0">
-                <a:pos x="connsiteX1" y="connsiteY1"/>
-              </a:cxn>
-              <a:cxn ang="0">
-                <a:pos x="connsiteX2" y="connsiteY2"/>
-              </a:cxn>
-              <a:cxn ang="0">
-                <a:pos x="connsiteX3" y="connsiteY3"/>
-              </a:cxn>
-              <a:cxn ang="0">
-                <a:pos x="connsiteX4" y="connsiteY4"/>
-              </a:cxn>
-              <a:cxn ang="0">
-                <a:pos x="connsiteX5" y="connsiteY5"/>
-              </a:cxn>
-              <a:cxn ang="0">
-                <a:pos x="connsiteX6" y="connsiteY6"/>
-              </a:cxn>
-              <a:cxn ang="0">
-                <a:pos x="connsiteX7" y="connsiteY7"/>
-              </a:cxn>
-              <a:cxn ang="0">
-                <a:pos x="connsiteX8" y="connsiteY8"/>
-              </a:cxn>
-              <a:cxn ang="0">
-                <a:pos x="connsiteX9" y="connsiteY9"/>
-              </a:cxn>
-              <a:cxn ang="0">
-                <a:pos x="connsiteX10" y="connsiteY10"/>
-              </a:cxn>
-              <a:cxn ang="0">
-                <a:pos x="connsiteX11" y="connsiteY11"/>
-              </a:cxn>
-              <a:cxn ang="0">
-                <a:pos x="connsiteX12" y="connsiteY12"/>
-              </a:cxn>
-              <a:cxn ang="0">
-                <a:pos x="connsiteX13" y="connsiteY13"/>
-              </a:cxn>
-              <a:cxn ang="0">
-                <a:pos x="connsiteX14" y="connsiteY14"/>
-              </a:cxn>
-              <a:cxn ang="0">
-                <a:pos x="connsiteX15" y="connsiteY15"/>
-              </a:cxn>
-              <a:cxn ang="0">
-                <a:pos x="connsiteX16" y="connsiteY16"/>
-              </a:cxn>
-              <a:cxn ang="0">
-                <a:pos x="connsiteX17" y="connsiteY17"/>
-              </a:cxn>
-              <a:cxn ang="0">
-                <a:pos x="connsiteX18" y="connsiteY18"/>
-              </a:cxn>
-              <a:cxn ang="0">
-                <a:pos x="connsiteX19" y="connsiteY19"/>
-              </a:cxn>
-              <a:cxn ang="0">
-                <a:pos x="connsiteX20" y="connsiteY20"/>
-              </a:cxn>
-              <a:cxn ang="0">
-                <a:pos x="connsiteX21" y="connsiteY21"/>
-              </a:cxn>
-              <a:cxn ang="0">
-                <a:pos x="connsiteX22" y="connsiteY22"/>
-              </a:cxn>
-            </a:cxnLst>
-            <a:rect l="l" t="t" r="r" b="b"/>
-            <a:pathLst>
-              <a:path w="3270738" h="1623883">
-                <a:moveTo>
-                  <a:pt x="0" y="1588714"/>
-                </a:moveTo>
-                <a:cubicBezTo>
-                  <a:pt x="288192" y="1558429"/>
-                  <a:pt x="576385" y="1528144"/>
-                  <a:pt x="715108" y="1494929"/>
-                </a:cubicBezTo>
-                <a:cubicBezTo>
-                  <a:pt x="853831" y="1461714"/>
-                  <a:pt x="777630" y="1444130"/>
-                  <a:pt x="832338" y="1389422"/>
-                </a:cubicBezTo>
-                <a:cubicBezTo>
-                  <a:pt x="887046" y="1334714"/>
-                  <a:pt x="986692" y="1246791"/>
-                  <a:pt x="1043354" y="1166683"/>
-                </a:cubicBezTo>
-                <a:cubicBezTo>
-                  <a:pt x="1100016" y="1086575"/>
-                  <a:pt x="1137139" y="994745"/>
-                  <a:pt x="1172308" y="908776"/>
-                </a:cubicBezTo>
-                <a:cubicBezTo>
-                  <a:pt x="1207477" y="822807"/>
-                  <a:pt x="1219200" y="752468"/>
-                  <a:pt x="1254369" y="650868"/>
-                </a:cubicBezTo>
-                <a:cubicBezTo>
-                  <a:pt x="1289538" y="549268"/>
-                  <a:pt x="1340338" y="392961"/>
-                  <a:pt x="1383323" y="299176"/>
-                </a:cubicBezTo>
-                <a:cubicBezTo>
-                  <a:pt x="1426308" y="205391"/>
-                  <a:pt x="1469292" y="137006"/>
-                  <a:pt x="1512277" y="88160"/>
-                </a:cubicBezTo>
-                <a:cubicBezTo>
-                  <a:pt x="1555262" y="39314"/>
-                  <a:pt x="1588477" y="17822"/>
-                  <a:pt x="1641231" y="6099"/>
-                </a:cubicBezTo>
-                <a:cubicBezTo>
-                  <a:pt x="1693985" y="-5624"/>
-                  <a:pt x="1778000" y="237"/>
-                  <a:pt x="1828800" y="17822"/>
-                </a:cubicBezTo>
-                <a:cubicBezTo>
-                  <a:pt x="1879600" y="35406"/>
-                  <a:pt x="1897185" y="37360"/>
-                  <a:pt x="1946031" y="111606"/>
-                </a:cubicBezTo>
-                <a:cubicBezTo>
-                  <a:pt x="1994877" y="185852"/>
-                  <a:pt x="2086708" y="369514"/>
-                  <a:pt x="2121877" y="463299"/>
-                </a:cubicBezTo>
-                <a:cubicBezTo>
-                  <a:pt x="2157046" y="557084"/>
-                  <a:pt x="2139461" y="584437"/>
-                  <a:pt x="2157046" y="674314"/>
-                </a:cubicBezTo>
-                <a:cubicBezTo>
-                  <a:pt x="2174631" y="764191"/>
-                  <a:pt x="2207847" y="922452"/>
-                  <a:pt x="2227385" y="1002560"/>
-                </a:cubicBezTo>
-                <a:cubicBezTo>
-                  <a:pt x="2246923" y="1082668"/>
-                  <a:pt x="2252785" y="1106114"/>
-                  <a:pt x="2274277" y="1154960"/>
-                </a:cubicBezTo>
-                <a:cubicBezTo>
-                  <a:pt x="2295769" y="1203806"/>
-                  <a:pt x="2321169" y="1254606"/>
-                  <a:pt x="2356338" y="1295637"/>
-                </a:cubicBezTo>
-                <a:cubicBezTo>
-                  <a:pt x="2391507" y="1336668"/>
-                  <a:pt x="2434492" y="1365976"/>
-                  <a:pt x="2485292" y="1401145"/>
-                </a:cubicBezTo>
-                <a:cubicBezTo>
-                  <a:pt x="2536092" y="1436314"/>
-                  <a:pt x="2606430" y="1479299"/>
-                  <a:pt x="2661138" y="1506653"/>
-                </a:cubicBezTo>
-                <a:cubicBezTo>
-                  <a:pt x="2715846" y="1534007"/>
-                  <a:pt x="2760784" y="1549637"/>
-                  <a:pt x="2813538" y="1565268"/>
-                </a:cubicBezTo>
-                <a:cubicBezTo>
-                  <a:pt x="2866292" y="1580899"/>
-                  <a:pt x="2919046" y="1594576"/>
-                  <a:pt x="2977661" y="1600437"/>
-                </a:cubicBezTo>
-                <a:cubicBezTo>
-                  <a:pt x="3036276" y="1606298"/>
-                  <a:pt x="3120293" y="1598483"/>
-                  <a:pt x="3165231" y="1600437"/>
-                </a:cubicBezTo>
-                <a:cubicBezTo>
-                  <a:pt x="3210169" y="1602391"/>
-                  <a:pt x="3247292" y="1612160"/>
-                  <a:pt x="3247292" y="1612160"/>
-                </a:cubicBezTo>
-                <a:cubicBezTo>
-                  <a:pt x="3264876" y="1616068"/>
-                  <a:pt x="3267807" y="1619975"/>
-                  <a:pt x="3270738" y="1623883"/>
-                </a:cubicBezTo>
-              </a:path>
-            </a:pathLst>
-          </a:custGeom>
-          <a:noFill/>
-          <a:ln>
-            <a:solidFill>
-              <a:schemeClr val="tx1"/>
-            </a:solidFill>
-          </a:ln>
-          <a:effectLst/>
-          <a:extLst>
-            <a:ext uri="{909E8E84-426E-40dd-AFC4-6F175D3DCCD1}">
-              <a14:hiddenFill xmlns="" xmlns:a14="http://schemas.microsoft.com/office/drawing/2010/main">
-                <a:solidFill>
-                  <a:schemeClr val="accent1"/>
-                </a:solidFill>
-              </a14:hiddenFill>
-            </a:ext>
-            <a:ext uri="{91240B29-F687-4f45-9708-019B960494DF}">
-              <a14:hiddenLine xmlns="" xmlns:a14="http://schemas.microsoft.com/office/drawing/2010/main" w="9525" cap="flat" cmpd="sng" algn="ctr">
-                <a:solidFill>
-                  <a:schemeClr val="tx1"/>
-                </a:solidFill>
-                <a:prstDash val="solid"/>
-                <a:round/>
-                <a:headEnd type="none" w="med" len="med"/>
-                <a:tailEnd type="none" w="med" len="med"/>
-              </a14:hiddenLine>
-            </a:ext>
-            <a:ext uri="{AF507438-7753-43e0-B8FC-AC1667EBCBE1}">
-              <a14:hiddenEffects xmlns="" xmlns:a14="http://schemas.microsoft.com/office/drawing/2010/main">
-                <a:effectLst>
-                  <a:outerShdw blurRad="63500" dist="35921" dir="2700000" algn="ctr" rotWithShape="0">
-                    <a:schemeClr val="bg2"/>
-                  </a:outerShdw>
-                </a:effectLst>
-              </a14:hiddenEffects>
-            </a:ext>
-          </a:extLst>
-        </p:spPr>
-        <p:txBody>
-          <a:bodyPr rtlCol="0" anchor="ctr"/>
-          <a:lstStyle/>
-          <a:p>
-            <a:pPr algn="ctr"/>
-            <a:endParaRPr lang="en-US"/>
-          </a:p>
-        </p:txBody>
-      </p:sp>
-      <p:sp>
-        <p:nvSpPr>
-          <p:cNvPr id="5" name="Freeform 4">
+          </p:spPr>
+        </p:cxnSp>
+        <p:sp>
+          <p:nvSpPr>
+            <p:cNvPr id="4" name="Freeform 3">
+              <a:extLst>
+                <a:ext uri="{FF2B5EF4-FFF2-40B4-BE49-F238E27FC236}">
+                  <a16:creationId xmlns:a16="http://schemas.microsoft.com/office/drawing/2014/main" id="{C7CFD042-3F5F-7C4F-B367-83BF91CEED36}"/>
+                </a:ext>
+              </a:extLst>
+            </p:cNvPr>
+            <p:cNvSpPr/>
+            <p:nvPr/>
+          </p:nvSpPr>
+          <p:spPr bwMode="auto">
+            <a:xfrm>
+              <a:off x="2121877" y="3299809"/>
+              <a:ext cx="3270738" cy="1623883"/>
+            </a:xfrm>
+            <a:custGeom>
+              <a:avLst/>
+              <a:gdLst>
+                <a:gd name="connsiteX0" fmla="*/ 0 w 3270738"/>
+                <a:gd name="connsiteY0" fmla="*/ 1588714 h 1623883"/>
+                <a:gd name="connsiteX1" fmla="*/ 715108 w 3270738"/>
+                <a:gd name="connsiteY1" fmla="*/ 1494929 h 1623883"/>
+                <a:gd name="connsiteX2" fmla="*/ 832338 w 3270738"/>
+                <a:gd name="connsiteY2" fmla="*/ 1389422 h 1623883"/>
+                <a:gd name="connsiteX3" fmla="*/ 1043354 w 3270738"/>
+                <a:gd name="connsiteY3" fmla="*/ 1166683 h 1623883"/>
+                <a:gd name="connsiteX4" fmla="*/ 1172308 w 3270738"/>
+                <a:gd name="connsiteY4" fmla="*/ 908776 h 1623883"/>
+                <a:gd name="connsiteX5" fmla="*/ 1254369 w 3270738"/>
+                <a:gd name="connsiteY5" fmla="*/ 650868 h 1623883"/>
+                <a:gd name="connsiteX6" fmla="*/ 1383323 w 3270738"/>
+                <a:gd name="connsiteY6" fmla="*/ 299176 h 1623883"/>
+                <a:gd name="connsiteX7" fmla="*/ 1512277 w 3270738"/>
+                <a:gd name="connsiteY7" fmla="*/ 88160 h 1623883"/>
+                <a:gd name="connsiteX8" fmla="*/ 1641231 w 3270738"/>
+                <a:gd name="connsiteY8" fmla="*/ 6099 h 1623883"/>
+                <a:gd name="connsiteX9" fmla="*/ 1828800 w 3270738"/>
+                <a:gd name="connsiteY9" fmla="*/ 17822 h 1623883"/>
+                <a:gd name="connsiteX10" fmla="*/ 1946031 w 3270738"/>
+                <a:gd name="connsiteY10" fmla="*/ 111606 h 1623883"/>
+                <a:gd name="connsiteX11" fmla="*/ 2121877 w 3270738"/>
+                <a:gd name="connsiteY11" fmla="*/ 463299 h 1623883"/>
+                <a:gd name="connsiteX12" fmla="*/ 2157046 w 3270738"/>
+                <a:gd name="connsiteY12" fmla="*/ 674314 h 1623883"/>
+                <a:gd name="connsiteX13" fmla="*/ 2227385 w 3270738"/>
+                <a:gd name="connsiteY13" fmla="*/ 1002560 h 1623883"/>
+                <a:gd name="connsiteX14" fmla="*/ 2274277 w 3270738"/>
+                <a:gd name="connsiteY14" fmla="*/ 1154960 h 1623883"/>
+                <a:gd name="connsiteX15" fmla="*/ 2356338 w 3270738"/>
+                <a:gd name="connsiteY15" fmla="*/ 1295637 h 1623883"/>
+                <a:gd name="connsiteX16" fmla="*/ 2485292 w 3270738"/>
+                <a:gd name="connsiteY16" fmla="*/ 1401145 h 1623883"/>
+                <a:gd name="connsiteX17" fmla="*/ 2661138 w 3270738"/>
+                <a:gd name="connsiteY17" fmla="*/ 1506653 h 1623883"/>
+                <a:gd name="connsiteX18" fmla="*/ 2813538 w 3270738"/>
+                <a:gd name="connsiteY18" fmla="*/ 1565268 h 1623883"/>
+                <a:gd name="connsiteX19" fmla="*/ 2977661 w 3270738"/>
+                <a:gd name="connsiteY19" fmla="*/ 1600437 h 1623883"/>
+                <a:gd name="connsiteX20" fmla="*/ 3165231 w 3270738"/>
+                <a:gd name="connsiteY20" fmla="*/ 1600437 h 1623883"/>
+                <a:gd name="connsiteX21" fmla="*/ 3247292 w 3270738"/>
+                <a:gd name="connsiteY21" fmla="*/ 1612160 h 1623883"/>
+                <a:gd name="connsiteX22" fmla="*/ 3270738 w 3270738"/>
+                <a:gd name="connsiteY22" fmla="*/ 1623883 h 1623883"/>
+              </a:gdLst>
+              <a:ahLst/>
+              <a:cxnLst>
+                <a:cxn ang="0">
+                  <a:pos x="connsiteX0" y="connsiteY0"/>
+                </a:cxn>
+                <a:cxn ang="0">
+                  <a:pos x="connsiteX1" y="connsiteY1"/>
+                </a:cxn>
+                <a:cxn ang="0">
+                  <a:pos x="connsiteX2" y="connsiteY2"/>
+                </a:cxn>
+                <a:cxn ang="0">
+                  <a:pos x="connsiteX3" y="connsiteY3"/>
+                </a:cxn>
+                <a:cxn ang="0">
+                  <a:pos x="connsiteX4" y="connsiteY4"/>
+                </a:cxn>
+                <a:cxn ang="0">
+                  <a:pos x="connsiteX5" y="connsiteY5"/>
+                </a:cxn>
+                <a:cxn ang="0">
+                  <a:pos x="connsiteX6" y="connsiteY6"/>
+                </a:cxn>
+                <a:cxn ang="0">
+                  <a:pos x="connsiteX7" y="connsiteY7"/>
+                </a:cxn>
+                <a:cxn ang="0">
+                  <a:pos x="connsiteX8" y="connsiteY8"/>
+                </a:cxn>
+                <a:cxn ang="0">
+                  <a:pos x="connsiteX9" y="connsiteY9"/>
+                </a:cxn>
+                <a:cxn ang="0">
+                  <a:pos x="connsiteX10" y="connsiteY10"/>
+                </a:cxn>
+                <a:cxn ang="0">
+                  <a:pos x="connsiteX11" y="connsiteY11"/>
+                </a:cxn>
+                <a:cxn ang="0">
+                  <a:pos x="connsiteX12" y="connsiteY12"/>
+                </a:cxn>
+                <a:cxn ang="0">
+                  <a:pos x="connsiteX13" y="connsiteY13"/>
+                </a:cxn>
+                <a:cxn ang="0">
+                  <a:pos x="connsiteX14" y="connsiteY14"/>
+                </a:cxn>
+                <a:cxn ang="0">
+                  <a:pos x="connsiteX15" y="connsiteY15"/>
+                </a:cxn>
+                <a:cxn ang="0">
+                  <a:pos x="connsiteX16" y="connsiteY16"/>
+                </a:cxn>
+                <a:cxn ang="0">
+                  <a:pos x="connsiteX17" y="connsiteY17"/>
+                </a:cxn>
+                <a:cxn ang="0">
+                  <a:pos x="connsiteX18" y="connsiteY18"/>
+                </a:cxn>
+                <a:cxn ang="0">
+                  <a:pos x="connsiteX19" y="connsiteY19"/>
+                </a:cxn>
+                <a:cxn ang="0">
+                  <a:pos x="connsiteX20" y="connsiteY20"/>
+                </a:cxn>
+                <a:cxn ang="0">
+                  <a:pos x="connsiteX21" y="connsiteY21"/>
+                </a:cxn>
+                <a:cxn ang="0">
+                  <a:pos x="connsiteX22" y="connsiteY22"/>
+                </a:cxn>
+              </a:cxnLst>
+              <a:rect l="l" t="t" r="r" b="b"/>
+              <a:pathLst>
+                <a:path w="3270738" h="1623883">
+                  <a:moveTo>
+                    <a:pt x="0" y="1588714"/>
+                  </a:moveTo>
+                  <a:cubicBezTo>
+                    <a:pt x="288192" y="1558429"/>
+                    <a:pt x="576385" y="1528144"/>
+                    <a:pt x="715108" y="1494929"/>
+                  </a:cubicBezTo>
+                  <a:cubicBezTo>
+                    <a:pt x="853831" y="1461714"/>
+                    <a:pt x="777630" y="1444130"/>
+                    <a:pt x="832338" y="1389422"/>
+                  </a:cubicBezTo>
+                  <a:cubicBezTo>
+                    <a:pt x="887046" y="1334714"/>
+                    <a:pt x="986692" y="1246791"/>
+                    <a:pt x="1043354" y="1166683"/>
+                  </a:cubicBezTo>
+                  <a:cubicBezTo>
+                    <a:pt x="1100016" y="1086575"/>
+                    <a:pt x="1137139" y="994745"/>
+                    <a:pt x="1172308" y="908776"/>
+                  </a:cubicBezTo>
+                  <a:cubicBezTo>
+                    <a:pt x="1207477" y="822807"/>
+                    <a:pt x="1219200" y="752468"/>
+                    <a:pt x="1254369" y="650868"/>
+                  </a:cubicBezTo>
+                  <a:cubicBezTo>
+                    <a:pt x="1289538" y="549268"/>
+                    <a:pt x="1340338" y="392961"/>
+                    <a:pt x="1383323" y="299176"/>
+                  </a:cubicBezTo>
+                  <a:cubicBezTo>
+                    <a:pt x="1426308" y="205391"/>
+                    <a:pt x="1469292" y="137006"/>
+                    <a:pt x="1512277" y="88160"/>
+                  </a:cubicBezTo>
+                  <a:cubicBezTo>
+                    <a:pt x="1555262" y="39314"/>
+                    <a:pt x="1588477" y="17822"/>
+                    <a:pt x="1641231" y="6099"/>
+                  </a:cubicBezTo>
+                  <a:cubicBezTo>
+                    <a:pt x="1693985" y="-5624"/>
+                    <a:pt x="1778000" y="237"/>
+                    <a:pt x="1828800" y="17822"/>
+                  </a:cubicBezTo>
+                  <a:cubicBezTo>
+                    <a:pt x="1879600" y="35406"/>
+                    <a:pt x="1897185" y="37360"/>
+                    <a:pt x="1946031" y="111606"/>
+                  </a:cubicBezTo>
+                  <a:cubicBezTo>
+                    <a:pt x="1994877" y="185852"/>
+                    <a:pt x="2086708" y="369514"/>
+                    <a:pt x="2121877" y="463299"/>
+                  </a:cubicBezTo>
+                  <a:cubicBezTo>
+                    <a:pt x="2157046" y="557084"/>
+                    <a:pt x="2139461" y="584437"/>
+                    <a:pt x="2157046" y="674314"/>
+                  </a:cubicBezTo>
+                  <a:cubicBezTo>
+                    <a:pt x="2174631" y="764191"/>
+                    <a:pt x="2207847" y="922452"/>
+                    <a:pt x="2227385" y="1002560"/>
+                  </a:cubicBezTo>
+                  <a:cubicBezTo>
+                    <a:pt x="2246923" y="1082668"/>
+                    <a:pt x="2252785" y="1106114"/>
+                    <a:pt x="2274277" y="1154960"/>
+                  </a:cubicBezTo>
+                  <a:cubicBezTo>
+                    <a:pt x="2295769" y="1203806"/>
+                    <a:pt x="2321169" y="1254606"/>
+                    <a:pt x="2356338" y="1295637"/>
+                  </a:cubicBezTo>
+                  <a:cubicBezTo>
+                    <a:pt x="2391507" y="1336668"/>
+                    <a:pt x="2434492" y="1365976"/>
+                    <a:pt x="2485292" y="1401145"/>
+                  </a:cubicBezTo>
+                  <a:cubicBezTo>
+                    <a:pt x="2536092" y="1436314"/>
+                    <a:pt x="2606430" y="1479299"/>
+                    <a:pt x="2661138" y="1506653"/>
+                  </a:cubicBezTo>
+                  <a:cubicBezTo>
+                    <a:pt x="2715846" y="1534007"/>
+                    <a:pt x="2760784" y="1549637"/>
+                    <a:pt x="2813538" y="1565268"/>
+                  </a:cubicBezTo>
+                  <a:cubicBezTo>
+                    <a:pt x="2866292" y="1580899"/>
+                    <a:pt x="2919046" y="1594576"/>
+                    <a:pt x="2977661" y="1600437"/>
+                  </a:cubicBezTo>
+                  <a:cubicBezTo>
+                    <a:pt x="3036276" y="1606298"/>
+                    <a:pt x="3120293" y="1598483"/>
+                    <a:pt x="3165231" y="1600437"/>
+                  </a:cubicBezTo>
+                  <a:cubicBezTo>
+                    <a:pt x="3210169" y="1602391"/>
+                    <a:pt x="3247292" y="1612160"/>
+                    <a:pt x="3247292" y="1612160"/>
+                  </a:cubicBezTo>
+                  <a:cubicBezTo>
+                    <a:pt x="3264876" y="1616068"/>
+                    <a:pt x="3267807" y="1619975"/>
+                    <a:pt x="3270738" y="1623883"/>
+                  </a:cubicBezTo>
+                </a:path>
+              </a:pathLst>
+            </a:custGeom>
+            <a:noFill/>
+            <a:ln>
+              <a:solidFill>
+                <a:schemeClr val="tx1"/>
+              </a:solidFill>
+            </a:ln>
+            <a:effectLst/>
             <a:extLst>
-              <a:ext uri="{FF2B5EF4-FFF2-40B4-BE49-F238E27FC236}">
-                <a16:creationId xmlns:a16="http://schemas.microsoft.com/office/drawing/2014/main" id="{758CFCC7-C8C6-A94D-8D7D-7FB7DE0E9C47}"/>
+              <a:ext uri="{909E8E84-426E-40dd-AFC4-6F175D3DCCD1}">
+                <a14:hiddenFill xmlns="" xmlns:a14="http://schemas.microsoft.com/office/drawing/2010/main">
+                  <a:solidFill>
+                    <a:schemeClr val="accent1"/>
+                  </a:solidFill>
+                </a14:hiddenFill>
+              </a:ext>
+              <a:ext uri="{91240B29-F687-4f45-9708-019B960494DF}">
+                <a14:hiddenLine xmlns="" xmlns:a14="http://schemas.microsoft.com/office/drawing/2010/main" w="9525" cap="flat" cmpd="sng" algn="ctr">
+                  <a:solidFill>
+                    <a:schemeClr val="tx1"/>
+                  </a:solidFill>
+                  <a:prstDash val="solid"/>
+                  <a:round/>
+                  <a:headEnd type="none" w="med" len="med"/>
+                  <a:tailEnd type="none" w="med" len="med"/>
+                </a14:hiddenLine>
+              </a:ext>
+              <a:ext uri="{AF507438-7753-43e0-B8FC-AC1667EBCBE1}">
+                <a14:hiddenEffects xmlns="" xmlns:a14="http://schemas.microsoft.com/office/drawing/2010/main">
+                  <a:effectLst>
+                    <a:outerShdw blurRad="63500" dist="35921" dir="2700000" algn="ctr" rotWithShape="0">
+                      <a:schemeClr val="bg2"/>
+                    </a:outerShdw>
+                  </a:effectLst>
+                </a14:hiddenEffects>
               </a:ext>
             </a:extLst>
-          </p:cNvPr>
-          <p:cNvSpPr/>
-          <p:nvPr/>
-        </p:nvSpPr>
-        <p:spPr bwMode="auto">
-          <a:xfrm>
-            <a:off x="1910862" y="4288390"/>
-            <a:ext cx="4548553" cy="529794"/>
-          </a:xfrm>
-          <a:custGeom>
-            <a:avLst/>
-            <a:gdLst>
-              <a:gd name="connsiteX0" fmla="*/ 0 w 4548553"/>
-              <a:gd name="connsiteY0" fmla="*/ 529794 h 529794"/>
-              <a:gd name="connsiteX1" fmla="*/ 422030 w 4548553"/>
-              <a:gd name="connsiteY1" fmla="*/ 482902 h 529794"/>
-              <a:gd name="connsiteX2" fmla="*/ 679938 w 4548553"/>
-              <a:gd name="connsiteY2" fmla="*/ 412563 h 529794"/>
-              <a:gd name="connsiteX3" fmla="*/ 1019907 w 4548553"/>
-              <a:gd name="connsiteY3" fmla="*/ 365671 h 529794"/>
-              <a:gd name="connsiteX4" fmla="*/ 1336430 w 4548553"/>
-              <a:gd name="connsiteY4" fmla="*/ 318779 h 529794"/>
-              <a:gd name="connsiteX5" fmla="*/ 1652953 w 4548553"/>
-              <a:gd name="connsiteY5" fmla="*/ 224994 h 529794"/>
-              <a:gd name="connsiteX6" fmla="*/ 1922584 w 4548553"/>
-              <a:gd name="connsiteY6" fmla="*/ 154656 h 529794"/>
-              <a:gd name="connsiteX7" fmla="*/ 2168769 w 4548553"/>
-              <a:gd name="connsiteY7" fmla="*/ 72594 h 529794"/>
-              <a:gd name="connsiteX8" fmla="*/ 2414953 w 4548553"/>
-              <a:gd name="connsiteY8" fmla="*/ 13979 h 529794"/>
-              <a:gd name="connsiteX9" fmla="*/ 2567353 w 4548553"/>
-              <a:gd name="connsiteY9" fmla="*/ 2256 h 529794"/>
-              <a:gd name="connsiteX10" fmla="*/ 2743200 w 4548553"/>
-              <a:gd name="connsiteY10" fmla="*/ 2256 h 529794"/>
-              <a:gd name="connsiteX11" fmla="*/ 2907323 w 4548553"/>
-              <a:gd name="connsiteY11" fmla="*/ 25702 h 529794"/>
-              <a:gd name="connsiteX12" fmla="*/ 3083169 w 4548553"/>
-              <a:gd name="connsiteY12" fmla="*/ 72594 h 529794"/>
-              <a:gd name="connsiteX13" fmla="*/ 3329353 w 4548553"/>
-              <a:gd name="connsiteY13" fmla="*/ 119486 h 529794"/>
-              <a:gd name="connsiteX14" fmla="*/ 3505200 w 4548553"/>
-              <a:gd name="connsiteY14" fmla="*/ 178102 h 529794"/>
-              <a:gd name="connsiteX15" fmla="*/ 3727938 w 4548553"/>
-              <a:gd name="connsiteY15" fmla="*/ 283609 h 529794"/>
-              <a:gd name="connsiteX16" fmla="*/ 3821723 w 4548553"/>
-              <a:gd name="connsiteY16" fmla="*/ 330502 h 529794"/>
-              <a:gd name="connsiteX17" fmla="*/ 3962400 w 4548553"/>
-              <a:gd name="connsiteY17" fmla="*/ 377394 h 529794"/>
-              <a:gd name="connsiteX18" fmla="*/ 4185138 w 4548553"/>
-              <a:gd name="connsiteY18" fmla="*/ 436009 h 529794"/>
-              <a:gd name="connsiteX19" fmla="*/ 4384430 w 4548553"/>
-              <a:gd name="connsiteY19" fmla="*/ 471179 h 529794"/>
-              <a:gd name="connsiteX20" fmla="*/ 4501661 w 4548553"/>
-              <a:gd name="connsiteY20" fmla="*/ 494625 h 529794"/>
-              <a:gd name="connsiteX21" fmla="*/ 4548553 w 4548553"/>
-              <a:gd name="connsiteY21" fmla="*/ 494625 h 529794"/>
-            </a:gdLst>
-            <a:ahLst/>
-            <a:cxnLst>
-              <a:cxn ang="0">
-                <a:pos x="connsiteX0" y="connsiteY0"/>
-              </a:cxn>
-              <a:cxn ang="0">
-                <a:pos x="connsiteX1" y="connsiteY1"/>
-              </a:cxn>
-              <a:cxn ang="0">
-                <a:pos x="connsiteX2" y="connsiteY2"/>
-              </a:cxn>
-              <a:cxn ang="0">
-                <a:pos x="connsiteX3" y="connsiteY3"/>
-              </a:cxn>
-              <a:cxn ang="0">
-                <a:pos x="connsiteX4" y="connsiteY4"/>
-              </a:cxn>
-              <a:cxn ang="0">
-                <a:pos x="connsiteX5" y="connsiteY5"/>
-              </a:cxn>
-              <a:cxn ang="0">
-                <a:pos x="connsiteX6" y="connsiteY6"/>
-              </a:cxn>
-              <a:cxn ang="0">
-                <a:pos x="connsiteX7" y="connsiteY7"/>
-              </a:cxn>
-              <a:cxn ang="0">
-                <a:pos x="connsiteX8" y="connsiteY8"/>
-              </a:cxn>
-              <a:cxn ang="0">
-                <a:pos x="connsiteX9" y="connsiteY9"/>
-              </a:cxn>
-              <a:cxn ang="0">
-                <a:pos x="connsiteX10" y="connsiteY10"/>
-              </a:cxn>
-              <a:cxn ang="0">
-                <a:pos x="connsiteX11" y="connsiteY11"/>
-              </a:cxn>
-              <a:cxn ang="0">
-                <a:pos x="connsiteX12" y="connsiteY12"/>
-              </a:cxn>
-              <a:cxn ang="0">
-                <a:pos x="connsiteX13" y="connsiteY13"/>
-              </a:cxn>
-              <a:cxn ang="0">
-                <a:pos x="connsiteX14" y="connsiteY14"/>
-              </a:cxn>
-              <a:cxn ang="0">
-                <a:pos x="connsiteX15" y="connsiteY15"/>
-              </a:cxn>
-              <a:cxn ang="0">
-                <a:pos x="connsiteX16" y="connsiteY16"/>
-              </a:cxn>
-              <a:cxn ang="0">
-                <a:pos x="connsiteX17" y="connsiteY17"/>
-              </a:cxn>
-              <a:cxn ang="0">
-                <a:pos x="connsiteX18" y="connsiteY18"/>
-              </a:cxn>
-              <a:cxn ang="0">
-                <a:pos x="connsiteX19" y="connsiteY19"/>
-              </a:cxn>
-              <a:cxn ang="0">
-                <a:pos x="connsiteX20" y="connsiteY20"/>
-              </a:cxn>
-              <a:cxn ang="0">
-                <a:pos x="connsiteX21" y="connsiteY21"/>
-              </a:cxn>
-            </a:cxnLst>
-            <a:rect l="l" t="t" r="r" b="b"/>
-            <a:pathLst>
-              <a:path w="4548553" h="529794">
-                <a:moveTo>
-                  <a:pt x="0" y="529794"/>
-                </a:moveTo>
-                <a:cubicBezTo>
-                  <a:pt x="154353" y="516117"/>
-                  <a:pt x="308707" y="502440"/>
-                  <a:pt x="422030" y="482902"/>
-                </a:cubicBezTo>
-                <a:cubicBezTo>
-                  <a:pt x="535353" y="463363"/>
-                  <a:pt x="580292" y="432101"/>
-                  <a:pt x="679938" y="412563"/>
-                </a:cubicBezTo>
-                <a:cubicBezTo>
-                  <a:pt x="779584" y="393025"/>
-                  <a:pt x="1019907" y="365671"/>
-                  <a:pt x="1019907" y="365671"/>
-                </a:cubicBezTo>
-                <a:cubicBezTo>
-                  <a:pt x="1129322" y="350040"/>
-                  <a:pt x="1230922" y="342225"/>
-                  <a:pt x="1336430" y="318779"/>
-                </a:cubicBezTo>
-                <a:cubicBezTo>
-                  <a:pt x="1441938" y="295333"/>
-                  <a:pt x="1555261" y="252348"/>
-                  <a:pt x="1652953" y="224994"/>
-                </a:cubicBezTo>
-                <a:cubicBezTo>
-                  <a:pt x="1750645" y="197640"/>
-                  <a:pt x="1836615" y="180056"/>
-                  <a:pt x="1922584" y="154656"/>
-                </a:cubicBezTo>
-                <a:cubicBezTo>
-                  <a:pt x="2008553" y="129256"/>
-                  <a:pt x="2086708" y="96040"/>
-                  <a:pt x="2168769" y="72594"/>
-                </a:cubicBezTo>
-                <a:cubicBezTo>
-                  <a:pt x="2250831" y="49148"/>
-                  <a:pt x="2348522" y="25702"/>
-                  <a:pt x="2414953" y="13979"/>
-                </a:cubicBezTo>
-                <a:cubicBezTo>
-                  <a:pt x="2481384" y="2256"/>
-                  <a:pt x="2512645" y="4210"/>
-                  <a:pt x="2567353" y="2256"/>
-                </a:cubicBezTo>
-                <a:cubicBezTo>
-                  <a:pt x="2622061" y="302"/>
-                  <a:pt x="2686538" y="-1652"/>
-                  <a:pt x="2743200" y="2256"/>
-                </a:cubicBezTo>
-                <a:cubicBezTo>
-                  <a:pt x="2799862" y="6164"/>
-                  <a:pt x="2850661" y="13979"/>
-                  <a:pt x="2907323" y="25702"/>
-                </a:cubicBezTo>
-                <a:cubicBezTo>
-                  <a:pt x="2963985" y="37425"/>
-                  <a:pt x="3012831" y="56963"/>
-                  <a:pt x="3083169" y="72594"/>
-                </a:cubicBezTo>
-                <a:cubicBezTo>
-                  <a:pt x="3153507" y="88225"/>
-                  <a:pt x="3259014" y="101901"/>
-                  <a:pt x="3329353" y="119486"/>
-                </a:cubicBezTo>
-                <a:cubicBezTo>
-                  <a:pt x="3399692" y="137071"/>
-                  <a:pt x="3438769" y="150748"/>
-                  <a:pt x="3505200" y="178102"/>
-                </a:cubicBezTo>
-                <a:cubicBezTo>
-                  <a:pt x="3571631" y="205456"/>
-                  <a:pt x="3675184" y="258209"/>
-                  <a:pt x="3727938" y="283609"/>
-                </a:cubicBezTo>
-                <a:cubicBezTo>
-                  <a:pt x="3780692" y="309009"/>
-                  <a:pt x="3782646" y="314871"/>
-                  <a:pt x="3821723" y="330502"/>
-                </a:cubicBezTo>
-                <a:cubicBezTo>
-                  <a:pt x="3860800" y="346133"/>
-                  <a:pt x="3901831" y="359810"/>
-                  <a:pt x="3962400" y="377394"/>
-                </a:cubicBezTo>
-                <a:cubicBezTo>
-                  <a:pt x="4022969" y="394978"/>
-                  <a:pt x="4114800" y="420378"/>
-                  <a:pt x="4185138" y="436009"/>
-                </a:cubicBezTo>
-                <a:cubicBezTo>
-                  <a:pt x="4255476" y="451640"/>
-                  <a:pt x="4331676" y="461410"/>
-                  <a:pt x="4384430" y="471179"/>
-                </a:cubicBezTo>
-                <a:cubicBezTo>
-                  <a:pt x="4437184" y="480948"/>
-                  <a:pt x="4501661" y="494625"/>
-                  <a:pt x="4501661" y="494625"/>
-                </a:cubicBezTo>
-                <a:cubicBezTo>
-                  <a:pt x="4529015" y="498533"/>
-                  <a:pt x="4538784" y="496579"/>
-                  <a:pt x="4548553" y="494625"/>
-                </a:cubicBezTo>
-              </a:path>
-            </a:pathLst>
-          </a:custGeom>
-          <a:noFill/>
-          <a:ln>
-            <a:solidFill>
-              <a:schemeClr val="tx1">
-                <a:lumMod val="50000"/>
-                <a:lumOff val="50000"/>
-              </a:schemeClr>
-            </a:solidFill>
-            <a:prstDash val="dash"/>
-          </a:ln>
-          <a:effectLst/>
-          <a:extLst>
-            <a:ext uri="{909E8E84-426E-40dd-AFC4-6F175D3DCCD1}">
-              <a14:hiddenFill xmlns="" xmlns:a14="http://schemas.microsoft.com/office/drawing/2010/main">
-                <a:solidFill>
-                  <a:schemeClr val="accent1"/>
-                </a:solidFill>
-              </a14:hiddenFill>
-            </a:ext>
-            <a:ext uri="{91240B29-F687-4f45-9708-019B960494DF}">
-              <a14:hiddenLine xmlns="" xmlns:a14="http://schemas.microsoft.com/office/drawing/2010/main" w="9525" cap="flat" cmpd="sng" algn="ctr">
-                <a:solidFill>
-                  <a:schemeClr val="tx1"/>
-                </a:solidFill>
-                <a:prstDash val="solid"/>
-                <a:round/>
-                <a:headEnd type="none" w="med" len="med"/>
-                <a:tailEnd type="none" w="med" len="med"/>
-              </a14:hiddenLine>
-            </a:ext>
-            <a:ext uri="{AF507438-7753-43e0-B8FC-AC1667EBCBE1}">
-              <a14:hiddenEffects xmlns="" xmlns:a14="http://schemas.microsoft.com/office/drawing/2010/main">
-                <a:effectLst>
-                  <a:outerShdw blurRad="63500" dist="35921" dir="2700000" algn="ctr" rotWithShape="0">
-                    <a:schemeClr val="bg2"/>
-                  </a:outerShdw>
-                </a:effectLst>
-              </a14:hiddenEffects>
-            </a:ext>
-          </a:extLst>
-        </p:spPr>
-        <p:txBody>
-          <a:bodyPr rtlCol="0" anchor="ctr"/>
-          <a:lstStyle/>
-          <a:p>
-            <a:pPr algn="ctr"/>
-            <a:endParaRPr lang="en-US"/>
-          </a:p>
-        </p:txBody>
-      </p:sp>
-      <mc:AlternateContent xmlns:mc="http://schemas.openxmlformats.org/markup-compatibility/2006">
-        <mc:Choice xmlns:a14="http://schemas.microsoft.com/office/drawing/2010/main" Requires="a14">
-          <p:sp>
-            <p:nvSpPr>
-              <p:cNvPr id="6" name="TextBox 5">
-                <a:extLst>
-                  <a:ext uri="{FF2B5EF4-FFF2-40B4-BE49-F238E27FC236}">
-                    <a16:creationId xmlns:a16="http://schemas.microsoft.com/office/drawing/2014/main" id="{059AD138-EA68-9547-9639-363C4C97672D}"/>
-                  </a:ext>
-                </a:extLst>
-              </p:cNvPr>
-              <p:cNvSpPr txBox="1"/>
-              <p:nvPr/>
-            </p:nvSpPr>
-            <p:spPr>
-              <a:xfrm>
-                <a:off x="3391753" y="2549856"/>
-                <a:ext cx="1337739" cy="769441"/>
-              </a:xfrm>
-              <a:prstGeom prst="rect">
-                <a:avLst/>
-              </a:prstGeom>
-              <a:noFill/>
-            </p:spPr>
-            <p:txBody>
-              <a:bodyPr wrap="none" rtlCol="0">
-                <a:spAutoFit/>
-              </a:bodyPr>
-              <a:lstStyle/>
-              <a:p>
-                <a:pPr algn="ctr"/>
-                <a:r>
-                  <a:rPr lang="ja-JP" altLang="en-US" b="0">
+          </p:spPr>
+          <p:txBody>
+            <a:bodyPr rtlCol="0" anchor="ctr"/>
+            <a:lstStyle/>
+            <a:p>
+              <a:pPr algn="ctr"/>
+              <a:endParaRPr lang="en-US"/>
+            </a:p>
+          </p:txBody>
+        </p:sp>
+        <p:sp>
+          <p:nvSpPr>
+            <p:cNvPr id="5" name="Freeform 4">
+              <a:extLst>
+                <a:ext uri="{FF2B5EF4-FFF2-40B4-BE49-F238E27FC236}">
+                  <a16:creationId xmlns:a16="http://schemas.microsoft.com/office/drawing/2014/main" id="{758CFCC7-C8C6-A94D-8D7D-7FB7DE0E9C47}"/>
+                </a:ext>
+              </a:extLst>
+            </p:cNvPr>
+            <p:cNvSpPr/>
+            <p:nvPr/>
+          </p:nvSpPr>
+          <p:spPr bwMode="auto">
+            <a:xfrm>
+              <a:off x="1910862" y="4288390"/>
+              <a:ext cx="4548553" cy="529794"/>
+            </a:xfrm>
+            <a:custGeom>
+              <a:avLst/>
+              <a:gdLst>
+                <a:gd name="connsiteX0" fmla="*/ 0 w 4548553"/>
+                <a:gd name="connsiteY0" fmla="*/ 529794 h 529794"/>
+                <a:gd name="connsiteX1" fmla="*/ 422030 w 4548553"/>
+                <a:gd name="connsiteY1" fmla="*/ 482902 h 529794"/>
+                <a:gd name="connsiteX2" fmla="*/ 679938 w 4548553"/>
+                <a:gd name="connsiteY2" fmla="*/ 412563 h 529794"/>
+                <a:gd name="connsiteX3" fmla="*/ 1019907 w 4548553"/>
+                <a:gd name="connsiteY3" fmla="*/ 365671 h 529794"/>
+                <a:gd name="connsiteX4" fmla="*/ 1336430 w 4548553"/>
+                <a:gd name="connsiteY4" fmla="*/ 318779 h 529794"/>
+                <a:gd name="connsiteX5" fmla="*/ 1652953 w 4548553"/>
+                <a:gd name="connsiteY5" fmla="*/ 224994 h 529794"/>
+                <a:gd name="connsiteX6" fmla="*/ 1922584 w 4548553"/>
+                <a:gd name="connsiteY6" fmla="*/ 154656 h 529794"/>
+                <a:gd name="connsiteX7" fmla="*/ 2168769 w 4548553"/>
+                <a:gd name="connsiteY7" fmla="*/ 72594 h 529794"/>
+                <a:gd name="connsiteX8" fmla="*/ 2414953 w 4548553"/>
+                <a:gd name="connsiteY8" fmla="*/ 13979 h 529794"/>
+                <a:gd name="connsiteX9" fmla="*/ 2567353 w 4548553"/>
+                <a:gd name="connsiteY9" fmla="*/ 2256 h 529794"/>
+                <a:gd name="connsiteX10" fmla="*/ 2743200 w 4548553"/>
+                <a:gd name="connsiteY10" fmla="*/ 2256 h 529794"/>
+                <a:gd name="connsiteX11" fmla="*/ 2907323 w 4548553"/>
+                <a:gd name="connsiteY11" fmla="*/ 25702 h 529794"/>
+                <a:gd name="connsiteX12" fmla="*/ 3083169 w 4548553"/>
+                <a:gd name="connsiteY12" fmla="*/ 72594 h 529794"/>
+                <a:gd name="connsiteX13" fmla="*/ 3329353 w 4548553"/>
+                <a:gd name="connsiteY13" fmla="*/ 119486 h 529794"/>
+                <a:gd name="connsiteX14" fmla="*/ 3505200 w 4548553"/>
+                <a:gd name="connsiteY14" fmla="*/ 178102 h 529794"/>
+                <a:gd name="connsiteX15" fmla="*/ 3727938 w 4548553"/>
+                <a:gd name="connsiteY15" fmla="*/ 283609 h 529794"/>
+                <a:gd name="connsiteX16" fmla="*/ 3821723 w 4548553"/>
+                <a:gd name="connsiteY16" fmla="*/ 330502 h 529794"/>
+                <a:gd name="connsiteX17" fmla="*/ 3962400 w 4548553"/>
+                <a:gd name="connsiteY17" fmla="*/ 377394 h 529794"/>
+                <a:gd name="connsiteX18" fmla="*/ 4185138 w 4548553"/>
+                <a:gd name="connsiteY18" fmla="*/ 436009 h 529794"/>
+                <a:gd name="connsiteX19" fmla="*/ 4384430 w 4548553"/>
+                <a:gd name="connsiteY19" fmla="*/ 471179 h 529794"/>
+                <a:gd name="connsiteX20" fmla="*/ 4501661 w 4548553"/>
+                <a:gd name="connsiteY20" fmla="*/ 494625 h 529794"/>
+                <a:gd name="connsiteX21" fmla="*/ 4548553 w 4548553"/>
+                <a:gd name="connsiteY21" fmla="*/ 494625 h 529794"/>
+              </a:gdLst>
+              <a:ahLst/>
+              <a:cxnLst>
+                <a:cxn ang="0">
+                  <a:pos x="connsiteX0" y="connsiteY0"/>
+                </a:cxn>
+                <a:cxn ang="0">
+                  <a:pos x="connsiteX1" y="connsiteY1"/>
+                </a:cxn>
+                <a:cxn ang="0">
+                  <a:pos x="connsiteX2" y="connsiteY2"/>
+                </a:cxn>
+                <a:cxn ang="0">
+                  <a:pos x="connsiteX3" y="connsiteY3"/>
+                </a:cxn>
+                <a:cxn ang="0">
+                  <a:pos x="connsiteX4" y="connsiteY4"/>
+                </a:cxn>
+                <a:cxn ang="0">
+                  <a:pos x="connsiteX5" y="connsiteY5"/>
+                </a:cxn>
+                <a:cxn ang="0">
+                  <a:pos x="connsiteX6" y="connsiteY6"/>
+                </a:cxn>
+                <a:cxn ang="0">
+                  <a:pos x="connsiteX7" y="connsiteY7"/>
+                </a:cxn>
+                <a:cxn ang="0">
+                  <a:pos x="connsiteX8" y="connsiteY8"/>
+                </a:cxn>
+                <a:cxn ang="0">
+                  <a:pos x="connsiteX9" y="connsiteY9"/>
+                </a:cxn>
+                <a:cxn ang="0">
+                  <a:pos x="connsiteX10" y="connsiteY10"/>
+                </a:cxn>
+                <a:cxn ang="0">
+                  <a:pos x="connsiteX11" y="connsiteY11"/>
+                </a:cxn>
+                <a:cxn ang="0">
+                  <a:pos x="connsiteX12" y="connsiteY12"/>
+                </a:cxn>
+                <a:cxn ang="0">
+                  <a:pos x="connsiteX13" y="connsiteY13"/>
+                </a:cxn>
+                <a:cxn ang="0">
+                  <a:pos x="connsiteX14" y="connsiteY14"/>
+                </a:cxn>
+                <a:cxn ang="0">
+                  <a:pos x="connsiteX15" y="connsiteY15"/>
+                </a:cxn>
+                <a:cxn ang="0">
+                  <a:pos x="connsiteX16" y="connsiteY16"/>
+                </a:cxn>
+                <a:cxn ang="0">
+                  <a:pos x="connsiteX17" y="connsiteY17"/>
+                </a:cxn>
+                <a:cxn ang="0">
+                  <a:pos x="connsiteX18" y="connsiteY18"/>
+                </a:cxn>
+                <a:cxn ang="0">
+                  <a:pos x="connsiteX19" y="connsiteY19"/>
+                </a:cxn>
+                <a:cxn ang="0">
+                  <a:pos x="connsiteX20" y="connsiteY20"/>
+                </a:cxn>
+                <a:cxn ang="0">
+                  <a:pos x="connsiteX21" y="connsiteY21"/>
+                </a:cxn>
+              </a:cxnLst>
+              <a:rect l="l" t="t" r="r" b="b"/>
+              <a:pathLst>
+                <a:path w="4548553" h="529794">
+                  <a:moveTo>
+                    <a:pt x="0" y="529794"/>
+                  </a:moveTo>
+                  <a:cubicBezTo>
+                    <a:pt x="154353" y="516117"/>
+                    <a:pt x="308707" y="502440"/>
+                    <a:pt x="422030" y="482902"/>
+                  </a:cubicBezTo>
+                  <a:cubicBezTo>
+                    <a:pt x="535353" y="463363"/>
+                    <a:pt x="580292" y="432101"/>
+                    <a:pt x="679938" y="412563"/>
+                  </a:cubicBezTo>
+                  <a:cubicBezTo>
+                    <a:pt x="779584" y="393025"/>
+                    <a:pt x="1019907" y="365671"/>
+                    <a:pt x="1019907" y="365671"/>
+                  </a:cubicBezTo>
+                  <a:cubicBezTo>
+                    <a:pt x="1129322" y="350040"/>
+                    <a:pt x="1230922" y="342225"/>
+                    <a:pt x="1336430" y="318779"/>
+                  </a:cubicBezTo>
+                  <a:cubicBezTo>
+                    <a:pt x="1441938" y="295333"/>
+                    <a:pt x="1555261" y="252348"/>
+                    <a:pt x="1652953" y="224994"/>
+                  </a:cubicBezTo>
+                  <a:cubicBezTo>
+                    <a:pt x="1750645" y="197640"/>
+                    <a:pt x="1836615" y="180056"/>
+                    <a:pt x="1922584" y="154656"/>
+                  </a:cubicBezTo>
+                  <a:cubicBezTo>
+                    <a:pt x="2008553" y="129256"/>
+                    <a:pt x="2086708" y="96040"/>
+                    <a:pt x="2168769" y="72594"/>
+                  </a:cubicBezTo>
+                  <a:cubicBezTo>
+                    <a:pt x="2250831" y="49148"/>
+                    <a:pt x="2348522" y="25702"/>
+                    <a:pt x="2414953" y="13979"/>
+                  </a:cubicBezTo>
+                  <a:cubicBezTo>
+                    <a:pt x="2481384" y="2256"/>
+                    <a:pt x="2512645" y="4210"/>
+                    <a:pt x="2567353" y="2256"/>
+                  </a:cubicBezTo>
+                  <a:cubicBezTo>
+                    <a:pt x="2622061" y="302"/>
+                    <a:pt x="2686538" y="-1652"/>
+                    <a:pt x="2743200" y="2256"/>
+                  </a:cubicBezTo>
+                  <a:cubicBezTo>
+                    <a:pt x="2799862" y="6164"/>
+                    <a:pt x="2850661" y="13979"/>
+                    <a:pt x="2907323" y="25702"/>
+                  </a:cubicBezTo>
+                  <a:cubicBezTo>
+                    <a:pt x="2963985" y="37425"/>
+                    <a:pt x="3012831" y="56963"/>
+                    <a:pt x="3083169" y="72594"/>
+                  </a:cubicBezTo>
+                  <a:cubicBezTo>
+                    <a:pt x="3153507" y="88225"/>
+                    <a:pt x="3259014" y="101901"/>
+                    <a:pt x="3329353" y="119486"/>
+                  </a:cubicBezTo>
+                  <a:cubicBezTo>
+                    <a:pt x="3399692" y="137071"/>
+                    <a:pt x="3438769" y="150748"/>
+                    <a:pt x="3505200" y="178102"/>
+                  </a:cubicBezTo>
+                  <a:cubicBezTo>
+                    <a:pt x="3571631" y="205456"/>
+                    <a:pt x="3675184" y="258209"/>
+                    <a:pt x="3727938" y="283609"/>
+                  </a:cubicBezTo>
+                  <a:cubicBezTo>
+                    <a:pt x="3780692" y="309009"/>
+                    <a:pt x="3782646" y="314871"/>
+                    <a:pt x="3821723" y="330502"/>
+                  </a:cubicBezTo>
+                  <a:cubicBezTo>
+                    <a:pt x="3860800" y="346133"/>
+                    <a:pt x="3901831" y="359810"/>
+                    <a:pt x="3962400" y="377394"/>
+                  </a:cubicBezTo>
+                  <a:cubicBezTo>
+                    <a:pt x="4022969" y="394978"/>
+                    <a:pt x="4114800" y="420378"/>
+                    <a:pt x="4185138" y="436009"/>
+                  </a:cubicBezTo>
+                  <a:cubicBezTo>
+                    <a:pt x="4255476" y="451640"/>
+                    <a:pt x="4331676" y="461410"/>
+                    <a:pt x="4384430" y="471179"/>
+                  </a:cubicBezTo>
+                  <a:cubicBezTo>
+                    <a:pt x="4437184" y="480948"/>
+                    <a:pt x="4501661" y="494625"/>
+                    <a:pt x="4501661" y="494625"/>
+                  </a:cubicBezTo>
+                  <a:cubicBezTo>
+                    <a:pt x="4529015" y="498533"/>
+                    <a:pt x="4538784" y="496579"/>
+                    <a:pt x="4548553" y="494625"/>
+                  </a:cubicBezTo>
+                </a:path>
+              </a:pathLst>
+            </a:custGeom>
+            <a:noFill/>
+            <a:ln>
+              <a:solidFill>
+                <a:schemeClr val="tx1">
+                  <a:lumMod val="50000"/>
+                  <a:lumOff val="50000"/>
+                </a:schemeClr>
+              </a:solidFill>
+              <a:prstDash val="dash"/>
+            </a:ln>
+            <a:effectLst/>
+            <a:extLst>
+              <a:ext uri="{909E8E84-426E-40dd-AFC4-6F175D3DCCD1}">
+                <a14:hiddenFill xmlns="" xmlns:a14="http://schemas.microsoft.com/office/drawing/2010/main">
+                  <a:solidFill>
+                    <a:schemeClr val="accent1"/>
+                  </a:solidFill>
+                </a14:hiddenFill>
+              </a:ext>
+              <a:ext uri="{91240B29-F687-4f45-9708-019B960494DF}">
+                <a14:hiddenLine xmlns="" xmlns:a14="http://schemas.microsoft.com/office/drawing/2010/main" w="9525" cap="flat" cmpd="sng" algn="ctr">
+                  <a:solidFill>
+                    <a:schemeClr val="tx1"/>
+                  </a:solidFill>
+                  <a:prstDash val="solid"/>
+                  <a:round/>
+                  <a:headEnd type="none" w="med" len="med"/>
+                  <a:tailEnd type="none" w="med" len="med"/>
+                </a14:hiddenLine>
+              </a:ext>
+              <a:ext uri="{AF507438-7753-43e0-B8FC-AC1667EBCBE1}">
+                <a14:hiddenEffects xmlns="" xmlns:a14="http://schemas.microsoft.com/office/drawing/2010/main">
+                  <a:effectLst>
+                    <a:outerShdw blurRad="63500" dist="35921" dir="2700000" algn="ctr" rotWithShape="0">
+                      <a:schemeClr val="bg2"/>
+                    </a:outerShdw>
+                  </a:effectLst>
+                </a14:hiddenEffects>
+              </a:ext>
+            </a:extLst>
+          </p:spPr>
+          <p:txBody>
+            <a:bodyPr rtlCol="0" anchor="ctr"/>
+            <a:lstStyle/>
+            <a:p>
+              <a:pPr algn="ctr"/>
+              <a:endParaRPr lang="en-US"/>
+            </a:p>
+          </p:txBody>
+        </p:sp>
+        <mc:AlternateContent xmlns:mc="http://schemas.openxmlformats.org/markup-compatibility/2006">
+          <mc:Choice xmlns:a14="http://schemas.microsoft.com/office/drawing/2010/main" Requires="a14">
+            <p:sp>
+              <p:nvSpPr>
+                <p:cNvPr id="6" name="TextBox 5">
+                  <a:extLst>
+                    <a:ext uri="{FF2B5EF4-FFF2-40B4-BE49-F238E27FC236}">
+                      <a16:creationId xmlns:a16="http://schemas.microsoft.com/office/drawing/2014/main" id="{059AD138-EA68-9547-9639-363C4C97672D}"/>
+                    </a:ext>
+                  </a:extLst>
+                </p:cNvPr>
+                <p:cNvSpPr txBox="1"/>
+                <p:nvPr/>
+              </p:nvSpPr>
+              <p:spPr>
+                <a:xfrm>
+                  <a:off x="3391753" y="2549856"/>
+                  <a:ext cx="1337739" cy="769441"/>
+                </a:xfrm>
+                <a:prstGeom prst="rect">
+                  <a:avLst/>
+                </a:prstGeom>
+                <a:noFill/>
+              </p:spPr>
+              <p:txBody>
+                <a:bodyPr wrap="none" rtlCol="0">
+                  <a:spAutoFit/>
+                </a:bodyPr>
+                <a:lstStyle/>
+                <a:p>
+                  <a:pPr algn="ctr"/>
+                  <a:r>
+                    <a:rPr lang="ja-JP" altLang="en-US" b="0">
+                      <a:solidFill>
+                        <a:schemeClr val="tx1"/>
+                      </a:solidFill>
+                      <a:latin typeface="Cambria Math" panose="02040503050406030204" pitchFamily="18" charset="0"/>
+                      <a:ea typeface="Hiragino Kaku Gothic Pro W3" charset="-128"/>
+                      <a:cs typeface="Hiragino Kaku Gothic Pro W3" charset="-128"/>
+                    </a:rPr>
+                    <a:t>事後分布</a:t>
+                  </a:r>
+                  <a:endParaRPr lang="en-US" b="0" dirty="0">
                     <a:solidFill>
                       <a:schemeClr val="tx1"/>
                     </a:solidFill>
                     <a:latin typeface="Cambria Math" panose="02040503050406030204" pitchFamily="18" charset="0"/>
                     <a:ea typeface="Hiragino Kaku Gothic Pro W3" charset="-128"/>
                     <a:cs typeface="Hiragino Kaku Gothic Pro W3" charset="-128"/>
-                  </a:rPr>
-                  <a:t>事後分布</a:t>
-                </a:r>
-                <a:endParaRPr lang="en-US" b="0" dirty="0">
-                  <a:solidFill>
-                    <a:schemeClr val="tx1"/>
-                  </a:solidFill>
-                  <a:latin typeface="Cambria Math" panose="02040503050406030204" pitchFamily="18" charset="0"/>
-                  <a:ea typeface="Hiragino Kaku Gothic Pro W3" charset="-128"/>
-                  <a:cs typeface="Hiragino Kaku Gothic Pro W3" charset="-128"/>
-                </a:endParaRPr>
-              </a:p>
-              <a:p>
-                <a:pPr algn="ctr"/>
-                <a14:m>
-                  <m:oMathPara xmlns:m="http://schemas.openxmlformats.org/officeDocument/2006/math">
-                    <m:oMathParaPr>
-                      <m:jc m:val="centerGroup"/>
-                    </m:oMathParaPr>
-                    <m:oMath xmlns:m="http://schemas.openxmlformats.org/officeDocument/2006/math">
-                      <m:r>
-                        <a:rPr lang="en-US" b="0" i="1" smtClean="0">
-                          <a:solidFill>
-                            <a:schemeClr val="tx1"/>
-                          </a:solidFill>
-                          <a:latin typeface="Cambria Math" panose="02040503050406030204" pitchFamily="18" charset="0"/>
-                          <a:ea typeface="Hiragino Kaku Gothic Pro W3" charset="-128"/>
-                          <a:cs typeface="Hiragino Kaku Gothic Pro W3" charset="-128"/>
-                        </a:rPr>
-                        <m:t>𝑝</m:t>
-                      </m:r>
-                      <m:d>
-                        <m:dPr>
-                          <m:endChr m:val="|"/>
-                          <m:ctrlPr>
-                            <a:rPr lang="en-US" b="0" i="1" smtClean="0">
-                              <a:solidFill>
-                                <a:schemeClr val="tx1"/>
-                              </a:solidFill>
-                              <a:latin typeface="Cambria Math" panose="02040503050406030204" pitchFamily="18" charset="0"/>
-                              <a:ea typeface="Hiragino Kaku Gothic Pro W3" charset="-128"/>
-                              <a:cs typeface="Hiragino Kaku Gothic Pro W3" charset="-128"/>
-                            </a:rPr>
-                          </m:ctrlPr>
-                        </m:dPr>
-                        <m:e>
-                          <m:r>
-                            <a:rPr lang="en-US" b="0" i="1" smtClean="0">
-                              <a:solidFill>
-                                <a:schemeClr val="tx1"/>
-                              </a:solidFill>
-                              <a:latin typeface="Cambria Math" panose="02040503050406030204" pitchFamily="18" charset="0"/>
-                              <a:ea typeface="Hiragino Kaku Gothic Pro W3" charset="-128"/>
-                              <a:cs typeface="Hiragino Kaku Gothic Pro W3" charset="-128"/>
-                            </a:rPr>
-                            <m:t>𝜃</m:t>
-                          </m:r>
-                          <m:r>
-                            <a:rPr lang="en-US" b="0" i="1" smtClean="0">
-                              <a:solidFill>
-                                <a:schemeClr val="tx1"/>
-                              </a:solidFill>
-                              <a:latin typeface="Cambria Math" panose="02040503050406030204" pitchFamily="18" charset="0"/>
-                              <a:ea typeface="Hiragino Kaku Gothic Pro W3" charset="-128"/>
-                              <a:cs typeface="Hiragino Kaku Gothic Pro W3" charset="-128"/>
-                            </a:rPr>
-                            <m:t> </m:t>
-                          </m:r>
-                        </m:e>
-                      </m:d>
-                      <m:r>
-                        <a:rPr lang="en-US" b="0" i="1" smtClean="0">
-                          <a:solidFill>
-                            <a:schemeClr val="tx1"/>
-                          </a:solidFill>
-                          <a:latin typeface="Cambria Math" panose="02040503050406030204" pitchFamily="18" charset="0"/>
-                          <a:ea typeface="Hiragino Kaku Gothic Pro W3" charset="-128"/>
-                          <a:cs typeface="Hiragino Kaku Gothic Pro W3" charset="-128"/>
-                        </a:rPr>
-                        <m:t> </m:t>
-                      </m:r>
-                      <m:r>
-                        <a:rPr lang="en-US" b="0" i="1" smtClean="0">
-                          <a:solidFill>
-                            <a:schemeClr val="tx1"/>
-                          </a:solidFill>
-                          <a:latin typeface="Cambria Math" panose="02040503050406030204" pitchFamily="18" charset="0"/>
-                          <a:ea typeface="Cambria Math" panose="02040503050406030204" pitchFamily="18" charset="0"/>
-                          <a:cs typeface="Hiragino Kaku Gothic Pro W3" charset="-128"/>
-                        </a:rPr>
-                        <m:t>𝒟</m:t>
-                      </m:r>
-                      <m:r>
-                        <a:rPr lang="en-US" b="0" i="1" smtClean="0">
-                          <a:solidFill>
-                            <a:schemeClr val="tx1"/>
-                          </a:solidFill>
-                          <a:latin typeface="Cambria Math" panose="02040503050406030204" pitchFamily="18" charset="0"/>
-                          <a:ea typeface="Hiragino Kaku Gothic Pro W3" charset="-128"/>
-                          <a:cs typeface="Hiragino Kaku Gothic Pro W3" charset="-128"/>
-                        </a:rPr>
-                        <m:t>)</m:t>
-                      </m:r>
-                    </m:oMath>
-                  </m:oMathPara>
-                </a14:m>
-                <a:endParaRPr lang="en-US" dirty="0">
-                  <a:solidFill>
-                    <a:schemeClr val="tx1"/>
-                  </a:solidFill>
-                  <a:latin typeface="Hiragino Kaku Gothic Pro W3" charset="-128"/>
-                  <a:ea typeface="Hiragino Kaku Gothic Pro W3" charset="-128"/>
-                  <a:cs typeface="Hiragino Kaku Gothic Pro W3" charset="-128"/>
-                </a:endParaRPr>
-              </a:p>
-            </p:txBody>
-          </p:sp>
-        </mc:Choice>
-        <mc:Fallback>
-          <p:sp>
-            <p:nvSpPr>
-              <p:cNvPr id="6" name="TextBox 5">
-                <a:extLst>
-                  <a:ext uri="{FF2B5EF4-FFF2-40B4-BE49-F238E27FC236}">
-                    <a16:creationId xmlns:a16="http://schemas.microsoft.com/office/drawing/2014/main" id="{059AD138-EA68-9547-9639-363C4C97672D}"/>
-                  </a:ext>
-                </a:extLst>
-              </p:cNvPr>
-              <p:cNvSpPr txBox="1">
-                <a:spLocks noRot="1" noChangeAspect="1" noMove="1" noResize="1" noEditPoints="1" noAdjustHandles="1" noChangeArrowheads="1" noChangeShapeType="1" noTextEdit="1"/>
-              </p:cNvSpPr>
-              <p:nvPr/>
-            </p:nvSpPr>
-            <p:spPr>
-              <a:xfrm>
-                <a:off x="3391753" y="2549856"/>
-                <a:ext cx="1337739" cy="769441"/>
-              </a:xfrm>
-              <a:prstGeom prst="rect">
-                <a:avLst/>
-              </a:prstGeom>
-              <a:blipFill>
-                <a:blip r:embed="rId2"/>
-                <a:stretch>
-                  <a:fillRect l="-4717" t="-4918" r="-2830" b="-11475"/>
-                </a:stretch>
-              </a:blipFill>
-            </p:spPr>
-            <p:txBody>
-              <a:bodyPr/>
-              <a:lstStyle/>
-              <a:p>
-                <a:r>
-                  <a:rPr lang="en-US">
-                    <a:noFill/>
-                  </a:rPr>
-                  <a:t> </a:t>
-                </a:r>
-              </a:p>
-            </p:txBody>
-          </p:sp>
-        </mc:Fallback>
-      </mc:AlternateContent>
-      <mc:AlternateContent xmlns:mc="http://schemas.openxmlformats.org/markup-compatibility/2006">
-        <mc:Choice xmlns:a14="http://schemas.microsoft.com/office/drawing/2010/main" Requires="a14">
-          <p:sp>
-            <p:nvSpPr>
-              <p:cNvPr id="7" name="TextBox 6">
-                <a:extLst>
-                  <a:ext uri="{FF2B5EF4-FFF2-40B4-BE49-F238E27FC236}">
-                    <a16:creationId xmlns:a16="http://schemas.microsoft.com/office/drawing/2014/main" id="{2E6A703A-5BC3-6F4B-97A2-5F55526033E3}"/>
-                  </a:ext>
-                </a:extLst>
-              </p:cNvPr>
-              <p:cNvSpPr txBox="1"/>
-              <p:nvPr/>
-            </p:nvSpPr>
-            <p:spPr>
-              <a:xfrm>
-                <a:off x="5380891" y="3822285"/>
-                <a:ext cx="1313180" cy="769441"/>
-              </a:xfrm>
-              <a:prstGeom prst="rect">
-                <a:avLst/>
-              </a:prstGeom>
-              <a:noFill/>
-            </p:spPr>
-            <p:txBody>
-              <a:bodyPr wrap="none" rtlCol="0">
-                <a:spAutoFit/>
-              </a:bodyPr>
-              <a:lstStyle/>
-              <a:p>
-                <a:pPr algn="ctr"/>
-                <a:r>
-                  <a:rPr lang="en-US" b="0" dirty="0">
+                  </a:endParaRPr>
+                </a:p>
+                <a:p>
+                  <a:pPr algn="ctr"/>
+                  <a14:m>
+                    <m:oMathPara xmlns:m="http://schemas.openxmlformats.org/officeDocument/2006/math">
+                      <m:oMathParaPr>
+                        <m:jc m:val="centerGroup"/>
+                      </m:oMathParaPr>
+                      <m:oMath xmlns:m="http://schemas.openxmlformats.org/officeDocument/2006/math">
+                        <m:r>
+                          <a:rPr lang="en-US" b="0" i="1" smtClean="0">
+                            <a:solidFill>
+                              <a:schemeClr val="tx1"/>
+                            </a:solidFill>
+                            <a:latin typeface="Cambria Math" panose="02040503050406030204" pitchFamily="18" charset="0"/>
+                            <a:ea typeface="Hiragino Kaku Gothic Pro W3" charset="-128"/>
+                            <a:cs typeface="Hiragino Kaku Gothic Pro W3" charset="-128"/>
+                          </a:rPr>
+                          <m:t>𝑝</m:t>
+                        </m:r>
+                        <m:d>
+                          <m:dPr>
+                            <m:endChr m:val="|"/>
+                            <m:ctrlPr>
+                              <a:rPr lang="en-US" b="0" i="1" smtClean="0">
+                                <a:solidFill>
+                                  <a:schemeClr val="tx1"/>
+                                </a:solidFill>
+                                <a:latin typeface="Cambria Math" panose="02040503050406030204" pitchFamily="18" charset="0"/>
+                                <a:ea typeface="Hiragino Kaku Gothic Pro W3" charset="-128"/>
+                                <a:cs typeface="Hiragino Kaku Gothic Pro W3" charset="-128"/>
+                              </a:rPr>
+                            </m:ctrlPr>
+                          </m:dPr>
+                          <m:e>
+                            <m:r>
+                              <a:rPr lang="en-US" b="0" i="1" smtClean="0">
+                                <a:solidFill>
+                                  <a:schemeClr val="tx1"/>
+                                </a:solidFill>
+                                <a:latin typeface="Cambria Math" panose="02040503050406030204" pitchFamily="18" charset="0"/>
+                                <a:ea typeface="Hiragino Kaku Gothic Pro W3" charset="-128"/>
+                                <a:cs typeface="Hiragino Kaku Gothic Pro W3" charset="-128"/>
+                              </a:rPr>
+                              <m:t>𝜃</m:t>
+                            </m:r>
+                            <m:r>
+                              <a:rPr lang="en-US" b="0" i="1" smtClean="0">
+                                <a:solidFill>
+                                  <a:schemeClr val="tx1"/>
+                                </a:solidFill>
+                                <a:latin typeface="Cambria Math" panose="02040503050406030204" pitchFamily="18" charset="0"/>
+                                <a:ea typeface="Hiragino Kaku Gothic Pro W3" charset="-128"/>
+                                <a:cs typeface="Hiragino Kaku Gothic Pro W3" charset="-128"/>
+                              </a:rPr>
+                              <m:t> </m:t>
+                            </m:r>
+                          </m:e>
+                        </m:d>
+                        <m:r>
+                          <a:rPr lang="en-US" b="0" i="1" smtClean="0">
+                            <a:solidFill>
+                              <a:schemeClr val="tx1"/>
+                            </a:solidFill>
+                            <a:latin typeface="Cambria Math" panose="02040503050406030204" pitchFamily="18" charset="0"/>
+                            <a:ea typeface="Hiragino Kaku Gothic Pro W3" charset="-128"/>
+                            <a:cs typeface="Hiragino Kaku Gothic Pro W3" charset="-128"/>
+                          </a:rPr>
+                          <m:t> </m:t>
+                        </m:r>
+                        <m:r>
+                          <a:rPr lang="en-US" b="0" i="1" smtClean="0">
+                            <a:solidFill>
+                              <a:schemeClr val="tx1"/>
+                            </a:solidFill>
+                            <a:latin typeface="Cambria Math" panose="02040503050406030204" pitchFamily="18" charset="0"/>
+                            <a:ea typeface="Cambria Math" panose="02040503050406030204" pitchFamily="18" charset="0"/>
+                            <a:cs typeface="Hiragino Kaku Gothic Pro W3" charset="-128"/>
+                          </a:rPr>
+                          <m:t>𝒟</m:t>
+                        </m:r>
+                        <m:r>
+                          <a:rPr lang="en-US" b="0" i="1" smtClean="0">
+                            <a:solidFill>
+                              <a:schemeClr val="tx1"/>
+                            </a:solidFill>
+                            <a:latin typeface="Cambria Math" panose="02040503050406030204" pitchFamily="18" charset="0"/>
+                            <a:ea typeface="Hiragino Kaku Gothic Pro W3" charset="-128"/>
+                            <a:cs typeface="Hiragino Kaku Gothic Pro W3" charset="-128"/>
+                          </a:rPr>
+                          <m:t>)</m:t>
+                        </m:r>
+                      </m:oMath>
+                    </m:oMathPara>
+                  </a14:m>
+                  <a:endParaRPr lang="en-US" dirty="0">
                     <a:solidFill>
                       <a:schemeClr val="tx1"/>
                     </a:solidFill>
+                    <a:latin typeface="Hiragino Kaku Gothic Pro W3" charset="-128"/>
                     <a:ea typeface="Hiragino Kaku Gothic Pro W3" charset="-128"/>
                     <a:cs typeface="Hiragino Kaku Gothic Pro W3" charset="-128"/>
-                  </a:rPr>
-                  <a:t>事前分布</a:t>
-                </a:r>
-              </a:p>
-              <a:p>
-                <a:pPr algn="ctr"/>
-                <a14:m>
-                  <m:oMathPara xmlns:m="http://schemas.openxmlformats.org/officeDocument/2006/math">
-                    <m:oMathParaPr>
-                      <m:jc m:val="centerGroup"/>
-                    </m:oMathParaPr>
-                    <m:oMath xmlns:m="http://schemas.openxmlformats.org/officeDocument/2006/math">
-                      <m:r>
-                        <a:rPr lang="en-US" b="0" i="1" smtClean="0">
-                          <a:solidFill>
-                            <a:schemeClr val="tx1"/>
-                          </a:solidFill>
-                          <a:latin typeface="Cambria Math" panose="02040503050406030204" pitchFamily="18" charset="0"/>
-                          <a:ea typeface="Hiragino Kaku Gothic Pro W3" charset="-128"/>
-                          <a:cs typeface="Hiragino Kaku Gothic Pro W3" charset="-128"/>
-                        </a:rPr>
-                        <m:t>𝑝</m:t>
-                      </m:r>
-                      <m:r>
-                        <a:rPr lang="en-US" b="0" i="1" smtClean="0">
-                          <a:solidFill>
-                            <a:schemeClr val="tx1"/>
-                          </a:solidFill>
-                          <a:latin typeface="Cambria Math" panose="02040503050406030204" pitchFamily="18" charset="0"/>
-                          <a:ea typeface="Hiragino Kaku Gothic Pro W3" charset="-128"/>
-                          <a:cs typeface="Hiragino Kaku Gothic Pro W3" charset="-128"/>
-                        </a:rPr>
-                        <m:t>(</m:t>
-                      </m:r>
-                      <m:r>
-                        <a:rPr lang="en-US" b="0" i="1" smtClean="0">
-                          <a:solidFill>
-                            <a:schemeClr val="tx1"/>
-                          </a:solidFill>
-                          <a:latin typeface="Cambria Math" panose="02040503050406030204" pitchFamily="18" charset="0"/>
-                          <a:ea typeface="Hiragino Kaku Gothic Pro W3" charset="-128"/>
-                          <a:cs typeface="Hiragino Kaku Gothic Pro W3" charset="-128"/>
-                        </a:rPr>
-                        <m:t>𝜃</m:t>
-                      </m:r>
-                      <m:r>
-                        <a:rPr lang="en-US" b="0" i="1" smtClean="0">
-                          <a:solidFill>
-                            <a:schemeClr val="tx1"/>
-                          </a:solidFill>
-                          <a:latin typeface="Cambria Math" panose="02040503050406030204" pitchFamily="18" charset="0"/>
-                          <a:ea typeface="Hiragino Kaku Gothic Pro W3" charset="-128"/>
-                          <a:cs typeface="Hiragino Kaku Gothic Pro W3" charset="-128"/>
-                        </a:rPr>
-                        <m:t>)</m:t>
-                      </m:r>
-                    </m:oMath>
-                  </m:oMathPara>
-                </a14:m>
-                <a:endParaRPr lang="en-US" dirty="0">
-                  <a:solidFill>
-                    <a:schemeClr val="tx1"/>
-                  </a:solidFill>
-                  <a:latin typeface="Hiragino Kaku Gothic Pro W3" charset="-128"/>
-                  <a:ea typeface="Hiragino Kaku Gothic Pro W3" charset="-128"/>
-                  <a:cs typeface="Hiragino Kaku Gothic Pro W3" charset="-128"/>
-                </a:endParaRPr>
-              </a:p>
-            </p:txBody>
-          </p:sp>
-        </mc:Choice>
-        <mc:Fallback>
-          <p:sp>
-            <p:nvSpPr>
-              <p:cNvPr id="7" name="TextBox 6">
-                <a:extLst>
-                  <a:ext uri="{FF2B5EF4-FFF2-40B4-BE49-F238E27FC236}">
-                    <a16:creationId xmlns:a16="http://schemas.microsoft.com/office/drawing/2014/main" id="{2E6A703A-5BC3-6F4B-97A2-5F55526033E3}"/>
-                  </a:ext>
-                </a:extLst>
-              </p:cNvPr>
-              <p:cNvSpPr txBox="1">
-                <a:spLocks noRot="1" noChangeAspect="1" noMove="1" noResize="1" noEditPoints="1" noAdjustHandles="1" noChangeArrowheads="1" noChangeShapeType="1" noTextEdit="1"/>
-              </p:cNvSpPr>
-              <p:nvPr/>
-            </p:nvSpPr>
-            <p:spPr>
-              <a:xfrm>
-                <a:off x="5380891" y="3822285"/>
-                <a:ext cx="1313180" cy="769441"/>
-              </a:xfrm>
-              <a:prstGeom prst="rect">
-                <a:avLst/>
-              </a:prstGeom>
-              <a:blipFill>
-                <a:blip r:embed="rId3"/>
-                <a:stretch>
-                  <a:fillRect l="-4808" t="-4839" r="-4808" b="-9677"/>
-                </a:stretch>
-              </a:blipFill>
-            </p:spPr>
-            <p:txBody>
-              <a:bodyPr/>
-              <a:lstStyle/>
-              <a:p>
-                <a:r>
-                  <a:rPr lang="en-US">
-                    <a:noFill/>
-                  </a:rPr>
-                  <a:t> </a:t>
-                </a:r>
-              </a:p>
-            </p:txBody>
-          </p:sp>
-        </mc:Fallback>
-      </mc:AlternateContent>
+                  </a:endParaRPr>
+                </a:p>
+              </p:txBody>
+            </p:sp>
+          </mc:Choice>
+          <mc:Fallback>
+            <p:sp>
+              <p:nvSpPr>
+                <p:cNvPr id="6" name="TextBox 5">
+                  <a:extLst>
+                    <a:ext uri="{FF2B5EF4-FFF2-40B4-BE49-F238E27FC236}">
+                      <a16:creationId xmlns:a16="http://schemas.microsoft.com/office/drawing/2014/main" id="{059AD138-EA68-9547-9639-363C4C97672D}"/>
+                    </a:ext>
+                  </a:extLst>
+                </p:cNvPr>
+                <p:cNvSpPr txBox="1">
+                  <a:spLocks noRot="1" noChangeAspect="1" noMove="1" noResize="1" noEditPoints="1" noAdjustHandles="1" noChangeArrowheads="1" noChangeShapeType="1" noTextEdit="1"/>
+                </p:cNvSpPr>
+                <p:nvPr/>
+              </p:nvSpPr>
+              <p:spPr>
+                <a:xfrm>
+                  <a:off x="3391753" y="2549856"/>
+                  <a:ext cx="1337739" cy="769441"/>
+                </a:xfrm>
+                <a:prstGeom prst="rect">
+                  <a:avLst/>
+                </a:prstGeom>
+                <a:blipFill>
+                  <a:blip r:embed="rId2"/>
+                  <a:stretch>
+                    <a:fillRect l="-4717" t="-4918" r="-2830" b="-11475"/>
+                  </a:stretch>
+                </a:blipFill>
+              </p:spPr>
+              <p:txBody>
+                <a:bodyPr/>
+                <a:lstStyle/>
+                <a:p>
+                  <a:r>
+                    <a:rPr lang="en-US">
+                      <a:noFill/>
+                    </a:rPr>
+                    <a:t> </a:t>
+                  </a:r>
+                </a:p>
+              </p:txBody>
+            </p:sp>
+          </mc:Fallback>
+        </mc:AlternateContent>
+        <mc:AlternateContent xmlns:mc="http://schemas.openxmlformats.org/markup-compatibility/2006">
+          <mc:Choice xmlns:a14="http://schemas.microsoft.com/office/drawing/2010/main" Requires="a14">
+            <p:sp>
+              <p:nvSpPr>
+                <p:cNvPr id="7" name="TextBox 6">
+                  <a:extLst>
+                    <a:ext uri="{FF2B5EF4-FFF2-40B4-BE49-F238E27FC236}">
+                      <a16:creationId xmlns:a16="http://schemas.microsoft.com/office/drawing/2014/main" id="{2E6A703A-5BC3-6F4B-97A2-5F55526033E3}"/>
+                    </a:ext>
+                  </a:extLst>
+                </p:cNvPr>
+                <p:cNvSpPr txBox="1"/>
+                <p:nvPr/>
+              </p:nvSpPr>
+              <p:spPr>
+                <a:xfrm>
+                  <a:off x="5380891" y="3822285"/>
+                  <a:ext cx="1313180" cy="769441"/>
+                </a:xfrm>
+                <a:prstGeom prst="rect">
+                  <a:avLst/>
+                </a:prstGeom>
+                <a:noFill/>
+              </p:spPr>
+              <p:txBody>
+                <a:bodyPr wrap="none" rtlCol="0">
+                  <a:spAutoFit/>
+                </a:bodyPr>
+                <a:lstStyle/>
+                <a:p>
+                  <a:pPr algn="ctr"/>
+                  <a:r>
+                    <a:rPr lang="en-US" b="0" dirty="0">
+                      <a:solidFill>
+                        <a:schemeClr val="tx1"/>
+                      </a:solidFill>
+                      <a:ea typeface="Hiragino Kaku Gothic Pro W3" charset="-128"/>
+                      <a:cs typeface="Hiragino Kaku Gothic Pro W3" charset="-128"/>
+                    </a:rPr>
+                    <a:t>事前分布</a:t>
+                  </a:r>
+                </a:p>
+                <a:p>
+                  <a:pPr algn="ctr"/>
+                  <a14:m>
+                    <m:oMathPara xmlns:m="http://schemas.openxmlformats.org/officeDocument/2006/math">
+                      <m:oMathParaPr>
+                        <m:jc m:val="centerGroup"/>
+                      </m:oMathParaPr>
+                      <m:oMath xmlns:m="http://schemas.openxmlformats.org/officeDocument/2006/math">
+                        <m:r>
+                          <a:rPr lang="en-US" b="0" i="1" smtClean="0">
+                            <a:solidFill>
+                              <a:schemeClr val="tx1"/>
+                            </a:solidFill>
+                            <a:latin typeface="Cambria Math" panose="02040503050406030204" pitchFamily="18" charset="0"/>
+                            <a:ea typeface="Hiragino Kaku Gothic Pro W3" charset="-128"/>
+                            <a:cs typeface="Hiragino Kaku Gothic Pro W3" charset="-128"/>
+                          </a:rPr>
+                          <m:t>𝑝</m:t>
+                        </m:r>
+                        <m:r>
+                          <a:rPr lang="en-US" b="0" i="1" smtClean="0">
+                            <a:solidFill>
+                              <a:schemeClr val="tx1"/>
+                            </a:solidFill>
+                            <a:latin typeface="Cambria Math" panose="02040503050406030204" pitchFamily="18" charset="0"/>
+                            <a:ea typeface="Hiragino Kaku Gothic Pro W3" charset="-128"/>
+                            <a:cs typeface="Hiragino Kaku Gothic Pro W3" charset="-128"/>
+                          </a:rPr>
+                          <m:t>(</m:t>
+                        </m:r>
+                        <m:r>
+                          <a:rPr lang="en-US" b="0" i="1" smtClean="0">
+                            <a:solidFill>
+                              <a:schemeClr val="tx1"/>
+                            </a:solidFill>
+                            <a:latin typeface="Cambria Math" panose="02040503050406030204" pitchFamily="18" charset="0"/>
+                            <a:ea typeface="Hiragino Kaku Gothic Pro W3" charset="-128"/>
+                            <a:cs typeface="Hiragino Kaku Gothic Pro W3" charset="-128"/>
+                          </a:rPr>
+                          <m:t>𝜃</m:t>
+                        </m:r>
+                        <m:r>
+                          <a:rPr lang="en-US" b="0" i="1" smtClean="0">
+                            <a:solidFill>
+                              <a:schemeClr val="tx1"/>
+                            </a:solidFill>
+                            <a:latin typeface="Cambria Math" panose="02040503050406030204" pitchFamily="18" charset="0"/>
+                            <a:ea typeface="Hiragino Kaku Gothic Pro W3" charset="-128"/>
+                            <a:cs typeface="Hiragino Kaku Gothic Pro W3" charset="-128"/>
+                          </a:rPr>
+                          <m:t>)</m:t>
+                        </m:r>
+                      </m:oMath>
+                    </m:oMathPara>
+                  </a14:m>
+                  <a:endParaRPr lang="en-US" dirty="0">
+                    <a:solidFill>
+                      <a:schemeClr val="tx1"/>
+                    </a:solidFill>
+                    <a:latin typeface="Hiragino Kaku Gothic Pro W3" charset="-128"/>
+                    <a:ea typeface="Hiragino Kaku Gothic Pro W3" charset="-128"/>
+                    <a:cs typeface="Hiragino Kaku Gothic Pro W3" charset="-128"/>
+                  </a:endParaRPr>
+                </a:p>
+              </p:txBody>
+            </p:sp>
+          </mc:Choice>
+          <mc:Fallback>
+            <p:sp>
+              <p:nvSpPr>
+                <p:cNvPr id="7" name="TextBox 6">
+                  <a:extLst>
+                    <a:ext uri="{FF2B5EF4-FFF2-40B4-BE49-F238E27FC236}">
+                      <a16:creationId xmlns:a16="http://schemas.microsoft.com/office/drawing/2014/main" id="{2E6A703A-5BC3-6F4B-97A2-5F55526033E3}"/>
+                    </a:ext>
+                  </a:extLst>
+                </p:cNvPr>
+                <p:cNvSpPr txBox="1">
+                  <a:spLocks noRot="1" noChangeAspect="1" noMove="1" noResize="1" noEditPoints="1" noAdjustHandles="1" noChangeArrowheads="1" noChangeShapeType="1" noTextEdit="1"/>
+                </p:cNvSpPr>
+                <p:nvPr/>
+              </p:nvSpPr>
+              <p:spPr>
+                <a:xfrm>
+                  <a:off x="5380891" y="3822285"/>
+                  <a:ext cx="1313180" cy="769441"/>
+                </a:xfrm>
+                <a:prstGeom prst="rect">
+                  <a:avLst/>
+                </a:prstGeom>
+                <a:blipFill>
+                  <a:blip r:embed="rId3"/>
+                  <a:stretch>
+                    <a:fillRect l="-4808" t="-4839" r="-4808" b="-9677"/>
+                  </a:stretch>
+                </a:blipFill>
+              </p:spPr>
+              <p:txBody>
+                <a:bodyPr/>
+                <a:lstStyle/>
+                <a:p>
+                  <a:r>
+                    <a:rPr lang="en-US">
+                      <a:noFill/>
+                    </a:rPr>
+                    <a:t> </a:t>
+                  </a:r>
+                </a:p>
+              </p:txBody>
+            </p:sp>
+          </mc:Fallback>
+        </mc:AlternateContent>
+      </p:grpSp>
     </p:spTree>
     <p:extLst>
       <p:ext uri="{BB962C8B-B14F-4D97-AF65-F5344CB8AC3E}">
@@ -18151,7 +20790,7 @@
 </p:sld>
 </file>
 
-<file path=ppt/slides/slide7.xml><?xml version="1.0" encoding="utf-8"?>
+<file path=ppt/slides/slide9.xml><?xml version="1.0" encoding="utf-8"?>
 <p:sld xmlns:a="http://schemas.openxmlformats.org/drawingml/2006/main" xmlns:r="http://schemas.openxmlformats.org/officeDocument/2006/relationships" xmlns:p="http://schemas.openxmlformats.org/presentationml/2006/main">
   <p:cSld>
     <p:spTree>

--- a/2/figs/figs.pptx
+++ b/2/figs/figs.pptx
@@ -15397,10 +15397,10 @@
       </p:grpSpPr>
       <p:grpSp>
         <p:nvGrpSpPr>
-          <p:cNvPr id="3" name="Group 2">
+          <p:cNvPr id="6" name="Group 5">
             <a:extLst>
               <a:ext uri="{FF2B5EF4-FFF2-40B4-BE49-F238E27FC236}">
-                <a16:creationId xmlns:a16="http://schemas.microsoft.com/office/drawing/2014/main" id="{637D8108-8C28-844D-AA13-6712561A3FFD}"/>
+                <a16:creationId xmlns:a16="http://schemas.microsoft.com/office/drawing/2014/main" id="{664094B6-5963-A440-A6E3-B7CD7C20A6C0}"/>
               </a:ext>
             </a:extLst>
           </p:cNvPr>
@@ -15409,18 +15409,18 @@
         </p:nvGrpSpPr>
         <p:grpSpPr>
           <a:xfrm>
-            <a:off x="1453620" y="659231"/>
-            <a:ext cx="5100514" cy="4076613"/>
-            <a:chOff x="1453620" y="659231"/>
-            <a:chExt cx="5100514" cy="4076613"/>
+            <a:off x="1113692" y="659231"/>
+            <a:ext cx="5732585" cy="4405138"/>
+            <a:chOff x="1113692" y="659231"/>
+            <a:chExt cx="5732585" cy="4405138"/>
           </a:xfrm>
         </p:grpSpPr>
         <p:grpSp>
           <p:nvGrpSpPr>
-            <p:cNvPr id="2" name="Group 1">
+            <p:cNvPr id="3" name="Group 2">
               <a:extLst>
                 <a:ext uri="{FF2B5EF4-FFF2-40B4-BE49-F238E27FC236}">
-                  <a16:creationId xmlns:a16="http://schemas.microsoft.com/office/drawing/2014/main" id="{5193CE95-5179-104E-877B-DF76A03B1292}"/>
+                  <a16:creationId xmlns:a16="http://schemas.microsoft.com/office/drawing/2014/main" id="{637D8108-8C28-844D-AA13-6712561A3FFD}"/>
                 </a:ext>
               </a:extLst>
             </p:cNvPr>
@@ -15429,2289 +15429,2310 @@
           </p:nvGrpSpPr>
           <p:grpSpPr>
             <a:xfrm>
-              <a:off x="1453620" y="1090118"/>
-              <a:ext cx="5100514" cy="3645726"/>
-              <a:chOff x="1453620" y="1090118"/>
-              <a:chExt cx="5100514" cy="3645726"/>
+              <a:off x="1453620" y="659231"/>
+              <a:ext cx="5100514" cy="4076613"/>
+              <a:chOff x="1453620" y="659231"/>
+              <a:chExt cx="5100514" cy="4076613"/>
             </a:xfrm>
           </p:grpSpPr>
-          <p:pic>
-            <p:nvPicPr>
-              <p:cNvPr id="14" name="Picture 13">
+          <p:grpSp>
+            <p:nvGrpSpPr>
+              <p:cNvPr id="2" name="Group 1">
                 <a:extLst>
                   <a:ext uri="{FF2B5EF4-FFF2-40B4-BE49-F238E27FC236}">
-                    <a16:creationId xmlns:a16="http://schemas.microsoft.com/office/drawing/2014/main" id="{6E52EDBF-67BB-F04D-B807-23EA15374C9D}"/>
+                    <a16:creationId xmlns:a16="http://schemas.microsoft.com/office/drawing/2014/main" id="{5193CE95-5179-104E-877B-DF76A03B1292}"/>
                   </a:ext>
                 </a:extLst>
               </p:cNvPr>
-              <p:cNvPicPr>
-                <a:picLocks noChangeAspect="1"/>
-              </p:cNvPicPr>
+              <p:cNvGrpSpPr/>
               <p:nvPr/>
-            </p:nvPicPr>
-            <p:blipFill>
-              <a:blip r:embed="rId2"/>
-              <a:stretch>
-                <a:fillRect/>
-              </a:stretch>
-            </p:blipFill>
-            <p:spPr>
+            </p:nvGrpSpPr>
+            <p:grpSpPr>
               <a:xfrm>
-                <a:off x="1453620" y="1177316"/>
-                <a:ext cx="2163271" cy="1622453"/>
+                <a:off x="1453620" y="1090118"/>
+                <a:ext cx="5100514" cy="3645726"/>
+                <a:chOff x="1453620" y="1090118"/>
+                <a:chExt cx="5100514" cy="3645726"/>
               </a:xfrm>
-              <a:prstGeom prst="rect">
-                <a:avLst/>
-              </a:prstGeom>
-            </p:spPr>
-          </p:pic>
-          <p:pic>
-            <p:nvPicPr>
-              <p:cNvPr id="16" name="Picture 15">
-                <a:extLst>
-                  <a:ext uri="{FF2B5EF4-FFF2-40B4-BE49-F238E27FC236}">
-                    <a16:creationId xmlns:a16="http://schemas.microsoft.com/office/drawing/2014/main" id="{416A593C-9634-AB4F-A5A2-217EC447A1F8}"/>
-                  </a:ext>
-                </a:extLst>
-              </p:cNvPr>
-              <p:cNvPicPr>
-                <a:picLocks noChangeAspect="1"/>
-              </p:cNvPicPr>
-              <p:nvPr/>
-            </p:nvPicPr>
-            <p:blipFill>
-              <a:blip r:embed="rId3"/>
-              <a:stretch>
-                <a:fillRect/>
-              </a:stretch>
-            </p:blipFill>
-            <p:spPr>
-              <a:xfrm>
-                <a:off x="2942451" y="3013880"/>
-                <a:ext cx="2163271" cy="1721964"/>
-              </a:xfrm>
-              <a:prstGeom prst="rect">
-                <a:avLst/>
-              </a:prstGeom>
-            </p:spPr>
-          </p:pic>
-          <p:pic>
-            <p:nvPicPr>
-              <p:cNvPr id="18" name="Picture 17">
-                <a:extLst>
-                  <a:ext uri="{FF2B5EF4-FFF2-40B4-BE49-F238E27FC236}">
-                    <a16:creationId xmlns:a16="http://schemas.microsoft.com/office/drawing/2014/main" id="{E6E94BEF-9A56-4E41-81B7-8727BBB974CB}"/>
-                  </a:ext>
-                </a:extLst>
-              </p:cNvPr>
-              <p:cNvPicPr>
-                <a:picLocks noChangeAspect="1"/>
-              </p:cNvPicPr>
-              <p:nvPr/>
-            </p:nvPicPr>
-            <p:blipFill>
-              <a:blip r:embed="rId4"/>
-              <a:stretch>
-                <a:fillRect/>
-              </a:stretch>
-            </p:blipFill>
-            <p:spPr>
-              <a:xfrm>
-                <a:off x="4401360" y="1090118"/>
-                <a:ext cx="2152774" cy="1796849"/>
-              </a:xfrm>
-              <a:prstGeom prst="rect">
-                <a:avLst/>
-              </a:prstGeom>
-            </p:spPr>
-          </p:pic>
-        </p:grpSp>
-        <mc:AlternateContent xmlns:mc="http://schemas.openxmlformats.org/markup-compatibility/2006">
-          <mc:Choice xmlns:a14="http://schemas.microsoft.com/office/drawing/2010/main" Requires="a14">
-            <p:sp>
-              <p:nvSpPr>
-                <p:cNvPr id="19" name="TextBox 18">
+            </p:grpSpPr>
+            <p:pic>
+              <p:nvPicPr>
+                <p:cNvPr id="14" name="Picture 13">
                   <a:extLst>
                     <a:ext uri="{FF2B5EF4-FFF2-40B4-BE49-F238E27FC236}">
-                      <a16:creationId xmlns:a16="http://schemas.microsoft.com/office/drawing/2014/main" id="{1FD7F19E-4BF6-9643-8888-C4185E9E78FF}"/>
+                      <a16:creationId xmlns:a16="http://schemas.microsoft.com/office/drawing/2014/main" id="{6E52EDBF-67BB-F04D-B807-23EA15374C9D}"/>
                     </a:ext>
                   </a:extLst>
                 </p:cNvPr>
-                <p:cNvSpPr txBox="1"/>
+                <p:cNvPicPr>
+                  <a:picLocks noChangeAspect="1"/>
+                </p:cNvPicPr>
                 <p:nvPr/>
-              </p:nvSpPr>
+              </p:nvPicPr>
+              <p:blipFill>
+                <a:blip r:embed="rId2"/>
+                <a:stretch>
+                  <a:fillRect/>
+                </a:stretch>
+              </p:blipFill>
               <p:spPr>
                 <a:xfrm>
-                  <a:off x="3784651" y="659231"/>
-                  <a:ext cx="438453" cy="430887"/>
+                  <a:off x="1453620" y="1177316"/>
+                  <a:ext cx="2163271" cy="1622453"/>
                 </a:xfrm>
                 <a:prstGeom prst="rect">
                   <a:avLst/>
                 </a:prstGeom>
-                <a:noFill/>
               </p:spPr>
-              <p:txBody>
-                <a:bodyPr wrap="none" rtlCol="0">
-                  <a:spAutoFit/>
-                </a:bodyPr>
-                <a:lstStyle/>
-                <a:p>
-                  <a14:m>
-                    <m:oMathPara xmlns:m="http://schemas.openxmlformats.org/officeDocument/2006/math">
-                      <m:oMathParaPr>
-                        <m:jc m:val="centerGroup"/>
-                      </m:oMathParaPr>
-                      <m:oMath xmlns:m="http://schemas.openxmlformats.org/officeDocument/2006/math">
-                        <m:r>
-                          <a:rPr lang="en-US" b="0" i="1" smtClean="0">
-                            <a:solidFill>
-                              <a:schemeClr val="tx1"/>
-                            </a:solidFill>
-                            <a:latin typeface="Cambria Math" panose="02040503050406030204" pitchFamily="18" charset="0"/>
-                            <a:ea typeface="Hiragino Kaku Gothic Pro W3" charset="-128"/>
-                            <a:cs typeface="Hiragino Kaku Gothic Pro W3" charset="-128"/>
-                          </a:rPr>
-                          <m:t>𝑥</m:t>
-                        </m:r>
-                      </m:oMath>
-                    </m:oMathPara>
-                  </a14:m>
-                  <a:endParaRPr lang="en-US" dirty="0">
-                    <a:solidFill>
-                      <a:schemeClr val="tx1"/>
-                    </a:solidFill>
-                    <a:latin typeface="Hiragino Kaku Gothic Pro W3" charset="-128"/>
-                    <a:ea typeface="Hiragino Kaku Gothic Pro W3" charset="-128"/>
-                    <a:cs typeface="Hiragino Kaku Gothic Pro W3" charset="-128"/>
-                  </a:endParaRPr>
-                </a:p>
-              </p:txBody>
-            </p:sp>
-          </mc:Choice>
-          <mc:Fallback>
-            <p:sp>
-              <p:nvSpPr>
-                <p:cNvPr id="19" name="TextBox 18">
+            </p:pic>
+            <p:pic>
+              <p:nvPicPr>
+                <p:cNvPr id="16" name="Picture 15">
                   <a:extLst>
                     <a:ext uri="{FF2B5EF4-FFF2-40B4-BE49-F238E27FC236}">
-                      <a16:creationId xmlns:a16="http://schemas.microsoft.com/office/drawing/2014/main" id="{1FD7F19E-4BF6-9643-8888-C4185E9E78FF}"/>
+                      <a16:creationId xmlns:a16="http://schemas.microsoft.com/office/drawing/2014/main" id="{416A593C-9634-AB4F-A5A2-217EC447A1F8}"/>
                     </a:ext>
                   </a:extLst>
                 </p:cNvPr>
-                <p:cNvSpPr txBox="1">
-                  <a:spLocks noRot="1" noChangeAspect="1" noMove="1" noResize="1" noEditPoints="1" noAdjustHandles="1" noChangeArrowheads="1" noChangeShapeType="1" noTextEdit="1"/>
-                </p:cNvSpPr>
+                <p:cNvPicPr>
+                  <a:picLocks noChangeAspect="1"/>
+                </p:cNvPicPr>
                 <p:nvPr/>
-              </p:nvSpPr>
+              </p:nvPicPr>
+              <p:blipFill>
+                <a:blip r:embed="rId3"/>
+                <a:stretch>
+                  <a:fillRect/>
+                </a:stretch>
+              </p:blipFill>
               <p:spPr>
                 <a:xfrm>
-                  <a:off x="3784651" y="659231"/>
-                  <a:ext cx="438453" cy="430887"/>
+                  <a:off x="2942451" y="3013880"/>
+                  <a:ext cx="2163271" cy="1721964"/>
                 </a:xfrm>
                 <a:prstGeom prst="rect">
                   <a:avLst/>
                 </a:prstGeom>
-                <a:blipFill>
-                  <a:blip r:embed="rId5"/>
-                  <a:stretch>
-                    <a:fillRect/>
-                  </a:stretch>
-                </a:blipFill>
               </p:spPr>
-              <p:txBody>
-                <a:bodyPr/>
-                <a:lstStyle/>
-                <a:p>
-                  <a:r>
-                    <a:rPr lang="en-US">
-                      <a:noFill/>
-                    </a:rPr>
-                    <a:t> </a:t>
-                  </a:r>
-                </a:p>
-              </p:txBody>
-            </p:sp>
-          </mc:Fallback>
-        </mc:AlternateContent>
-      </p:grpSp>
-      <p:sp>
-        <p:nvSpPr>
-          <p:cNvPr id="4" name="Freeform 3">
+            </p:pic>
+            <p:pic>
+              <p:nvPicPr>
+                <p:cNvPr id="18" name="Picture 17">
+                  <a:extLst>
+                    <a:ext uri="{FF2B5EF4-FFF2-40B4-BE49-F238E27FC236}">
+                      <a16:creationId xmlns:a16="http://schemas.microsoft.com/office/drawing/2014/main" id="{E6E94BEF-9A56-4E41-81B7-8727BBB974CB}"/>
+                    </a:ext>
+                  </a:extLst>
+                </p:cNvPr>
+                <p:cNvPicPr>
+                  <a:picLocks noChangeAspect="1"/>
+                </p:cNvPicPr>
+                <p:nvPr/>
+              </p:nvPicPr>
+              <p:blipFill>
+                <a:blip r:embed="rId4"/>
+                <a:stretch>
+                  <a:fillRect/>
+                </a:stretch>
+              </p:blipFill>
+              <p:spPr>
+                <a:xfrm>
+                  <a:off x="4401360" y="1090118"/>
+                  <a:ext cx="2152774" cy="1796849"/>
+                </a:xfrm>
+                <a:prstGeom prst="rect">
+                  <a:avLst/>
+                </a:prstGeom>
+              </p:spPr>
+            </p:pic>
+          </p:grpSp>
+          <mc:AlternateContent xmlns:mc="http://schemas.openxmlformats.org/markup-compatibility/2006">
+            <mc:Choice xmlns:a14="http://schemas.microsoft.com/office/drawing/2010/main" Requires="a14">
+              <p:sp>
+                <p:nvSpPr>
+                  <p:cNvPr id="19" name="TextBox 18">
+                    <a:extLst>
+                      <a:ext uri="{FF2B5EF4-FFF2-40B4-BE49-F238E27FC236}">
+                        <a16:creationId xmlns:a16="http://schemas.microsoft.com/office/drawing/2014/main" id="{1FD7F19E-4BF6-9643-8888-C4185E9E78FF}"/>
+                      </a:ext>
+                    </a:extLst>
+                  </p:cNvPr>
+                  <p:cNvSpPr txBox="1"/>
+                  <p:nvPr/>
+                </p:nvSpPr>
+                <p:spPr>
+                  <a:xfrm>
+                    <a:off x="3784651" y="659231"/>
+                    <a:ext cx="438453" cy="430887"/>
+                  </a:xfrm>
+                  <a:prstGeom prst="rect">
+                    <a:avLst/>
+                  </a:prstGeom>
+                  <a:noFill/>
+                </p:spPr>
+                <p:txBody>
+                  <a:bodyPr wrap="none" rtlCol="0">
+                    <a:spAutoFit/>
+                  </a:bodyPr>
+                  <a:lstStyle/>
+                  <a:p>
+                    <a14:m>
+                      <m:oMathPara xmlns:m="http://schemas.openxmlformats.org/officeDocument/2006/math">
+                        <m:oMathParaPr>
+                          <m:jc m:val="centerGroup"/>
+                        </m:oMathParaPr>
+                        <m:oMath xmlns:m="http://schemas.openxmlformats.org/officeDocument/2006/math">
+                          <m:r>
+                            <a:rPr lang="en-US" b="0" i="1" smtClean="0">
+                              <a:solidFill>
+                                <a:schemeClr val="tx1"/>
+                              </a:solidFill>
+                              <a:latin typeface="Cambria Math" panose="02040503050406030204" pitchFamily="18" charset="0"/>
+                              <a:ea typeface="Hiragino Kaku Gothic Pro W3" charset="-128"/>
+                              <a:cs typeface="Hiragino Kaku Gothic Pro W3" charset="-128"/>
+                            </a:rPr>
+                            <m:t>𝑥</m:t>
+                          </m:r>
+                        </m:oMath>
+                      </m:oMathPara>
+                    </a14:m>
+                    <a:endParaRPr lang="en-US" dirty="0">
+                      <a:solidFill>
+                        <a:schemeClr val="tx1"/>
+                      </a:solidFill>
+                      <a:latin typeface="Hiragino Kaku Gothic Pro W3" charset="-128"/>
+                      <a:ea typeface="Hiragino Kaku Gothic Pro W3" charset="-128"/>
+                      <a:cs typeface="Hiragino Kaku Gothic Pro W3" charset="-128"/>
+                    </a:endParaRPr>
+                  </a:p>
+                </p:txBody>
+              </p:sp>
+            </mc:Choice>
+            <mc:Fallback>
+              <p:sp>
+                <p:nvSpPr>
+                  <p:cNvPr id="19" name="TextBox 18">
+                    <a:extLst>
+                      <a:ext uri="{FF2B5EF4-FFF2-40B4-BE49-F238E27FC236}">
+                        <a16:creationId xmlns:a16="http://schemas.microsoft.com/office/drawing/2014/main" id="{1FD7F19E-4BF6-9643-8888-C4185E9E78FF}"/>
+                      </a:ext>
+                    </a:extLst>
+                  </p:cNvPr>
+                  <p:cNvSpPr txBox="1">
+                    <a:spLocks noRot="1" noChangeAspect="1" noMove="1" noResize="1" noEditPoints="1" noAdjustHandles="1" noChangeArrowheads="1" noChangeShapeType="1" noTextEdit="1"/>
+                  </p:cNvSpPr>
+                  <p:nvPr/>
+                </p:nvSpPr>
+                <p:spPr>
+                  <a:xfrm>
+                    <a:off x="3784651" y="659231"/>
+                    <a:ext cx="438453" cy="430887"/>
+                  </a:xfrm>
+                  <a:prstGeom prst="rect">
+                    <a:avLst/>
+                  </a:prstGeom>
+                  <a:blipFill>
+                    <a:blip r:embed="rId5"/>
+                    <a:stretch>
+                      <a:fillRect/>
+                    </a:stretch>
+                  </a:blipFill>
+                </p:spPr>
+                <p:txBody>
+                  <a:bodyPr/>
+                  <a:lstStyle/>
+                  <a:p>
+                    <a:r>
+                      <a:rPr lang="en-US">
+                        <a:noFill/>
+                      </a:rPr>
+                      <a:t> </a:t>
+                    </a:r>
+                  </a:p>
+                </p:txBody>
+              </p:sp>
+            </mc:Fallback>
+          </mc:AlternateContent>
+        </p:grpSp>
+        <p:sp>
+          <p:nvSpPr>
+            <p:cNvPr id="4" name="Freeform 3">
+              <a:extLst>
+                <a:ext uri="{FF2B5EF4-FFF2-40B4-BE49-F238E27FC236}">
+                  <a16:creationId xmlns:a16="http://schemas.microsoft.com/office/drawing/2014/main" id="{0C0081E4-2476-3446-9C5C-56815994B90E}"/>
+                </a:ext>
+              </a:extLst>
+            </p:cNvPr>
+            <p:cNvSpPr/>
+            <p:nvPr/>
+          </p:nvSpPr>
+          <p:spPr bwMode="auto">
+            <a:xfrm>
+              <a:off x="1113692" y="902677"/>
+              <a:ext cx="4384473" cy="4161692"/>
+            </a:xfrm>
+            <a:custGeom>
+              <a:avLst/>
+              <a:gdLst>
+                <a:gd name="connsiteX0" fmla="*/ 2965939 w 4384473"/>
+                <a:gd name="connsiteY0" fmla="*/ 422031 h 4161692"/>
+                <a:gd name="connsiteX1" fmla="*/ 2883877 w 4384473"/>
+                <a:gd name="connsiteY1" fmla="*/ 386861 h 4161692"/>
+                <a:gd name="connsiteX2" fmla="*/ 2790093 w 4384473"/>
+                <a:gd name="connsiteY2" fmla="*/ 351692 h 4161692"/>
+                <a:gd name="connsiteX3" fmla="*/ 2766646 w 4384473"/>
+                <a:gd name="connsiteY3" fmla="*/ 328246 h 4161692"/>
+                <a:gd name="connsiteX4" fmla="*/ 2708031 w 4384473"/>
+                <a:gd name="connsiteY4" fmla="*/ 304800 h 4161692"/>
+                <a:gd name="connsiteX5" fmla="*/ 2625970 w 4384473"/>
+                <a:gd name="connsiteY5" fmla="*/ 269631 h 4161692"/>
+                <a:gd name="connsiteX6" fmla="*/ 2485293 w 4384473"/>
+                <a:gd name="connsiteY6" fmla="*/ 199292 h 4161692"/>
+                <a:gd name="connsiteX7" fmla="*/ 2426677 w 4384473"/>
+                <a:gd name="connsiteY7" fmla="*/ 175846 h 4161692"/>
+                <a:gd name="connsiteX8" fmla="*/ 2391508 w 4384473"/>
+                <a:gd name="connsiteY8" fmla="*/ 164123 h 4161692"/>
+                <a:gd name="connsiteX9" fmla="*/ 2344616 w 4384473"/>
+                <a:gd name="connsiteY9" fmla="*/ 140677 h 4161692"/>
+                <a:gd name="connsiteX10" fmla="*/ 2309446 w 4384473"/>
+                <a:gd name="connsiteY10" fmla="*/ 128954 h 4161692"/>
+                <a:gd name="connsiteX11" fmla="*/ 2262554 w 4384473"/>
+                <a:gd name="connsiteY11" fmla="*/ 105508 h 4161692"/>
+                <a:gd name="connsiteX12" fmla="*/ 2192216 w 4384473"/>
+                <a:gd name="connsiteY12" fmla="*/ 93785 h 4161692"/>
+                <a:gd name="connsiteX13" fmla="*/ 2145323 w 4384473"/>
+                <a:gd name="connsiteY13" fmla="*/ 70338 h 4161692"/>
+                <a:gd name="connsiteX14" fmla="*/ 2051539 w 4384473"/>
+                <a:gd name="connsiteY14" fmla="*/ 46892 h 4161692"/>
+                <a:gd name="connsiteX15" fmla="*/ 2016370 w 4384473"/>
+                <a:gd name="connsiteY15" fmla="*/ 35169 h 4161692"/>
+                <a:gd name="connsiteX16" fmla="*/ 1957754 w 4384473"/>
+                <a:gd name="connsiteY16" fmla="*/ 23446 h 4161692"/>
+                <a:gd name="connsiteX17" fmla="*/ 1887416 w 4384473"/>
+                <a:gd name="connsiteY17" fmla="*/ 0 h 4161692"/>
+                <a:gd name="connsiteX18" fmla="*/ 1277816 w 4384473"/>
+                <a:gd name="connsiteY18" fmla="*/ 23446 h 4161692"/>
+                <a:gd name="connsiteX19" fmla="*/ 1219200 w 4384473"/>
+                <a:gd name="connsiteY19" fmla="*/ 35169 h 4161692"/>
+                <a:gd name="connsiteX20" fmla="*/ 1031631 w 4384473"/>
+                <a:gd name="connsiteY20" fmla="*/ 46892 h 4161692"/>
+                <a:gd name="connsiteX21" fmla="*/ 785446 w 4384473"/>
+                <a:gd name="connsiteY21" fmla="*/ 70338 h 4161692"/>
+                <a:gd name="connsiteX22" fmla="*/ 609600 w 4384473"/>
+                <a:gd name="connsiteY22" fmla="*/ 93785 h 4161692"/>
+                <a:gd name="connsiteX23" fmla="*/ 574431 w 4384473"/>
+                <a:gd name="connsiteY23" fmla="*/ 105508 h 4161692"/>
+                <a:gd name="connsiteX24" fmla="*/ 445477 w 4384473"/>
+                <a:gd name="connsiteY24" fmla="*/ 128954 h 4161692"/>
+                <a:gd name="connsiteX25" fmla="*/ 410308 w 4384473"/>
+                <a:gd name="connsiteY25" fmla="*/ 140677 h 4161692"/>
+                <a:gd name="connsiteX26" fmla="*/ 351693 w 4384473"/>
+                <a:gd name="connsiteY26" fmla="*/ 199292 h 4161692"/>
+                <a:gd name="connsiteX27" fmla="*/ 304800 w 4384473"/>
+                <a:gd name="connsiteY27" fmla="*/ 246185 h 4161692"/>
+                <a:gd name="connsiteX28" fmla="*/ 222739 w 4384473"/>
+                <a:gd name="connsiteY28" fmla="*/ 293077 h 4161692"/>
+                <a:gd name="connsiteX29" fmla="*/ 199293 w 4384473"/>
+                <a:gd name="connsiteY29" fmla="*/ 328246 h 4161692"/>
+                <a:gd name="connsiteX30" fmla="*/ 175846 w 4384473"/>
+                <a:gd name="connsiteY30" fmla="*/ 351692 h 4161692"/>
+                <a:gd name="connsiteX31" fmla="*/ 128954 w 4384473"/>
+                <a:gd name="connsiteY31" fmla="*/ 468923 h 4161692"/>
+                <a:gd name="connsiteX32" fmla="*/ 105508 w 4384473"/>
+                <a:gd name="connsiteY32" fmla="*/ 515815 h 4161692"/>
+                <a:gd name="connsiteX33" fmla="*/ 82062 w 4384473"/>
+                <a:gd name="connsiteY33" fmla="*/ 715108 h 4161692"/>
+                <a:gd name="connsiteX34" fmla="*/ 70339 w 4384473"/>
+                <a:gd name="connsiteY34" fmla="*/ 797169 h 4161692"/>
+                <a:gd name="connsiteX35" fmla="*/ 46893 w 4384473"/>
+                <a:gd name="connsiteY35" fmla="*/ 996461 h 4161692"/>
+                <a:gd name="connsiteX36" fmla="*/ 23446 w 4384473"/>
+                <a:gd name="connsiteY36" fmla="*/ 1289538 h 4161692"/>
+                <a:gd name="connsiteX37" fmla="*/ 0 w 4384473"/>
+                <a:gd name="connsiteY37" fmla="*/ 1535723 h 4161692"/>
+                <a:gd name="connsiteX38" fmla="*/ 11723 w 4384473"/>
+                <a:gd name="connsiteY38" fmla="*/ 1723292 h 4161692"/>
+                <a:gd name="connsiteX39" fmla="*/ 23446 w 4384473"/>
+                <a:gd name="connsiteY39" fmla="*/ 1770185 h 4161692"/>
+                <a:gd name="connsiteX40" fmla="*/ 35170 w 4384473"/>
+                <a:gd name="connsiteY40" fmla="*/ 1828800 h 4161692"/>
+                <a:gd name="connsiteX41" fmla="*/ 58616 w 4384473"/>
+                <a:gd name="connsiteY41" fmla="*/ 1910861 h 4161692"/>
+                <a:gd name="connsiteX42" fmla="*/ 105508 w 4384473"/>
+                <a:gd name="connsiteY42" fmla="*/ 1981200 h 4161692"/>
+                <a:gd name="connsiteX43" fmla="*/ 164123 w 4384473"/>
+                <a:gd name="connsiteY43" fmla="*/ 2051538 h 4161692"/>
+                <a:gd name="connsiteX44" fmla="*/ 234462 w 4384473"/>
+                <a:gd name="connsiteY44" fmla="*/ 2098431 h 4161692"/>
+                <a:gd name="connsiteX45" fmla="*/ 316523 w 4384473"/>
+                <a:gd name="connsiteY45" fmla="*/ 2133600 h 4161692"/>
+                <a:gd name="connsiteX46" fmla="*/ 398585 w 4384473"/>
+                <a:gd name="connsiteY46" fmla="*/ 2192215 h 4161692"/>
+                <a:gd name="connsiteX47" fmla="*/ 504093 w 4384473"/>
+                <a:gd name="connsiteY47" fmla="*/ 2250831 h 4161692"/>
+                <a:gd name="connsiteX48" fmla="*/ 609600 w 4384473"/>
+                <a:gd name="connsiteY48" fmla="*/ 2309446 h 4161692"/>
+                <a:gd name="connsiteX49" fmla="*/ 656493 w 4384473"/>
+                <a:gd name="connsiteY49" fmla="*/ 2344615 h 4161692"/>
+                <a:gd name="connsiteX50" fmla="*/ 726831 w 4384473"/>
+                <a:gd name="connsiteY50" fmla="*/ 2368061 h 4161692"/>
+                <a:gd name="connsiteX51" fmla="*/ 797170 w 4384473"/>
+                <a:gd name="connsiteY51" fmla="*/ 2391508 h 4161692"/>
+                <a:gd name="connsiteX52" fmla="*/ 914400 w 4384473"/>
+                <a:gd name="connsiteY52" fmla="*/ 2426677 h 4161692"/>
+                <a:gd name="connsiteX53" fmla="*/ 961293 w 4384473"/>
+                <a:gd name="connsiteY53" fmla="*/ 2438400 h 4161692"/>
+                <a:gd name="connsiteX54" fmla="*/ 996462 w 4384473"/>
+                <a:gd name="connsiteY54" fmla="*/ 2450123 h 4161692"/>
+                <a:gd name="connsiteX55" fmla="*/ 1043354 w 4384473"/>
+                <a:gd name="connsiteY55" fmla="*/ 2461846 h 4161692"/>
+                <a:gd name="connsiteX56" fmla="*/ 1078523 w 4384473"/>
+                <a:gd name="connsiteY56" fmla="*/ 2473569 h 4161692"/>
+                <a:gd name="connsiteX57" fmla="*/ 1160585 w 4384473"/>
+                <a:gd name="connsiteY57" fmla="*/ 2497015 h 4161692"/>
+                <a:gd name="connsiteX58" fmla="*/ 1266093 w 4384473"/>
+                <a:gd name="connsiteY58" fmla="*/ 2543908 h 4161692"/>
+                <a:gd name="connsiteX59" fmla="*/ 1289539 w 4384473"/>
+                <a:gd name="connsiteY59" fmla="*/ 2579077 h 4161692"/>
+                <a:gd name="connsiteX60" fmla="*/ 1301262 w 4384473"/>
+                <a:gd name="connsiteY60" fmla="*/ 2625969 h 4161692"/>
+                <a:gd name="connsiteX61" fmla="*/ 1324708 w 4384473"/>
+                <a:gd name="connsiteY61" fmla="*/ 2801815 h 4161692"/>
+                <a:gd name="connsiteX62" fmla="*/ 1336431 w 4384473"/>
+                <a:gd name="connsiteY62" fmla="*/ 2860431 h 4161692"/>
+                <a:gd name="connsiteX63" fmla="*/ 1348154 w 4384473"/>
+                <a:gd name="connsiteY63" fmla="*/ 2930769 h 4161692"/>
+                <a:gd name="connsiteX64" fmla="*/ 1371600 w 4384473"/>
+                <a:gd name="connsiteY64" fmla="*/ 3024554 h 4161692"/>
+                <a:gd name="connsiteX65" fmla="*/ 1383323 w 4384473"/>
+                <a:gd name="connsiteY65" fmla="*/ 3071446 h 4161692"/>
+                <a:gd name="connsiteX66" fmla="*/ 1441939 w 4384473"/>
+                <a:gd name="connsiteY66" fmla="*/ 3188677 h 4161692"/>
+                <a:gd name="connsiteX67" fmla="*/ 1465385 w 4384473"/>
+                <a:gd name="connsiteY67" fmla="*/ 3259015 h 4161692"/>
+                <a:gd name="connsiteX68" fmla="*/ 1500554 w 4384473"/>
+                <a:gd name="connsiteY68" fmla="*/ 3352800 h 4161692"/>
+                <a:gd name="connsiteX69" fmla="*/ 1512277 w 4384473"/>
+                <a:gd name="connsiteY69" fmla="*/ 3411415 h 4161692"/>
+                <a:gd name="connsiteX70" fmla="*/ 1535723 w 4384473"/>
+                <a:gd name="connsiteY70" fmla="*/ 3516923 h 4161692"/>
+                <a:gd name="connsiteX71" fmla="*/ 1559170 w 4384473"/>
+                <a:gd name="connsiteY71" fmla="*/ 3681046 h 4161692"/>
+                <a:gd name="connsiteX72" fmla="*/ 1570893 w 4384473"/>
+                <a:gd name="connsiteY72" fmla="*/ 3716215 h 4161692"/>
+                <a:gd name="connsiteX73" fmla="*/ 1582616 w 4384473"/>
+                <a:gd name="connsiteY73" fmla="*/ 3763108 h 4161692"/>
+                <a:gd name="connsiteX74" fmla="*/ 1606062 w 4384473"/>
+                <a:gd name="connsiteY74" fmla="*/ 3798277 h 4161692"/>
+                <a:gd name="connsiteX75" fmla="*/ 1641231 w 4384473"/>
+                <a:gd name="connsiteY75" fmla="*/ 3915508 h 4161692"/>
+                <a:gd name="connsiteX76" fmla="*/ 1652954 w 4384473"/>
+                <a:gd name="connsiteY76" fmla="*/ 3950677 h 4161692"/>
+                <a:gd name="connsiteX77" fmla="*/ 1699846 w 4384473"/>
+                <a:gd name="connsiteY77" fmla="*/ 4032738 h 4161692"/>
+                <a:gd name="connsiteX78" fmla="*/ 1758462 w 4384473"/>
+                <a:gd name="connsiteY78" fmla="*/ 4091354 h 4161692"/>
+                <a:gd name="connsiteX79" fmla="*/ 1805354 w 4384473"/>
+                <a:gd name="connsiteY79" fmla="*/ 4103077 h 4161692"/>
+                <a:gd name="connsiteX80" fmla="*/ 2872154 w 4384473"/>
+                <a:gd name="connsiteY80" fmla="*/ 4149969 h 4161692"/>
+                <a:gd name="connsiteX81" fmla="*/ 3106616 w 4384473"/>
+                <a:gd name="connsiteY81" fmla="*/ 4161692 h 4161692"/>
+                <a:gd name="connsiteX82" fmla="*/ 3610708 w 4384473"/>
+                <a:gd name="connsiteY82" fmla="*/ 4138246 h 4161692"/>
+                <a:gd name="connsiteX83" fmla="*/ 3833446 w 4384473"/>
+                <a:gd name="connsiteY83" fmla="*/ 4126523 h 4161692"/>
+                <a:gd name="connsiteX84" fmla="*/ 4138246 w 4384473"/>
+                <a:gd name="connsiteY84" fmla="*/ 4103077 h 4161692"/>
+                <a:gd name="connsiteX85" fmla="*/ 4196862 w 4384473"/>
+                <a:gd name="connsiteY85" fmla="*/ 4091354 h 4161692"/>
+                <a:gd name="connsiteX86" fmla="*/ 4255477 w 4384473"/>
+                <a:gd name="connsiteY86" fmla="*/ 4021015 h 4161692"/>
+                <a:gd name="connsiteX87" fmla="*/ 4267200 w 4384473"/>
+                <a:gd name="connsiteY87" fmla="*/ 3985846 h 4161692"/>
+                <a:gd name="connsiteX88" fmla="*/ 4290646 w 4384473"/>
+                <a:gd name="connsiteY88" fmla="*/ 3938954 h 4161692"/>
+                <a:gd name="connsiteX89" fmla="*/ 4325816 w 4384473"/>
+                <a:gd name="connsiteY89" fmla="*/ 3845169 h 4161692"/>
+                <a:gd name="connsiteX90" fmla="*/ 4349262 w 4384473"/>
+                <a:gd name="connsiteY90" fmla="*/ 3716215 h 4161692"/>
+                <a:gd name="connsiteX91" fmla="*/ 4372708 w 4384473"/>
+                <a:gd name="connsiteY91" fmla="*/ 3481754 h 4161692"/>
+                <a:gd name="connsiteX92" fmla="*/ 4384431 w 4384473"/>
+                <a:gd name="connsiteY92" fmla="*/ 3341077 h 4161692"/>
+                <a:gd name="connsiteX93" fmla="*/ 4360985 w 4384473"/>
+                <a:gd name="connsiteY93" fmla="*/ 2708031 h 4161692"/>
+                <a:gd name="connsiteX94" fmla="*/ 4349262 w 4384473"/>
+                <a:gd name="connsiteY94" fmla="*/ 2661138 h 4161692"/>
+                <a:gd name="connsiteX95" fmla="*/ 4337539 w 4384473"/>
+                <a:gd name="connsiteY95" fmla="*/ 2602523 h 4161692"/>
+                <a:gd name="connsiteX96" fmla="*/ 4325816 w 4384473"/>
+                <a:gd name="connsiteY96" fmla="*/ 2555631 h 4161692"/>
+                <a:gd name="connsiteX97" fmla="*/ 4314093 w 4384473"/>
+                <a:gd name="connsiteY97" fmla="*/ 2485292 h 4161692"/>
+                <a:gd name="connsiteX98" fmla="*/ 4290646 w 4384473"/>
+                <a:gd name="connsiteY98" fmla="*/ 2368061 h 4161692"/>
+                <a:gd name="connsiteX99" fmla="*/ 4255477 w 4384473"/>
+                <a:gd name="connsiteY99" fmla="*/ 2203938 h 4161692"/>
+                <a:gd name="connsiteX100" fmla="*/ 4220308 w 4384473"/>
+                <a:gd name="connsiteY100" fmla="*/ 2133600 h 4161692"/>
+                <a:gd name="connsiteX101" fmla="*/ 4185139 w 4384473"/>
+                <a:gd name="connsiteY101" fmla="*/ 2110154 h 4161692"/>
+                <a:gd name="connsiteX102" fmla="*/ 4032739 w 4384473"/>
+                <a:gd name="connsiteY102" fmla="*/ 2086708 h 4161692"/>
+                <a:gd name="connsiteX103" fmla="*/ 3927231 w 4384473"/>
+                <a:gd name="connsiteY103" fmla="*/ 2074985 h 4161692"/>
+                <a:gd name="connsiteX104" fmla="*/ 3856893 w 4384473"/>
+                <a:gd name="connsiteY104" fmla="*/ 2063261 h 4161692"/>
+                <a:gd name="connsiteX105" fmla="*/ 3387970 w 4384473"/>
+                <a:gd name="connsiteY105" fmla="*/ 2051538 h 4161692"/>
+                <a:gd name="connsiteX106" fmla="*/ 3282462 w 4384473"/>
+                <a:gd name="connsiteY106" fmla="*/ 2039815 h 4161692"/>
+                <a:gd name="connsiteX107" fmla="*/ 3235570 w 4384473"/>
+                <a:gd name="connsiteY107" fmla="*/ 2028092 h 4161692"/>
+                <a:gd name="connsiteX108" fmla="*/ 3165231 w 4384473"/>
+                <a:gd name="connsiteY108" fmla="*/ 2016369 h 4161692"/>
+                <a:gd name="connsiteX109" fmla="*/ 3094893 w 4384473"/>
+                <a:gd name="connsiteY109" fmla="*/ 1981200 h 4161692"/>
+                <a:gd name="connsiteX110" fmla="*/ 3059723 w 4384473"/>
+                <a:gd name="connsiteY110" fmla="*/ 1969477 h 4161692"/>
+                <a:gd name="connsiteX111" fmla="*/ 2965939 w 4384473"/>
+                <a:gd name="connsiteY111" fmla="*/ 1899138 h 4161692"/>
+                <a:gd name="connsiteX112" fmla="*/ 2942493 w 4384473"/>
+                <a:gd name="connsiteY112" fmla="*/ 1817077 h 4161692"/>
+                <a:gd name="connsiteX113" fmla="*/ 2930770 w 4384473"/>
+                <a:gd name="connsiteY113" fmla="*/ 1781908 h 4161692"/>
+                <a:gd name="connsiteX114" fmla="*/ 2919046 w 4384473"/>
+                <a:gd name="connsiteY114" fmla="*/ 1723292 h 4161692"/>
+                <a:gd name="connsiteX115" fmla="*/ 2907323 w 4384473"/>
+                <a:gd name="connsiteY115" fmla="*/ 1688123 h 4161692"/>
+                <a:gd name="connsiteX116" fmla="*/ 2860431 w 4384473"/>
+                <a:gd name="connsiteY116" fmla="*/ 1453661 h 4161692"/>
+                <a:gd name="connsiteX117" fmla="*/ 2848708 w 4384473"/>
+                <a:gd name="connsiteY117" fmla="*/ 1371600 h 4161692"/>
+                <a:gd name="connsiteX118" fmla="*/ 2825262 w 4384473"/>
+                <a:gd name="connsiteY118" fmla="*/ 1230923 h 4161692"/>
+                <a:gd name="connsiteX119" fmla="*/ 2836985 w 4384473"/>
+                <a:gd name="connsiteY119" fmla="*/ 937846 h 4161692"/>
+                <a:gd name="connsiteX120" fmla="*/ 2860431 w 4384473"/>
+                <a:gd name="connsiteY120" fmla="*/ 750277 h 4161692"/>
+                <a:gd name="connsiteX121" fmla="*/ 2883877 w 4384473"/>
+                <a:gd name="connsiteY121" fmla="*/ 527538 h 4161692"/>
+                <a:gd name="connsiteX122" fmla="*/ 2872154 w 4384473"/>
+                <a:gd name="connsiteY122" fmla="*/ 457200 h 4161692"/>
+                <a:gd name="connsiteX123" fmla="*/ 2860431 w 4384473"/>
+                <a:gd name="connsiteY123" fmla="*/ 398585 h 4161692"/>
+              </a:gdLst>
+              <a:ahLst/>
+              <a:cxnLst>
+                <a:cxn ang="0">
+                  <a:pos x="connsiteX0" y="connsiteY0"/>
+                </a:cxn>
+                <a:cxn ang="0">
+                  <a:pos x="connsiteX1" y="connsiteY1"/>
+                </a:cxn>
+                <a:cxn ang="0">
+                  <a:pos x="connsiteX2" y="connsiteY2"/>
+                </a:cxn>
+                <a:cxn ang="0">
+                  <a:pos x="connsiteX3" y="connsiteY3"/>
+                </a:cxn>
+                <a:cxn ang="0">
+                  <a:pos x="connsiteX4" y="connsiteY4"/>
+                </a:cxn>
+                <a:cxn ang="0">
+                  <a:pos x="connsiteX5" y="connsiteY5"/>
+                </a:cxn>
+                <a:cxn ang="0">
+                  <a:pos x="connsiteX6" y="connsiteY6"/>
+                </a:cxn>
+                <a:cxn ang="0">
+                  <a:pos x="connsiteX7" y="connsiteY7"/>
+                </a:cxn>
+                <a:cxn ang="0">
+                  <a:pos x="connsiteX8" y="connsiteY8"/>
+                </a:cxn>
+                <a:cxn ang="0">
+                  <a:pos x="connsiteX9" y="connsiteY9"/>
+                </a:cxn>
+                <a:cxn ang="0">
+                  <a:pos x="connsiteX10" y="connsiteY10"/>
+                </a:cxn>
+                <a:cxn ang="0">
+                  <a:pos x="connsiteX11" y="connsiteY11"/>
+                </a:cxn>
+                <a:cxn ang="0">
+                  <a:pos x="connsiteX12" y="connsiteY12"/>
+                </a:cxn>
+                <a:cxn ang="0">
+                  <a:pos x="connsiteX13" y="connsiteY13"/>
+                </a:cxn>
+                <a:cxn ang="0">
+                  <a:pos x="connsiteX14" y="connsiteY14"/>
+                </a:cxn>
+                <a:cxn ang="0">
+                  <a:pos x="connsiteX15" y="connsiteY15"/>
+                </a:cxn>
+                <a:cxn ang="0">
+                  <a:pos x="connsiteX16" y="connsiteY16"/>
+                </a:cxn>
+                <a:cxn ang="0">
+                  <a:pos x="connsiteX17" y="connsiteY17"/>
+                </a:cxn>
+                <a:cxn ang="0">
+                  <a:pos x="connsiteX18" y="connsiteY18"/>
+                </a:cxn>
+                <a:cxn ang="0">
+                  <a:pos x="connsiteX19" y="connsiteY19"/>
+                </a:cxn>
+                <a:cxn ang="0">
+                  <a:pos x="connsiteX20" y="connsiteY20"/>
+                </a:cxn>
+                <a:cxn ang="0">
+                  <a:pos x="connsiteX21" y="connsiteY21"/>
+                </a:cxn>
+                <a:cxn ang="0">
+                  <a:pos x="connsiteX22" y="connsiteY22"/>
+                </a:cxn>
+                <a:cxn ang="0">
+                  <a:pos x="connsiteX23" y="connsiteY23"/>
+                </a:cxn>
+                <a:cxn ang="0">
+                  <a:pos x="connsiteX24" y="connsiteY24"/>
+                </a:cxn>
+                <a:cxn ang="0">
+                  <a:pos x="connsiteX25" y="connsiteY25"/>
+                </a:cxn>
+                <a:cxn ang="0">
+                  <a:pos x="connsiteX26" y="connsiteY26"/>
+                </a:cxn>
+                <a:cxn ang="0">
+                  <a:pos x="connsiteX27" y="connsiteY27"/>
+                </a:cxn>
+                <a:cxn ang="0">
+                  <a:pos x="connsiteX28" y="connsiteY28"/>
+                </a:cxn>
+                <a:cxn ang="0">
+                  <a:pos x="connsiteX29" y="connsiteY29"/>
+                </a:cxn>
+                <a:cxn ang="0">
+                  <a:pos x="connsiteX30" y="connsiteY30"/>
+                </a:cxn>
+                <a:cxn ang="0">
+                  <a:pos x="connsiteX31" y="connsiteY31"/>
+                </a:cxn>
+                <a:cxn ang="0">
+                  <a:pos x="connsiteX32" y="connsiteY32"/>
+                </a:cxn>
+                <a:cxn ang="0">
+                  <a:pos x="connsiteX33" y="connsiteY33"/>
+                </a:cxn>
+                <a:cxn ang="0">
+                  <a:pos x="connsiteX34" y="connsiteY34"/>
+                </a:cxn>
+                <a:cxn ang="0">
+                  <a:pos x="connsiteX35" y="connsiteY35"/>
+                </a:cxn>
+                <a:cxn ang="0">
+                  <a:pos x="connsiteX36" y="connsiteY36"/>
+                </a:cxn>
+                <a:cxn ang="0">
+                  <a:pos x="connsiteX37" y="connsiteY37"/>
+                </a:cxn>
+                <a:cxn ang="0">
+                  <a:pos x="connsiteX38" y="connsiteY38"/>
+                </a:cxn>
+                <a:cxn ang="0">
+                  <a:pos x="connsiteX39" y="connsiteY39"/>
+                </a:cxn>
+                <a:cxn ang="0">
+                  <a:pos x="connsiteX40" y="connsiteY40"/>
+                </a:cxn>
+                <a:cxn ang="0">
+                  <a:pos x="connsiteX41" y="connsiteY41"/>
+                </a:cxn>
+                <a:cxn ang="0">
+                  <a:pos x="connsiteX42" y="connsiteY42"/>
+                </a:cxn>
+                <a:cxn ang="0">
+                  <a:pos x="connsiteX43" y="connsiteY43"/>
+                </a:cxn>
+                <a:cxn ang="0">
+                  <a:pos x="connsiteX44" y="connsiteY44"/>
+                </a:cxn>
+                <a:cxn ang="0">
+                  <a:pos x="connsiteX45" y="connsiteY45"/>
+                </a:cxn>
+                <a:cxn ang="0">
+                  <a:pos x="connsiteX46" y="connsiteY46"/>
+                </a:cxn>
+                <a:cxn ang="0">
+                  <a:pos x="connsiteX47" y="connsiteY47"/>
+                </a:cxn>
+                <a:cxn ang="0">
+                  <a:pos x="connsiteX48" y="connsiteY48"/>
+                </a:cxn>
+                <a:cxn ang="0">
+                  <a:pos x="connsiteX49" y="connsiteY49"/>
+                </a:cxn>
+                <a:cxn ang="0">
+                  <a:pos x="connsiteX50" y="connsiteY50"/>
+                </a:cxn>
+                <a:cxn ang="0">
+                  <a:pos x="connsiteX51" y="connsiteY51"/>
+                </a:cxn>
+                <a:cxn ang="0">
+                  <a:pos x="connsiteX52" y="connsiteY52"/>
+                </a:cxn>
+                <a:cxn ang="0">
+                  <a:pos x="connsiteX53" y="connsiteY53"/>
+                </a:cxn>
+                <a:cxn ang="0">
+                  <a:pos x="connsiteX54" y="connsiteY54"/>
+                </a:cxn>
+                <a:cxn ang="0">
+                  <a:pos x="connsiteX55" y="connsiteY55"/>
+                </a:cxn>
+                <a:cxn ang="0">
+                  <a:pos x="connsiteX56" y="connsiteY56"/>
+                </a:cxn>
+                <a:cxn ang="0">
+                  <a:pos x="connsiteX57" y="connsiteY57"/>
+                </a:cxn>
+                <a:cxn ang="0">
+                  <a:pos x="connsiteX58" y="connsiteY58"/>
+                </a:cxn>
+                <a:cxn ang="0">
+                  <a:pos x="connsiteX59" y="connsiteY59"/>
+                </a:cxn>
+                <a:cxn ang="0">
+                  <a:pos x="connsiteX60" y="connsiteY60"/>
+                </a:cxn>
+                <a:cxn ang="0">
+                  <a:pos x="connsiteX61" y="connsiteY61"/>
+                </a:cxn>
+                <a:cxn ang="0">
+                  <a:pos x="connsiteX62" y="connsiteY62"/>
+                </a:cxn>
+                <a:cxn ang="0">
+                  <a:pos x="connsiteX63" y="connsiteY63"/>
+                </a:cxn>
+                <a:cxn ang="0">
+                  <a:pos x="connsiteX64" y="connsiteY64"/>
+                </a:cxn>
+                <a:cxn ang="0">
+                  <a:pos x="connsiteX65" y="connsiteY65"/>
+                </a:cxn>
+                <a:cxn ang="0">
+                  <a:pos x="connsiteX66" y="connsiteY66"/>
+                </a:cxn>
+                <a:cxn ang="0">
+                  <a:pos x="connsiteX67" y="connsiteY67"/>
+                </a:cxn>
+                <a:cxn ang="0">
+                  <a:pos x="connsiteX68" y="connsiteY68"/>
+                </a:cxn>
+                <a:cxn ang="0">
+                  <a:pos x="connsiteX69" y="connsiteY69"/>
+                </a:cxn>
+                <a:cxn ang="0">
+                  <a:pos x="connsiteX70" y="connsiteY70"/>
+                </a:cxn>
+                <a:cxn ang="0">
+                  <a:pos x="connsiteX71" y="connsiteY71"/>
+                </a:cxn>
+                <a:cxn ang="0">
+                  <a:pos x="connsiteX72" y="connsiteY72"/>
+                </a:cxn>
+                <a:cxn ang="0">
+                  <a:pos x="connsiteX73" y="connsiteY73"/>
+                </a:cxn>
+                <a:cxn ang="0">
+                  <a:pos x="connsiteX74" y="connsiteY74"/>
+                </a:cxn>
+                <a:cxn ang="0">
+                  <a:pos x="connsiteX75" y="connsiteY75"/>
+                </a:cxn>
+                <a:cxn ang="0">
+                  <a:pos x="connsiteX76" y="connsiteY76"/>
+                </a:cxn>
+                <a:cxn ang="0">
+                  <a:pos x="connsiteX77" y="connsiteY77"/>
+                </a:cxn>
+                <a:cxn ang="0">
+                  <a:pos x="connsiteX78" y="connsiteY78"/>
+                </a:cxn>
+                <a:cxn ang="0">
+                  <a:pos x="connsiteX79" y="connsiteY79"/>
+                </a:cxn>
+                <a:cxn ang="0">
+                  <a:pos x="connsiteX80" y="connsiteY80"/>
+                </a:cxn>
+                <a:cxn ang="0">
+                  <a:pos x="connsiteX81" y="connsiteY81"/>
+                </a:cxn>
+                <a:cxn ang="0">
+                  <a:pos x="connsiteX82" y="connsiteY82"/>
+                </a:cxn>
+                <a:cxn ang="0">
+                  <a:pos x="connsiteX83" y="connsiteY83"/>
+                </a:cxn>
+                <a:cxn ang="0">
+                  <a:pos x="connsiteX84" y="connsiteY84"/>
+                </a:cxn>
+                <a:cxn ang="0">
+                  <a:pos x="connsiteX85" y="connsiteY85"/>
+                </a:cxn>
+                <a:cxn ang="0">
+                  <a:pos x="connsiteX86" y="connsiteY86"/>
+                </a:cxn>
+                <a:cxn ang="0">
+                  <a:pos x="connsiteX87" y="connsiteY87"/>
+                </a:cxn>
+                <a:cxn ang="0">
+                  <a:pos x="connsiteX88" y="connsiteY88"/>
+                </a:cxn>
+                <a:cxn ang="0">
+                  <a:pos x="connsiteX89" y="connsiteY89"/>
+                </a:cxn>
+                <a:cxn ang="0">
+                  <a:pos x="connsiteX90" y="connsiteY90"/>
+                </a:cxn>
+                <a:cxn ang="0">
+                  <a:pos x="connsiteX91" y="connsiteY91"/>
+                </a:cxn>
+                <a:cxn ang="0">
+                  <a:pos x="connsiteX92" y="connsiteY92"/>
+                </a:cxn>
+                <a:cxn ang="0">
+                  <a:pos x="connsiteX93" y="connsiteY93"/>
+                </a:cxn>
+                <a:cxn ang="0">
+                  <a:pos x="connsiteX94" y="connsiteY94"/>
+                </a:cxn>
+                <a:cxn ang="0">
+                  <a:pos x="connsiteX95" y="connsiteY95"/>
+                </a:cxn>
+                <a:cxn ang="0">
+                  <a:pos x="connsiteX96" y="connsiteY96"/>
+                </a:cxn>
+                <a:cxn ang="0">
+                  <a:pos x="connsiteX97" y="connsiteY97"/>
+                </a:cxn>
+                <a:cxn ang="0">
+                  <a:pos x="connsiteX98" y="connsiteY98"/>
+                </a:cxn>
+                <a:cxn ang="0">
+                  <a:pos x="connsiteX99" y="connsiteY99"/>
+                </a:cxn>
+                <a:cxn ang="0">
+                  <a:pos x="connsiteX100" y="connsiteY100"/>
+                </a:cxn>
+                <a:cxn ang="0">
+                  <a:pos x="connsiteX101" y="connsiteY101"/>
+                </a:cxn>
+                <a:cxn ang="0">
+                  <a:pos x="connsiteX102" y="connsiteY102"/>
+                </a:cxn>
+                <a:cxn ang="0">
+                  <a:pos x="connsiteX103" y="connsiteY103"/>
+                </a:cxn>
+                <a:cxn ang="0">
+                  <a:pos x="connsiteX104" y="connsiteY104"/>
+                </a:cxn>
+                <a:cxn ang="0">
+                  <a:pos x="connsiteX105" y="connsiteY105"/>
+                </a:cxn>
+                <a:cxn ang="0">
+                  <a:pos x="connsiteX106" y="connsiteY106"/>
+                </a:cxn>
+                <a:cxn ang="0">
+                  <a:pos x="connsiteX107" y="connsiteY107"/>
+                </a:cxn>
+                <a:cxn ang="0">
+                  <a:pos x="connsiteX108" y="connsiteY108"/>
+                </a:cxn>
+                <a:cxn ang="0">
+                  <a:pos x="connsiteX109" y="connsiteY109"/>
+                </a:cxn>
+                <a:cxn ang="0">
+                  <a:pos x="connsiteX110" y="connsiteY110"/>
+                </a:cxn>
+                <a:cxn ang="0">
+                  <a:pos x="connsiteX111" y="connsiteY111"/>
+                </a:cxn>
+                <a:cxn ang="0">
+                  <a:pos x="connsiteX112" y="connsiteY112"/>
+                </a:cxn>
+                <a:cxn ang="0">
+                  <a:pos x="connsiteX113" y="connsiteY113"/>
+                </a:cxn>
+                <a:cxn ang="0">
+                  <a:pos x="connsiteX114" y="connsiteY114"/>
+                </a:cxn>
+                <a:cxn ang="0">
+                  <a:pos x="connsiteX115" y="connsiteY115"/>
+                </a:cxn>
+                <a:cxn ang="0">
+                  <a:pos x="connsiteX116" y="connsiteY116"/>
+                </a:cxn>
+                <a:cxn ang="0">
+                  <a:pos x="connsiteX117" y="connsiteY117"/>
+                </a:cxn>
+                <a:cxn ang="0">
+                  <a:pos x="connsiteX118" y="connsiteY118"/>
+                </a:cxn>
+                <a:cxn ang="0">
+                  <a:pos x="connsiteX119" y="connsiteY119"/>
+                </a:cxn>
+                <a:cxn ang="0">
+                  <a:pos x="connsiteX120" y="connsiteY120"/>
+                </a:cxn>
+                <a:cxn ang="0">
+                  <a:pos x="connsiteX121" y="connsiteY121"/>
+                </a:cxn>
+                <a:cxn ang="0">
+                  <a:pos x="connsiteX122" y="connsiteY122"/>
+                </a:cxn>
+                <a:cxn ang="0">
+                  <a:pos x="connsiteX123" y="connsiteY123"/>
+                </a:cxn>
+              </a:cxnLst>
+              <a:rect l="l" t="t" r="r" b="b"/>
+              <a:pathLst>
+                <a:path w="4384473" h="4161692">
+                  <a:moveTo>
+                    <a:pt x="2965939" y="422031"/>
+                  </a:moveTo>
+                  <a:cubicBezTo>
+                    <a:pt x="2938585" y="410308"/>
+                    <a:pt x="2911846" y="397032"/>
+                    <a:pt x="2883877" y="386861"/>
+                  </a:cubicBezTo>
+                  <a:cubicBezTo>
+                    <a:pt x="2827172" y="366241"/>
+                    <a:pt x="2843651" y="387397"/>
+                    <a:pt x="2790093" y="351692"/>
+                  </a:cubicBezTo>
+                  <a:cubicBezTo>
+                    <a:pt x="2780896" y="345561"/>
+                    <a:pt x="2776243" y="333730"/>
+                    <a:pt x="2766646" y="328246"/>
+                  </a:cubicBezTo>
+                  <a:cubicBezTo>
+                    <a:pt x="2748375" y="317806"/>
+                    <a:pt x="2726853" y="314211"/>
+                    <a:pt x="2708031" y="304800"/>
+                  </a:cubicBezTo>
+                  <a:cubicBezTo>
+                    <a:pt x="2627073" y="264321"/>
+                    <a:pt x="2723562" y="294029"/>
+                    <a:pt x="2625970" y="269631"/>
+                  </a:cubicBezTo>
+                  <a:cubicBezTo>
+                    <a:pt x="2579078" y="246185"/>
+                    <a:pt x="2533971" y="218763"/>
+                    <a:pt x="2485293" y="199292"/>
+                  </a:cubicBezTo>
+                  <a:cubicBezTo>
+                    <a:pt x="2465754" y="191477"/>
+                    <a:pt x="2446381" y="183235"/>
+                    <a:pt x="2426677" y="175846"/>
+                  </a:cubicBezTo>
+                  <a:cubicBezTo>
+                    <a:pt x="2415107" y="171507"/>
+                    <a:pt x="2402866" y="168991"/>
+                    <a:pt x="2391508" y="164123"/>
+                  </a:cubicBezTo>
+                  <a:cubicBezTo>
+                    <a:pt x="2375445" y="157239"/>
+                    <a:pt x="2360679" y="147561"/>
+                    <a:pt x="2344616" y="140677"/>
+                  </a:cubicBezTo>
+                  <a:cubicBezTo>
+                    <a:pt x="2333258" y="135809"/>
+                    <a:pt x="2320804" y="133822"/>
+                    <a:pt x="2309446" y="128954"/>
+                  </a:cubicBezTo>
+                  <a:cubicBezTo>
+                    <a:pt x="2293383" y="122070"/>
+                    <a:pt x="2279293" y="110530"/>
+                    <a:pt x="2262554" y="105508"/>
+                  </a:cubicBezTo>
+                  <a:cubicBezTo>
+                    <a:pt x="2239787" y="98678"/>
+                    <a:pt x="2215662" y="97693"/>
+                    <a:pt x="2192216" y="93785"/>
+                  </a:cubicBezTo>
+                  <a:cubicBezTo>
+                    <a:pt x="2176585" y="85969"/>
+                    <a:pt x="2161902" y="75864"/>
+                    <a:pt x="2145323" y="70338"/>
+                  </a:cubicBezTo>
+                  <a:cubicBezTo>
+                    <a:pt x="2114753" y="60148"/>
+                    <a:pt x="2082109" y="57082"/>
+                    <a:pt x="2051539" y="46892"/>
+                  </a:cubicBezTo>
+                  <a:cubicBezTo>
+                    <a:pt x="2039816" y="42984"/>
+                    <a:pt x="2028358" y="38166"/>
+                    <a:pt x="2016370" y="35169"/>
+                  </a:cubicBezTo>
+                  <a:cubicBezTo>
+                    <a:pt x="1997039" y="30336"/>
+                    <a:pt x="1976978" y="28689"/>
+                    <a:pt x="1957754" y="23446"/>
+                  </a:cubicBezTo>
+                  <a:cubicBezTo>
+                    <a:pt x="1933911" y="16943"/>
+                    <a:pt x="1887416" y="0"/>
+                    <a:pt x="1887416" y="0"/>
+                  </a:cubicBezTo>
+                  <a:cubicBezTo>
+                    <a:pt x="1760379" y="3529"/>
+                    <a:pt x="1446654" y="7366"/>
+                    <a:pt x="1277816" y="23446"/>
+                  </a:cubicBezTo>
+                  <a:cubicBezTo>
+                    <a:pt x="1257980" y="25335"/>
+                    <a:pt x="1239036" y="33280"/>
+                    <a:pt x="1219200" y="35169"/>
+                  </a:cubicBezTo>
+                  <a:cubicBezTo>
+                    <a:pt x="1156837" y="41108"/>
+                    <a:pt x="1094071" y="41829"/>
+                    <a:pt x="1031631" y="46892"/>
+                  </a:cubicBezTo>
+                  <a:cubicBezTo>
+                    <a:pt x="949468" y="53554"/>
+                    <a:pt x="867050" y="58680"/>
+                    <a:pt x="785446" y="70338"/>
+                  </a:cubicBezTo>
+                  <a:cubicBezTo>
+                    <a:pt x="672197" y="86516"/>
+                    <a:pt x="730803" y="78633"/>
+                    <a:pt x="609600" y="93785"/>
+                  </a:cubicBezTo>
+                  <a:cubicBezTo>
+                    <a:pt x="597877" y="97693"/>
+                    <a:pt x="586494" y="102827"/>
+                    <a:pt x="574431" y="105508"/>
+                  </a:cubicBezTo>
+                  <a:cubicBezTo>
+                    <a:pt x="480366" y="126411"/>
+                    <a:pt x="530815" y="107620"/>
+                    <a:pt x="445477" y="128954"/>
+                  </a:cubicBezTo>
+                  <a:cubicBezTo>
+                    <a:pt x="433489" y="131951"/>
+                    <a:pt x="422031" y="136769"/>
+                    <a:pt x="410308" y="140677"/>
+                  </a:cubicBezTo>
+                  <a:cubicBezTo>
+                    <a:pt x="365153" y="208410"/>
+                    <a:pt x="412479" y="147190"/>
+                    <a:pt x="351693" y="199292"/>
+                  </a:cubicBezTo>
+                  <a:cubicBezTo>
+                    <a:pt x="334909" y="213678"/>
+                    <a:pt x="323193" y="233923"/>
+                    <a:pt x="304800" y="246185"/>
+                  </a:cubicBezTo>
+                  <a:cubicBezTo>
+                    <a:pt x="255090" y="279325"/>
+                    <a:pt x="282233" y="263330"/>
+                    <a:pt x="222739" y="293077"/>
+                  </a:cubicBezTo>
+                  <a:cubicBezTo>
+                    <a:pt x="214924" y="304800"/>
+                    <a:pt x="208095" y="317244"/>
+                    <a:pt x="199293" y="328246"/>
+                  </a:cubicBezTo>
+                  <a:cubicBezTo>
+                    <a:pt x="192388" y="336877"/>
+                    <a:pt x="181977" y="342496"/>
+                    <a:pt x="175846" y="351692"/>
+                  </a:cubicBezTo>
+                  <a:cubicBezTo>
+                    <a:pt x="148355" y="392928"/>
+                    <a:pt x="148016" y="421267"/>
+                    <a:pt x="128954" y="468923"/>
+                  </a:cubicBezTo>
+                  <a:cubicBezTo>
+                    <a:pt x="122464" y="485149"/>
+                    <a:pt x="113323" y="500184"/>
+                    <a:pt x="105508" y="515815"/>
+                  </a:cubicBezTo>
+                  <a:cubicBezTo>
+                    <a:pt x="79379" y="620333"/>
+                    <a:pt x="101500" y="520725"/>
+                    <a:pt x="82062" y="715108"/>
+                  </a:cubicBezTo>
+                  <a:cubicBezTo>
+                    <a:pt x="79313" y="742602"/>
+                    <a:pt x="73232" y="769689"/>
+                    <a:pt x="70339" y="797169"/>
+                  </a:cubicBezTo>
+                  <a:cubicBezTo>
+                    <a:pt x="49529" y="994863"/>
+                    <a:pt x="70991" y="875969"/>
+                    <a:pt x="46893" y="996461"/>
+                  </a:cubicBezTo>
+                  <a:cubicBezTo>
+                    <a:pt x="39077" y="1094153"/>
+                    <a:pt x="31159" y="1191838"/>
+                    <a:pt x="23446" y="1289538"/>
+                  </a:cubicBezTo>
+                  <a:cubicBezTo>
+                    <a:pt x="8296" y="1481439"/>
+                    <a:pt x="18668" y="1386380"/>
+                    <a:pt x="0" y="1535723"/>
+                  </a:cubicBezTo>
+                  <a:cubicBezTo>
+                    <a:pt x="3908" y="1598246"/>
+                    <a:pt x="5490" y="1660958"/>
+                    <a:pt x="11723" y="1723292"/>
+                  </a:cubicBezTo>
+                  <a:cubicBezTo>
+                    <a:pt x="13326" y="1739324"/>
+                    <a:pt x="19951" y="1754457"/>
+                    <a:pt x="23446" y="1770185"/>
+                  </a:cubicBezTo>
+                  <a:cubicBezTo>
+                    <a:pt x="27769" y="1789636"/>
+                    <a:pt x="30847" y="1809349"/>
+                    <a:pt x="35170" y="1828800"/>
+                  </a:cubicBezTo>
+                  <a:cubicBezTo>
+                    <a:pt x="37419" y="1838918"/>
+                    <a:pt x="51363" y="1897806"/>
+                    <a:pt x="58616" y="1910861"/>
+                  </a:cubicBezTo>
+                  <a:cubicBezTo>
+                    <a:pt x="72301" y="1935494"/>
+                    <a:pt x="89877" y="1957754"/>
+                    <a:pt x="105508" y="1981200"/>
+                  </a:cubicBezTo>
+                  <a:cubicBezTo>
+                    <a:pt x="126349" y="2012461"/>
+                    <a:pt x="132878" y="2027237"/>
+                    <a:pt x="164123" y="2051538"/>
+                  </a:cubicBezTo>
+                  <a:cubicBezTo>
+                    <a:pt x="186366" y="2068838"/>
+                    <a:pt x="207729" y="2089520"/>
+                    <a:pt x="234462" y="2098431"/>
+                  </a:cubicBezTo>
+                  <a:cubicBezTo>
+                    <a:pt x="268651" y="2109827"/>
+                    <a:pt x="283411" y="2112905"/>
+                    <a:pt x="316523" y="2133600"/>
+                  </a:cubicBezTo>
+                  <a:cubicBezTo>
+                    <a:pt x="383611" y="2175530"/>
+                    <a:pt x="340724" y="2159151"/>
+                    <a:pt x="398585" y="2192215"/>
+                  </a:cubicBezTo>
+                  <a:cubicBezTo>
+                    <a:pt x="508247" y="2254879"/>
+                    <a:pt x="375221" y="2168821"/>
+                    <a:pt x="504093" y="2250831"/>
+                  </a:cubicBezTo>
+                  <a:cubicBezTo>
+                    <a:pt x="592774" y="2307265"/>
+                    <a:pt x="544163" y="2287634"/>
+                    <a:pt x="609600" y="2309446"/>
+                  </a:cubicBezTo>
+                  <a:cubicBezTo>
+                    <a:pt x="625231" y="2321169"/>
+                    <a:pt x="639017" y="2335877"/>
+                    <a:pt x="656493" y="2344615"/>
+                  </a:cubicBezTo>
+                  <a:cubicBezTo>
+                    <a:pt x="678598" y="2355667"/>
+                    <a:pt x="703385" y="2360245"/>
+                    <a:pt x="726831" y="2368061"/>
+                  </a:cubicBezTo>
+                  <a:lnTo>
+                    <a:pt x="797170" y="2391508"/>
+                  </a:lnTo>
+                  <a:cubicBezTo>
+                    <a:pt x="836163" y="2403506"/>
+                    <a:pt x="874821" y="2416782"/>
+                    <a:pt x="914400" y="2426677"/>
+                  </a:cubicBezTo>
+                  <a:cubicBezTo>
+                    <a:pt x="930031" y="2430585"/>
+                    <a:pt x="945801" y="2433974"/>
+                    <a:pt x="961293" y="2438400"/>
+                  </a:cubicBezTo>
+                  <a:cubicBezTo>
+                    <a:pt x="973175" y="2441795"/>
+                    <a:pt x="984580" y="2446728"/>
+                    <a:pt x="996462" y="2450123"/>
+                  </a:cubicBezTo>
+                  <a:cubicBezTo>
+                    <a:pt x="1011954" y="2454549"/>
+                    <a:pt x="1027862" y="2457420"/>
+                    <a:pt x="1043354" y="2461846"/>
+                  </a:cubicBezTo>
+                  <a:cubicBezTo>
+                    <a:pt x="1055236" y="2465241"/>
+                    <a:pt x="1066641" y="2470174"/>
+                    <a:pt x="1078523" y="2473569"/>
+                  </a:cubicBezTo>
+                  <a:cubicBezTo>
+                    <a:pt x="1130258" y="2488350"/>
+                    <a:pt x="1115611" y="2480150"/>
+                    <a:pt x="1160585" y="2497015"/>
+                  </a:cubicBezTo>
+                  <a:cubicBezTo>
+                    <a:pt x="1220459" y="2519468"/>
+                    <a:pt x="1212808" y="2517265"/>
+                    <a:pt x="1266093" y="2543908"/>
+                  </a:cubicBezTo>
+                  <a:cubicBezTo>
+                    <a:pt x="1273908" y="2555631"/>
+                    <a:pt x="1283989" y="2566127"/>
+                    <a:pt x="1289539" y="2579077"/>
+                  </a:cubicBezTo>
+                  <a:cubicBezTo>
+                    <a:pt x="1295886" y="2593886"/>
+                    <a:pt x="1297767" y="2610241"/>
+                    <a:pt x="1301262" y="2625969"/>
+                  </a:cubicBezTo>
+                  <a:cubicBezTo>
+                    <a:pt x="1323244" y="2724888"/>
+                    <a:pt x="1305962" y="2661222"/>
+                    <a:pt x="1324708" y="2801815"/>
+                  </a:cubicBezTo>
+                  <a:cubicBezTo>
+                    <a:pt x="1327341" y="2821566"/>
+                    <a:pt x="1332867" y="2840827"/>
+                    <a:pt x="1336431" y="2860431"/>
+                  </a:cubicBezTo>
+                  <a:cubicBezTo>
+                    <a:pt x="1340683" y="2883817"/>
+                    <a:pt x="1343902" y="2907383"/>
+                    <a:pt x="1348154" y="2930769"/>
+                  </a:cubicBezTo>
+                  <a:cubicBezTo>
+                    <a:pt x="1366030" y="3029087"/>
+                    <a:pt x="1351263" y="2953375"/>
+                    <a:pt x="1371600" y="3024554"/>
+                  </a:cubicBezTo>
+                  <a:cubicBezTo>
+                    <a:pt x="1376026" y="3040046"/>
+                    <a:pt x="1376976" y="3056637"/>
+                    <a:pt x="1383323" y="3071446"/>
+                  </a:cubicBezTo>
+                  <a:cubicBezTo>
+                    <a:pt x="1400533" y="3111603"/>
+                    <a:pt x="1428123" y="3147230"/>
+                    <a:pt x="1441939" y="3188677"/>
+                  </a:cubicBezTo>
+                  <a:cubicBezTo>
+                    <a:pt x="1449754" y="3212123"/>
+                    <a:pt x="1456206" y="3236068"/>
+                    <a:pt x="1465385" y="3259015"/>
+                  </a:cubicBezTo>
+                  <a:cubicBezTo>
+                    <a:pt x="1472555" y="3276941"/>
+                    <a:pt x="1494428" y="3328298"/>
+                    <a:pt x="1500554" y="3352800"/>
+                  </a:cubicBezTo>
+                  <a:cubicBezTo>
+                    <a:pt x="1505387" y="3372130"/>
+                    <a:pt x="1507955" y="3391964"/>
+                    <a:pt x="1512277" y="3411415"/>
+                  </a:cubicBezTo>
+                  <a:cubicBezTo>
+                    <a:pt x="1523945" y="3463921"/>
+                    <a:pt x="1526885" y="3459473"/>
+                    <a:pt x="1535723" y="3516923"/>
+                  </a:cubicBezTo>
+                  <a:cubicBezTo>
+                    <a:pt x="1544598" y="3574614"/>
+                    <a:pt x="1546639" y="3624658"/>
+                    <a:pt x="1559170" y="3681046"/>
+                  </a:cubicBezTo>
+                  <a:cubicBezTo>
+                    <a:pt x="1561851" y="3693109"/>
+                    <a:pt x="1567498" y="3704333"/>
+                    <a:pt x="1570893" y="3716215"/>
+                  </a:cubicBezTo>
+                  <a:cubicBezTo>
+                    <a:pt x="1575319" y="3731707"/>
+                    <a:pt x="1576269" y="3748299"/>
+                    <a:pt x="1582616" y="3763108"/>
+                  </a:cubicBezTo>
+                  <a:cubicBezTo>
+                    <a:pt x="1588166" y="3776058"/>
+                    <a:pt x="1598247" y="3786554"/>
+                    <a:pt x="1606062" y="3798277"/>
+                  </a:cubicBezTo>
+                  <a:cubicBezTo>
+                    <a:pt x="1624871" y="3911133"/>
+                    <a:pt x="1604057" y="3828769"/>
+                    <a:pt x="1641231" y="3915508"/>
+                  </a:cubicBezTo>
+                  <a:cubicBezTo>
+                    <a:pt x="1646099" y="3926866"/>
+                    <a:pt x="1648086" y="3939319"/>
+                    <a:pt x="1652954" y="3950677"/>
+                  </a:cubicBezTo>
+                  <a:cubicBezTo>
+                    <a:pt x="1662040" y="3971878"/>
+                    <a:pt x="1683363" y="4013901"/>
+                    <a:pt x="1699846" y="4032738"/>
+                  </a:cubicBezTo>
+                  <a:cubicBezTo>
+                    <a:pt x="1718042" y="4053533"/>
+                    <a:pt x="1731655" y="4084652"/>
+                    <a:pt x="1758462" y="4091354"/>
+                  </a:cubicBezTo>
+                  <a:cubicBezTo>
+                    <a:pt x="1774093" y="4095262"/>
+                    <a:pt x="1789588" y="4099758"/>
+                    <a:pt x="1805354" y="4103077"/>
+                  </a:cubicBezTo>
+                  <a:cubicBezTo>
+                    <a:pt x="2247531" y="4196166"/>
+                    <a:pt x="2045209" y="4139088"/>
+                    <a:pt x="2872154" y="4149969"/>
+                  </a:cubicBezTo>
+                  <a:cubicBezTo>
+                    <a:pt x="2950308" y="4153877"/>
+                    <a:pt x="3028364" y="4161692"/>
+                    <a:pt x="3106616" y="4161692"/>
+                  </a:cubicBezTo>
+                  <a:cubicBezTo>
+                    <a:pt x="3329477" y="4161692"/>
+                    <a:pt x="3413665" y="4149837"/>
+                    <a:pt x="3610708" y="4138246"/>
+                  </a:cubicBezTo>
+                  <a:lnTo>
+                    <a:pt x="3833446" y="4126523"/>
+                  </a:lnTo>
+                  <a:cubicBezTo>
+                    <a:pt x="3944006" y="4119822"/>
+                    <a:pt x="4029131" y="4112170"/>
+                    <a:pt x="4138246" y="4103077"/>
+                  </a:cubicBezTo>
+                  <a:cubicBezTo>
+                    <a:pt x="4157785" y="4099169"/>
+                    <a:pt x="4179040" y="4100265"/>
+                    <a:pt x="4196862" y="4091354"/>
+                  </a:cubicBezTo>
+                  <a:cubicBezTo>
+                    <a:pt x="4214148" y="4082711"/>
+                    <a:pt x="4246500" y="4038969"/>
+                    <a:pt x="4255477" y="4021015"/>
+                  </a:cubicBezTo>
+                  <a:cubicBezTo>
+                    <a:pt x="4261003" y="4009962"/>
+                    <a:pt x="4262332" y="3997204"/>
+                    <a:pt x="4267200" y="3985846"/>
+                  </a:cubicBezTo>
+                  <a:cubicBezTo>
+                    <a:pt x="4274084" y="3969783"/>
+                    <a:pt x="4284510" y="3955317"/>
+                    <a:pt x="4290646" y="3938954"/>
+                  </a:cubicBezTo>
+                  <a:cubicBezTo>
+                    <a:pt x="4338531" y="3811262"/>
+                    <a:pt x="4260540" y="3975720"/>
+                    <a:pt x="4325816" y="3845169"/>
+                  </a:cubicBezTo>
+                  <a:cubicBezTo>
+                    <a:pt x="4332143" y="3813536"/>
+                    <a:pt x="4346262" y="3746215"/>
+                    <a:pt x="4349262" y="3716215"/>
+                  </a:cubicBezTo>
+                  <a:cubicBezTo>
+                    <a:pt x="4376095" y="3447886"/>
+                    <a:pt x="4346154" y="3641078"/>
+                    <a:pt x="4372708" y="3481754"/>
+                  </a:cubicBezTo>
+                  <a:cubicBezTo>
+                    <a:pt x="4376616" y="3434862"/>
+                    <a:pt x="4385144" y="3388126"/>
+                    <a:pt x="4384431" y="3341077"/>
+                  </a:cubicBezTo>
+                  <a:cubicBezTo>
+                    <a:pt x="4381232" y="3129941"/>
+                    <a:pt x="4371892" y="2918909"/>
+                    <a:pt x="4360985" y="2708031"/>
+                  </a:cubicBezTo>
+                  <a:cubicBezTo>
+                    <a:pt x="4360153" y="2691940"/>
+                    <a:pt x="4352757" y="2676866"/>
+                    <a:pt x="4349262" y="2661138"/>
+                  </a:cubicBezTo>
+                  <a:cubicBezTo>
+                    <a:pt x="4344940" y="2641687"/>
+                    <a:pt x="4341861" y="2621974"/>
+                    <a:pt x="4337539" y="2602523"/>
+                  </a:cubicBezTo>
+                  <a:cubicBezTo>
+                    <a:pt x="4334044" y="2586795"/>
+                    <a:pt x="4328976" y="2571430"/>
+                    <a:pt x="4325816" y="2555631"/>
+                  </a:cubicBezTo>
+                  <a:cubicBezTo>
+                    <a:pt x="4321154" y="2532323"/>
+                    <a:pt x="4318474" y="2508655"/>
+                    <a:pt x="4314093" y="2485292"/>
+                  </a:cubicBezTo>
+                  <a:cubicBezTo>
+                    <a:pt x="4306749" y="2446124"/>
+                    <a:pt x="4295589" y="2407604"/>
+                    <a:pt x="4290646" y="2368061"/>
+                  </a:cubicBezTo>
+                  <a:cubicBezTo>
+                    <a:pt x="4275858" y="2249754"/>
+                    <a:pt x="4288885" y="2304164"/>
+                    <a:pt x="4255477" y="2203938"/>
+                  </a:cubicBezTo>
+                  <a:cubicBezTo>
+                    <a:pt x="4245943" y="2175334"/>
+                    <a:pt x="4243033" y="2156325"/>
+                    <a:pt x="4220308" y="2133600"/>
+                  </a:cubicBezTo>
+                  <a:cubicBezTo>
+                    <a:pt x="4210345" y="2123637"/>
+                    <a:pt x="4197741" y="2116455"/>
+                    <a:pt x="4185139" y="2110154"/>
+                  </a:cubicBezTo>
+                  <a:cubicBezTo>
+                    <a:pt x="4142750" y="2088959"/>
+                    <a:pt x="4066808" y="2090294"/>
+                    <a:pt x="4032739" y="2086708"/>
+                  </a:cubicBezTo>
+                  <a:cubicBezTo>
+                    <a:pt x="3997548" y="2083004"/>
+                    <a:pt x="3962306" y="2079662"/>
+                    <a:pt x="3927231" y="2074985"/>
+                  </a:cubicBezTo>
+                  <a:cubicBezTo>
+                    <a:pt x="3903670" y="2071843"/>
+                    <a:pt x="3880640" y="2064294"/>
+                    <a:pt x="3856893" y="2063261"/>
+                  </a:cubicBezTo>
+                  <a:cubicBezTo>
+                    <a:pt x="3700684" y="2056469"/>
+                    <a:pt x="3544278" y="2055446"/>
+                    <a:pt x="3387970" y="2051538"/>
+                  </a:cubicBezTo>
+                  <a:cubicBezTo>
+                    <a:pt x="3352801" y="2047630"/>
+                    <a:pt x="3317436" y="2045196"/>
+                    <a:pt x="3282462" y="2039815"/>
+                  </a:cubicBezTo>
+                  <a:cubicBezTo>
+                    <a:pt x="3266538" y="2037365"/>
+                    <a:pt x="3251369" y="2031252"/>
+                    <a:pt x="3235570" y="2028092"/>
+                  </a:cubicBezTo>
+                  <a:cubicBezTo>
+                    <a:pt x="3212262" y="2023430"/>
+                    <a:pt x="3188677" y="2020277"/>
+                    <a:pt x="3165231" y="2016369"/>
+                  </a:cubicBezTo>
+                  <a:cubicBezTo>
+                    <a:pt x="3076829" y="1986902"/>
+                    <a:pt x="3185798" y="2026652"/>
+                    <a:pt x="3094893" y="1981200"/>
+                  </a:cubicBezTo>
+                  <a:cubicBezTo>
+                    <a:pt x="3083840" y="1975674"/>
+                    <a:pt x="3071446" y="1973385"/>
+                    <a:pt x="3059723" y="1969477"/>
+                  </a:cubicBezTo>
+                  <a:cubicBezTo>
+                    <a:pt x="2980189" y="1916454"/>
+                    <a:pt x="3009310" y="1942511"/>
+                    <a:pt x="2965939" y="1899138"/>
+                  </a:cubicBezTo>
+                  <a:cubicBezTo>
+                    <a:pt x="2937831" y="1814815"/>
+                    <a:pt x="2971933" y="1920117"/>
+                    <a:pt x="2942493" y="1817077"/>
+                  </a:cubicBezTo>
+                  <a:cubicBezTo>
+                    <a:pt x="2939098" y="1805195"/>
+                    <a:pt x="2933767" y="1793896"/>
+                    <a:pt x="2930770" y="1781908"/>
+                  </a:cubicBezTo>
+                  <a:cubicBezTo>
+                    <a:pt x="2925937" y="1762577"/>
+                    <a:pt x="2923879" y="1742623"/>
+                    <a:pt x="2919046" y="1723292"/>
+                  </a:cubicBezTo>
+                  <a:cubicBezTo>
+                    <a:pt x="2916049" y="1711304"/>
+                    <a:pt x="2909746" y="1700240"/>
+                    <a:pt x="2907323" y="1688123"/>
+                  </a:cubicBezTo>
+                  <a:cubicBezTo>
+                    <a:pt x="2857567" y="1439342"/>
+                    <a:pt x="2895764" y="1559663"/>
+                    <a:pt x="2860431" y="1453661"/>
+                  </a:cubicBezTo>
+                  <a:cubicBezTo>
+                    <a:pt x="2856523" y="1426307"/>
+                    <a:pt x="2853017" y="1398893"/>
+                    <a:pt x="2848708" y="1371600"/>
+                  </a:cubicBezTo>
+                  <a:cubicBezTo>
+                    <a:pt x="2841294" y="1324643"/>
+                    <a:pt x="2825262" y="1230923"/>
+                    <a:pt x="2825262" y="1230923"/>
+                  </a:cubicBezTo>
+                  <a:cubicBezTo>
+                    <a:pt x="2829170" y="1133231"/>
+                    <a:pt x="2831407" y="1035457"/>
+                    <a:pt x="2836985" y="937846"/>
+                  </a:cubicBezTo>
+                  <a:cubicBezTo>
+                    <a:pt x="2845013" y="797363"/>
+                    <a:pt x="2845920" y="859111"/>
+                    <a:pt x="2860431" y="750277"/>
+                  </a:cubicBezTo>
+                  <a:cubicBezTo>
+                    <a:pt x="2866855" y="702098"/>
+                    <a:pt x="2879327" y="573036"/>
+                    <a:pt x="2883877" y="527538"/>
+                  </a:cubicBezTo>
+                  <a:cubicBezTo>
+                    <a:pt x="2879969" y="504092"/>
+                    <a:pt x="2877310" y="480403"/>
+                    <a:pt x="2872154" y="457200"/>
+                  </a:cubicBezTo>
+                  <a:cubicBezTo>
+                    <a:pt x="2857960" y="393325"/>
+                    <a:pt x="2860431" y="447854"/>
+                    <a:pt x="2860431" y="398585"/>
+                  </a:cubicBezTo>
+                </a:path>
+              </a:pathLst>
+            </a:custGeom>
+            <a:noFill/>
+            <a:ln w="25400">
+              <a:solidFill>
+                <a:schemeClr val="tx1"/>
+              </a:solidFill>
+            </a:ln>
+            <a:effectLst/>
             <a:extLst>
-              <a:ext uri="{FF2B5EF4-FFF2-40B4-BE49-F238E27FC236}">
-                <a16:creationId xmlns:a16="http://schemas.microsoft.com/office/drawing/2014/main" id="{0C0081E4-2476-3446-9C5C-56815994B90E}"/>
+              <a:ext uri="{909E8E84-426E-40dd-AFC4-6F175D3DCCD1}">
+                <a14:hiddenFill xmlns="" xmlns:a14="http://schemas.microsoft.com/office/drawing/2010/main">
+                  <a:solidFill>
+                    <a:schemeClr val="accent1"/>
+                  </a:solidFill>
+                </a14:hiddenFill>
+              </a:ext>
+              <a:ext uri="{91240B29-F687-4f45-9708-019B960494DF}">
+                <a14:hiddenLine xmlns="" xmlns:a14="http://schemas.microsoft.com/office/drawing/2010/main" w="9525" cap="flat" cmpd="sng" algn="ctr">
+                  <a:solidFill>
+                    <a:schemeClr val="tx1"/>
+                  </a:solidFill>
+                  <a:prstDash val="solid"/>
+                  <a:round/>
+                  <a:headEnd type="none" w="med" len="med"/>
+                  <a:tailEnd type="none" w="med" len="med"/>
+                </a14:hiddenLine>
+              </a:ext>
+              <a:ext uri="{AF507438-7753-43e0-B8FC-AC1667EBCBE1}">
+                <a14:hiddenEffects xmlns="" xmlns:a14="http://schemas.microsoft.com/office/drawing/2010/main">
+                  <a:effectLst>
+                    <a:outerShdw blurRad="63500" dist="35921" dir="2700000" algn="ctr" rotWithShape="0">
+                      <a:schemeClr val="bg2"/>
+                    </a:outerShdw>
+                  </a:effectLst>
+                </a14:hiddenEffects>
               </a:ext>
             </a:extLst>
-          </p:cNvPr>
-          <p:cNvSpPr/>
-          <p:nvPr/>
-        </p:nvSpPr>
-        <p:spPr bwMode="auto">
-          <a:xfrm>
-            <a:off x="1113692" y="902677"/>
-            <a:ext cx="4384473" cy="4161692"/>
-          </a:xfrm>
-          <a:custGeom>
-            <a:avLst/>
-            <a:gdLst>
-              <a:gd name="connsiteX0" fmla="*/ 2965939 w 4384473"/>
-              <a:gd name="connsiteY0" fmla="*/ 422031 h 4161692"/>
-              <a:gd name="connsiteX1" fmla="*/ 2883877 w 4384473"/>
-              <a:gd name="connsiteY1" fmla="*/ 386861 h 4161692"/>
-              <a:gd name="connsiteX2" fmla="*/ 2790093 w 4384473"/>
-              <a:gd name="connsiteY2" fmla="*/ 351692 h 4161692"/>
-              <a:gd name="connsiteX3" fmla="*/ 2766646 w 4384473"/>
-              <a:gd name="connsiteY3" fmla="*/ 328246 h 4161692"/>
-              <a:gd name="connsiteX4" fmla="*/ 2708031 w 4384473"/>
-              <a:gd name="connsiteY4" fmla="*/ 304800 h 4161692"/>
-              <a:gd name="connsiteX5" fmla="*/ 2625970 w 4384473"/>
-              <a:gd name="connsiteY5" fmla="*/ 269631 h 4161692"/>
-              <a:gd name="connsiteX6" fmla="*/ 2485293 w 4384473"/>
-              <a:gd name="connsiteY6" fmla="*/ 199292 h 4161692"/>
-              <a:gd name="connsiteX7" fmla="*/ 2426677 w 4384473"/>
-              <a:gd name="connsiteY7" fmla="*/ 175846 h 4161692"/>
-              <a:gd name="connsiteX8" fmla="*/ 2391508 w 4384473"/>
-              <a:gd name="connsiteY8" fmla="*/ 164123 h 4161692"/>
-              <a:gd name="connsiteX9" fmla="*/ 2344616 w 4384473"/>
-              <a:gd name="connsiteY9" fmla="*/ 140677 h 4161692"/>
-              <a:gd name="connsiteX10" fmla="*/ 2309446 w 4384473"/>
-              <a:gd name="connsiteY10" fmla="*/ 128954 h 4161692"/>
-              <a:gd name="connsiteX11" fmla="*/ 2262554 w 4384473"/>
-              <a:gd name="connsiteY11" fmla="*/ 105508 h 4161692"/>
-              <a:gd name="connsiteX12" fmla="*/ 2192216 w 4384473"/>
-              <a:gd name="connsiteY12" fmla="*/ 93785 h 4161692"/>
-              <a:gd name="connsiteX13" fmla="*/ 2145323 w 4384473"/>
-              <a:gd name="connsiteY13" fmla="*/ 70338 h 4161692"/>
-              <a:gd name="connsiteX14" fmla="*/ 2051539 w 4384473"/>
-              <a:gd name="connsiteY14" fmla="*/ 46892 h 4161692"/>
-              <a:gd name="connsiteX15" fmla="*/ 2016370 w 4384473"/>
-              <a:gd name="connsiteY15" fmla="*/ 35169 h 4161692"/>
-              <a:gd name="connsiteX16" fmla="*/ 1957754 w 4384473"/>
-              <a:gd name="connsiteY16" fmla="*/ 23446 h 4161692"/>
-              <a:gd name="connsiteX17" fmla="*/ 1887416 w 4384473"/>
-              <a:gd name="connsiteY17" fmla="*/ 0 h 4161692"/>
-              <a:gd name="connsiteX18" fmla="*/ 1277816 w 4384473"/>
-              <a:gd name="connsiteY18" fmla="*/ 23446 h 4161692"/>
-              <a:gd name="connsiteX19" fmla="*/ 1219200 w 4384473"/>
-              <a:gd name="connsiteY19" fmla="*/ 35169 h 4161692"/>
-              <a:gd name="connsiteX20" fmla="*/ 1031631 w 4384473"/>
-              <a:gd name="connsiteY20" fmla="*/ 46892 h 4161692"/>
-              <a:gd name="connsiteX21" fmla="*/ 785446 w 4384473"/>
-              <a:gd name="connsiteY21" fmla="*/ 70338 h 4161692"/>
-              <a:gd name="connsiteX22" fmla="*/ 609600 w 4384473"/>
-              <a:gd name="connsiteY22" fmla="*/ 93785 h 4161692"/>
-              <a:gd name="connsiteX23" fmla="*/ 574431 w 4384473"/>
-              <a:gd name="connsiteY23" fmla="*/ 105508 h 4161692"/>
-              <a:gd name="connsiteX24" fmla="*/ 445477 w 4384473"/>
-              <a:gd name="connsiteY24" fmla="*/ 128954 h 4161692"/>
-              <a:gd name="connsiteX25" fmla="*/ 410308 w 4384473"/>
-              <a:gd name="connsiteY25" fmla="*/ 140677 h 4161692"/>
-              <a:gd name="connsiteX26" fmla="*/ 351693 w 4384473"/>
-              <a:gd name="connsiteY26" fmla="*/ 199292 h 4161692"/>
-              <a:gd name="connsiteX27" fmla="*/ 304800 w 4384473"/>
-              <a:gd name="connsiteY27" fmla="*/ 246185 h 4161692"/>
-              <a:gd name="connsiteX28" fmla="*/ 222739 w 4384473"/>
-              <a:gd name="connsiteY28" fmla="*/ 293077 h 4161692"/>
-              <a:gd name="connsiteX29" fmla="*/ 199293 w 4384473"/>
-              <a:gd name="connsiteY29" fmla="*/ 328246 h 4161692"/>
-              <a:gd name="connsiteX30" fmla="*/ 175846 w 4384473"/>
-              <a:gd name="connsiteY30" fmla="*/ 351692 h 4161692"/>
-              <a:gd name="connsiteX31" fmla="*/ 128954 w 4384473"/>
-              <a:gd name="connsiteY31" fmla="*/ 468923 h 4161692"/>
-              <a:gd name="connsiteX32" fmla="*/ 105508 w 4384473"/>
-              <a:gd name="connsiteY32" fmla="*/ 515815 h 4161692"/>
-              <a:gd name="connsiteX33" fmla="*/ 82062 w 4384473"/>
-              <a:gd name="connsiteY33" fmla="*/ 715108 h 4161692"/>
-              <a:gd name="connsiteX34" fmla="*/ 70339 w 4384473"/>
-              <a:gd name="connsiteY34" fmla="*/ 797169 h 4161692"/>
-              <a:gd name="connsiteX35" fmla="*/ 46893 w 4384473"/>
-              <a:gd name="connsiteY35" fmla="*/ 996461 h 4161692"/>
-              <a:gd name="connsiteX36" fmla="*/ 23446 w 4384473"/>
-              <a:gd name="connsiteY36" fmla="*/ 1289538 h 4161692"/>
-              <a:gd name="connsiteX37" fmla="*/ 0 w 4384473"/>
-              <a:gd name="connsiteY37" fmla="*/ 1535723 h 4161692"/>
-              <a:gd name="connsiteX38" fmla="*/ 11723 w 4384473"/>
-              <a:gd name="connsiteY38" fmla="*/ 1723292 h 4161692"/>
-              <a:gd name="connsiteX39" fmla="*/ 23446 w 4384473"/>
-              <a:gd name="connsiteY39" fmla="*/ 1770185 h 4161692"/>
-              <a:gd name="connsiteX40" fmla="*/ 35170 w 4384473"/>
-              <a:gd name="connsiteY40" fmla="*/ 1828800 h 4161692"/>
-              <a:gd name="connsiteX41" fmla="*/ 58616 w 4384473"/>
-              <a:gd name="connsiteY41" fmla="*/ 1910861 h 4161692"/>
-              <a:gd name="connsiteX42" fmla="*/ 105508 w 4384473"/>
-              <a:gd name="connsiteY42" fmla="*/ 1981200 h 4161692"/>
-              <a:gd name="connsiteX43" fmla="*/ 164123 w 4384473"/>
-              <a:gd name="connsiteY43" fmla="*/ 2051538 h 4161692"/>
-              <a:gd name="connsiteX44" fmla="*/ 234462 w 4384473"/>
-              <a:gd name="connsiteY44" fmla="*/ 2098431 h 4161692"/>
-              <a:gd name="connsiteX45" fmla="*/ 316523 w 4384473"/>
-              <a:gd name="connsiteY45" fmla="*/ 2133600 h 4161692"/>
-              <a:gd name="connsiteX46" fmla="*/ 398585 w 4384473"/>
-              <a:gd name="connsiteY46" fmla="*/ 2192215 h 4161692"/>
-              <a:gd name="connsiteX47" fmla="*/ 504093 w 4384473"/>
-              <a:gd name="connsiteY47" fmla="*/ 2250831 h 4161692"/>
-              <a:gd name="connsiteX48" fmla="*/ 609600 w 4384473"/>
-              <a:gd name="connsiteY48" fmla="*/ 2309446 h 4161692"/>
-              <a:gd name="connsiteX49" fmla="*/ 656493 w 4384473"/>
-              <a:gd name="connsiteY49" fmla="*/ 2344615 h 4161692"/>
-              <a:gd name="connsiteX50" fmla="*/ 726831 w 4384473"/>
-              <a:gd name="connsiteY50" fmla="*/ 2368061 h 4161692"/>
-              <a:gd name="connsiteX51" fmla="*/ 797170 w 4384473"/>
-              <a:gd name="connsiteY51" fmla="*/ 2391508 h 4161692"/>
-              <a:gd name="connsiteX52" fmla="*/ 914400 w 4384473"/>
-              <a:gd name="connsiteY52" fmla="*/ 2426677 h 4161692"/>
-              <a:gd name="connsiteX53" fmla="*/ 961293 w 4384473"/>
-              <a:gd name="connsiteY53" fmla="*/ 2438400 h 4161692"/>
-              <a:gd name="connsiteX54" fmla="*/ 996462 w 4384473"/>
-              <a:gd name="connsiteY54" fmla="*/ 2450123 h 4161692"/>
-              <a:gd name="connsiteX55" fmla="*/ 1043354 w 4384473"/>
-              <a:gd name="connsiteY55" fmla="*/ 2461846 h 4161692"/>
-              <a:gd name="connsiteX56" fmla="*/ 1078523 w 4384473"/>
-              <a:gd name="connsiteY56" fmla="*/ 2473569 h 4161692"/>
-              <a:gd name="connsiteX57" fmla="*/ 1160585 w 4384473"/>
-              <a:gd name="connsiteY57" fmla="*/ 2497015 h 4161692"/>
-              <a:gd name="connsiteX58" fmla="*/ 1266093 w 4384473"/>
-              <a:gd name="connsiteY58" fmla="*/ 2543908 h 4161692"/>
-              <a:gd name="connsiteX59" fmla="*/ 1289539 w 4384473"/>
-              <a:gd name="connsiteY59" fmla="*/ 2579077 h 4161692"/>
-              <a:gd name="connsiteX60" fmla="*/ 1301262 w 4384473"/>
-              <a:gd name="connsiteY60" fmla="*/ 2625969 h 4161692"/>
-              <a:gd name="connsiteX61" fmla="*/ 1324708 w 4384473"/>
-              <a:gd name="connsiteY61" fmla="*/ 2801815 h 4161692"/>
-              <a:gd name="connsiteX62" fmla="*/ 1336431 w 4384473"/>
-              <a:gd name="connsiteY62" fmla="*/ 2860431 h 4161692"/>
-              <a:gd name="connsiteX63" fmla="*/ 1348154 w 4384473"/>
-              <a:gd name="connsiteY63" fmla="*/ 2930769 h 4161692"/>
-              <a:gd name="connsiteX64" fmla="*/ 1371600 w 4384473"/>
-              <a:gd name="connsiteY64" fmla="*/ 3024554 h 4161692"/>
-              <a:gd name="connsiteX65" fmla="*/ 1383323 w 4384473"/>
-              <a:gd name="connsiteY65" fmla="*/ 3071446 h 4161692"/>
-              <a:gd name="connsiteX66" fmla="*/ 1441939 w 4384473"/>
-              <a:gd name="connsiteY66" fmla="*/ 3188677 h 4161692"/>
-              <a:gd name="connsiteX67" fmla="*/ 1465385 w 4384473"/>
-              <a:gd name="connsiteY67" fmla="*/ 3259015 h 4161692"/>
-              <a:gd name="connsiteX68" fmla="*/ 1500554 w 4384473"/>
-              <a:gd name="connsiteY68" fmla="*/ 3352800 h 4161692"/>
-              <a:gd name="connsiteX69" fmla="*/ 1512277 w 4384473"/>
-              <a:gd name="connsiteY69" fmla="*/ 3411415 h 4161692"/>
-              <a:gd name="connsiteX70" fmla="*/ 1535723 w 4384473"/>
-              <a:gd name="connsiteY70" fmla="*/ 3516923 h 4161692"/>
-              <a:gd name="connsiteX71" fmla="*/ 1559170 w 4384473"/>
-              <a:gd name="connsiteY71" fmla="*/ 3681046 h 4161692"/>
-              <a:gd name="connsiteX72" fmla="*/ 1570893 w 4384473"/>
-              <a:gd name="connsiteY72" fmla="*/ 3716215 h 4161692"/>
-              <a:gd name="connsiteX73" fmla="*/ 1582616 w 4384473"/>
-              <a:gd name="connsiteY73" fmla="*/ 3763108 h 4161692"/>
-              <a:gd name="connsiteX74" fmla="*/ 1606062 w 4384473"/>
-              <a:gd name="connsiteY74" fmla="*/ 3798277 h 4161692"/>
-              <a:gd name="connsiteX75" fmla="*/ 1641231 w 4384473"/>
-              <a:gd name="connsiteY75" fmla="*/ 3915508 h 4161692"/>
-              <a:gd name="connsiteX76" fmla="*/ 1652954 w 4384473"/>
-              <a:gd name="connsiteY76" fmla="*/ 3950677 h 4161692"/>
-              <a:gd name="connsiteX77" fmla="*/ 1699846 w 4384473"/>
-              <a:gd name="connsiteY77" fmla="*/ 4032738 h 4161692"/>
-              <a:gd name="connsiteX78" fmla="*/ 1758462 w 4384473"/>
-              <a:gd name="connsiteY78" fmla="*/ 4091354 h 4161692"/>
-              <a:gd name="connsiteX79" fmla="*/ 1805354 w 4384473"/>
-              <a:gd name="connsiteY79" fmla="*/ 4103077 h 4161692"/>
-              <a:gd name="connsiteX80" fmla="*/ 2872154 w 4384473"/>
-              <a:gd name="connsiteY80" fmla="*/ 4149969 h 4161692"/>
-              <a:gd name="connsiteX81" fmla="*/ 3106616 w 4384473"/>
-              <a:gd name="connsiteY81" fmla="*/ 4161692 h 4161692"/>
-              <a:gd name="connsiteX82" fmla="*/ 3610708 w 4384473"/>
-              <a:gd name="connsiteY82" fmla="*/ 4138246 h 4161692"/>
-              <a:gd name="connsiteX83" fmla="*/ 3833446 w 4384473"/>
-              <a:gd name="connsiteY83" fmla="*/ 4126523 h 4161692"/>
-              <a:gd name="connsiteX84" fmla="*/ 4138246 w 4384473"/>
-              <a:gd name="connsiteY84" fmla="*/ 4103077 h 4161692"/>
-              <a:gd name="connsiteX85" fmla="*/ 4196862 w 4384473"/>
-              <a:gd name="connsiteY85" fmla="*/ 4091354 h 4161692"/>
-              <a:gd name="connsiteX86" fmla="*/ 4255477 w 4384473"/>
-              <a:gd name="connsiteY86" fmla="*/ 4021015 h 4161692"/>
-              <a:gd name="connsiteX87" fmla="*/ 4267200 w 4384473"/>
-              <a:gd name="connsiteY87" fmla="*/ 3985846 h 4161692"/>
-              <a:gd name="connsiteX88" fmla="*/ 4290646 w 4384473"/>
-              <a:gd name="connsiteY88" fmla="*/ 3938954 h 4161692"/>
-              <a:gd name="connsiteX89" fmla="*/ 4325816 w 4384473"/>
-              <a:gd name="connsiteY89" fmla="*/ 3845169 h 4161692"/>
-              <a:gd name="connsiteX90" fmla="*/ 4349262 w 4384473"/>
-              <a:gd name="connsiteY90" fmla="*/ 3716215 h 4161692"/>
-              <a:gd name="connsiteX91" fmla="*/ 4372708 w 4384473"/>
-              <a:gd name="connsiteY91" fmla="*/ 3481754 h 4161692"/>
-              <a:gd name="connsiteX92" fmla="*/ 4384431 w 4384473"/>
-              <a:gd name="connsiteY92" fmla="*/ 3341077 h 4161692"/>
-              <a:gd name="connsiteX93" fmla="*/ 4360985 w 4384473"/>
-              <a:gd name="connsiteY93" fmla="*/ 2708031 h 4161692"/>
-              <a:gd name="connsiteX94" fmla="*/ 4349262 w 4384473"/>
-              <a:gd name="connsiteY94" fmla="*/ 2661138 h 4161692"/>
-              <a:gd name="connsiteX95" fmla="*/ 4337539 w 4384473"/>
-              <a:gd name="connsiteY95" fmla="*/ 2602523 h 4161692"/>
-              <a:gd name="connsiteX96" fmla="*/ 4325816 w 4384473"/>
-              <a:gd name="connsiteY96" fmla="*/ 2555631 h 4161692"/>
-              <a:gd name="connsiteX97" fmla="*/ 4314093 w 4384473"/>
-              <a:gd name="connsiteY97" fmla="*/ 2485292 h 4161692"/>
-              <a:gd name="connsiteX98" fmla="*/ 4290646 w 4384473"/>
-              <a:gd name="connsiteY98" fmla="*/ 2368061 h 4161692"/>
-              <a:gd name="connsiteX99" fmla="*/ 4255477 w 4384473"/>
-              <a:gd name="connsiteY99" fmla="*/ 2203938 h 4161692"/>
-              <a:gd name="connsiteX100" fmla="*/ 4220308 w 4384473"/>
-              <a:gd name="connsiteY100" fmla="*/ 2133600 h 4161692"/>
-              <a:gd name="connsiteX101" fmla="*/ 4185139 w 4384473"/>
-              <a:gd name="connsiteY101" fmla="*/ 2110154 h 4161692"/>
-              <a:gd name="connsiteX102" fmla="*/ 4032739 w 4384473"/>
-              <a:gd name="connsiteY102" fmla="*/ 2086708 h 4161692"/>
-              <a:gd name="connsiteX103" fmla="*/ 3927231 w 4384473"/>
-              <a:gd name="connsiteY103" fmla="*/ 2074985 h 4161692"/>
-              <a:gd name="connsiteX104" fmla="*/ 3856893 w 4384473"/>
-              <a:gd name="connsiteY104" fmla="*/ 2063261 h 4161692"/>
-              <a:gd name="connsiteX105" fmla="*/ 3387970 w 4384473"/>
-              <a:gd name="connsiteY105" fmla="*/ 2051538 h 4161692"/>
-              <a:gd name="connsiteX106" fmla="*/ 3282462 w 4384473"/>
-              <a:gd name="connsiteY106" fmla="*/ 2039815 h 4161692"/>
-              <a:gd name="connsiteX107" fmla="*/ 3235570 w 4384473"/>
-              <a:gd name="connsiteY107" fmla="*/ 2028092 h 4161692"/>
-              <a:gd name="connsiteX108" fmla="*/ 3165231 w 4384473"/>
-              <a:gd name="connsiteY108" fmla="*/ 2016369 h 4161692"/>
-              <a:gd name="connsiteX109" fmla="*/ 3094893 w 4384473"/>
-              <a:gd name="connsiteY109" fmla="*/ 1981200 h 4161692"/>
-              <a:gd name="connsiteX110" fmla="*/ 3059723 w 4384473"/>
-              <a:gd name="connsiteY110" fmla="*/ 1969477 h 4161692"/>
-              <a:gd name="connsiteX111" fmla="*/ 2965939 w 4384473"/>
-              <a:gd name="connsiteY111" fmla="*/ 1899138 h 4161692"/>
-              <a:gd name="connsiteX112" fmla="*/ 2942493 w 4384473"/>
-              <a:gd name="connsiteY112" fmla="*/ 1817077 h 4161692"/>
-              <a:gd name="connsiteX113" fmla="*/ 2930770 w 4384473"/>
-              <a:gd name="connsiteY113" fmla="*/ 1781908 h 4161692"/>
-              <a:gd name="connsiteX114" fmla="*/ 2919046 w 4384473"/>
-              <a:gd name="connsiteY114" fmla="*/ 1723292 h 4161692"/>
-              <a:gd name="connsiteX115" fmla="*/ 2907323 w 4384473"/>
-              <a:gd name="connsiteY115" fmla="*/ 1688123 h 4161692"/>
-              <a:gd name="connsiteX116" fmla="*/ 2860431 w 4384473"/>
-              <a:gd name="connsiteY116" fmla="*/ 1453661 h 4161692"/>
-              <a:gd name="connsiteX117" fmla="*/ 2848708 w 4384473"/>
-              <a:gd name="connsiteY117" fmla="*/ 1371600 h 4161692"/>
-              <a:gd name="connsiteX118" fmla="*/ 2825262 w 4384473"/>
-              <a:gd name="connsiteY118" fmla="*/ 1230923 h 4161692"/>
-              <a:gd name="connsiteX119" fmla="*/ 2836985 w 4384473"/>
-              <a:gd name="connsiteY119" fmla="*/ 937846 h 4161692"/>
-              <a:gd name="connsiteX120" fmla="*/ 2860431 w 4384473"/>
-              <a:gd name="connsiteY120" fmla="*/ 750277 h 4161692"/>
-              <a:gd name="connsiteX121" fmla="*/ 2883877 w 4384473"/>
-              <a:gd name="connsiteY121" fmla="*/ 527538 h 4161692"/>
-              <a:gd name="connsiteX122" fmla="*/ 2872154 w 4384473"/>
-              <a:gd name="connsiteY122" fmla="*/ 457200 h 4161692"/>
-              <a:gd name="connsiteX123" fmla="*/ 2860431 w 4384473"/>
-              <a:gd name="connsiteY123" fmla="*/ 398585 h 4161692"/>
-            </a:gdLst>
-            <a:ahLst/>
-            <a:cxnLst>
-              <a:cxn ang="0">
-                <a:pos x="connsiteX0" y="connsiteY0"/>
-              </a:cxn>
-              <a:cxn ang="0">
-                <a:pos x="connsiteX1" y="connsiteY1"/>
-              </a:cxn>
-              <a:cxn ang="0">
-                <a:pos x="connsiteX2" y="connsiteY2"/>
-              </a:cxn>
-              <a:cxn ang="0">
-                <a:pos x="connsiteX3" y="connsiteY3"/>
-              </a:cxn>
-              <a:cxn ang="0">
-                <a:pos x="connsiteX4" y="connsiteY4"/>
-              </a:cxn>
-              <a:cxn ang="0">
-                <a:pos x="connsiteX5" y="connsiteY5"/>
-              </a:cxn>
-              <a:cxn ang="0">
-                <a:pos x="connsiteX6" y="connsiteY6"/>
-              </a:cxn>
-              <a:cxn ang="0">
-                <a:pos x="connsiteX7" y="connsiteY7"/>
-              </a:cxn>
-              <a:cxn ang="0">
-                <a:pos x="connsiteX8" y="connsiteY8"/>
-              </a:cxn>
-              <a:cxn ang="0">
-                <a:pos x="connsiteX9" y="connsiteY9"/>
-              </a:cxn>
-              <a:cxn ang="0">
-                <a:pos x="connsiteX10" y="connsiteY10"/>
-              </a:cxn>
-              <a:cxn ang="0">
-                <a:pos x="connsiteX11" y="connsiteY11"/>
-              </a:cxn>
-              <a:cxn ang="0">
-                <a:pos x="connsiteX12" y="connsiteY12"/>
-              </a:cxn>
-              <a:cxn ang="0">
-                <a:pos x="connsiteX13" y="connsiteY13"/>
-              </a:cxn>
-              <a:cxn ang="0">
-                <a:pos x="connsiteX14" y="connsiteY14"/>
-              </a:cxn>
-              <a:cxn ang="0">
-                <a:pos x="connsiteX15" y="connsiteY15"/>
-              </a:cxn>
-              <a:cxn ang="0">
-                <a:pos x="connsiteX16" y="connsiteY16"/>
-              </a:cxn>
-              <a:cxn ang="0">
-                <a:pos x="connsiteX17" y="connsiteY17"/>
-              </a:cxn>
-              <a:cxn ang="0">
-                <a:pos x="connsiteX18" y="connsiteY18"/>
-              </a:cxn>
-              <a:cxn ang="0">
-                <a:pos x="connsiteX19" y="connsiteY19"/>
-              </a:cxn>
-              <a:cxn ang="0">
-                <a:pos x="connsiteX20" y="connsiteY20"/>
-              </a:cxn>
-              <a:cxn ang="0">
-                <a:pos x="connsiteX21" y="connsiteY21"/>
-              </a:cxn>
-              <a:cxn ang="0">
-                <a:pos x="connsiteX22" y="connsiteY22"/>
-              </a:cxn>
-              <a:cxn ang="0">
-                <a:pos x="connsiteX23" y="connsiteY23"/>
-              </a:cxn>
-              <a:cxn ang="0">
-                <a:pos x="connsiteX24" y="connsiteY24"/>
-              </a:cxn>
-              <a:cxn ang="0">
-                <a:pos x="connsiteX25" y="connsiteY25"/>
-              </a:cxn>
-              <a:cxn ang="0">
-                <a:pos x="connsiteX26" y="connsiteY26"/>
-              </a:cxn>
-              <a:cxn ang="0">
-                <a:pos x="connsiteX27" y="connsiteY27"/>
-              </a:cxn>
-              <a:cxn ang="0">
-                <a:pos x="connsiteX28" y="connsiteY28"/>
-              </a:cxn>
-              <a:cxn ang="0">
-                <a:pos x="connsiteX29" y="connsiteY29"/>
-              </a:cxn>
-              <a:cxn ang="0">
-                <a:pos x="connsiteX30" y="connsiteY30"/>
-              </a:cxn>
-              <a:cxn ang="0">
-                <a:pos x="connsiteX31" y="connsiteY31"/>
-              </a:cxn>
-              <a:cxn ang="0">
-                <a:pos x="connsiteX32" y="connsiteY32"/>
-              </a:cxn>
-              <a:cxn ang="0">
-                <a:pos x="connsiteX33" y="connsiteY33"/>
-              </a:cxn>
-              <a:cxn ang="0">
-                <a:pos x="connsiteX34" y="connsiteY34"/>
-              </a:cxn>
-              <a:cxn ang="0">
-                <a:pos x="connsiteX35" y="connsiteY35"/>
-              </a:cxn>
-              <a:cxn ang="0">
-                <a:pos x="connsiteX36" y="connsiteY36"/>
-              </a:cxn>
-              <a:cxn ang="0">
-                <a:pos x="connsiteX37" y="connsiteY37"/>
-              </a:cxn>
-              <a:cxn ang="0">
-                <a:pos x="connsiteX38" y="connsiteY38"/>
-              </a:cxn>
-              <a:cxn ang="0">
-                <a:pos x="connsiteX39" y="connsiteY39"/>
-              </a:cxn>
-              <a:cxn ang="0">
-                <a:pos x="connsiteX40" y="connsiteY40"/>
-              </a:cxn>
-              <a:cxn ang="0">
-                <a:pos x="connsiteX41" y="connsiteY41"/>
-              </a:cxn>
-              <a:cxn ang="0">
-                <a:pos x="connsiteX42" y="connsiteY42"/>
-              </a:cxn>
-              <a:cxn ang="0">
-                <a:pos x="connsiteX43" y="connsiteY43"/>
-              </a:cxn>
-              <a:cxn ang="0">
-                <a:pos x="connsiteX44" y="connsiteY44"/>
-              </a:cxn>
-              <a:cxn ang="0">
-                <a:pos x="connsiteX45" y="connsiteY45"/>
-              </a:cxn>
-              <a:cxn ang="0">
-                <a:pos x="connsiteX46" y="connsiteY46"/>
-              </a:cxn>
-              <a:cxn ang="0">
-                <a:pos x="connsiteX47" y="connsiteY47"/>
-              </a:cxn>
-              <a:cxn ang="0">
-                <a:pos x="connsiteX48" y="connsiteY48"/>
-              </a:cxn>
-              <a:cxn ang="0">
-                <a:pos x="connsiteX49" y="connsiteY49"/>
-              </a:cxn>
-              <a:cxn ang="0">
-                <a:pos x="connsiteX50" y="connsiteY50"/>
-              </a:cxn>
-              <a:cxn ang="0">
-                <a:pos x="connsiteX51" y="connsiteY51"/>
-              </a:cxn>
-              <a:cxn ang="0">
-                <a:pos x="connsiteX52" y="connsiteY52"/>
-              </a:cxn>
-              <a:cxn ang="0">
-                <a:pos x="connsiteX53" y="connsiteY53"/>
-              </a:cxn>
-              <a:cxn ang="0">
-                <a:pos x="connsiteX54" y="connsiteY54"/>
-              </a:cxn>
-              <a:cxn ang="0">
-                <a:pos x="connsiteX55" y="connsiteY55"/>
-              </a:cxn>
-              <a:cxn ang="0">
-                <a:pos x="connsiteX56" y="connsiteY56"/>
-              </a:cxn>
-              <a:cxn ang="0">
-                <a:pos x="connsiteX57" y="connsiteY57"/>
-              </a:cxn>
-              <a:cxn ang="0">
-                <a:pos x="connsiteX58" y="connsiteY58"/>
-              </a:cxn>
-              <a:cxn ang="0">
-                <a:pos x="connsiteX59" y="connsiteY59"/>
-              </a:cxn>
-              <a:cxn ang="0">
-                <a:pos x="connsiteX60" y="connsiteY60"/>
-              </a:cxn>
-              <a:cxn ang="0">
-                <a:pos x="connsiteX61" y="connsiteY61"/>
-              </a:cxn>
-              <a:cxn ang="0">
-                <a:pos x="connsiteX62" y="connsiteY62"/>
-              </a:cxn>
-              <a:cxn ang="0">
-                <a:pos x="connsiteX63" y="connsiteY63"/>
-              </a:cxn>
-              <a:cxn ang="0">
-                <a:pos x="connsiteX64" y="connsiteY64"/>
-              </a:cxn>
-              <a:cxn ang="0">
-                <a:pos x="connsiteX65" y="connsiteY65"/>
-              </a:cxn>
-              <a:cxn ang="0">
-                <a:pos x="connsiteX66" y="connsiteY66"/>
-              </a:cxn>
-              <a:cxn ang="0">
-                <a:pos x="connsiteX67" y="connsiteY67"/>
-              </a:cxn>
-              <a:cxn ang="0">
-                <a:pos x="connsiteX68" y="connsiteY68"/>
-              </a:cxn>
-              <a:cxn ang="0">
-                <a:pos x="connsiteX69" y="connsiteY69"/>
-              </a:cxn>
-              <a:cxn ang="0">
-                <a:pos x="connsiteX70" y="connsiteY70"/>
-              </a:cxn>
-              <a:cxn ang="0">
-                <a:pos x="connsiteX71" y="connsiteY71"/>
-              </a:cxn>
-              <a:cxn ang="0">
-                <a:pos x="connsiteX72" y="connsiteY72"/>
-              </a:cxn>
-              <a:cxn ang="0">
-                <a:pos x="connsiteX73" y="connsiteY73"/>
-              </a:cxn>
-              <a:cxn ang="0">
-                <a:pos x="connsiteX74" y="connsiteY74"/>
-              </a:cxn>
-              <a:cxn ang="0">
-                <a:pos x="connsiteX75" y="connsiteY75"/>
-              </a:cxn>
-              <a:cxn ang="0">
-                <a:pos x="connsiteX76" y="connsiteY76"/>
-              </a:cxn>
-              <a:cxn ang="0">
-                <a:pos x="connsiteX77" y="connsiteY77"/>
-              </a:cxn>
-              <a:cxn ang="0">
-                <a:pos x="connsiteX78" y="connsiteY78"/>
-              </a:cxn>
-              <a:cxn ang="0">
-                <a:pos x="connsiteX79" y="connsiteY79"/>
-              </a:cxn>
-              <a:cxn ang="0">
-                <a:pos x="connsiteX80" y="connsiteY80"/>
-              </a:cxn>
-              <a:cxn ang="0">
-                <a:pos x="connsiteX81" y="connsiteY81"/>
-              </a:cxn>
-              <a:cxn ang="0">
-                <a:pos x="connsiteX82" y="connsiteY82"/>
-              </a:cxn>
-              <a:cxn ang="0">
-                <a:pos x="connsiteX83" y="connsiteY83"/>
-              </a:cxn>
-              <a:cxn ang="0">
-                <a:pos x="connsiteX84" y="connsiteY84"/>
-              </a:cxn>
-              <a:cxn ang="0">
-                <a:pos x="connsiteX85" y="connsiteY85"/>
-              </a:cxn>
-              <a:cxn ang="0">
-                <a:pos x="connsiteX86" y="connsiteY86"/>
-              </a:cxn>
-              <a:cxn ang="0">
-                <a:pos x="connsiteX87" y="connsiteY87"/>
-              </a:cxn>
-              <a:cxn ang="0">
-                <a:pos x="connsiteX88" y="connsiteY88"/>
-              </a:cxn>
-              <a:cxn ang="0">
-                <a:pos x="connsiteX89" y="connsiteY89"/>
-              </a:cxn>
-              <a:cxn ang="0">
-                <a:pos x="connsiteX90" y="connsiteY90"/>
-              </a:cxn>
-              <a:cxn ang="0">
-                <a:pos x="connsiteX91" y="connsiteY91"/>
-              </a:cxn>
-              <a:cxn ang="0">
-                <a:pos x="connsiteX92" y="connsiteY92"/>
-              </a:cxn>
-              <a:cxn ang="0">
-                <a:pos x="connsiteX93" y="connsiteY93"/>
-              </a:cxn>
-              <a:cxn ang="0">
-                <a:pos x="connsiteX94" y="connsiteY94"/>
-              </a:cxn>
-              <a:cxn ang="0">
-                <a:pos x="connsiteX95" y="connsiteY95"/>
-              </a:cxn>
-              <a:cxn ang="0">
-                <a:pos x="connsiteX96" y="connsiteY96"/>
-              </a:cxn>
-              <a:cxn ang="0">
-                <a:pos x="connsiteX97" y="connsiteY97"/>
-              </a:cxn>
-              <a:cxn ang="0">
-                <a:pos x="connsiteX98" y="connsiteY98"/>
-              </a:cxn>
-              <a:cxn ang="0">
-                <a:pos x="connsiteX99" y="connsiteY99"/>
-              </a:cxn>
-              <a:cxn ang="0">
-                <a:pos x="connsiteX100" y="connsiteY100"/>
-              </a:cxn>
-              <a:cxn ang="0">
-                <a:pos x="connsiteX101" y="connsiteY101"/>
-              </a:cxn>
-              <a:cxn ang="0">
-                <a:pos x="connsiteX102" y="connsiteY102"/>
-              </a:cxn>
-              <a:cxn ang="0">
-                <a:pos x="connsiteX103" y="connsiteY103"/>
-              </a:cxn>
-              <a:cxn ang="0">
-                <a:pos x="connsiteX104" y="connsiteY104"/>
-              </a:cxn>
-              <a:cxn ang="0">
-                <a:pos x="connsiteX105" y="connsiteY105"/>
-              </a:cxn>
-              <a:cxn ang="0">
-                <a:pos x="connsiteX106" y="connsiteY106"/>
-              </a:cxn>
-              <a:cxn ang="0">
-                <a:pos x="connsiteX107" y="connsiteY107"/>
-              </a:cxn>
-              <a:cxn ang="0">
-                <a:pos x="connsiteX108" y="connsiteY108"/>
-              </a:cxn>
-              <a:cxn ang="0">
-                <a:pos x="connsiteX109" y="connsiteY109"/>
-              </a:cxn>
-              <a:cxn ang="0">
-                <a:pos x="connsiteX110" y="connsiteY110"/>
-              </a:cxn>
-              <a:cxn ang="0">
-                <a:pos x="connsiteX111" y="connsiteY111"/>
-              </a:cxn>
-              <a:cxn ang="0">
-                <a:pos x="connsiteX112" y="connsiteY112"/>
-              </a:cxn>
-              <a:cxn ang="0">
-                <a:pos x="connsiteX113" y="connsiteY113"/>
-              </a:cxn>
-              <a:cxn ang="0">
-                <a:pos x="connsiteX114" y="connsiteY114"/>
-              </a:cxn>
-              <a:cxn ang="0">
-                <a:pos x="connsiteX115" y="connsiteY115"/>
-              </a:cxn>
-              <a:cxn ang="0">
-                <a:pos x="connsiteX116" y="connsiteY116"/>
-              </a:cxn>
-              <a:cxn ang="0">
-                <a:pos x="connsiteX117" y="connsiteY117"/>
-              </a:cxn>
-              <a:cxn ang="0">
-                <a:pos x="connsiteX118" y="connsiteY118"/>
-              </a:cxn>
-              <a:cxn ang="0">
-                <a:pos x="connsiteX119" y="connsiteY119"/>
-              </a:cxn>
-              <a:cxn ang="0">
-                <a:pos x="connsiteX120" y="connsiteY120"/>
-              </a:cxn>
-              <a:cxn ang="0">
-                <a:pos x="connsiteX121" y="connsiteY121"/>
-              </a:cxn>
-              <a:cxn ang="0">
-                <a:pos x="connsiteX122" y="connsiteY122"/>
-              </a:cxn>
-              <a:cxn ang="0">
-                <a:pos x="connsiteX123" y="connsiteY123"/>
-              </a:cxn>
-            </a:cxnLst>
-            <a:rect l="l" t="t" r="r" b="b"/>
-            <a:pathLst>
-              <a:path w="4384473" h="4161692">
-                <a:moveTo>
-                  <a:pt x="2965939" y="422031"/>
-                </a:moveTo>
-                <a:cubicBezTo>
-                  <a:pt x="2938585" y="410308"/>
-                  <a:pt x="2911846" y="397032"/>
-                  <a:pt x="2883877" y="386861"/>
-                </a:cubicBezTo>
-                <a:cubicBezTo>
-                  <a:pt x="2827172" y="366241"/>
-                  <a:pt x="2843651" y="387397"/>
-                  <a:pt x="2790093" y="351692"/>
-                </a:cubicBezTo>
-                <a:cubicBezTo>
-                  <a:pt x="2780896" y="345561"/>
-                  <a:pt x="2776243" y="333730"/>
-                  <a:pt x="2766646" y="328246"/>
-                </a:cubicBezTo>
-                <a:cubicBezTo>
-                  <a:pt x="2748375" y="317806"/>
-                  <a:pt x="2726853" y="314211"/>
-                  <a:pt x="2708031" y="304800"/>
-                </a:cubicBezTo>
-                <a:cubicBezTo>
-                  <a:pt x="2627073" y="264321"/>
-                  <a:pt x="2723562" y="294029"/>
-                  <a:pt x="2625970" y="269631"/>
-                </a:cubicBezTo>
-                <a:cubicBezTo>
-                  <a:pt x="2579078" y="246185"/>
-                  <a:pt x="2533971" y="218763"/>
-                  <a:pt x="2485293" y="199292"/>
-                </a:cubicBezTo>
-                <a:cubicBezTo>
-                  <a:pt x="2465754" y="191477"/>
-                  <a:pt x="2446381" y="183235"/>
-                  <a:pt x="2426677" y="175846"/>
-                </a:cubicBezTo>
-                <a:cubicBezTo>
-                  <a:pt x="2415107" y="171507"/>
-                  <a:pt x="2402866" y="168991"/>
-                  <a:pt x="2391508" y="164123"/>
-                </a:cubicBezTo>
-                <a:cubicBezTo>
-                  <a:pt x="2375445" y="157239"/>
-                  <a:pt x="2360679" y="147561"/>
-                  <a:pt x="2344616" y="140677"/>
-                </a:cubicBezTo>
-                <a:cubicBezTo>
-                  <a:pt x="2333258" y="135809"/>
-                  <a:pt x="2320804" y="133822"/>
-                  <a:pt x="2309446" y="128954"/>
-                </a:cubicBezTo>
-                <a:cubicBezTo>
-                  <a:pt x="2293383" y="122070"/>
-                  <a:pt x="2279293" y="110530"/>
-                  <a:pt x="2262554" y="105508"/>
-                </a:cubicBezTo>
-                <a:cubicBezTo>
-                  <a:pt x="2239787" y="98678"/>
-                  <a:pt x="2215662" y="97693"/>
-                  <a:pt x="2192216" y="93785"/>
-                </a:cubicBezTo>
-                <a:cubicBezTo>
-                  <a:pt x="2176585" y="85969"/>
-                  <a:pt x="2161902" y="75864"/>
-                  <a:pt x="2145323" y="70338"/>
-                </a:cubicBezTo>
-                <a:cubicBezTo>
-                  <a:pt x="2114753" y="60148"/>
-                  <a:pt x="2082109" y="57082"/>
-                  <a:pt x="2051539" y="46892"/>
-                </a:cubicBezTo>
-                <a:cubicBezTo>
-                  <a:pt x="2039816" y="42984"/>
-                  <a:pt x="2028358" y="38166"/>
-                  <a:pt x="2016370" y="35169"/>
-                </a:cubicBezTo>
-                <a:cubicBezTo>
-                  <a:pt x="1997039" y="30336"/>
-                  <a:pt x="1976978" y="28689"/>
-                  <a:pt x="1957754" y="23446"/>
-                </a:cubicBezTo>
-                <a:cubicBezTo>
-                  <a:pt x="1933911" y="16943"/>
-                  <a:pt x="1887416" y="0"/>
-                  <a:pt x="1887416" y="0"/>
-                </a:cubicBezTo>
-                <a:cubicBezTo>
-                  <a:pt x="1760379" y="3529"/>
-                  <a:pt x="1446654" y="7366"/>
-                  <a:pt x="1277816" y="23446"/>
-                </a:cubicBezTo>
-                <a:cubicBezTo>
-                  <a:pt x="1257980" y="25335"/>
-                  <a:pt x="1239036" y="33280"/>
-                  <a:pt x="1219200" y="35169"/>
-                </a:cubicBezTo>
-                <a:cubicBezTo>
-                  <a:pt x="1156837" y="41108"/>
-                  <a:pt x="1094071" y="41829"/>
-                  <a:pt x="1031631" y="46892"/>
-                </a:cubicBezTo>
-                <a:cubicBezTo>
-                  <a:pt x="949468" y="53554"/>
-                  <a:pt x="867050" y="58680"/>
-                  <a:pt x="785446" y="70338"/>
-                </a:cubicBezTo>
-                <a:cubicBezTo>
-                  <a:pt x="672197" y="86516"/>
-                  <a:pt x="730803" y="78633"/>
-                  <a:pt x="609600" y="93785"/>
-                </a:cubicBezTo>
-                <a:cubicBezTo>
-                  <a:pt x="597877" y="97693"/>
-                  <a:pt x="586494" y="102827"/>
-                  <a:pt x="574431" y="105508"/>
-                </a:cubicBezTo>
-                <a:cubicBezTo>
-                  <a:pt x="480366" y="126411"/>
-                  <a:pt x="530815" y="107620"/>
-                  <a:pt x="445477" y="128954"/>
-                </a:cubicBezTo>
-                <a:cubicBezTo>
-                  <a:pt x="433489" y="131951"/>
-                  <a:pt x="422031" y="136769"/>
-                  <a:pt x="410308" y="140677"/>
-                </a:cubicBezTo>
-                <a:cubicBezTo>
-                  <a:pt x="365153" y="208410"/>
-                  <a:pt x="412479" y="147190"/>
-                  <a:pt x="351693" y="199292"/>
-                </a:cubicBezTo>
-                <a:cubicBezTo>
-                  <a:pt x="334909" y="213678"/>
-                  <a:pt x="323193" y="233923"/>
-                  <a:pt x="304800" y="246185"/>
-                </a:cubicBezTo>
-                <a:cubicBezTo>
-                  <a:pt x="255090" y="279325"/>
-                  <a:pt x="282233" y="263330"/>
-                  <a:pt x="222739" y="293077"/>
-                </a:cubicBezTo>
-                <a:cubicBezTo>
-                  <a:pt x="214924" y="304800"/>
-                  <a:pt x="208095" y="317244"/>
-                  <a:pt x="199293" y="328246"/>
-                </a:cubicBezTo>
-                <a:cubicBezTo>
-                  <a:pt x="192388" y="336877"/>
-                  <a:pt x="181977" y="342496"/>
-                  <a:pt x="175846" y="351692"/>
-                </a:cubicBezTo>
-                <a:cubicBezTo>
-                  <a:pt x="148355" y="392928"/>
-                  <a:pt x="148016" y="421267"/>
-                  <a:pt x="128954" y="468923"/>
-                </a:cubicBezTo>
-                <a:cubicBezTo>
-                  <a:pt x="122464" y="485149"/>
-                  <a:pt x="113323" y="500184"/>
-                  <a:pt x="105508" y="515815"/>
-                </a:cubicBezTo>
-                <a:cubicBezTo>
-                  <a:pt x="79379" y="620333"/>
-                  <a:pt x="101500" y="520725"/>
-                  <a:pt x="82062" y="715108"/>
-                </a:cubicBezTo>
-                <a:cubicBezTo>
-                  <a:pt x="79313" y="742602"/>
-                  <a:pt x="73232" y="769689"/>
-                  <a:pt x="70339" y="797169"/>
-                </a:cubicBezTo>
-                <a:cubicBezTo>
-                  <a:pt x="49529" y="994863"/>
-                  <a:pt x="70991" y="875969"/>
-                  <a:pt x="46893" y="996461"/>
-                </a:cubicBezTo>
-                <a:cubicBezTo>
-                  <a:pt x="39077" y="1094153"/>
-                  <a:pt x="31159" y="1191838"/>
-                  <a:pt x="23446" y="1289538"/>
-                </a:cubicBezTo>
-                <a:cubicBezTo>
-                  <a:pt x="8296" y="1481439"/>
-                  <a:pt x="18668" y="1386380"/>
-                  <a:pt x="0" y="1535723"/>
-                </a:cubicBezTo>
-                <a:cubicBezTo>
-                  <a:pt x="3908" y="1598246"/>
-                  <a:pt x="5490" y="1660958"/>
-                  <a:pt x="11723" y="1723292"/>
-                </a:cubicBezTo>
-                <a:cubicBezTo>
-                  <a:pt x="13326" y="1739324"/>
-                  <a:pt x="19951" y="1754457"/>
-                  <a:pt x="23446" y="1770185"/>
-                </a:cubicBezTo>
-                <a:cubicBezTo>
-                  <a:pt x="27769" y="1789636"/>
-                  <a:pt x="30847" y="1809349"/>
-                  <a:pt x="35170" y="1828800"/>
-                </a:cubicBezTo>
-                <a:cubicBezTo>
-                  <a:pt x="37419" y="1838918"/>
-                  <a:pt x="51363" y="1897806"/>
-                  <a:pt x="58616" y="1910861"/>
-                </a:cubicBezTo>
-                <a:cubicBezTo>
-                  <a:pt x="72301" y="1935494"/>
-                  <a:pt x="89877" y="1957754"/>
-                  <a:pt x="105508" y="1981200"/>
-                </a:cubicBezTo>
-                <a:cubicBezTo>
-                  <a:pt x="126349" y="2012461"/>
-                  <a:pt x="132878" y="2027237"/>
-                  <a:pt x="164123" y="2051538"/>
-                </a:cubicBezTo>
-                <a:cubicBezTo>
-                  <a:pt x="186366" y="2068838"/>
-                  <a:pt x="207729" y="2089520"/>
-                  <a:pt x="234462" y="2098431"/>
-                </a:cubicBezTo>
-                <a:cubicBezTo>
-                  <a:pt x="268651" y="2109827"/>
-                  <a:pt x="283411" y="2112905"/>
-                  <a:pt x="316523" y="2133600"/>
-                </a:cubicBezTo>
-                <a:cubicBezTo>
-                  <a:pt x="383611" y="2175530"/>
-                  <a:pt x="340724" y="2159151"/>
-                  <a:pt x="398585" y="2192215"/>
-                </a:cubicBezTo>
-                <a:cubicBezTo>
-                  <a:pt x="508247" y="2254879"/>
-                  <a:pt x="375221" y="2168821"/>
-                  <a:pt x="504093" y="2250831"/>
-                </a:cubicBezTo>
-                <a:cubicBezTo>
-                  <a:pt x="592774" y="2307265"/>
-                  <a:pt x="544163" y="2287634"/>
-                  <a:pt x="609600" y="2309446"/>
-                </a:cubicBezTo>
-                <a:cubicBezTo>
-                  <a:pt x="625231" y="2321169"/>
-                  <a:pt x="639017" y="2335877"/>
-                  <a:pt x="656493" y="2344615"/>
-                </a:cubicBezTo>
-                <a:cubicBezTo>
-                  <a:pt x="678598" y="2355667"/>
-                  <a:pt x="703385" y="2360245"/>
-                  <a:pt x="726831" y="2368061"/>
-                </a:cubicBezTo>
-                <a:lnTo>
-                  <a:pt x="797170" y="2391508"/>
-                </a:lnTo>
-                <a:cubicBezTo>
-                  <a:pt x="836163" y="2403506"/>
-                  <a:pt x="874821" y="2416782"/>
-                  <a:pt x="914400" y="2426677"/>
-                </a:cubicBezTo>
-                <a:cubicBezTo>
-                  <a:pt x="930031" y="2430585"/>
-                  <a:pt x="945801" y="2433974"/>
-                  <a:pt x="961293" y="2438400"/>
-                </a:cubicBezTo>
-                <a:cubicBezTo>
-                  <a:pt x="973175" y="2441795"/>
-                  <a:pt x="984580" y="2446728"/>
-                  <a:pt x="996462" y="2450123"/>
-                </a:cubicBezTo>
-                <a:cubicBezTo>
-                  <a:pt x="1011954" y="2454549"/>
-                  <a:pt x="1027862" y="2457420"/>
-                  <a:pt x="1043354" y="2461846"/>
-                </a:cubicBezTo>
-                <a:cubicBezTo>
-                  <a:pt x="1055236" y="2465241"/>
-                  <a:pt x="1066641" y="2470174"/>
-                  <a:pt x="1078523" y="2473569"/>
-                </a:cubicBezTo>
-                <a:cubicBezTo>
-                  <a:pt x="1130258" y="2488350"/>
-                  <a:pt x="1115611" y="2480150"/>
-                  <a:pt x="1160585" y="2497015"/>
-                </a:cubicBezTo>
-                <a:cubicBezTo>
-                  <a:pt x="1220459" y="2519468"/>
-                  <a:pt x="1212808" y="2517265"/>
-                  <a:pt x="1266093" y="2543908"/>
-                </a:cubicBezTo>
-                <a:cubicBezTo>
-                  <a:pt x="1273908" y="2555631"/>
-                  <a:pt x="1283989" y="2566127"/>
-                  <a:pt x="1289539" y="2579077"/>
-                </a:cubicBezTo>
-                <a:cubicBezTo>
-                  <a:pt x="1295886" y="2593886"/>
-                  <a:pt x="1297767" y="2610241"/>
-                  <a:pt x="1301262" y="2625969"/>
-                </a:cubicBezTo>
-                <a:cubicBezTo>
-                  <a:pt x="1323244" y="2724888"/>
-                  <a:pt x="1305962" y="2661222"/>
-                  <a:pt x="1324708" y="2801815"/>
-                </a:cubicBezTo>
-                <a:cubicBezTo>
-                  <a:pt x="1327341" y="2821566"/>
-                  <a:pt x="1332867" y="2840827"/>
-                  <a:pt x="1336431" y="2860431"/>
-                </a:cubicBezTo>
-                <a:cubicBezTo>
-                  <a:pt x="1340683" y="2883817"/>
-                  <a:pt x="1343902" y="2907383"/>
-                  <a:pt x="1348154" y="2930769"/>
-                </a:cubicBezTo>
-                <a:cubicBezTo>
-                  <a:pt x="1366030" y="3029087"/>
-                  <a:pt x="1351263" y="2953375"/>
-                  <a:pt x="1371600" y="3024554"/>
-                </a:cubicBezTo>
-                <a:cubicBezTo>
-                  <a:pt x="1376026" y="3040046"/>
-                  <a:pt x="1376976" y="3056637"/>
-                  <a:pt x="1383323" y="3071446"/>
-                </a:cubicBezTo>
-                <a:cubicBezTo>
-                  <a:pt x="1400533" y="3111603"/>
-                  <a:pt x="1428123" y="3147230"/>
-                  <a:pt x="1441939" y="3188677"/>
-                </a:cubicBezTo>
-                <a:cubicBezTo>
-                  <a:pt x="1449754" y="3212123"/>
-                  <a:pt x="1456206" y="3236068"/>
-                  <a:pt x="1465385" y="3259015"/>
-                </a:cubicBezTo>
-                <a:cubicBezTo>
-                  <a:pt x="1472555" y="3276941"/>
-                  <a:pt x="1494428" y="3328298"/>
-                  <a:pt x="1500554" y="3352800"/>
-                </a:cubicBezTo>
-                <a:cubicBezTo>
-                  <a:pt x="1505387" y="3372130"/>
-                  <a:pt x="1507955" y="3391964"/>
-                  <a:pt x="1512277" y="3411415"/>
-                </a:cubicBezTo>
-                <a:cubicBezTo>
-                  <a:pt x="1523945" y="3463921"/>
-                  <a:pt x="1526885" y="3459473"/>
-                  <a:pt x="1535723" y="3516923"/>
-                </a:cubicBezTo>
-                <a:cubicBezTo>
-                  <a:pt x="1544598" y="3574614"/>
-                  <a:pt x="1546639" y="3624658"/>
-                  <a:pt x="1559170" y="3681046"/>
-                </a:cubicBezTo>
-                <a:cubicBezTo>
-                  <a:pt x="1561851" y="3693109"/>
-                  <a:pt x="1567498" y="3704333"/>
-                  <a:pt x="1570893" y="3716215"/>
-                </a:cubicBezTo>
-                <a:cubicBezTo>
-                  <a:pt x="1575319" y="3731707"/>
-                  <a:pt x="1576269" y="3748299"/>
-                  <a:pt x="1582616" y="3763108"/>
-                </a:cubicBezTo>
-                <a:cubicBezTo>
-                  <a:pt x="1588166" y="3776058"/>
-                  <a:pt x="1598247" y="3786554"/>
-                  <a:pt x="1606062" y="3798277"/>
-                </a:cubicBezTo>
-                <a:cubicBezTo>
-                  <a:pt x="1624871" y="3911133"/>
-                  <a:pt x="1604057" y="3828769"/>
-                  <a:pt x="1641231" y="3915508"/>
-                </a:cubicBezTo>
-                <a:cubicBezTo>
-                  <a:pt x="1646099" y="3926866"/>
-                  <a:pt x="1648086" y="3939319"/>
-                  <a:pt x="1652954" y="3950677"/>
-                </a:cubicBezTo>
-                <a:cubicBezTo>
-                  <a:pt x="1662040" y="3971878"/>
-                  <a:pt x="1683363" y="4013901"/>
-                  <a:pt x="1699846" y="4032738"/>
-                </a:cubicBezTo>
-                <a:cubicBezTo>
-                  <a:pt x="1718042" y="4053533"/>
-                  <a:pt x="1731655" y="4084652"/>
-                  <a:pt x="1758462" y="4091354"/>
-                </a:cubicBezTo>
-                <a:cubicBezTo>
-                  <a:pt x="1774093" y="4095262"/>
-                  <a:pt x="1789588" y="4099758"/>
-                  <a:pt x="1805354" y="4103077"/>
-                </a:cubicBezTo>
-                <a:cubicBezTo>
-                  <a:pt x="2247531" y="4196166"/>
-                  <a:pt x="2045209" y="4139088"/>
-                  <a:pt x="2872154" y="4149969"/>
-                </a:cubicBezTo>
-                <a:cubicBezTo>
-                  <a:pt x="2950308" y="4153877"/>
-                  <a:pt x="3028364" y="4161692"/>
-                  <a:pt x="3106616" y="4161692"/>
-                </a:cubicBezTo>
-                <a:cubicBezTo>
-                  <a:pt x="3329477" y="4161692"/>
-                  <a:pt x="3413665" y="4149837"/>
-                  <a:pt x="3610708" y="4138246"/>
-                </a:cubicBezTo>
-                <a:lnTo>
-                  <a:pt x="3833446" y="4126523"/>
-                </a:lnTo>
-                <a:cubicBezTo>
-                  <a:pt x="3944006" y="4119822"/>
-                  <a:pt x="4029131" y="4112170"/>
-                  <a:pt x="4138246" y="4103077"/>
-                </a:cubicBezTo>
-                <a:cubicBezTo>
-                  <a:pt x="4157785" y="4099169"/>
-                  <a:pt x="4179040" y="4100265"/>
-                  <a:pt x="4196862" y="4091354"/>
-                </a:cubicBezTo>
-                <a:cubicBezTo>
-                  <a:pt x="4214148" y="4082711"/>
-                  <a:pt x="4246500" y="4038969"/>
-                  <a:pt x="4255477" y="4021015"/>
-                </a:cubicBezTo>
-                <a:cubicBezTo>
-                  <a:pt x="4261003" y="4009962"/>
-                  <a:pt x="4262332" y="3997204"/>
-                  <a:pt x="4267200" y="3985846"/>
-                </a:cubicBezTo>
-                <a:cubicBezTo>
-                  <a:pt x="4274084" y="3969783"/>
-                  <a:pt x="4284510" y="3955317"/>
-                  <a:pt x="4290646" y="3938954"/>
-                </a:cubicBezTo>
-                <a:cubicBezTo>
-                  <a:pt x="4338531" y="3811262"/>
-                  <a:pt x="4260540" y="3975720"/>
-                  <a:pt x="4325816" y="3845169"/>
-                </a:cubicBezTo>
-                <a:cubicBezTo>
-                  <a:pt x="4332143" y="3813536"/>
-                  <a:pt x="4346262" y="3746215"/>
-                  <a:pt x="4349262" y="3716215"/>
-                </a:cubicBezTo>
-                <a:cubicBezTo>
-                  <a:pt x="4376095" y="3447886"/>
-                  <a:pt x="4346154" y="3641078"/>
-                  <a:pt x="4372708" y="3481754"/>
-                </a:cubicBezTo>
-                <a:cubicBezTo>
-                  <a:pt x="4376616" y="3434862"/>
-                  <a:pt x="4385144" y="3388126"/>
-                  <a:pt x="4384431" y="3341077"/>
-                </a:cubicBezTo>
-                <a:cubicBezTo>
-                  <a:pt x="4381232" y="3129941"/>
-                  <a:pt x="4371892" y="2918909"/>
-                  <a:pt x="4360985" y="2708031"/>
-                </a:cubicBezTo>
-                <a:cubicBezTo>
-                  <a:pt x="4360153" y="2691940"/>
-                  <a:pt x="4352757" y="2676866"/>
-                  <a:pt x="4349262" y="2661138"/>
-                </a:cubicBezTo>
-                <a:cubicBezTo>
-                  <a:pt x="4344940" y="2641687"/>
-                  <a:pt x="4341861" y="2621974"/>
-                  <a:pt x="4337539" y="2602523"/>
-                </a:cubicBezTo>
-                <a:cubicBezTo>
-                  <a:pt x="4334044" y="2586795"/>
-                  <a:pt x="4328976" y="2571430"/>
-                  <a:pt x="4325816" y="2555631"/>
-                </a:cubicBezTo>
-                <a:cubicBezTo>
-                  <a:pt x="4321154" y="2532323"/>
-                  <a:pt x="4318474" y="2508655"/>
-                  <a:pt x="4314093" y="2485292"/>
-                </a:cubicBezTo>
-                <a:cubicBezTo>
-                  <a:pt x="4306749" y="2446124"/>
-                  <a:pt x="4295589" y="2407604"/>
-                  <a:pt x="4290646" y="2368061"/>
-                </a:cubicBezTo>
-                <a:cubicBezTo>
-                  <a:pt x="4275858" y="2249754"/>
-                  <a:pt x="4288885" y="2304164"/>
-                  <a:pt x="4255477" y="2203938"/>
-                </a:cubicBezTo>
-                <a:cubicBezTo>
-                  <a:pt x="4245943" y="2175334"/>
-                  <a:pt x="4243033" y="2156325"/>
-                  <a:pt x="4220308" y="2133600"/>
-                </a:cubicBezTo>
-                <a:cubicBezTo>
-                  <a:pt x="4210345" y="2123637"/>
-                  <a:pt x="4197741" y="2116455"/>
-                  <a:pt x="4185139" y="2110154"/>
-                </a:cubicBezTo>
-                <a:cubicBezTo>
-                  <a:pt x="4142750" y="2088959"/>
-                  <a:pt x="4066808" y="2090294"/>
-                  <a:pt x="4032739" y="2086708"/>
-                </a:cubicBezTo>
-                <a:cubicBezTo>
-                  <a:pt x="3997548" y="2083004"/>
-                  <a:pt x="3962306" y="2079662"/>
-                  <a:pt x="3927231" y="2074985"/>
-                </a:cubicBezTo>
-                <a:cubicBezTo>
-                  <a:pt x="3903670" y="2071843"/>
-                  <a:pt x="3880640" y="2064294"/>
-                  <a:pt x="3856893" y="2063261"/>
-                </a:cubicBezTo>
-                <a:cubicBezTo>
-                  <a:pt x="3700684" y="2056469"/>
-                  <a:pt x="3544278" y="2055446"/>
-                  <a:pt x="3387970" y="2051538"/>
-                </a:cubicBezTo>
-                <a:cubicBezTo>
-                  <a:pt x="3352801" y="2047630"/>
-                  <a:pt x="3317436" y="2045196"/>
-                  <a:pt x="3282462" y="2039815"/>
-                </a:cubicBezTo>
-                <a:cubicBezTo>
-                  <a:pt x="3266538" y="2037365"/>
-                  <a:pt x="3251369" y="2031252"/>
-                  <a:pt x="3235570" y="2028092"/>
-                </a:cubicBezTo>
-                <a:cubicBezTo>
-                  <a:pt x="3212262" y="2023430"/>
-                  <a:pt x="3188677" y="2020277"/>
-                  <a:pt x="3165231" y="2016369"/>
-                </a:cubicBezTo>
-                <a:cubicBezTo>
-                  <a:pt x="3076829" y="1986902"/>
-                  <a:pt x="3185798" y="2026652"/>
-                  <a:pt x="3094893" y="1981200"/>
-                </a:cubicBezTo>
-                <a:cubicBezTo>
-                  <a:pt x="3083840" y="1975674"/>
-                  <a:pt x="3071446" y="1973385"/>
-                  <a:pt x="3059723" y="1969477"/>
-                </a:cubicBezTo>
-                <a:cubicBezTo>
-                  <a:pt x="2980189" y="1916454"/>
-                  <a:pt x="3009310" y="1942511"/>
-                  <a:pt x="2965939" y="1899138"/>
-                </a:cubicBezTo>
-                <a:cubicBezTo>
-                  <a:pt x="2937831" y="1814815"/>
-                  <a:pt x="2971933" y="1920117"/>
-                  <a:pt x="2942493" y="1817077"/>
-                </a:cubicBezTo>
-                <a:cubicBezTo>
-                  <a:pt x="2939098" y="1805195"/>
-                  <a:pt x="2933767" y="1793896"/>
-                  <a:pt x="2930770" y="1781908"/>
-                </a:cubicBezTo>
-                <a:cubicBezTo>
-                  <a:pt x="2925937" y="1762577"/>
-                  <a:pt x="2923879" y="1742623"/>
-                  <a:pt x="2919046" y="1723292"/>
-                </a:cubicBezTo>
-                <a:cubicBezTo>
-                  <a:pt x="2916049" y="1711304"/>
-                  <a:pt x="2909746" y="1700240"/>
-                  <a:pt x="2907323" y="1688123"/>
-                </a:cubicBezTo>
-                <a:cubicBezTo>
-                  <a:pt x="2857567" y="1439342"/>
-                  <a:pt x="2895764" y="1559663"/>
-                  <a:pt x="2860431" y="1453661"/>
-                </a:cubicBezTo>
-                <a:cubicBezTo>
-                  <a:pt x="2856523" y="1426307"/>
-                  <a:pt x="2853017" y="1398893"/>
-                  <a:pt x="2848708" y="1371600"/>
-                </a:cubicBezTo>
-                <a:cubicBezTo>
-                  <a:pt x="2841294" y="1324643"/>
-                  <a:pt x="2825262" y="1230923"/>
-                  <a:pt x="2825262" y="1230923"/>
-                </a:cubicBezTo>
-                <a:cubicBezTo>
-                  <a:pt x="2829170" y="1133231"/>
-                  <a:pt x="2831407" y="1035457"/>
-                  <a:pt x="2836985" y="937846"/>
-                </a:cubicBezTo>
-                <a:cubicBezTo>
-                  <a:pt x="2845013" y="797363"/>
-                  <a:pt x="2845920" y="859111"/>
-                  <a:pt x="2860431" y="750277"/>
-                </a:cubicBezTo>
-                <a:cubicBezTo>
-                  <a:pt x="2866855" y="702098"/>
-                  <a:pt x="2879327" y="573036"/>
-                  <a:pt x="2883877" y="527538"/>
-                </a:cubicBezTo>
-                <a:cubicBezTo>
-                  <a:pt x="2879969" y="504092"/>
-                  <a:pt x="2877310" y="480403"/>
-                  <a:pt x="2872154" y="457200"/>
-                </a:cubicBezTo>
-                <a:cubicBezTo>
-                  <a:pt x="2857960" y="393325"/>
-                  <a:pt x="2860431" y="447854"/>
-                  <a:pt x="2860431" y="398585"/>
-                </a:cubicBezTo>
-              </a:path>
-            </a:pathLst>
-          </a:custGeom>
-          <a:noFill/>
-          <a:ln w="25400">
-            <a:solidFill>
-              <a:schemeClr val="tx1"/>
-            </a:solidFill>
-          </a:ln>
-          <a:effectLst/>
-          <a:extLst>
-            <a:ext uri="{909E8E84-426E-40dd-AFC4-6F175D3DCCD1}">
-              <a14:hiddenFill xmlns="" xmlns:a14="http://schemas.microsoft.com/office/drawing/2010/main">
-                <a:solidFill>
-                  <a:schemeClr val="accent1"/>
-                </a:solidFill>
-              </a14:hiddenFill>
-            </a:ext>
-            <a:ext uri="{91240B29-F687-4f45-9708-019B960494DF}">
-              <a14:hiddenLine xmlns="" xmlns:a14="http://schemas.microsoft.com/office/drawing/2010/main" w="9525" cap="flat" cmpd="sng" algn="ctr">
-                <a:solidFill>
-                  <a:schemeClr val="tx1"/>
-                </a:solidFill>
-                <a:prstDash val="solid"/>
-                <a:round/>
-                <a:headEnd type="none" w="med" len="med"/>
-                <a:tailEnd type="none" w="med" len="med"/>
-              </a14:hiddenLine>
-            </a:ext>
-            <a:ext uri="{AF507438-7753-43e0-B8FC-AC1667EBCBE1}">
-              <a14:hiddenEffects xmlns="" xmlns:a14="http://schemas.microsoft.com/office/drawing/2010/main">
-                <a:effectLst>
-                  <a:outerShdw blurRad="63500" dist="35921" dir="2700000" algn="ctr" rotWithShape="0">
-                    <a:schemeClr val="bg2"/>
-                  </a:outerShdw>
-                </a:effectLst>
-              </a14:hiddenEffects>
-            </a:ext>
-          </a:extLst>
-        </p:spPr>
-        <p:txBody>
-          <a:bodyPr rtlCol="0" anchor="ctr"/>
-          <a:lstStyle/>
-          <a:p>
-            <a:pPr algn="ctr"/>
-            <a:endParaRPr lang="en-US"/>
-          </a:p>
-        </p:txBody>
-      </p:sp>
-      <p:sp>
-        <p:nvSpPr>
-          <p:cNvPr id="5" name="Freeform 4">
+          </p:spPr>
+          <p:txBody>
+            <a:bodyPr rtlCol="0" anchor="ctr"/>
+            <a:lstStyle/>
+            <a:p>
+              <a:pPr algn="ctr"/>
+              <a:endParaRPr lang="en-US"/>
+            </a:p>
+          </p:txBody>
+        </p:sp>
+        <p:sp>
+          <p:nvSpPr>
+            <p:cNvPr id="5" name="Freeform 4">
+              <a:extLst>
+                <a:ext uri="{FF2B5EF4-FFF2-40B4-BE49-F238E27FC236}">
+                  <a16:creationId xmlns:a16="http://schemas.microsoft.com/office/drawing/2014/main" id="{D24BB05E-15C8-BC4D-900F-3A8086B2978D}"/>
+                </a:ext>
+              </a:extLst>
+            </p:cNvPr>
+            <p:cNvSpPr/>
+            <p:nvPr/>
+          </p:nvSpPr>
+          <p:spPr bwMode="auto">
+            <a:xfrm>
+              <a:off x="4103077" y="762000"/>
+              <a:ext cx="2743200" cy="2368062"/>
+            </a:xfrm>
+            <a:custGeom>
+              <a:avLst/>
+              <a:gdLst>
+                <a:gd name="connsiteX0" fmla="*/ 58615 w 2743200"/>
+                <a:gd name="connsiteY0" fmla="*/ 1219200 h 2368062"/>
+                <a:gd name="connsiteX1" fmla="*/ 82061 w 2743200"/>
+                <a:gd name="connsiteY1" fmla="*/ 515815 h 2368062"/>
+                <a:gd name="connsiteX2" fmla="*/ 105508 w 2743200"/>
+                <a:gd name="connsiteY2" fmla="*/ 410308 h 2368062"/>
+                <a:gd name="connsiteX3" fmla="*/ 117231 w 2743200"/>
+                <a:gd name="connsiteY3" fmla="*/ 351692 h 2368062"/>
+                <a:gd name="connsiteX4" fmla="*/ 140677 w 2743200"/>
+                <a:gd name="connsiteY4" fmla="*/ 304800 h 2368062"/>
+                <a:gd name="connsiteX5" fmla="*/ 164123 w 2743200"/>
+                <a:gd name="connsiteY5" fmla="*/ 234462 h 2368062"/>
+                <a:gd name="connsiteX6" fmla="*/ 187569 w 2743200"/>
+                <a:gd name="connsiteY6" fmla="*/ 187569 h 2368062"/>
+                <a:gd name="connsiteX7" fmla="*/ 316523 w 2743200"/>
+                <a:gd name="connsiteY7" fmla="*/ 58615 h 2368062"/>
+                <a:gd name="connsiteX8" fmla="*/ 363415 w 2743200"/>
+                <a:gd name="connsiteY8" fmla="*/ 46892 h 2368062"/>
+                <a:gd name="connsiteX9" fmla="*/ 398585 w 2743200"/>
+                <a:gd name="connsiteY9" fmla="*/ 35169 h 2368062"/>
+                <a:gd name="connsiteX10" fmla="*/ 445477 w 2743200"/>
+                <a:gd name="connsiteY10" fmla="*/ 11723 h 2368062"/>
+                <a:gd name="connsiteX11" fmla="*/ 609600 w 2743200"/>
+                <a:gd name="connsiteY11" fmla="*/ 0 h 2368062"/>
+                <a:gd name="connsiteX12" fmla="*/ 762000 w 2743200"/>
+                <a:gd name="connsiteY12" fmla="*/ 11723 h 2368062"/>
+                <a:gd name="connsiteX13" fmla="*/ 867508 w 2743200"/>
+                <a:gd name="connsiteY13" fmla="*/ 23446 h 2368062"/>
+                <a:gd name="connsiteX14" fmla="*/ 1547446 w 2743200"/>
+                <a:gd name="connsiteY14" fmla="*/ 58615 h 2368062"/>
+                <a:gd name="connsiteX15" fmla="*/ 1641231 w 2743200"/>
+                <a:gd name="connsiteY15" fmla="*/ 70338 h 2368062"/>
+                <a:gd name="connsiteX16" fmla="*/ 1981200 w 2743200"/>
+                <a:gd name="connsiteY16" fmla="*/ 105508 h 2368062"/>
+                <a:gd name="connsiteX17" fmla="*/ 2063261 w 2743200"/>
+                <a:gd name="connsiteY17" fmla="*/ 117231 h 2368062"/>
+                <a:gd name="connsiteX18" fmla="*/ 2250831 w 2743200"/>
+                <a:gd name="connsiteY18" fmla="*/ 140677 h 2368062"/>
+                <a:gd name="connsiteX19" fmla="*/ 2332892 w 2743200"/>
+                <a:gd name="connsiteY19" fmla="*/ 164123 h 2368062"/>
+                <a:gd name="connsiteX20" fmla="*/ 2391508 w 2743200"/>
+                <a:gd name="connsiteY20" fmla="*/ 187569 h 2368062"/>
+                <a:gd name="connsiteX21" fmla="*/ 2508738 w 2743200"/>
+                <a:gd name="connsiteY21" fmla="*/ 234462 h 2368062"/>
+                <a:gd name="connsiteX22" fmla="*/ 2579077 w 2743200"/>
+                <a:gd name="connsiteY22" fmla="*/ 281354 h 2368062"/>
+                <a:gd name="connsiteX23" fmla="*/ 2614246 w 2743200"/>
+                <a:gd name="connsiteY23" fmla="*/ 304800 h 2368062"/>
+                <a:gd name="connsiteX24" fmla="*/ 2661138 w 2743200"/>
+                <a:gd name="connsiteY24" fmla="*/ 398585 h 2368062"/>
+                <a:gd name="connsiteX25" fmla="*/ 2672861 w 2743200"/>
+                <a:gd name="connsiteY25" fmla="*/ 480646 h 2368062"/>
+                <a:gd name="connsiteX26" fmla="*/ 2684585 w 2743200"/>
+                <a:gd name="connsiteY26" fmla="*/ 550985 h 2368062"/>
+                <a:gd name="connsiteX27" fmla="*/ 2696308 w 2743200"/>
+                <a:gd name="connsiteY27" fmla="*/ 656492 h 2368062"/>
+                <a:gd name="connsiteX28" fmla="*/ 2708031 w 2743200"/>
+                <a:gd name="connsiteY28" fmla="*/ 738554 h 2368062"/>
+                <a:gd name="connsiteX29" fmla="*/ 2719754 w 2743200"/>
+                <a:gd name="connsiteY29" fmla="*/ 867508 h 2368062"/>
+                <a:gd name="connsiteX30" fmla="*/ 2743200 w 2743200"/>
+                <a:gd name="connsiteY30" fmla="*/ 1055077 h 2368062"/>
+                <a:gd name="connsiteX31" fmla="*/ 2731477 w 2743200"/>
+                <a:gd name="connsiteY31" fmla="*/ 1524000 h 2368062"/>
+                <a:gd name="connsiteX32" fmla="*/ 2719754 w 2743200"/>
+                <a:gd name="connsiteY32" fmla="*/ 1559169 h 2368062"/>
+                <a:gd name="connsiteX33" fmla="*/ 2696308 w 2743200"/>
+                <a:gd name="connsiteY33" fmla="*/ 1805354 h 2368062"/>
+                <a:gd name="connsiteX34" fmla="*/ 2684585 w 2743200"/>
+                <a:gd name="connsiteY34" fmla="*/ 1852246 h 2368062"/>
+                <a:gd name="connsiteX35" fmla="*/ 2614246 w 2743200"/>
+                <a:gd name="connsiteY35" fmla="*/ 2004646 h 2368062"/>
+                <a:gd name="connsiteX36" fmla="*/ 2590800 w 2743200"/>
+                <a:gd name="connsiteY36" fmla="*/ 2039815 h 2368062"/>
+                <a:gd name="connsiteX37" fmla="*/ 2485292 w 2743200"/>
+                <a:gd name="connsiteY37" fmla="*/ 2133600 h 2368062"/>
+                <a:gd name="connsiteX38" fmla="*/ 2438400 w 2743200"/>
+                <a:gd name="connsiteY38" fmla="*/ 2168769 h 2368062"/>
+                <a:gd name="connsiteX39" fmla="*/ 2391508 w 2743200"/>
+                <a:gd name="connsiteY39" fmla="*/ 2192215 h 2368062"/>
+                <a:gd name="connsiteX40" fmla="*/ 2356338 w 2743200"/>
+                <a:gd name="connsiteY40" fmla="*/ 2215662 h 2368062"/>
+                <a:gd name="connsiteX41" fmla="*/ 2286000 w 2743200"/>
+                <a:gd name="connsiteY41" fmla="*/ 2239108 h 2368062"/>
+                <a:gd name="connsiteX42" fmla="*/ 2250831 w 2743200"/>
+                <a:gd name="connsiteY42" fmla="*/ 2250831 h 2368062"/>
+                <a:gd name="connsiteX43" fmla="*/ 2180492 w 2743200"/>
+                <a:gd name="connsiteY43" fmla="*/ 2274277 h 2368062"/>
+                <a:gd name="connsiteX44" fmla="*/ 2098431 w 2743200"/>
+                <a:gd name="connsiteY44" fmla="*/ 2297723 h 2368062"/>
+                <a:gd name="connsiteX45" fmla="*/ 2016369 w 2743200"/>
+                <a:gd name="connsiteY45" fmla="*/ 2309446 h 2368062"/>
+                <a:gd name="connsiteX46" fmla="*/ 1981200 w 2743200"/>
+                <a:gd name="connsiteY46" fmla="*/ 2321169 h 2368062"/>
+                <a:gd name="connsiteX47" fmla="*/ 1828800 w 2743200"/>
+                <a:gd name="connsiteY47" fmla="*/ 2344615 h 2368062"/>
+                <a:gd name="connsiteX48" fmla="*/ 1524000 w 2743200"/>
+                <a:gd name="connsiteY48" fmla="*/ 2368062 h 2368062"/>
+                <a:gd name="connsiteX49" fmla="*/ 1043354 w 2743200"/>
+                <a:gd name="connsiteY49" fmla="*/ 2356338 h 2368062"/>
+                <a:gd name="connsiteX50" fmla="*/ 902677 w 2743200"/>
+                <a:gd name="connsiteY50" fmla="*/ 2344615 h 2368062"/>
+                <a:gd name="connsiteX51" fmla="*/ 762000 w 2743200"/>
+                <a:gd name="connsiteY51" fmla="*/ 2321169 h 2368062"/>
+                <a:gd name="connsiteX52" fmla="*/ 644769 w 2743200"/>
+                <a:gd name="connsiteY52" fmla="*/ 2286000 h 2368062"/>
+                <a:gd name="connsiteX53" fmla="*/ 586154 w 2743200"/>
+                <a:gd name="connsiteY53" fmla="*/ 2250831 h 2368062"/>
+                <a:gd name="connsiteX54" fmla="*/ 550985 w 2743200"/>
+                <a:gd name="connsiteY54" fmla="*/ 2227385 h 2368062"/>
+                <a:gd name="connsiteX55" fmla="*/ 527538 w 2743200"/>
+                <a:gd name="connsiteY55" fmla="*/ 2203938 h 2368062"/>
+                <a:gd name="connsiteX56" fmla="*/ 457200 w 2743200"/>
+                <a:gd name="connsiteY56" fmla="*/ 2157046 h 2368062"/>
+                <a:gd name="connsiteX57" fmla="*/ 422031 w 2743200"/>
+                <a:gd name="connsiteY57" fmla="*/ 2133600 h 2368062"/>
+                <a:gd name="connsiteX58" fmla="*/ 339969 w 2743200"/>
+                <a:gd name="connsiteY58" fmla="*/ 2016369 h 2368062"/>
+                <a:gd name="connsiteX59" fmla="*/ 269631 w 2743200"/>
+                <a:gd name="connsiteY59" fmla="*/ 1957754 h 2368062"/>
+                <a:gd name="connsiteX60" fmla="*/ 222738 w 2743200"/>
+                <a:gd name="connsiteY60" fmla="*/ 1899138 h 2368062"/>
+                <a:gd name="connsiteX61" fmla="*/ 187569 w 2743200"/>
+                <a:gd name="connsiteY61" fmla="*/ 1828800 h 2368062"/>
+                <a:gd name="connsiteX62" fmla="*/ 152400 w 2743200"/>
+                <a:gd name="connsiteY62" fmla="*/ 1758462 h 2368062"/>
+                <a:gd name="connsiteX63" fmla="*/ 140677 w 2743200"/>
+                <a:gd name="connsiteY63" fmla="*/ 1723292 h 2368062"/>
+                <a:gd name="connsiteX64" fmla="*/ 93785 w 2743200"/>
+                <a:gd name="connsiteY64" fmla="*/ 1652954 h 2368062"/>
+                <a:gd name="connsiteX65" fmla="*/ 58615 w 2743200"/>
+                <a:gd name="connsiteY65" fmla="*/ 1524000 h 2368062"/>
+                <a:gd name="connsiteX66" fmla="*/ 46892 w 2743200"/>
+                <a:gd name="connsiteY66" fmla="*/ 1488831 h 2368062"/>
+                <a:gd name="connsiteX67" fmla="*/ 35169 w 2743200"/>
+                <a:gd name="connsiteY67" fmla="*/ 1441938 h 2368062"/>
+                <a:gd name="connsiteX68" fmla="*/ 11723 w 2743200"/>
+                <a:gd name="connsiteY68" fmla="*/ 1371600 h 2368062"/>
+                <a:gd name="connsiteX69" fmla="*/ 0 w 2743200"/>
+                <a:gd name="connsiteY69" fmla="*/ 1312985 h 2368062"/>
+                <a:gd name="connsiteX70" fmla="*/ 23446 w 2743200"/>
+                <a:gd name="connsiteY70" fmla="*/ 1266092 h 2368062"/>
+              </a:gdLst>
+              <a:ahLst/>
+              <a:cxnLst>
+                <a:cxn ang="0">
+                  <a:pos x="connsiteX0" y="connsiteY0"/>
+                </a:cxn>
+                <a:cxn ang="0">
+                  <a:pos x="connsiteX1" y="connsiteY1"/>
+                </a:cxn>
+                <a:cxn ang="0">
+                  <a:pos x="connsiteX2" y="connsiteY2"/>
+                </a:cxn>
+                <a:cxn ang="0">
+                  <a:pos x="connsiteX3" y="connsiteY3"/>
+                </a:cxn>
+                <a:cxn ang="0">
+                  <a:pos x="connsiteX4" y="connsiteY4"/>
+                </a:cxn>
+                <a:cxn ang="0">
+                  <a:pos x="connsiteX5" y="connsiteY5"/>
+                </a:cxn>
+                <a:cxn ang="0">
+                  <a:pos x="connsiteX6" y="connsiteY6"/>
+                </a:cxn>
+                <a:cxn ang="0">
+                  <a:pos x="connsiteX7" y="connsiteY7"/>
+                </a:cxn>
+                <a:cxn ang="0">
+                  <a:pos x="connsiteX8" y="connsiteY8"/>
+                </a:cxn>
+                <a:cxn ang="0">
+                  <a:pos x="connsiteX9" y="connsiteY9"/>
+                </a:cxn>
+                <a:cxn ang="0">
+                  <a:pos x="connsiteX10" y="connsiteY10"/>
+                </a:cxn>
+                <a:cxn ang="0">
+                  <a:pos x="connsiteX11" y="connsiteY11"/>
+                </a:cxn>
+                <a:cxn ang="0">
+                  <a:pos x="connsiteX12" y="connsiteY12"/>
+                </a:cxn>
+                <a:cxn ang="0">
+                  <a:pos x="connsiteX13" y="connsiteY13"/>
+                </a:cxn>
+                <a:cxn ang="0">
+                  <a:pos x="connsiteX14" y="connsiteY14"/>
+                </a:cxn>
+                <a:cxn ang="0">
+                  <a:pos x="connsiteX15" y="connsiteY15"/>
+                </a:cxn>
+                <a:cxn ang="0">
+                  <a:pos x="connsiteX16" y="connsiteY16"/>
+                </a:cxn>
+                <a:cxn ang="0">
+                  <a:pos x="connsiteX17" y="connsiteY17"/>
+                </a:cxn>
+                <a:cxn ang="0">
+                  <a:pos x="connsiteX18" y="connsiteY18"/>
+                </a:cxn>
+                <a:cxn ang="0">
+                  <a:pos x="connsiteX19" y="connsiteY19"/>
+                </a:cxn>
+                <a:cxn ang="0">
+                  <a:pos x="connsiteX20" y="connsiteY20"/>
+                </a:cxn>
+                <a:cxn ang="0">
+                  <a:pos x="connsiteX21" y="connsiteY21"/>
+                </a:cxn>
+                <a:cxn ang="0">
+                  <a:pos x="connsiteX22" y="connsiteY22"/>
+                </a:cxn>
+                <a:cxn ang="0">
+                  <a:pos x="connsiteX23" y="connsiteY23"/>
+                </a:cxn>
+                <a:cxn ang="0">
+                  <a:pos x="connsiteX24" y="connsiteY24"/>
+                </a:cxn>
+                <a:cxn ang="0">
+                  <a:pos x="connsiteX25" y="connsiteY25"/>
+                </a:cxn>
+                <a:cxn ang="0">
+                  <a:pos x="connsiteX26" y="connsiteY26"/>
+                </a:cxn>
+                <a:cxn ang="0">
+                  <a:pos x="connsiteX27" y="connsiteY27"/>
+                </a:cxn>
+                <a:cxn ang="0">
+                  <a:pos x="connsiteX28" y="connsiteY28"/>
+                </a:cxn>
+                <a:cxn ang="0">
+                  <a:pos x="connsiteX29" y="connsiteY29"/>
+                </a:cxn>
+                <a:cxn ang="0">
+                  <a:pos x="connsiteX30" y="connsiteY30"/>
+                </a:cxn>
+                <a:cxn ang="0">
+                  <a:pos x="connsiteX31" y="connsiteY31"/>
+                </a:cxn>
+                <a:cxn ang="0">
+                  <a:pos x="connsiteX32" y="connsiteY32"/>
+                </a:cxn>
+                <a:cxn ang="0">
+                  <a:pos x="connsiteX33" y="connsiteY33"/>
+                </a:cxn>
+                <a:cxn ang="0">
+                  <a:pos x="connsiteX34" y="connsiteY34"/>
+                </a:cxn>
+                <a:cxn ang="0">
+                  <a:pos x="connsiteX35" y="connsiteY35"/>
+                </a:cxn>
+                <a:cxn ang="0">
+                  <a:pos x="connsiteX36" y="connsiteY36"/>
+                </a:cxn>
+                <a:cxn ang="0">
+                  <a:pos x="connsiteX37" y="connsiteY37"/>
+                </a:cxn>
+                <a:cxn ang="0">
+                  <a:pos x="connsiteX38" y="connsiteY38"/>
+                </a:cxn>
+                <a:cxn ang="0">
+                  <a:pos x="connsiteX39" y="connsiteY39"/>
+                </a:cxn>
+                <a:cxn ang="0">
+                  <a:pos x="connsiteX40" y="connsiteY40"/>
+                </a:cxn>
+                <a:cxn ang="0">
+                  <a:pos x="connsiteX41" y="connsiteY41"/>
+                </a:cxn>
+                <a:cxn ang="0">
+                  <a:pos x="connsiteX42" y="connsiteY42"/>
+                </a:cxn>
+                <a:cxn ang="0">
+                  <a:pos x="connsiteX43" y="connsiteY43"/>
+                </a:cxn>
+                <a:cxn ang="0">
+                  <a:pos x="connsiteX44" y="connsiteY44"/>
+                </a:cxn>
+                <a:cxn ang="0">
+                  <a:pos x="connsiteX45" y="connsiteY45"/>
+                </a:cxn>
+                <a:cxn ang="0">
+                  <a:pos x="connsiteX46" y="connsiteY46"/>
+                </a:cxn>
+                <a:cxn ang="0">
+                  <a:pos x="connsiteX47" y="connsiteY47"/>
+                </a:cxn>
+                <a:cxn ang="0">
+                  <a:pos x="connsiteX48" y="connsiteY48"/>
+                </a:cxn>
+                <a:cxn ang="0">
+                  <a:pos x="connsiteX49" y="connsiteY49"/>
+                </a:cxn>
+                <a:cxn ang="0">
+                  <a:pos x="connsiteX50" y="connsiteY50"/>
+                </a:cxn>
+                <a:cxn ang="0">
+                  <a:pos x="connsiteX51" y="connsiteY51"/>
+                </a:cxn>
+                <a:cxn ang="0">
+                  <a:pos x="connsiteX52" y="connsiteY52"/>
+                </a:cxn>
+                <a:cxn ang="0">
+                  <a:pos x="connsiteX53" y="connsiteY53"/>
+                </a:cxn>
+                <a:cxn ang="0">
+                  <a:pos x="connsiteX54" y="connsiteY54"/>
+                </a:cxn>
+                <a:cxn ang="0">
+                  <a:pos x="connsiteX55" y="connsiteY55"/>
+                </a:cxn>
+                <a:cxn ang="0">
+                  <a:pos x="connsiteX56" y="connsiteY56"/>
+                </a:cxn>
+                <a:cxn ang="0">
+                  <a:pos x="connsiteX57" y="connsiteY57"/>
+                </a:cxn>
+                <a:cxn ang="0">
+                  <a:pos x="connsiteX58" y="connsiteY58"/>
+                </a:cxn>
+                <a:cxn ang="0">
+                  <a:pos x="connsiteX59" y="connsiteY59"/>
+                </a:cxn>
+                <a:cxn ang="0">
+                  <a:pos x="connsiteX60" y="connsiteY60"/>
+                </a:cxn>
+                <a:cxn ang="0">
+                  <a:pos x="connsiteX61" y="connsiteY61"/>
+                </a:cxn>
+                <a:cxn ang="0">
+                  <a:pos x="connsiteX62" y="connsiteY62"/>
+                </a:cxn>
+                <a:cxn ang="0">
+                  <a:pos x="connsiteX63" y="connsiteY63"/>
+                </a:cxn>
+                <a:cxn ang="0">
+                  <a:pos x="connsiteX64" y="connsiteY64"/>
+                </a:cxn>
+                <a:cxn ang="0">
+                  <a:pos x="connsiteX65" y="connsiteY65"/>
+                </a:cxn>
+                <a:cxn ang="0">
+                  <a:pos x="connsiteX66" y="connsiteY66"/>
+                </a:cxn>
+                <a:cxn ang="0">
+                  <a:pos x="connsiteX67" y="connsiteY67"/>
+                </a:cxn>
+                <a:cxn ang="0">
+                  <a:pos x="connsiteX68" y="connsiteY68"/>
+                </a:cxn>
+                <a:cxn ang="0">
+                  <a:pos x="connsiteX69" y="connsiteY69"/>
+                </a:cxn>
+                <a:cxn ang="0">
+                  <a:pos x="connsiteX70" y="connsiteY70"/>
+                </a:cxn>
+              </a:cxnLst>
+              <a:rect l="l" t="t" r="r" b="b"/>
+              <a:pathLst>
+                <a:path w="2743200" h="2368062">
+                  <a:moveTo>
+                    <a:pt x="58615" y="1219200"/>
+                  </a:moveTo>
+                  <a:cubicBezTo>
+                    <a:pt x="66430" y="984738"/>
+                    <a:pt x="71245" y="750157"/>
+                    <a:pt x="82061" y="515815"/>
+                  </a:cubicBezTo>
+                  <a:cubicBezTo>
+                    <a:pt x="83091" y="493509"/>
+                    <a:pt x="100155" y="434396"/>
+                    <a:pt x="105508" y="410308"/>
+                  </a:cubicBezTo>
+                  <a:cubicBezTo>
+                    <a:pt x="109830" y="390857"/>
+                    <a:pt x="110930" y="370595"/>
+                    <a:pt x="117231" y="351692"/>
+                  </a:cubicBezTo>
+                  <a:cubicBezTo>
+                    <a:pt x="122757" y="335113"/>
+                    <a:pt x="134187" y="321026"/>
+                    <a:pt x="140677" y="304800"/>
+                  </a:cubicBezTo>
+                  <a:cubicBezTo>
+                    <a:pt x="149856" y="281853"/>
+                    <a:pt x="154944" y="257409"/>
+                    <a:pt x="164123" y="234462"/>
+                  </a:cubicBezTo>
+                  <a:cubicBezTo>
+                    <a:pt x="170613" y="218236"/>
+                    <a:pt x="178578" y="202555"/>
+                    <a:pt x="187569" y="187569"/>
+                  </a:cubicBezTo>
+                  <a:cubicBezTo>
+                    <a:pt x="230112" y="116663"/>
+                    <a:pt x="238963" y="100921"/>
+                    <a:pt x="316523" y="58615"/>
+                  </a:cubicBezTo>
+                  <a:cubicBezTo>
+                    <a:pt x="330667" y="50900"/>
+                    <a:pt x="347923" y="51318"/>
+                    <a:pt x="363415" y="46892"/>
+                  </a:cubicBezTo>
+                  <a:cubicBezTo>
+                    <a:pt x="375297" y="43497"/>
+                    <a:pt x="387227" y="40037"/>
+                    <a:pt x="398585" y="35169"/>
+                  </a:cubicBezTo>
+                  <a:cubicBezTo>
+                    <a:pt x="414648" y="28285"/>
+                    <a:pt x="428239" y="14596"/>
+                    <a:pt x="445477" y="11723"/>
+                  </a:cubicBezTo>
+                  <a:cubicBezTo>
+                    <a:pt x="499578" y="2706"/>
+                    <a:pt x="554892" y="3908"/>
+                    <a:pt x="609600" y="0"/>
+                  </a:cubicBezTo>
+                  <a:lnTo>
+                    <a:pt x="762000" y="11723"/>
+                  </a:lnTo>
+                  <a:cubicBezTo>
+                    <a:pt x="797240" y="14927"/>
+                    <a:pt x="832179" y="21446"/>
+                    <a:pt x="867508" y="23446"/>
+                  </a:cubicBezTo>
+                  <a:cubicBezTo>
+                    <a:pt x="1025166" y="32370"/>
+                    <a:pt x="1343236" y="40051"/>
+                    <a:pt x="1547446" y="58615"/>
+                  </a:cubicBezTo>
+                  <a:cubicBezTo>
+                    <a:pt x="1578822" y="61467"/>
+                    <a:pt x="1609899" y="67040"/>
+                    <a:pt x="1641231" y="70338"/>
+                  </a:cubicBezTo>
+                  <a:cubicBezTo>
+                    <a:pt x="1941493" y="101946"/>
+                    <a:pt x="1561964" y="55200"/>
+                    <a:pt x="1981200" y="105508"/>
+                  </a:cubicBezTo>
+                  <a:cubicBezTo>
+                    <a:pt x="2008635" y="108800"/>
+                    <a:pt x="2035862" y="113657"/>
+                    <a:pt x="2063261" y="117231"/>
+                  </a:cubicBezTo>
+                  <a:lnTo>
+                    <a:pt x="2250831" y="140677"/>
+                  </a:lnTo>
+                  <a:cubicBezTo>
+                    <a:pt x="2287785" y="149915"/>
+                    <a:pt x="2299255" y="151509"/>
+                    <a:pt x="2332892" y="164123"/>
+                  </a:cubicBezTo>
+                  <a:cubicBezTo>
+                    <a:pt x="2352596" y="171512"/>
+                    <a:pt x="2371731" y="180377"/>
+                    <a:pt x="2391508" y="187569"/>
+                  </a:cubicBezTo>
+                  <a:cubicBezTo>
+                    <a:pt x="2448293" y="208218"/>
+                    <a:pt x="2461048" y="205848"/>
+                    <a:pt x="2508738" y="234462"/>
+                  </a:cubicBezTo>
+                  <a:cubicBezTo>
+                    <a:pt x="2532901" y="248960"/>
+                    <a:pt x="2555631" y="265723"/>
+                    <a:pt x="2579077" y="281354"/>
+                  </a:cubicBezTo>
+                  <a:lnTo>
+                    <a:pt x="2614246" y="304800"/>
+                  </a:lnTo>
+                  <a:cubicBezTo>
+                    <a:pt x="2629877" y="336062"/>
+                    <a:pt x="2656195" y="363985"/>
+                    <a:pt x="2661138" y="398585"/>
+                  </a:cubicBezTo>
+                  <a:cubicBezTo>
+                    <a:pt x="2665046" y="425939"/>
+                    <a:pt x="2668659" y="453336"/>
+                    <a:pt x="2672861" y="480646"/>
+                  </a:cubicBezTo>
+                  <a:cubicBezTo>
+                    <a:pt x="2676475" y="504139"/>
+                    <a:pt x="2681443" y="527424"/>
+                    <a:pt x="2684585" y="550985"/>
+                  </a:cubicBezTo>
+                  <a:cubicBezTo>
+                    <a:pt x="2689262" y="586060"/>
+                    <a:pt x="2691919" y="621380"/>
+                    <a:pt x="2696308" y="656492"/>
+                  </a:cubicBezTo>
+                  <a:cubicBezTo>
+                    <a:pt x="2699735" y="683910"/>
+                    <a:pt x="2704980" y="711091"/>
+                    <a:pt x="2708031" y="738554"/>
+                  </a:cubicBezTo>
+                  <a:cubicBezTo>
+                    <a:pt x="2712797" y="781452"/>
+                    <a:pt x="2714988" y="824610"/>
+                    <a:pt x="2719754" y="867508"/>
+                  </a:cubicBezTo>
+                  <a:cubicBezTo>
+                    <a:pt x="2726712" y="930132"/>
+                    <a:pt x="2743200" y="1055077"/>
+                    <a:pt x="2743200" y="1055077"/>
+                  </a:cubicBezTo>
+                  <a:cubicBezTo>
+                    <a:pt x="2739292" y="1211385"/>
+                    <a:pt x="2738741" y="1367812"/>
+                    <a:pt x="2731477" y="1524000"/>
+                  </a:cubicBezTo>
+                  <a:cubicBezTo>
+                    <a:pt x="2730903" y="1536344"/>
+                    <a:pt x="2721287" y="1546907"/>
+                    <a:pt x="2719754" y="1559169"/>
+                  </a:cubicBezTo>
+                  <a:cubicBezTo>
+                    <a:pt x="2699445" y="1721640"/>
+                    <a:pt x="2718165" y="1674209"/>
+                    <a:pt x="2696308" y="1805354"/>
+                  </a:cubicBezTo>
+                  <a:cubicBezTo>
+                    <a:pt x="2693659" y="1821247"/>
+                    <a:pt x="2689011" y="1836754"/>
+                    <a:pt x="2684585" y="1852246"/>
+                  </a:cubicBezTo>
+                  <a:cubicBezTo>
+                    <a:pt x="2669967" y="1903406"/>
+                    <a:pt x="2639769" y="1966362"/>
+                    <a:pt x="2614246" y="2004646"/>
+                  </a:cubicBezTo>
+                  <a:cubicBezTo>
+                    <a:pt x="2606431" y="2016369"/>
+                    <a:pt x="2600160" y="2029285"/>
+                    <a:pt x="2590800" y="2039815"/>
+                  </a:cubicBezTo>
+                  <a:cubicBezTo>
+                    <a:pt x="2517813" y="2121925"/>
+                    <a:pt x="2544942" y="2090993"/>
+                    <a:pt x="2485292" y="2133600"/>
+                  </a:cubicBezTo>
+                  <a:cubicBezTo>
+                    <a:pt x="2469393" y="2144956"/>
+                    <a:pt x="2454968" y="2158414"/>
+                    <a:pt x="2438400" y="2168769"/>
+                  </a:cubicBezTo>
+                  <a:cubicBezTo>
+                    <a:pt x="2423581" y="2178031"/>
+                    <a:pt x="2406681" y="2183545"/>
+                    <a:pt x="2391508" y="2192215"/>
+                  </a:cubicBezTo>
+                  <a:cubicBezTo>
+                    <a:pt x="2379275" y="2199206"/>
+                    <a:pt x="2369213" y="2209940"/>
+                    <a:pt x="2356338" y="2215662"/>
+                  </a:cubicBezTo>
+                  <a:cubicBezTo>
+                    <a:pt x="2333754" y="2225700"/>
+                    <a:pt x="2309446" y="2231293"/>
+                    <a:pt x="2286000" y="2239108"/>
+                  </a:cubicBezTo>
+                  <a:lnTo>
+                    <a:pt x="2250831" y="2250831"/>
+                  </a:lnTo>
+                  <a:lnTo>
+                    <a:pt x="2180492" y="2274277"/>
+                  </a:lnTo>
+                  <a:cubicBezTo>
+                    <a:pt x="2150360" y="2284321"/>
+                    <a:pt x="2130815" y="2291835"/>
+                    <a:pt x="2098431" y="2297723"/>
+                  </a:cubicBezTo>
+                  <a:cubicBezTo>
+                    <a:pt x="2071245" y="2302666"/>
+                    <a:pt x="2043723" y="2305538"/>
+                    <a:pt x="2016369" y="2309446"/>
+                  </a:cubicBezTo>
+                  <a:cubicBezTo>
+                    <a:pt x="2004646" y="2313354"/>
+                    <a:pt x="1993263" y="2318488"/>
+                    <a:pt x="1981200" y="2321169"/>
+                  </a:cubicBezTo>
+                  <a:cubicBezTo>
+                    <a:pt x="1958357" y="2326245"/>
+                    <a:pt x="1847496" y="2342538"/>
+                    <a:pt x="1828800" y="2344615"/>
+                  </a:cubicBezTo>
+                  <a:cubicBezTo>
+                    <a:pt x="1726562" y="2355975"/>
+                    <a:pt x="1626923" y="2361200"/>
+                    <a:pt x="1524000" y="2368062"/>
+                  </a:cubicBezTo>
+                  <a:lnTo>
+                    <a:pt x="1043354" y="2356338"/>
+                  </a:lnTo>
+                  <a:cubicBezTo>
+                    <a:pt x="996333" y="2354564"/>
+                    <a:pt x="949473" y="2349541"/>
+                    <a:pt x="902677" y="2344615"/>
+                  </a:cubicBezTo>
+                  <a:cubicBezTo>
+                    <a:pt x="856189" y="2339722"/>
+                    <a:pt x="807834" y="2331354"/>
+                    <a:pt x="762000" y="2321169"/>
+                  </a:cubicBezTo>
+                  <a:cubicBezTo>
+                    <a:pt x="735745" y="2315335"/>
+                    <a:pt x="661958" y="2296313"/>
+                    <a:pt x="644769" y="2286000"/>
+                  </a:cubicBezTo>
+                  <a:cubicBezTo>
+                    <a:pt x="625231" y="2274277"/>
+                    <a:pt x="605476" y="2262907"/>
+                    <a:pt x="586154" y="2250831"/>
+                  </a:cubicBezTo>
+                  <a:cubicBezTo>
+                    <a:pt x="574206" y="2243364"/>
+                    <a:pt x="561987" y="2236187"/>
+                    <a:pt x="550985" y="2227385"/>
+                  </a:cubicBezTo>
+                  <a:cubicBezTo>
+                    <a:pt x="542354" y="2220480"/>
+                    <a:pt x="536380" y="2210570"/>
+                    <a:pt x="527538" y="2203938"/>
+                  </a:cubicBezTo>
+                  <a:cubicBezTo>
+                    <a:pt x="504995" y="2187031"/>
+                    <a:pt x="480646" y="2172677"/>
+                    <a:pt x="457200" y="2157046"/>
+                  </a:cubicBezTo>
+                  <a:lnTo>
+                    <a:pt x="422031" y="2133600"/>
+                  </a:lnTo>
+                  <a:cubicBezTo>
+                    <a:pt x="414376" y="2122118"/>
+                    <a:pt x="357323" y="2033723"/>
+                    <a:pt x="339969" y="2016369"/>
+                  </a:cubicBezTo>
+                  <a:cubicBezTo>
+                    <a:pt x="247748" y="1924147"/>
+                    <a:pt x="365664" y="2072993"/>
+                    <a:pt x="269631" y="1957754"/>
+                  </a:cubicBezTo>
+                  <a:cubicBezTo>
+                    <a:pt x="195688" y="1869023"/>
+                    <a:pt x="290952" y="1967352"/>
+                    <a:pt x="222738" y="1899138"/>
+                  </a:cubicBezTo>
+                  <a:cubicBezTo>
+                    <a:pt x="193272" y="1810740"/>
+                    <a:pt x="233020" y="1919702"/>
+                    <a:pt x="187569" y="1828800"/>
+                  </a:cubicBezTo>
+                  <a:cubicBezTo>
+                    <a:pt x="139034" y="1731729"/>
+                    <a:pt x="219593" y="1859251"/>
+                    <a:pt x="152400" y="1758462"/>
+                  </a:cubicBezTo>
+                  <a:cubicBezTo>
+                    <a:pt x="148492" y="1746739"/>
+                    <a:pt x="146678" y="1734094"/>
+                    <a:pt x="140677" y="1723292"/>
+                  </a:cubicBezTo>
+                  <a:cubicBezTo>
+                    <a:pt x="126992" y="1698659"/>
+                    <a:pt x="102696" y="1679686"/>
+                    <a:pt x="93785" y="1652954"/>
+                  </a:cubicBezTo>
+                  <a:cubicBezTo>
+                    <a:pt x="43486" y="1502061"/>
+                    <a:pt x="91753" y="1656554"/>
+                    <a:pt x="58615" y="1524000"/>
+                  </a:cubicBezTo>
+                  <a:cubicBezTo>
+                    <a:pt x="55618" y="1512012"/>
+                    <a:pt x="50287" y="1500713"/>
+                    <a:pt x="46892" y="1488831"/>
+                  </a:cubicBezTo>
+                  <a:cubicBezTo>
+                    <a:pt x="42466" y="1473339"/>
+                    <a:pt x="39799" y="1457371"/>
+                    <a:pt x="35169" y="1441938"/>
+                  </a:cubicBezTo>
+                  <a:cubicBezTo>
+                    <a:pt x="28067" y="1418266"/>
+                    <a:pt x="16570" y="1395834"/>
+                    <a:pt x="11723" y="1371600"/>
+                  </a:cubicBezTo>
+                  <a:lnTo>
+                    <a:pt x="0" y="1312985"/>
+                  </a:lnTo>
+                  <a:cubicBezTo>
+                    <a:pt x="13471" y="1272572"/>
+                    <a:pt x="2985" y="1286553"/>
+                    <a:pt x="23446" y="1266092"/>
+                  </a:cubicBezTo>
+                </a:path>
+              </a:pathLst>
+            </a:custGeom>
+            <a:noFill/>
+            <a:ln w="25400">
+              <a:solidFill>
+                <a:schemeClr val="tx2"/>
+              </a:solidFill>
+            </a:ln>
+            <a:effectLst/>
             <a:extLst>
-              <a:ext uri="{FF2B5EF4-FFF2-40B4-BE49-F238E27FC236}">
-                <a16:creationId xmlns:a16="http://schemas.microsoft.com/office/drawing/2014/main" id="{D24BB05E-15C8-BC4D-900F-3A8086B2978D}"/>
+              <a:ext uri="{909E8E84-426E-40dd-AFC4-6F175D3DCCD1}">
+                <a14:hiddenFill xmlns="" xmlns:a14="http://schemas.microsoft.com/office/drawing/2010/main">
+                  <a:solidFill>
+                    <a:schemeClr val="accent1"/>
+                  </a:solidFill>
+                </a14:hiddenFill>
+              </a:ext>
+              <a:ext uri="{91240B29-F687-4f45-9708-019B960494DF}">
+                <a14:hiddenLine xmlns="" xmlns:a14="http://schemas.microsoft.com/office/drawing/2010/main" w="9525" cap="flat" cmpd="sng" algn="ctr">
+                  <a:solidFill>
+                    <a:schemeClr val="tx1"/>
+                  </a:solidFill>
+                  <a:prstDash val="solid"/>
+                  <a:round/>
+                  <a:headEnd type="none" w="med" len="med"/>
+                  <a:tailEnd type="none" w="med" len="med"/>
+                </a14:hiddenLine>
+              </a:ext>
+              <a:ext uri="{AF507438-7753-43e0-B8FC-AC1667EBCBE1}">
+                <a14:hiddenEffects xmlns="" xmlns:a14="http://schemas.microsoft.com/office/drawing/2010/main">
+                  <a:effectLst>
+                    <a:outerShdw blurRad="63500" dist="35921" dir="2700000" algn="ctr" rotWithShape="0">
+                      <a:schemeClr val="bg2"/>
+                    </a:outerShdw>
+                  </a:effectLst>
+                </a14:hiddenEffects>
               </a:ext>
             </a:extLst>
-          </p:cNvPr>
-          <p:cNvSpPr/>
-          <p:nvPr/>
-        </p:nvSpPr>
-        <p:spPr bwMode="auto">
-          <a:xfrm>
-            <a:off x="4103077" y="762000"/>
-            <a:ext cx="2743200" cy="2368062"/>
-          </a:xfrm>
-          <a:custGeom>
-            <a:avLst/>
-            <a:gdLst>
-              <a:gd name="connsiteX0" fmla="*/ 58615 w 2743200"/>
-              <a:gd name="connsiteY0" fmla="*/ 1219200 h 2368062"/>
-              <a:gd name="connsiteX1" fmla="*/ 82061 w 2743200"/>
-              <a:gd name="connsiteY1" fmla="*/ 515815 h 2368062"/>
-              <a:gd name="connsiteX2" fmla="*/ 105508 w 2743200"/>
-              <a:gd name="connsiteY2" fmla="*/ 410308 h 2368062"/>
-              <a:gd name="connsiteX3" fmla="*/ 117231 w 2743200"/>
-              <a:gd name="connsiteY3" fmla="*/ 351692 h 2368062"/>
-              <a:gd name="connsiteX4" fmla="*/ 140677 w 2743200"/>
-              <a:gd name="connsiteY4" fmla="*/ 304800 h 2368062"/>
-              <a:gd name="connsiteX5" fmla="*/ 164123 w 2743200"/>
-              <a:gd name="connsiteY5" fmla="*/ 234462 h 2368062"/>
-              <a:gd name="connsiteX6" fmla="*/ 187569 w 2743200"/>
-              <a:gd name="connsiteY6" fmla="*/ 187569 h 2368062"/>
-              <a:gd name="connsiteX7" fmla="*/ 316523 w 2743200"/>
-              <a:gd name="connsiteY7" fmla="*/ 58615 h 2368062"/>
-              <a:gd name="connsiteX8" fmla="*/ 363415 w 2743200"/>
-              <a:gd name="connsiteY8" fmla="*/ 46892 h 2368062"/>
-              <a:gd name="connsiteX9" fmla="*/ 398585 w 2743200"/>
-              <a:gd name="connsiteY9" fmla="*/ 35169 h 2368062"/>
-              <a:gd name="connsiteX10" fmla="*/ 445477 w 2743200"/>
-              <a:gd name="connsiteY10" fmla="*/ 11723 h 2368062"/>
-              <a:gd name="connsiteX11" fmla="*/ 609600 w 2743200"/>
-              <a:gd name="connsiteY11" fmla="*/ 0 h 2368062"/>
-              <a:gd name="connsiteX12" fmla="*/ 762000 w 2743200"/>
-              <a:gd name="connsiteY12" fmla="*/ 11723 h 2368062"/>
-              <a:gd name="connsiteX13" fmla="*/ 867508 w 2743200"/>
-              <a:gd name="connsiteY13" fmla="*/ 23446 h 2368062"/>
-              <a:gd name="connsiteX14" fmla="*/ 1547446 w 2743200"/>
-              <a:gd name="connsiteY14" fmla="*/ 58615 h 2368062"/>
-              <a:gd name="connsiteX15" fmla="*/ 1641231 w 2743200"/>
-              <a:gd name="connsiteY15" fmla="*/ 70338 h 2368062"/>
-              <a:gd name="connsiteX16" fmla="*/ 1981200 w 2743200"/>
-              <a:gd name="connsiteY16" fmla="*/ 105508 h 2368062"/>
-              <a:gd name="connsiteX17" fmla="*/ 2063261 w 2743200"/>
-              <a:gd name="connsiteY17" fmla="*/ 117231 h 2368062"/>
-              <a:gd name="connsiteX18" fmla="*/ 2250831 w 2743200"/>
-              <a:gd name="connsiteY18" fmla="*/ 140677 h 2368062"/>
-              <a:gd name="connsiteX19" fmla="*/ 2332892 w 2743200"/>
-              <a:gd name="connsiteY19" fmla="*/ 164123 h 2368062"/>
-              <a:gd name="connsiteX20" fmla="*/ 2391508 w 2743200"/>
-              <a:gd name="connsiteY20" fmla="*/ 187569 h 2368062"/>
-              <a:gd name="connsiteX21" fmla="*/ 2508738 w 2743200"/>
-              <a:gd name="connsiteY21" fmla="*/ 234462 h 2368062"/>
-              <a:gd name="connsiteX22" fmla="*/ 2579077 w 2743200"/>
-              <a:gd name="connsiteY22" fmla="*/ 281354 h 2368062"/>
-              <a:gd name="connsiteX23" fmla="*/ 2614246 w 2743200"/>
-              <a:gd name="connsiteY23" fmla="*/ 304800 h 2368062"/>
-              <a:gd name="connsiteX24" fmla="*/ 2661138 w 2743200"/>
-              <a:gd name="connsiteY24" fmla="*/ 398585 h 2368062"/>
-              <a:gd name="connsiteX25" fmla="*/ 2672861 w 2743200"/>
-              <a:gd name="connsiteY25" fmla="*/ 480646 h 2368062"/>
-              <a:gd name="connsiteX26" fmla="*/ 2684585 w 2743200"/>
-              <a:gd name="connsiteY26" fmla="*/ 550985 h 2368062"/>
-              <a:gd name="connsiteX27" fmla="*/ 2696308 w 2743200"/>
-              <a:gd name="connsiteY27" fmla="*/ 656492 h 2368062"/>
-              <a:gd name="connsiteX28" fmla="*/ 2708031 w 2743200"/>
-              <a:gd name="connsiteY28" fmla="*/ 738554 h 2368062"/>
-              <a:gd name="connsiteX29" fmla="*/ 2719754 w 2743200"/>
-              <a:gd name="connsiteY29" fmla="*/ 867508 h 2368062"/>
-              <a:gd name="connsiteX30" fmla="*/ 2743200 w 2743200"/>
-              <a:gd name="connsiteY30" fmla="*/ 1055077 h 2368062"/>
-              <a:gd name="connsiteX31" fmla="*/ 2731477 w 2743200"/>
-              <a:gd name="connsiteY31" fmla="*/ 1524000 h 2368062"/>
-              <a:gd name="connsiteX32" fmla="*/ 2719754 w 2743200"/>
-              <a:gd name="connsiteY32" fmla="*/ 1559169 h 2368062"/>
-              <a:gd name="connsiteX33" fmla="*/ 2696308 w 2743200"/>
-              <a:gd name="connsiteY33" fmla="*/ 1805354 h 2368062"/>
-              <a:gd name="connsiteX34" fmla="*/ 2684585 w 2743200"/>
-              <a:gd name="connsiteY34" fmla="*/ 1852246 h 2368062"/>
-              <a:gd name="connsiteX35" fmla="*/ 2614246 w 2743200"/>
-              <a:gd name="connsiteY35" fmla="*/ 2004646 h 2368062"/>
-              <a:gd name="connsiteX36" fmla="*/ 2590800 w 2743200"/>
-              <a:gd name="connsiteY36" fmla="*/ 2039815 h 2368062"/>
-              <a:gd name="connsiteX37" fmla="*/ 2485292 w 2743200"/>
-              <a:gd name="connsiteY37" fmla="*/ 2133600 h 2368062"/>
-              <a:gd name="connsiteX38" fmla="*/ 2438400 w 2743200"/>
-              <a:gd name="connsiteY38" fmla="*/ 2168769 h 2368062"/>
-              <a:gd name="connsiteX39" fmla="*/ 2391508 w 2743200"/>
-              <a:gd name="connsiteY39" fmla="*/ 2192215 h 2368062"/>
-              <a:gd name="connsiteX40" fmla="*/ 2356338 w 2743200"/>
-              <a:gd name="connsiteY40" fmla="*/ 2215662 h 2368062"/>
-              <a:gd name="connsiteX41" fmla="*/ 2286000 w 2743200"/>
-              <a:gd name="connsiteY41" fmla="*/ 2239108 h 2368062"/>
-              <a:gd name="connsiteX42" fmla="*/ 2250831 w 2743200"/>
-              <a:gd name="connsiteY42" fmla="*/ 2250831 h 2368062"/>
-              <a:gd name="connsiteX43" fmla="*/ 2180492 w 2743200"/>
-              <a:gd name="connsiteY43" fmla="*/ 2274277 h 2368062"/>
-              <a:gd name="connsiteX44" fmla="*/ 2098431 w 2743200"/>
-              <a:gd name="connsiteY44" fmla="*/ 2297723 h 2368062"/>
-              <a:gd name="connsiteX45" fmla="*/ 2016369 w 2743200"/>
-              <a:gd name="connsiteY45" fmla="*/ 2309446 h 2368062"/>
-              <a:gd name="connsiteX46" fmla="*/ 1981200 w 2743200"/>
-              <a:gd name="connsiteY46" fmla="*/ 2321169 h 2368062"/>
-              <a:gd name="connsiteX47" fmla="*/ 1828800 w 2743200"/>
-              <a:gd name="connsiteY47" fmla="*/ 2344615 h 2368062"/>
-              <a:gd name="connsiteX48" fmla="*/ 1524000 w 2743200"/>
-              <a:gd name="connsiteY48" fmla="*/ 2368062 h 2368062"/>
-              <a:gd name="connsiteX49" fmla="*/ 1043354 w 2743200"/>
-              <a:gd name="connsiteY49" fmla="*/ 2356338 h 2368062"/>
-              <a:gd name="connsiteX50" fmla="*/ 902677 w 2743200"/>
-              <a:gd name="connsiteY50" fmla="*/ 2344615 h 2368062"/>
-              <a:gd name="connsiteX51" fmla="*/ 762000 w 2743200"/>
-              <a:gd name="connsiteY51" fmla="*/ 2321169 h 2368062"/>
-              <a:gd name="connsiteX52" fmla="*/ 644769 w 2743200"/>
-              <a:gd name="connsiteY52" fmla="*/ 2286000 h 2368062"/>
-              <a:gd name="connsiteX53" fmla="*/ 586154 w 2743200"/>
-              <a:gd name="connsiteY53" fmla="*/ 2250831 h 2368062"/>
-              <a:gd name="connsiteX54" fmla="*/ 550985 w 2743200"/>
-              <a:gd name="connsiteY54" fmla="*/ 2227385 h 2368062"/>
-              <a:gd name="connsiteX55" fmla="*/ 527538 w 2743200"/>
-              <a:gd name="connsiteY55" fmla="*/ 2203938 h 2368062"/>
-              <a:gd name="connsiteX56" fmla="*/ 457200 w 2743200"/>
-              <a:gd name="connsiteY56" fmla="*/ 2157046 h 2368062"/>
-              <a:gd name="connsiteX57" fmla="*/ 422031 w 2743200"/>
-              <a:gd name="connsiteY57" fmla="*/ 2133600 h 2368062"/>
-              <a:gd name="connsiteX58" fmla="*/ 339969 w 2743200"/>
-              <a:gd name="connsiteY58" fmla="*/ 2016369 h 2368062"/>
-              <a:gd name="connsiteX59" fmla="*/ 269631 w 2743200"/>
-              <a:gd name="connsiteY59" fmla="*/ 1957754 h 2368062"/>
-              <a:gd name="connsiteX60" fmla="*/ 222738 w 2743200"/>
-              <a:gd name="connsiteY60" fmla="*/ 1899138 h 2368062"/>
-              <a:gd name="connsiteX61" fmla="*/ 187569 w 2743200"/>
-              <a:gd name="connsiteY61" fmla="*/ 1828800 h 2368062"/>
-              <a:gd name="connsiteX62" fmla="*/ 152400 w 2743200"/>
-              <a:gd name="connsiteY62" fmla="*/ 1758462 h 2368062"/>
-              <a:gd name="connsiteX63" fmla="*/ 140677 w 2743200"/>
-              <a:gd name="connsiteY63" fmla="*/ 1723292 h 2368062"/>
-              <a:gd name="connsiteX64" fmla="*/ 93785 w 2743200"/>
-              <a:gd name="connsiteY64" fmla="*/ 1652954 h 2368062"/>
-              <a:gd name="connsiteX65" fmla="*/ 58615 w 2743200"/>
-              <a:gd name="connsiteY65" fmla="*/ 1524000 h 2368062"/>
-              <a:gd name="connsiteX66" fmla="*/ 46892 w 2743200"/>
-              <a:gd name="connsiteY66" fmla="*/ 1488831 h 2368062"/>
-              <a:gd name="connsiteX67" fmla="*/ 35169 w 2743200"/>
-              <a:gd name="connsiteY67" fmla="*/ 1441938 h 2368062"/>
-              <a:gd name="connsiteX68" fmla="*/ 11723 w 2743200"/>
-              <a:gd name="connsiteY68" fmla="*/ 1371600 h 2368062"/>
-              <a:gd name="connsiteX69" fmla="*/ 0 w 2743200"/>
-              <a:gd name="connsiteY69" fmla="*/ 1312985 h 2368062"/>
-              <a:gd name="connsiteX70" fmla="*/ 23446 w 2743200"/>
-              <a:gd name="connsiteY70" fmla="*/ 1266092 h 2368062"/>
-            </a:gdLst>
-            <a:ahLst/>
-            <a:cxnLst>
-              <a:cxn ang="0">
-                <a:pos x="connsiteX0" y="connsiteY0"/>
-              </a:cxn>
-              <a:cxn ang="0">
-                <a:pos x="connsiteX1" y="connsiteY1"/>
-              </a:cxn>
-              <a:cxn ang="0">
-                <a:pos x="connsiteX2" y="connsiteY2"/>
-              </a:cxn>
-              <a:cxn ang="0">
-                <a:pos x="connsiteX3" y="connsiteY3"/>
-              </a:cxn>
-              <a:cxn ang="0">
-                <a:pos x="connsiteX4" y="connsiteY4"/>
-              </a:cxn>
-              <a:cxn ang="0">
-                <a:pos x="connsiteX5" y="connsiteY5"/>
-              </a:cxn>
-              <a:cxn ang="0">
-                <a:pos x="connsiteX6" y="connsiteY6"/>
-              </a:cxn>
-              <a:cxn ang="0">
-                <a:pos x="connsiteX7" y="connsiteY7"/>
-              </a:cxn>
-              <a:cxn ang="0">
-                <a:pos x="connsiteX8" y="connsiteY8"/>
-              </a:cxn>
-              <a:cxn ang="0">
-                <a:pos x="connsiteX9" y="connsiteY9"/>
-              </a:cxn>
-              <a:cxn ang="0">
-                <a:pos x="connsiteX10" y="connsiteY10"/>
-              </a:cxn>
-              <a:cxn ang="0">
-                <a:pos x="connsiteX11" y="connsiteY11"/>
-              </a:cxn>
-              <a:cxn ang="0">
-                <a:pos x="connsiteX12" y="connsiteY12"/>
-              </a:cxn>
-              <a:cxn ang="0">
-                <a:pos x="connsiteX13" y="connsiteY13"/>
-              </a:cxn>
-              <a:cxn ang="0">
-                <a:pos x="connsiteX14" y="connsiteY14"/>
-              </a:cxn>
-              <a:cxn ang="0">
-                <a:pos x="connsiteX15" y="connsiteY15"/>
-              </a:cxn>
-              <a:cxn ang="0">
-                <a:pos x="connsiteX16" y="connsiteY16"/>
-              </a:cxn>
-              <a:cxn ang="0">
-                <a:pos x="connsiteX17" y="connsiteY17"/>
-              </a:cxn>
-              <a:cxn ang="0">
-                <a:pos x="connsiteX18" y="connsiteY18"/>
-              </a:cxn>
-              <a:cxn ang="0">
-                <a:pos x="connsiteX19" y="connsiteY19"/>
-              </a:cxn>
-              <a:cxn ang="0">
-                <a:pos x="connsiteX20" y="connsiteY20"/>
-              </a:cxn>
-              <a:cxn ang="0">
-                <a:pos x="connsiteX21" y="connsiteY21"/>
-              </a:cxn>
-              <a:cxn ang="0">
-                <a:pos x="connsiteX22" y="connsiteY22"/>
-              </a:cxn>
-              <a:cxn ang="0">
-                <a:pos x="connsiteX23" y="connsiteY23"/>
-              </a:cxn>
-              <a:cxn ang="0">
-                <a:pos x="connsiteX24" y="connsiteY24"/>
-              </a:cxn>
-              <a:cxn ang="0">
-                <a:pos x="connsiteX25" y="connsiteY25"/>
-              </a:cxn>
-              <a:cxn ang="0">
-                <a:pos x="connsiteX26" y="connsiteY26"/>
-              </a:cxn>
-              <a:cxn ang="0">
-                <a:pos x="connsiteX27" y="connsiteY27"/>
-              </a:cxn>
-              <a:cxn ang="0">
-                <a:pos x="connsiteX28" y="connsiteY28"/>
-              </a:cxn>
-              <a:cxn ang="0">
-                <a:pos x="connsiteX29" y="connsiteY29"/>
-              </a:cxn>
-              <a:cxn ang="0">
-                <a:pos x="connsiteX30" y="connsiteY30"/>
-              </a:cxn>
-              <a:cxn ang="0">
-                <a:pos x="connsiteX31" y="connsiteY31"/>
-              </a:cxn>
-              <a:cxn ang="0">
-                <a:pos x="connsiteX32" y="connsiteY32"/>
-              </a:cxn>
-              <a:cxn ang="0">
-                <a:pos x="connsiteX33" y="connsiteY33"/>
-              </a:cxn>
-              <a:cxn ang="0">
-                <a:pos x="connsiteX34" y="connsiteY34"/>
-              </a:cxn>
-              <a:cxn ang="0">
-                <a:pos x="connsiteX35" y="connsiteY35"/>
-              </a:cxn>
-              <a:cxn ang="0">
-                <a:pos x="connsiteX36" y="connsiteY36"/>
-              </a:cxn>
-              <a:cxn ang="0">
-                <a:pos x="connsiteX37" y="connsiteY37"/>
-              </a:cxn>
-              <a:cxn ang="0">
-                <a:pos x="connsiteX38" y="connsiteY38"/>
-              </a:cxn>
-              <a:cxn ang="0">
-                <a:pos x="connsiteX39" y="connsiteY39"/>
-              </a:cxn>
-              <a:cxn ang="0">
-                <a:pos x="connsiteX40" y="connsiteY40"/>
-              </a:cxn>
-              <a:cxn ang="0">
-                <a:pos x="connsiteX41" y="connsiteY41"/>
-              </a:cxn>
-              <a:cxn ang="0">
-                <a:pos x="connsiteX42" y="connsiteY42"/>
-              </a:cxn>
-              <a:cxn ang="0">
-                <a:pos x="connsiteX43" y="connsiteY43"/>
-              </a:cxn>
-              <a:cxn ang="0">
-                <a:pos x="connsiteX44" y="connsiteY44"/>
-              </a:cxn>
-              <a:cxn ang="0">
-                <a:pos x="connsiteX45" y="connsiteY45"/>
-              </a:cxn>
-              <a:cxn ang="0">
-                <a:pos x="connsiteX46" y="connsiteY46"/>
-              </a:cxn>
-              <a:cxn ang="0">
-                <a:pos x="connsiteX47" y="connsiteY47"/>
-              </a:cxn>
-              <a:cxn ang="0">
-                <a:pos x="connsiteX48" y="connsiteY48"/>
-              </a:cxn>
-              <a:cxn ang="0">
-                <a:pos x="connsiteX49" y="connsiteY49"/>
-              </a:cxn>
-              <a:cxn ang="0">
-                <a:pos x="connsiteX50" y="connsiteY50"/>
-              </a:cxn>
-              <a:cxn ang="0">
-                <a:pos x="connsiteX51" y="connsiteY51"/>
-              </a:cxn>
-              <a:cxn ang="0">
-                <a:pos x="connsiteX52" y="connsiteY52"/>
-              </a:cxn>
-              <a:cxn ang="0">
-                <a:pos x="connsiteX53" y="connsiteY53"/>
-              </a:cxn>
-              <a:cxn ang="0">
-                <a:pos x="connsiteX54" y="connsiteY54"/>
-              </a:cxn>
-              <a:cxn ang="0">
-                <a:pos x="connsiteX55" y="connsiteY55"/>
-              </a:cxn>
-              <a:cxn ang="0">
-                <a:pos x="connsiteX56" y="connsiteY56"/>
-              </a:cxn>
-              <a:cxn ang="0">
-                <a:pos x="connsiteX57" y="connsiteY57"/>
-              </a:cxn>
-              <a:cxn ang="0">
-                <a:pos x="connsiteX58" y="connsiteY58"/>
-              </a:cxn>
-              <a:cxn ang="0">
-                <a:pos x="connsiteX59" y="connsiteY59"/>
-              </a:cxn>
-              <a:cxn ang="0">
-                <a:pos x="connsiteX60" y="connsiteY60"/>
-              </a:cxn>
-              <a:cxn ang="0">
-                <a:pos x="connsiteX61" y="connsiteY61"/>
-              </a:cxn>
-              <a:cxn ang="0">
-                <a:pos x="connsiteX62" y="connsiteY62"/>
-              </a:cxn>
-              <a:cxn ang="0">
-                <a:pos x="connsiteX63" y="connsiteY63"/>
-              </a:cxn>
-              <a:cxn ang="0">
-                <a:pos x="connsiteX64" y="connsiteY64"/>
-              </a:cxn>
-              <a:cxn ang="0">
-                <a:pos x="connsiteX65" y="connsiteY65"/>
-              </a:cxn>
-              <a:cxn ang="0">
-                <a:pos x="connsiteX66" y="connsiteY66"/>
-              </a:cxn>
-              <a:cxn ang="0">
-                <a:pos x="connsiteX67" y="connsiteY67"/>
-              </a:cxn>
-              <a:cxn ang="0">
-                <a:pos x="connsiteX68" y="connsiteY68"/>
-              </a:cxn>
-              <a:cxn ang="0">
-                <a:pos x="connsiteX69" y="connsiteY69"/>
-              </a:cxn>
-              <a:cxn ang="0">
-                <a:pos x="connsiteX70" y="connsiteY70"/>
-              </a:cxn>
-            </a:cxnLst>
-            <a:rect l="l" t="t" r="r" b="b"/>
-            <a:pathLst>
-              <a:path w="2743200" h="2368062">
-                <a:moveTo>
-                  <a:pt x="58615" y="1219200"/>
-                </a:moveTo>
-                <a:cubicBezTo>
-                  <a:pt x="66430" y="984738"/>
-                  <a:pt x="71245" y="750157"/>
-                  <a:pt x="82061" y="515815"/>
-                </a:cubicBezTo>
-                <a:cubicBezTo>
-                  <a:pt x="83091" y="493509"/>
-                  <a:pt x="100155" y="434396"/>
-                  <a:pt x="105508" y="410308"/>
-                </a:cubicBezTo>
-                <a:cubicBezTo>
-                  <a:pt x="109830" y="390857"/>
-                  <a:pt x="110930" y="370595"/>
-                  <a:pt x="117231" y="351692"/>
-                </a:cubicBezTo>
-                <a:cubicBezTo>
-                  <a:pt x="122757" y="335113"/>
-                  <a:pt x="134187" y="321026"/>
-                  <a:pt x="140677" y="304800"/>
-                </a:cubicBezTo>
-                <a:cubicBezTo>
-                  <a:pt x="149856" y="281853"/>
-                  <a:pt x="154944" y="257409"/>
-                  <a:pt x="164123" y="234462"/>
-                </a:cubicBezTo>
-                <a:cubicBezTo>
-                  <a:pt x="170613" y="218236"/>
-                  <a:pt x="178578" y="202555"/>
-                  <a:pt x="187569" y="187569"/>
-                </a:cubicBezTo>
-                <a:cubicBezTo>
-                  <a:pt x="230112" y="116663"/>
-                  <a:pt x="238963" y="100921"/>
-                  <a:pt x="316523" y="58615"/>
-                </a:cubicBezTo>
-                <a:cubicBezTo>
-                  <a:pt x="330667" y="50900"/>
-                  <a:pt x="347923" y="51318"/>
-                  <a:pt x="363415" y="46892"/>
-                </a:cubicBezTo>
-                <a:cubicBezTo>
-                  <a:pt x="375297" y="43497"/>
-                  <a:pt x="387227" y="40037"/>
-                  <a:pt x="398585" y="35169"/>
-                </a:cubicBezTo>
-                <a:cubicBezTo>
-                  <a:pt x="414648" y="28285"/>
-                  <a:pt x="428239" y="14596"/>
-                  <a:pt x="445477" y="11723"/>
-                </a:cubicBezTo>
-                <a:cubicBezTo>
-                  <a:pt x="499578" y="2706"/>
-                  <a:pt x="554892" y="3908"/>
-                  <a:pt x="609600" y="0"/>
-                </a:cubicBezTo>
-                <a:lnTo>
-                  <a:pt x="762000" y="11723"/>
-                </a:lnTo>
-                <a:cubicBezTo>
-                  <a:pt x="797240" y="14927"/>
-                  <a:pt x="832179" y="21446"/>
-                  <a:pt x="867508" y="23446"/>
-                </a:cubicBezTo>
-                <a:cubicBezTo>
-                  <a:pt x="1025166" y="32370"/>
-                  <a:pt x="1343236" y="40051"/>
-                  <a:pt x="1547446" y="58615"/>
-                </a:cubicBezTo>
-                <a:cubicBezTo>
-                  <a:pt x="1578822" y="61467"/>
-                  <a:pt x="1609899" y="67040"/>
-                  <a:pt x="1641231" y="70338"/>
-                </a:cubicBezTo>
-                <a:cubicBezTo>
-                  <a:pt x="1941493" y="101946"/>
-                  <a:pt x="1561964" y="55200"/>
-                  <a:pt x="1981200" y="105508"/>
-                </a:cubicBezTo>
-                <a:cubicBezTo>
-                  <a:pt x="2008635" y="108800"/>
-                  <a:pt x="2035862" y="113657"/>
-                  <a:pt x="2063261" y="117231"/>
-                </a:cubicBezTo>
-                <a:lnTo>
-                  <a:pt x="2250831" y="140677"/>
-                </a:lnTo>
-                <a:cubicBezTo>
-                  <a:pt x="2287785" y="149915"/>
-                  <a:pt x="2299255" y="151509"/>
-                  <a:pt x="2332892" y="164123"/>
-                </a:cubicBezTo>
-                <a:cubicBezTo>
-                  <a:pt x="2352596" y="171512"/>
-                  <a:pt x="2371731" y="180377"/>
-                  <a:pt x="2391508" y="187569"/>
-                </a:cubicBezTo>
-                <a:cubicBezTo>
-                  <a:pt x="2448293" y="208218"/>
-                  <a:pt x="2461048" y="205848"/>
-                  <a:pt x="2508738" y="234462"/>
-                </a:cubicBezTo>
-                <a:cubicBezTo>
-                  <a:pt x="2532901" y="248960"/>
-                  <a:pt x="2555631" y="265723"/>
-                  <a:pt x="2579077" y="281354"/>
-                </a:cubicBezTo>
-                <a:lnTo>
-                  <a:pt x="2614246" y="304800"/>
-                </a:lnTo>
-                <a:cubicBezTo>
-                  <a:pt x="2629877" y="336062"/>
-                  <a:pt x="2656195" y="363985"/>
-                  <a:pt x="2661138" y="398585"/>
-                </a:cubicBezTo>
-                <a:cubicBezTo>
-                  <a:pt x="2665046" y="425939"/>
-                  <a:pt x="2668659" y="453336"/>
-                  <a:pt x="2672861" y="480646"/>
-                </a:cubicBezTo>
-                <a:cubicBezTo>
-                  <a:pt x="2676475" y="504139"/>
-                  <a:pt x="2681443" y="527424"/>
-                  <a:pt x="2684585" y="550985"/>
-                </a:cubicBezTo>
-                <a:cubicBezTo>
-                  <a:pt x="2689262" y="586060"/>
-                  <a:pt x="2691919" y="621380"/>
-                  <a:pt x="2696308" y="656492"/>
-                </a:cubicBezTo>
-                <a:cubicBezTo>
-                  <a:pt x="2699735" y="683910"/>
-                  <a:pt x="2704980" y="711091"/>
-                  <a:pt x="2708031" y="738554"/>
-                </a:cubicBezTo>
-                <a:cubicBezTo>
-                  <a:pt x="2712797" y="781452"/>
-                  <a:pt x="2714988" y="824610"/>
-                  <a:pt x="2719754" y="867508"/>
-                </a:cubicBezTo>
-                <a:cubicBezTo>
-                  <a:pt x="2726712" y="930132"/>
-                  <a:pt x="2743200" y="1055077"/>
-                  <a:pt x="2743200" y="1055077"/>
-                </a:cubicBezTo>
-                <a:cubicBezTo>
-                  <a:pt x="2739292" y="1211385"/>
-                  <a:pt x="2738741" y="1367812"/>
-                  <a:pt x="2731477" y="1524000"/>
-                </a:cubicBezTo>
-                <a:cubicBezTo>
-                  <a:pt x="2730903" y="1536344"/>
-                  <a:pt x="2721287" y="1546907"/>
-                  <a:pt x="2719754" y="1559169"/>
-                </a:cubicBezTo>
-                <a:cubicBezTo>
-                  <a:pt x="2699445" y="1721640"/>
-                  <a:pt x="2718165" y="1674209"/>
-                  <a:pt x="2696308" y="1805354"/>
-                </a:cubicBezTo>
-                <a:cubicBezTo>
-                  <a:pt x="2693659" y="1821247"/>
-                  <a:pt x="2689011" y="1836754"/>
-                  <a:pt x="2684585" y="1852246"/>
-                </a:cubicBezTo>
-                <a:cubicBezTo>
-                  <a:pt x="2669967" y="1903406"/>
-                  <a:pt x="2639769" y="1966362"/>
-                  <a:pt x="2614246" y="2004646"/>
-                </a:cubicBezTo>
-                <a:cubicBezTo>
-                  <a:pt x="2606431" y="2016369"/>
-                  <a:pt x="2600160" y="2029285"/>
-                  <a:pt x="2590800" y="2039815"/>
-                </a:cubicBezTo>
-                <a:cubicBezTo>
-                  <a:pt x="2517813" y="2121925"/>
-                  <a:pt x="2544942" y="2090993"/>
-                  <a:pt x="2485292" y="2133600"/>
-                </a:cubicBezTo>
-                <a:cubicBezTo>
-                  <a:pt x="2469393" y="2144956"/>
-                  <a:pt x="2454968" y="2158414"/>
-                  <a:pt x="2438400" y="2168769"/>
-                </a:cubicBezTo>
-                <a:cubicBezTo>
-                  <a:pt x="2423581" y="2178031"/>
-                  <a:pt x="2406681" y="2183545"/>
-                  <a:pt x="2391508" y="2192215"/>
-                </a:cubicBezTo>
-                <a:cubicBezTo>
-                  <a:pt x="2379275" y="2199206"/>
-                  <a:pt x="2369213" y="2209940"/>
-                  <a:pt x="2356338" y="2215662"/>
-                </a:cubicBezTo>
-                <a:cubicBezTo>
-                  <a:pt x="2333754" y="2225700"/>
-                  <a:pt x="2309446" y="2231293"/>
-                  <a:pt x="2286000" y="2239108"/>
-                </a:cubicBezTo>
-                <a:lnTo>
-                  <a:pt x="2250831" y="2250831"/>
-                </a:lnTo>
-                <a:lnTo>
-                  <a:pt x="2180492" y="2274277"/>
-                </a:lnTo>
-                <a:cubicBezTo>
-                  <a:pt x="2150360" y="2284321"/>
-                  <a:pt x="2130815" y="2291835"/>
-                  <a:pt x="2098431" y="2297723"/>
-                </a:cubicBezTo>
-                <a:cubicBezTo>
-                  <a:pt x="2071245" y="2302666"/>
-                  <a:pt x="2043723" y="2305538"/>
-                  <a:pt x="2016369" y="2309446"/>
-                </a:cubicBezTo>
-                <a:cubicBezTo>
-                  <a:pt x="2004646" y="2313354"/>
-                  <a:pt x="1993263" y="2318488"/>
-                  <a:pt x="1981200" y="2321169"/>
-                </a:cubicBezTo>
-                <a:cubicBezTo>
-                  <a:pt x="1958357" y="2326245"/>
-                  <a:pt x="1847496" y="2342538"/>
-                  <a:pt x="1828800" y="2344615"/>
-                </a:cubicBezTo>
-                <a:cubicBezTo>
-                  <a:pt x="1726562" y="2355975"/>
-                  <a:pt x="1626923" y="2361200"/>
-                  <a:pt x="1524000" y="2368062"/>
-                </a:cubicBezTo>
-                <a:lnTo>
-                  <a:pt x="1043354" y="2356338"/>
-                </a:lnTo>
-                <a:cubicBezTo>
-                  <a:pt x="996333" y="2354564"/>
-                  <a:pt x="949473" y="2349541"/>
-                  <a:pt x="902677" y="2344615"/>
-                </a:cubicBezTo>
-                <a:cubicBezTo>
-                  <a:pt x="856189" y="2339722"/>
-                  <a:pt x="807834" y="2331354"/>
-                  <a:pt x="762000" y="2321169"/>
-                </a:cubicBezTo>
-                <a:cubicBezTo>
-                  <a:pt x="735745" y="2315335"/>
-                  <a:pt x="661958" y="2296313"/>
-                  <a:pt x="644769" y="2286000"/>
-                </a:cubicBezTo>
-                <a:cubicBezTo>
-                  <a:pt x="625231" y="2274277"/>
-                  <a:pt x="605476" y="2262907"/>
-                  <a:pt x="586154" y="2250831"/>
-                </a:cubicBezTo>
-                <a:cubicBezTo>
-                  <a:pt x="574206" y="2243364"/>
-                  <a:pt x="561987" y="2236187"/>
-                  <a:pt x="550985" y="2227385"/>
-                </a:cubicBezTo>
-                <a:cubicBezTo>
-                  <a:pt x="542354" y="2220480"/>
-                  <a:pt x="536380" y="2210570"/>
-                  <a:pt x="527538" y="2203938"/>
-                </a:cubicBezTo>
-                <a:cubicBezTo>
-                  <a:pt x="504995" y="2187031"/>
-                  <a:pt x="480646" y="2172677"/>
-                  <a:pt x="457200" y="2157046"/>
-                </a:cubicBezTo>
-                <a:lnTo>
-                  <a:pt x="422031" y="2133600"/>
-                </a:lnTo>
-                <a:cubicBezTo>
-                  <a:pt x="414376" y="2122118"/>
-                  <a:pt x="357323" y="2033723"/>
-                  <a:pt x="339969" y="2016369"/>
-                </a:cubicBezTo>
-                <a:cubicBezTo>
-                  <a:pt x="247748" y="1924147"/>
-                  <a:pt x="365664" y="2072993"/>
-                  <a:pt x="269631" y="1957754"/>
-                </a:cubicBezTo>
-                <a:cubicBezTo>
-                  <a:pt x="195688" y="1869023"/>
-                  <a:pt x="290952" y="1967352"/>
-                  <a:pt x="222738" y="1899138"/>
-                </a:cubicBezTo>
-                <a:cubicBezTo>
-                  <a:pt x="193272" y="1810740"/>
-                  <a:pt x="233020" y="1919702"/>
-                  <a:pt x="187569" y="1828800"/>
-                </a:cubicBezTo>
-                <a:cubicBezTo>
-                  <a:pt x="139034" y="1731729"/>
-                  <a:pt x="219593" y="1859251"/>
-                  <a:pt x="152400" y="1758462"/>
-                </a:cubicBezTo>
-                <a:cubicBezTo>
-                  <a:pt x="148492" y="1746739"/>
-                  <a:pt x="146678" y="1734094"/>
-                  <a:pt x="140677" y="1723292"/>
-                </a:cubicBezTo>
-                <a:cubicBezTo>
-                  <a:pt x="126992" y="1698659"/>
-                  <a:pt x="102696" y="1679686"/>
-                  <a:pt x="93785" y="1652954"/>
-                </a:cubicBezTo>
-                <a:cubicBezTo>
-                  <a:pt x="43486" y="1502061"/>
-                  <a:pt x="91753" y="1656554"/>
-                  <a:pt x="58615" y="1524000"/>
-                </a:cubicBezTo>
-                <a:cubicBezTo>
-                  <a:pt x="55618" y="1512012"/>
-                  <a:pt x="50287" y="1500713"/>
-                  <a:pt x="46892" y="1488831"/>
-                </a:cubicBezTo>
-                <a:cubicBezTo>
-                  <a:pt x="42466" y="1473339"/>
-                  <a:pt x="39799" y="1457371"/>
-                  <a:pt x="35169" y="1441938"/>
-                </a:cubicBezTo>
-                <a:cubicBezTo>
-                  <a:pt x="28067" y="1418266"/>
-                  <a:pt x="16570" y="1395834"/>
-                  <a:pt x="11723" y="1371600"/>
-                </a:cubicBezTo>
-                <a:lnTo>
-                  <a:pt x="0" y="1312985"/>
-                </a:lnTo>
-                <a:cubicBezTo>
-                  <a:pt x="13471" y="1272572"/>
-                  <a:pt x="2985" y="1286553"/>
-                  <a:pt x="23446" y="1266092"/>
-                </a:cubicBezTo>
-              </a:path>
-            </a:pathLst>
-          </a:custGeom>
-          <a:noFill/>
-          <a:ln w="25400">
-            <a:solidFill>
-              <a:schemeClr val="tx2"/>
-            </a:solidFill>
-          </a:ln>
-          <a:effectLst/>
-          <a:extLst>
-            <a:ext uri="{909E8E84-426E-40dd-AFC4-6F175D3DCCD1}">
-              <a14:hiddenFill xmlns="" xmlns:a14="http://schemas.microsoft.com/office/drawing/2010/main">
-                <a:solidFill>
-                  <a:schemeClr val="accent1"/>
-                </a:solidFill>
-              </a14:hiddenFill>
-            </a:ext>
-            <a:ext uri="{91240B29-F687-4f45-9708-019B960494DF}">
-              <a14:hiddenLine xmlns="" xmlns:a14="http://schemas.microsoft.com/office/drawing/2010/main" w="9525" cap="flat" cmpd="sng" algn="ctr">
-                <a:solidFill>
-                  <a:schemeClr val="tx1"/>
-                </a:solidFill>
-                <a:prstDash val="solid"/>
-                <a:round/>
-                <a:headEnd type="none" w="med" len="med"/>
-                <a:tailEnd type="none" w="med" len="med"/>
-              </a14:hiddenLine>
-            </a:ext>
-            <a:ext uri="{AF507438-7753-43e0-B8FC-AC1667EBCBE1}">
-              <a14:hiddenEffects xmlns="" xmlns:a14="http://schemas.microsoft.com/office/drawing/2010/main">
-                <a:effectLst>
-                  <a:outerShdw blurRad="63500" dist="35921" dir="2700000" algn="ctr" rotWithShape="0">
-                    <a:schemeClr val="bg2"/>
-                  </a:outerShdw>
-                </a:effectLst>
-              </a14:hiddenEffects>
-            </a:ext>
-          </a:extLst>
-        </p:spPr>
-        <p:txBody>
-          <a:bodyPr rtlCol="0" anchor="ctr"/>
-          <a:lstStyle/>
-          <a:p>
-            <a:pPr algn="ctr"/>
-            <a:endParaRPr lang="en-US"/>
-          </a:p>
-        </p:txBody>
-      </p:sp>
+          </p:spPr>
+          <p:txBody>
+            <a:bodyPr rtlCol="0" anchor="ctr"/>
+            <a:lstStyle/>
+            <a:p>
+              <a:pPr algn="ctr"/>
+              <a:endParaRPr lang="en-US"/>
+            </a:p>
+          </p:txBody>
+        </p:sp>
+      </p:grpSp>
     </p:spTree>
     <p:extLst>
       <p:ext uri="{BB962C8B-B14F-4D97-AF65-F5344CB8AC3E}">
